--- a/Assignment3/Patel-Grenier.pptx
+++ b/Assignment3/Patel-Grenier.pptx
@@ -248,7 +248,7 @@
           <a:p>
             <a:fld id="{B469C488-50F0-4096-89F5-3002AB02392B}" type="datetimeFigureOut">
               <a:rPr lang="en-CA" smtClean="0"/>
-              <a:t>2024-03-30</a:t>
+              <a:t>2024-04-10</a:t>
             </a:fld>
             <a:endParaRPr lang="en-CA"/>
           </a:p>
@@ -418,7 +418,7 @@
           <a:p>
             <a:fld id="{B469C488-50F0-4096-89F5-3002AB02392B}" type="datetimeFigureOut">
               <a:rPr lang="en-CA" smtClean="0"/>
-              <a:t>2024-03-30</a:t>
+              <a:t>2024-04-10</a:t>
             </a:fld>
             <a:endParaRPr lang="en-CA"/>
           </a:p>
@@ -598,7 +598,7 @@
           <a:p>
             <a:fld id="{B469C488-50F0-4096-89F5-3002AB02392B}" type="datetimeFigureOut">
               <a:rPr lang="en-CA" smtClean="0"/>
-              <a:t>2024-03-30</a:t>
+              <a:t>2024-04-10</a:t>
             </a:fld>
             <a:endParaRPr lang="en-CA"/>
           </a:p>
@@ -768,7 +768,7 @@
           <a:p>
             <a:fld id="{B469C488-50F0-4096-89F5-3002AB02392B}" type="datetimeFigureOut">
               <a:rPr lang="en-CA" smtClean="0"/>
-              <a:t>2024-03-30</a:t>
+              <a:t>2024-04-10</a:t>
             </a:fld>
             <a:endParaRPr lang="en-CA"/>
           </a:p>
@@ -1012,7 +1012,7 @@
           <a:p>
             <a:fld id="{B469C488-50F0-4096-89F5-3002AB02392B}" type="datetimeFigureOut">
               <a:rPr lang="en-CA" smtClean="0"/>
-              <a:t>2024-03-30</a:t>
+              <a:t>2024-04-10</a:t>
             </a:fld>
             <a:endParaRPr lang="en-CA"/>
           </a:p>
@@ -1244,7 +1244,7 @@
           <a:p>
             <a:fld id="{B469C488-50F0-4096-89F5-3002AB02392B}" type="datetimeFigureOut">
               <a:rPr lang="en-CA" smtClean="0"/>
-              <a:t>2024-03-30</a:t>
+              <a:t>2024-04-10</a:t>
             </a:fld>
             <a:endParaRPr lang="en-CA"/>
           </a:p>
@@ -1611,7 +1611,7 @@
           <a:p>
             <a:fld id="{B469C488-50F0-4096-89F5-3002AB02392B}" type="datetimeFigureOut">
               <a:rPr lang="en-CA" smtClean="0"/>
-              <a:t>2024-03-30</a:t>
+              <a:t>2024-04-10</a:t>
             </a:fld>
             <a:endParaRPr lang="en-CA"/>
           </a:p>
@@ -1729,7 +1729,7 @@
           <a:p>
             <a:fld id="{B469C488-50F0-4096-89F5-3002AB02392B}" type="datetimeFigureOut">
               <a:rPr lang="en-CA" smtClean="0"/>
-              <a:t>2024-03-30</a:t>
+              <a:t>2024-04-10</a:t>
             </a:fld>
             <a:endParaRPr lang="en-CA"/>
           </a:p>
@@ -1824,7 +1824,7 @@
           <a:p>
             <a:fld id="{B469C488-50F0-4096-89F5-3002AB02392B}" type="datetimeFigureOut">
               <a:rPr lang="en-CA" smtClean="0"/>
-              <a:t>2024-03-30</a:t>
+              <a:t>2024-04-10</a:t>
             </a:fld>
             <a:endParaRPr lang="en-CA"/>
           </a:p>
@@ -2101,7 +2101,7 @@
           <a:p>
             <a:fld id="{B469C488-50F0-4096-89F5-3002AB02392B}" type="datetimeFigureOut">
               <a:rPr lang="en-CA" smtClean="0"/>
-              <a:t>2024-03-30</a:t>
+              <a:t>2024-04-10</a:t>
             </a:fld>
             <a:endParaRPr lang="en-CA"/>
           </a:p>
@@ -2358,7 +2358,7 @@
           <a:p>
             <a:fld id="{B469C488-50F0-4096-89F5-3002AB02392B}" type="datetimeFigureOut">
               <a:rPr lang="en-CA" smtClean="0"/>
-              <a:t>2024-03-30</a:t>
+              <a:t>2024-04-10</a:t>
             </a:fld>
             <a:endParaRPr lang="en-CA"/>
           </a:p>
@@ -2571,7 +2571,7 @@
           <a:p>
             <a:fld id="{B469C488-50F0-4096-89F5-3002AB02392B}" type="datetimeFigureOut">
               <a:rPr lang="en-CA" smtClean="0"/>
-              <a:t>2024-03-30</a:t>
+              <a:t>2024-04-10</a:t>
             </a:fld>
             <a:endParaRPr lang="en-CA"/>
           </a:p>
@@ -2997,7 +2997,7 @@
           </a:xfrm>
           <a:prstGeom prst="roundRect">
             <a:avLst>
-              <a:gd name="adj" fmla="val 16667"/>
+              <a:gd name="adj" fmla="val 10127"/>
             </a:avLst>
           </a:prstGeom>
           <a:noFill/>
@@ -3336,8 +3336,8 @@
         </p:nvSpPr>
         <p:spPr>
           <a:xfrm>
-            <a:off x="1080624" y="1385225"/>
-            <a:ext cx="6151782" cy="4087550"/>
+            <a:off x="1080624" y="1385224"/>
+            <a:ext cx="7269746" cy="5015575"/>
           </a:xfrm>
           <a:prstGeom prst="rect">
             <a:avLst/>
@@ -3597,6 +3597,1095 @@
           </p:style>
         </p:cxnSp>
       </p:grpSp>
+      <p:sp>
+        <p:nvSpPr>
+          <p:cNvPr id="11" name="Flowchart: Connector 10">
+            <a:extLst>
+              <a:ext uri="{FF2B5EF4-FFF2-40B4-BE49-F238E27FC236}">
+                <a16:creationId xmlns:a16="http://schemas.microsoft.com/office/drawing/2014/main" id="{540A7869-AE36-215D-7472-FEDE95F93DEA}"/>
+              </a:ext>
+            </a:extLst>
+          </p:cNvPr>
+          <p:cNvSpPr/>
+          <p:nvPr/>
+        </p:nvSpPr>
+        <p:spPr>
+          <a:xfrm>
+            <a:off x="2369312" y="2603580"/>
+            <a:ext cx="370367" cy="353683"/>
+          </a:xfrm>
+          <a:prstGeom prst="flowChartConnector">
+            <a:avLst/>
+          </a:prstGeom>
+          <a:solidFill>
+            <a:schemeClr val="tx1"/>
+          </a:solidFill>
+        </p:spPr>
+        <p:style>
+          <a:lnRef idx="2">
+            <a:schemeClr val="accent1">
+              <a:shade val="15000"/>
+            </a:schemeClr>
+          </a:lnRef>
+          <a:fillRef idx="1">
+            <a:schemeClr val="accent1"/>
+          </a:fillRef>
+          <a:effectRef idx="0">
+            <a:schemeClr val="accent1"/>
+          </a:effectRef>
+          <a:fontRef idx="minor">
+            <a:schemeClr val="lt1"/>
+          </a:fontRef>
+        </p:style>
+        <p:txBody>
+          <a:bodyPr rtlCol="0" anchor="ctr"/>
+          <a:lstStyle/>
+          <a:p>
+            <a:pPr algn="ctr"/>
+            <a:endParaRPr lang="en-CA" dirty="0"/>
+          </a:p>
+        </p:txBody>
+      </p:sp>
+      <p:cxnSp>
+        <p:nvCxnSpPr>
+          <p:cNvPr id="13" name="Connector: Curved 12">
+            <a:extLst>
+              <a:ext uri="{FF2B5EF4-FFF2-40B4-BE49-F238E27FC236}">
+                <a16:creationId xmlns:a16="http://schemas.microsoft.com/office/drawing/2014/main" id="{DAB512C6-7C28-843A-373E-DBABCCDE5FD0}"/>
+              </a:ext>
+            </a:extLst>
+          </p:cNvPr>
+          <p:cNvCxnSpPr>
+            <a:cxnSpLocks/>
+            <a:stCxn id="11" idx="6"/>
+            <a:endCxn id="58" idx="1"/>
+          </p:cNvCxnSpPr>
+          <p:nvPr/>
+        </p:nvCxnSpPr>
+        <p:spPr>
+          <a:xfrm>
+            <a:off x="2739679" y="2780422"/>
+            <a:ext cx="787850" cy="1"/>
+          </a:xfrm>
+          <a:prstGeom prst="curvedConnector3">
+            <a:avLst/>
+          </a:prstGeom>
+          <a:ln>
+            <a:solidFill>
+              <a:schemeClr val="tx1"/>
+            </a:solidFill>
+            <a:tailEnd type="triangle"/>
+          </a:ln>
+        </p:spPr>
+        <p:style>
+          <a:lnRef idx="1">
+            <a:schemeClr val="accent1"/>
+          </a:lnRef>
+          <a:fillRef idx="0">
+            <a:schemeClr val="accent1"/>
+          </a:fillRef>
+          <a:effectRef idx="0">
+            <a:schemeClr val="accent1"/>
+          </a:effectRef>
+          <a:fontRef idx="minor">
+            <a:schemeClr val="tx1"/>
+          </a:fontRef>
+        </p:style>
+      </p:cxnSp>
+      <p:sp>
+        <p:nvSpPr>
+          <p:cNvPr id="16" name="AutoShape 23">
+            <a:extLst>
+              <a:ext uri="{FF2B5EF4-FFF2-40B4-BE49-F238E27FC236}">
+                <a16:creationId xmlns:a16="http://schemas.microsoft.com/office/drawing/2014/main" id="{7D40307E-5D44-DC2E-F5D4-7390B5DDE341}"/>
+              </a:ext>
+            </a:extLst>
+          </p:cNvPr>
+          <p:cNvSpPr>
+            <a:spLocks noChangeArrowheads="1"/>
+          </p:cNvSpPr>
+          <p:nvPr/>
+        </p:nvSpPr>
+        <p:spPr bwMode="auto">
+          <a:xfrm>
+            <a:off x="3533541" y="4943278"/>
+            <a:ext cx="1656184" cy="791425"/>
+          </a:xfrm>
+          <a:prstGeom prst="roundRect">
+            <a:avLst>
+              <a:gd name="adj" fmla="val 10127"/>
+            </a:avLst>
+          </a:prstGeom>
+          <a:noFill/>
+          <a:ln w="9525">
+            <a:solidFill>
+              <a:schemeClr val="tx1"/>
+            </a:solidFill>
+            <a:round/>
+            <a:headEnd/>
+            <a:tailEnd type="none" w="lg" len="lg"/>
+          </a:ln>
+          <a:effectLst/>
+        </p:spPr>
+        <p:txBody>
+          <a:bodyPr wrap="none" anchor="ctr"/>
+          <a:lstStyle/>
+          <a:p>
+            <a:pPr algn="ctr"/>
+            <a:r>
+              <a:rPr lang="en-CA" sz="1400" dirty="0">
+                <a:solidFill>
+                  <a:srgbClr val="0000FF"/>
+                </a:solidFill>
+                <a:cs typeface="Arial" panose="020B0604020202020204" pitchFamily="34" charset="0"/>
+              </a:rPr>
+              <a:t>PAUSE</a:t>
+            </a:r>
+          </a:p>
+        </p:txBody>
+      </p:sp>
+      <p:sp>
+        <p:nvSpPr>
+          <p:cNvPr id="21" name="TextBox 20">
+            <a:extLst>
+              <a:ext uri="{FF2B5EF4-FFF2-40B4-BE49-F238E27FC236}">
+                <a16:creationId xmlns:a16="http://schemas.microsoft.com/office/drawing/2014/main" id="{898A5FB8-4C78-4E7B-2CF8-2B50087748B6}"/>
+              </a:ext>
+            </a:extLst>
+          </p:cNvPr>
+          <p:cNvSpPr txBox="1"/>
+          <p:nvPr/>
+        </p:nvSpPr>
+        <p:spPr>
+          <a:xfrm>
+            <a:off x="5176627" y="2942719"/>
+            <a:ext cx="585417" cy="246221"/>
+          </a:xfrm>
+          <a:prstGeom prst="rect">
+            <a:avLst/>
+          </a:prstGeom>
+          <a:noFill/>
+        </p:spPr>
+        <p:txBody>
+          <a:bodyPr wrap="none" rtlCol="0">
+            <a:spAutoFit/>
+          </a:bodyPr>
+          <a:lstStyle/>
+          <a:p>
+            <a:r>
+              <a:rPr lang="en-CA" sz="1000" dirty="0"/>
+              <a:t>shut off</a:t>
+            </a:r>
+          </a:p>
+        </p:txBody>
+      </p:sp>
+      <p:grpSp>
+        <p:nvGrpSpPr>
+          <p:cNvPr id="25" name="Group 24">
+            <a:extLst>
+              <a:ext uri="{FF2B5EF4-FFF2-40B4-BE49-F238E27FC236}">
+                <a16:creationId xmlns:a16="http://schemas.microsoft.com/office/drawing/2014/main" id="{6917DFE6-CC73-10B7-38D4-39F7505B483A}"/>
+              </a:ext>
+            </a:extLst>
+          </p:cNvPr>
+          <p:cNvGrpSpPr/>
+          <p:nvPr/>
+        </p:nvGrpSpPr>
+        <p:grpSpPr>
+          <a:xfrm>
+            <a:off x="6667211" y="2662822"/>
+            <a:ext cx="591189" cy="554378"/>
+            <a:chOff x="7761854" y="531449"/>
+            <a:chExt cx="567261" cy="530526"/>
+          </a:xfrm>
+        </p:grpSpPr>
+        <p:sp>
+          <p:nvSpPr>
+            <p:cNvPr id="22" name="Flowchart: Connector 21">
+              <a:extLst>
+                <a:ext uri="{FF2B5EF4-FFF2-40B4-BE49-F238E27FC236}">
+                  <a16:creationId xmlns:a16="http://schemas.microsoft.com/office/drawing/2014/main" id="{38012105-A139-CD88-C13D-8A43A9F728B0}"/>
+                </a:ext>
+              </a:extLst>
+            </p:cNvPr>
+            <p:cNvSpPr/>
+            <p:nvPr/>
+          </p:nvSpPr>
+          <p:spPr>
+            <a:xfrm>
+              <a:off x="7860302" y="619871"/>
+              <a:ext cx="370367" cy="353683"/>
+            </a:xfrm>
+            <a:prstGeom prst="flowChartConnector">
+              <a:avLst/>
+            </a:prstGeom>
+            <a:solidFill>
+              <a:schemeClr val="tx1"/>
+            </a:solidFill>
+          </p:spPr>
+          <p:style>
+            <a:lnRef idx="2">
+              <a:schemeClr val="accent1">
+                <a:shade val="15000"/>
+              </a:schemeClr>
+            </a:lnRef>
+            <a:fillRef idx="1">
+              <a:schemeClr val="accent1"/>
+            </a:fillRef>
+            <a:effectRef idx="0">
+              <a:schemeClr val="accent1"/>
+            </a:effectRef>
+            <a:fontRef idx="minor">
+              <a:schemeClr val="lt1"/>
+            </a:fontRef>
+          </p:style>
+          <p:txBody>
+            <a:bodyPr rtlCol="0" anchor="ctr"/>
+            <a:lstStyle/>
+            <a:p>
+              <a:pPr algn="ctr"/>
+              <a:endParaRPr lang="en-CA" dirty="0"/>
+            </a:p>
+          </p:txBody>
+        </p:sp>
+        <p:sp>
+          <p:nvSpPr>
+            <p:cNvPr id="23" name="Flowchart: Connector 22">
+              <a:extLst>
+                <a:ext uri="{FF2B5EF4-FFF2-40B4-BE49-F238E27FC236}">
+                  <a16:creationId xmlns:a16="http://schemas.microsoft.com/office/drawing/2014/main" id="{3E59846A-3425-1700-FD11-0BB0D96D16E0}"/>
+                </a:ext>
+              </a:extLst>
+            </p:cNvPr>
+            <p:cNvSpPr/>
+            <p:nvPr/>
+          </p:nvSpPr>
+          <p:spPr>
+            <a:xfrm>
+              <a:off x="7761854" y="531449"/>
+              <a:ext cx="567261" cy="530526"/>
+            </a:xfrm>
+            <a:prstGeom prst="flowChartConnector">
+              <a:avLst/>
+            </a:prstGeom>
+            <a:noFill/>
+          </p:spPr>
+          <p:style>
+            <a:lnRef idx="2">
+              <a:schemeClr val="accent1">
+                <a:shade val="15000"/>
+              </a:schemeClr>
+            </a:lnRef>
+            <a:fillRef idx="1">
+              <a:schemeClr val="accent1"/>
+            </a:fillRef>
+            <a:effectRef idx="0">
+              <a:schemeClr val="accent1"/>
+            </a:effectRef>
+            <a:fontRef idx="minor">
+              <a:schemeClr val="lt1"/>
+            </a:fontRef>
+          </p:style>
+          <p:txBody>
+            <a:bodyPr rtlCol="0" anchor="ctr"/>
+            <a:lstStyle/>
+            <a:p>
+              <a:pPr algn="ctr"/>
+              <a:endParaRPr lang="en-CA"/>
+            </a:p>
+          </p:txBody>
+        </p:sp>
+      </p:grpSp>
+      <p:sp>
+        <p:nvSpPr>
+          <p:cNvPr id="36" name="TextBox 35">
+            <a:extLst>
+              <a:ext uri="{FF2B5EF4-FFF2-40B4-BE49-F238E27FC236}">
+                <a16:creationId xmlns:a16="http://schemas.microsoft.com/office/drawing/2014/main" id="{52E9DC73-96B1-4433-345A-52D8D3F57F48}"/>
+              </a:ext>
+            </a:extLst>
+          </p:cNvPr>
+          <p:cNvSpPr txBox="1"/>
+          <p:nvPr/>
+        </p:nvSpPr>
+        <p:spPr>
+          <a:xfrm>
+            <a:off x="2160130" y="3769900"/>
+            <a:ext cx="1835504" cy="400110"/>
+          </a:xfrm>
+          <a:prstGeom prst="rect">
+            <a:avLst/>
+          </a:prstGeom>
+          <a:noFill/>
+        </p:spPr>
+        <p:txBody>
+          <a:bodyPr wrap="square" rtlCol="0">
+            <a:spAutoFit/>
+          </a:bodyPr>
+          <a:lstStyle/>
+          <a:p>
+            <a:r>
+              <a:rPr lang="en-CA" sz="1000" dirty="0"/>
+              <a:t>when [power out] / switch to battery</a:t>
+            </a:r>
+          </a:p>
+        </p:txBody>
+      </p:sp>
+      <p:cxnSp>
+        <p:nvCxnSpPr>
+          <p:cNvPr id="40" name="Straight Arrow Connector 39">
+            <a:extLst>
+              <a:ext uri="{FF2B5EF4-FFF2-40B4-BE49-F238E27FC236}">
+                <a16:creationId xmlns:a16="http://schemas.microsoft.com/office/drawing/2014/main" id="{D8A9EE05-E9B9-A26F-5B41-9FB7E098A2FC}"/>
+              </a:ext>
+            </a:extLst>
+          </p:cNvPr>
+          <p:cNvCxnSpPr>
+            <a:cxnSpLocks/>
+          </p:cNvCxnSpPr>
+          <p:nvPr/>
+        </p:nvCxnSpPr>
+        <p:spPr>
+          <a:xfrm>
+            <a:off x="3850213" y="3183173"/>
+            <a:ext cx="0" cy="1758120"/>
+          </a:xfrm>
+          <a:prstGeom prst="straightConnector1">
+            <a:avLst/>
+          </a:prstGeom>
+          <a:ln>
+            <a:solidFill>
+              <a:schemeClr val="tx1"/>
+            </a:solidFill>
+            <a:tailEnd type="triangle"/>
+          </a:ln>
+        </p:spPr>
+        <p:style>
+          <a:lnRef idx="1">
+            <a:schemeClr val="accent1"/>
+          </a:lnRef>
+          <a:fillRef idx="0">
+            <a:schemeClr val="accent1"/>
+          </a:fillRef>
+          <a:effectRef idx="0">
+            <a:schemeClr val="accent1"/>
+          </a:effectRef>
+          <a:fontRef idx="minor">
+            <a:schemeClr val="tx1"/>
+          </a:fontRef>
+        </p:style>
+      </p:cxnSp>
+      <p:cxnSp>
+        <p:nvCxnSpPr>
+          <p:cNvPr id="41" name="Straight Arrow Connector 40">
+            <a:extLst>
+              <a:ext uri="{FF2B5EF4-FFF2-40B4-BE49-F238E27FC236}">
+                <a16:creationId xmlns:a16="http://schemas.microsoft.com/office/drawing/2014/main" id="{DE5F2E29-190C-9A02-1AE9-08CF7792FA09}"/>
+              </a:ext>
+            </a:extLst>
+          </p:cNvPr>
+          <p:cNvCxnSpPr>
+            <a:cxnSpLocks/>
+          </p:cNvCxnSpPr>
+          <p:nvPr/>
+        </p:nvCxnSpPr>
+        <p:spPr>
+          <a:xfrm flipV="1">
+            <a:off x="4850487" y="4389741"/>
+            <a:ext cx="0" cy="553536"/>
+          </a:xfrm>
+          <a:prstGeom prst="straightConnector1">
+            <a:avLst/>
+          </a:prstGeom>
+          <a:ln>
+            <a:solidFill>
+              <a:schemeClr val="tx1"/>
+            </a:solidFill>
+            <a:tailEnd type="triangle"/>
+          </a:ln>
+        </p:spPr>
+        <p:style>
+          <a:lnRef idx="1">
+            <a:schemeClr val="accent1"/>
+          </a:lnRef>
+          <a:fillRef idx="0">
+            <a:schemeClr val="accent1"/>
+          </a:fillRef>
+          <a:effectRef idx="0">
+            <a:schemeClr val="accent1"/>
+          </a:effectRef>
+          <a:fontRef idx="minor">
+            <a:schemeClr val="tx1"/>
+          </a:fontRef>
+        </p:style>
+      </p:cxnSp>
+      <p:sp>
+        <p:nvSpPr>
+          <p:cNvPr id="50" name="TextBox 49">
+            <a:extLst>
+              <a:ext uri="{FF2B5EF4-FFF2-40B4-BE49-F238E27FC236}">
+                <a16:creationId xmlns:a16="http://schemas.microsoft.com/office/drawing/2014/main" id="{7303BC9B-D70B-97D4-123F-0E53FDF19269}"/>
+              </a:ext>
+            </a:extLst>
+          </p:cNvPr>
+          <p:cNvSpPr txBox="1"/>
+          <p:nvPr/>
+        </p:nvSpPr>
+        <p:spPr>
+          <a:xfrm>
+            <a:off x="4850487" y="4571514"/>
+            <a:ext cx="747320" cy="246221"/>
+          </a:xfrm>
+          <a:prstGeom prst="rect">
+            <a:avLst/>
+          </a:prstGeom>
+          <a:noFill/>
+        </p:spPr>
+        <p:txBody>
+          <a:bodyPr wrap="none" rtlCol="0">
+            <a:spAutoFit/>
+          </a:bodyPr>
+          <a:lstStyle/>
+          <a:p>
+            <a:r>
+              <a:rPr lang="en-CA" sz="1000" dirty="0"/>
+              <a:t>after(10m)</a:t>
+            </a:r>
+          </a:p>
+        </p:txBody>
+      </p:sp>
+      <p:sp>
+        <p:nvSpPr>
+          <p:cNvPr id="51" name="Flowchart: Decision 50">
+            <a:extLst>
+              <a:ext uri="{FF2B5EF4-FFF2-40B4-BE49-F238E27FC236}">
+                <a16:creationId xmlns:a16="http://schemas.microsoft.com/office/drawing/2014/main" id="{68387066-77ED-1712-E0BB-4C84FD2C2061}"/>
+              </a:ext>
+            </a:extLst>
+          </p:cNvPr>
+          <p:cNvSpPr/>
+          <p:nvPr/>
+        </p:nvSpPr>
+        <p:spPr>
+          <a:xfrm>
+            <a:off x="4254592" y="3932244"/>
+            <a:ext cx="1191789" cy="450773"/>
+          </a:xfrm>
+          <a:prstGeom prst="flowChartDecision">
+            <a:avLst/>
+          </a:prstGeom>
+          <a:noFill/>
+        </p:spPr>
+        <p:style>
+          <a:lnRef idx="2">
+            <a:schemeClr val="accent1">
+              <a:shade val="15000"/>
+            </a:schemeClr>
+          </a:lnRef>
+          <a:fillRef idx="1">
+            <a:schemeClr val="accent1"/>
+          </a:fillRef>
+          <a:effectRef idx="0">
+            <a:schemeClr val="accent1"/>
+          </a:effectRef>
+          <a:fontRef idx="minor">
+            <a:schemeClr val="lt1"/>
+          </a:fontRef>
+        </p:style>
+        <p:txBody>
+          <a:bodyPr rtlCol="0" anchor="ctr"/>
+          <a:lstStyle/>
+          <a:p>
+            <a:pPr algn="ctr"/>
+            <a:r>
+              <a:rPr lang="en-CA" sz="1000" dirty="0">
+                <a:solidFill>
+                  <a:schemeClr val="tx1"/>
+                </a:solidFill>
+              </a:rPr>
+              <a:t>power mode</a:t>
+            </a:r>
+          </a:p>
+        </p:txBody>
+      </p:sp>
+      <p:cxnSp>
+        <p:nvCxnSpPr>
+          <p:cNvPr id="53" name="Straight Arrow Connector 52">
+            <a:extLst>
+              <a:ext uri="{FF2B5EF4-FFF2-40B4-BE49-F238E27FC236}">
+                <a16:creationId xmlns:a16="http://schemas.microsoft.com/office/drawing/2014/main" id="{72AA5D0B-A7B8-F325-ED57-58AAF5C32F96}"/>
+              </a:ext>
+            </a:extLst>
+          </p:cNvPr>
+          <p:cNvCxnSpPr>
+            <a:cxnSpLocks/>
+            <a:stCxn id="51" idx="0"/>
+          </p:cNvCxnSpPr>
+          <p:nvPr/>
+        </p:nvCxnSpPr>
+        <p:spPr>
+          <a:xfrm flipH="1" flipV="1">
+            <a:off x="4850486" y="3190785"/>
+            <a:ext cx="1" cy="741459"/>
+          </a:xfrm>
+          <a:prstGeom prst="straightConnector1">
+            <a:avLst/>
+          </a:prstGeom>
+          <a:ln>
+            <a:solidFill>
+              <a:schemeClr val="tx1"/>
+            </a:solidFill>
+            <a:tailEnd type="triangle"/>
+          </a:ln>
+        </p:spPr>
+        <p:style>
+          <a:lnRef idx="1">
+            <a:schemeClr val="accent1"/>
+          </a:lnRef>
+          <a:fillRef idx="0">
+            <a:schemeClr val="accent1"/>
+          </a:fillRef>
+          <a:effectRef idx="0">
+            <a:schemeClr val="accent1"/>
+          </a:effectRef>
+          <a:fontRef idx="minor">
+            <a:schemeClr val="tx1"/>
+          </a:fontRef>
+        </p:style>
+      </p:cxnSp>
+      <p:cxnSp>
+        <p:nvCxnSpPr>
+          <p:cNvPr id="56" name="Connector: Curved 55">
+            <a:extLst>
+              <a:ext uri="{FF2B5EF4-FFF2-40B4-BE49-F238E27FC236}">
+                <a16:creationId xmlns:a16="http://schemas.microsoft.com/office/drawing/2014/main" id="{A70B723A-BF1B-61BC-6BC9-D892EF971D0F}"/>
+              </a:ext>
+            </a:extLst>
+          </p:cNvPr>
+          <p:cNvCxnSpPr>
+            <a:cxnSpLocks/>
+            <a:stCxn id="51" idx="3"/>
+            <a:endCxn id="23" idx="4"/>
+          </p:cNvCxnSpPr>
+          <p:nvPr/>
+        </p:nvCxnSpPr>
+        <p:spPr>
+          <a:xfrm flipV="1">
+            <a:off x="5446381" y="3217200"/>
+            <a:ext cx="1516425" cy="940431"/>
+          </a:xfrm>
+          <a:prstGeom prst="curvedConnector2">
+            <a:avLst/>
+          </a:prstGeom>
+          <a:ln>
+            <a:solidFill>
+              <a:schemeClr val="tx1"/>
+            </a:solidFill>
+            <a:tailEnd type="triangle"/>
+          </a:ln>
+        </p:spPr>
+        <p:style>
+          <a:lnRef idx="1">
+            <a:schemeClr val="accent1"/>
+          </a:lnRef>
+          <a:fillRef idx="0">
+            <a:schemeClr val="accent1"/>
+          </a:fillRef>
+          <a:effectRef idx="0">
+            <a:schemeClr val="accent1"/>
+          </a:effectRef>
+          <a:fontRef idx="minor">
+            <a:schemeClr val="tx1"/>
+          </a:fontRef>
+        </p:style>
+      </p:cxnSp>
+      <p:sp>
+        <p:nvSpPr>
+          <p:cNvPr id="59" name="TextBox 58">
+            <a:extLst>
+              <a:ext uri="{FF2B5EF4-FFF2-40B4-BE49-F238E27FC236}">
+                <a16:creationId xmlns:a16="http://schemas.microsoft.com/office/drawing/2014/main" id="{B37AE03D-CDC8-9E37-9FF4-3ECF6BD63D04}"/>
+              </a:ext>
+            </a:extLst>
+          </p:cNvPr>
+          <p:cNvSpPr txBox="1"/>
+          <p:nvPr/>
+        </p:nvSpPr>
+        <p:spPr>
+          <a:xfrm>
+            <a:off x="4768164" y="3490730"/>
+            <a:ext cx="780983" cy="246221"/>
+          </a:xfrm>
+          <a:prstGeom prst="rect">
+            <a:avLst/>
+          </a:prstGeom>
+          <a:noFill/>
+        </p:spPr>
+        <p:txBody>
+          <a:bodyPr wrap="none" rtlCol="0">
+            <a:spAutoFit/>
+          </a:bodyPr>
+          <a:lstStyle/>
+          <a:p>
+            <a:r>
+              <a:rPr lang="en-CA" sz="1000" dirty="0"/>
+              <a:t>[!= battery]</a:t>
+            </a:r>
+          </a:p>
+        </p:txBody>
+      </p:sp>
+      <p:sp>
+        <p:nvSpPr>
+          <p:cNvPr id="60" name="TextBox 59">
+            <a:extLst>
+              <a:ext uri="{FF2B5EF4-FFF2-40B4-BE49-F238E27FC236}">
+                <a16:creationId xmlns:a16="http://schemas.microsoft.com/office/drawing/2014/main" id="{DB9E4A79-343B-8196-A10B-0CBC319D5F63}"/>
+              </a:ext>
+            </a:extLst>
+          </p:cNvPr>
+          <p:cNvSpPr txBox="1"/>
+          <p:nvPr/>
+        </p:nvSpPr>
+        <p:spPr>
+          <a:xfrm>
+            <a:off x="5985980" y="3987672"/>
+            <a:ext cx="768159" cy="246221"/>
+          </a:xfrm>
+          <a:prstGeom prst="rect">
+            <a:avLst/>
+          </a:prstGeom>
+          <a:noFill/>
+        </p:spPr>
+        <p:txBody>
+          <a:bodyPr wrap="none" rtlCol="0">
+            <a:spAutoFit/>
+          </a:bodyPr>
+          <a:lstStyle/>
+          <a:p>
+            <a:r>
+              <a:rPr lang="en-CA" sz="1000" dirty="0"/>
+              <a:t>[= battery]</a:t>
+            </a:r>
+          </a:p>
+        </p:txBody>
+      </p:sp>
+      <p:sp>
+        <p:nvSpPr>
+          <p:cNvPr id="61" name="TextBox 60">
+            <a:extLst>
+              <a:ext uri="{FF2B5EF4-FFF2-40B4-BE49-F238E27FC236}">
+                <a16:creationId xmlns:a16="http://schemas.microsoft.com/office/drawing/2014/main" id="{B58FAE0C-E7D9-FB3E-CFBD-B54481669D83}"/>
+              </a:ext>
+            </a:extLst>
+          </p:cNvPr>
+          <p:cNvSpPr txBox="1"/>
+          <p:nvPr/>
+        </p:nvSpPr>
+        <p:spPr>
+          <a:xfrm>
+            <a:off x="7000437" y="2423360"/>
+            <a:ext cx="466794" cy="307777"/>
+          </a:xfrm>
+          <a:prstGeom prst="rect">
+            <a:avLst/>
+          </a:prstGeom>
+          <a:noFill/>
+        </p:spPr>
+        <p:txBody>
+          <a:bodyPr wrap="none" rtlCol="0">
+            <a:spAutoFit/>
+          </a:bodyPr>
+          <a:lstStyle/>
+          <a:p>
+            <a:r>
+              <a:rPr lang="en-CA" sz="1400" dirty="0">
+                <a:solidFill>
+                  <a:srgbClr val="0000FF"/>
+                </a:solidFill>
+              </a:rPr>
+              <a:t>OFF</a:t>
+            </a:r>
+          </a:p>
+        </p:txBody>
+      </p:sp>
+      <p:grpSp>
+        <p:nvGrpSpPr>
+          <p:cNvPr id="62" name="Group 61">
+            <a:extLst>
+              <a:ext uri="{FF2B5EF4-FFF2-40B4-BE49-F238E27FC236}">
+                <a16:creationId xmlns:a16="http://schemas.microsoft.com/office/drawing/2014/main" id="{BFA869E5-B24D-2E1F-34E5-BA7ACF1B4F1B}"/>
+              </a:ext>
+            </a:extLst>
+          </p:cNvPr>
+          <p:cNvGrpSpPr/>
+          <p:nvPr/>
+        </p:nvGrpSpPr>
+        <p:grpSpPr>
+          <a:xfrm>
+            <a:off x="5049279" y="2492065"/>
+            <a:ext cx="274610" cy="276367"/>
+            <a:chOff x="5029361" y="1777030"/>
+            <a:chExt cx="370367" cy="353683"/>
+          </a:xfrm>
+        </p:grpSpPr>
+        <p:sp>
+          <p:nvSpPr>
+            <p:cNvPr id="63" name="Flowchart: Connector 62">
+              <a:extLst>
+                <a:ext uri="{FF2B5EF4-FFF2-40B4-BE49-F238E27FC236}">
+                  <a16:creationId xmlns:a16="http://schemas.microsoft.com/office/drawing/2014/main" id="{63CBFA53-35FE-A31B-F88C-572A6D1B586E}"/>
+                </a:ext>
+              </a:extLst>
+            </p:cNvPr>
+            <p:cNvSpPr/>
+            <p:nvPr/>
+          </p:nvSpPr>
+          <p:spPr>
+            <a:xfrm>
+              <a:off x="5029361" y="1777030"/>
+              <a:ext cx="370367" cy="353683"/>
+            </a:xfrm>
+            <a:prstGeom prst="flowChartConnector">
+              <a:avLst/>
+            </a:prstGeom>
+            <a:solidFill>
+              <a:schemeClr val="bg1"/>
+            </a:solidFill>
+          </p:spPr>
+          <p:style>
+            <a:lnRef idx="2">
+              <a:schemeClr val="accent1">
+                <a:shade val="15000"/>
+              </a:schemeClr>
+            </a:lnRef>
+            <a:fillRef idx="1">
+              <a:schemeClr val="accent1"/>
+            </a:fillRef>
+            <a:effectRef idx="0">
+              <a:schemeClr val="accent1"/>
+            </a:effectRef>
+            <a:fontRef idx="minor">
+              <a:schemeClr val="lt1"/>
+            </a:fontRef>
+          </p:style>
+          <p:txBody>
+            <a:bodyPr rtlCol="0" anchor="ctr"/>
+            <a:lstStyle/>
+            <a:p>
+              <a:pPr algn="ctr"/>
+              <a:endParaRPr lang="en-CA" dirty="0"/>
+            </a:p>
+          </p:txBody>
+        </p:sp>
+        <p:cxnSp>
+          <p:nvCxnSpPr>
+            <p:cNvPr id="66" name="Straight Connector 65">
+              <a:extLst>
+                <a:ext uri="{FF2B5EF4-FFF2-40B4-BE49-F238E27FC236}">
+                  <a16:creationId xmlns:a16="http://schemas.microsoft.com/office/drawing/2014/main" id="{8B90F372-1AD9-3F9B-C217-AE7FA6AAE5DB}"/>
+                </a:ext>
+              </a:extLst>
+            </p:cNvPr>
+            <p:cNvCxnSpPr>
+              <a:cxnSpLocks/>
+              <a:stCxn id="63" idx="3"/>
+              <a:endCxn id="63" idx="7"/>
+            </p:cNvCxnSpPr>
+            <p:nvPr/>
+          </p:nvCxnSpPr>
+          <p:spPr>
+            <a:xfrm flipV="1">
+              <a:off x="5083600" y="1828826"/>
+              <a:ext cx="261889" cy="250091"/>
+            </a:xfrm>
+            <a:prstGeom prst="line">
+              <a:avLst/>
+            </a:prstGeom>
+            <a:ln>
+              <a:headEnd type="none" w="med" len="med"/>
+              <a:tailEnd type="none" w="med" len="med"/>
+            </a:ln>
+          </p:spPr>
+          <p:style>
+            <a:lnRef idx="3">
+              <a:schemeClr val="dk1"/>
+            </a:lnRef>
+            <a:fillRef idx="0">
+              <a:schemeClr val="dk1"/>
+            </a:fillRef>
+            <a:effectRef idx="2">
+              <a:schemeClr val="dk1"/>
+            </a:effectRef>
+            <a:fontRef idx="minor">
+              <a:schemeClr val="tx1"/>
+            </a:fontRef>
+          </p:style>
+        </p:cxnSp>
+        <p:cxnSp>
+          <p:nvCxnSpPr>
+            <p:cNvPr id="67" name="Straight Connector 66">
+              <a:extLst>
+                <a:ext uri="{FF2B5EF4-FFF2-40B4-BE49-F238E27FC236}">
+                  <a16:creationId xmlns:a16="http://schemas.microsoft.com/office/drawing/2014/main" id="{39F500A6-BAD1-1BDB-3AC8-FA121ED4AE2D}"/>
+                </a:ext>
+              </a:extLst>
+            </p:cNvPr>
+            <p:cNvCxnSpPr>
+              <a:cxnSpLocks/>
+              <a:stCxn id="63" idx="1"/>
+              <a:endCxn id="63" idx="5"/>
+            </p:cNvCxnSpPr>
+            <p:nvPr/>
+          </p:nvCxnSpPr>
+          <p:spPr>
+            <a:xfrm>
+              <a:off x="5083600" y="1828826"/>
+              <a:ext cx="261889" cy="250091"/>
+            </a:xfrm>
+            <a:prstGeom prst="line">
+              <a:avLst/>
+            </a:prstGeom>
+            <a:ln>
+              <a:headEnd type="none" w="med" len="med"/>
+              <a:tailEnd type="none" w="med" len="med"/>
+            </a:ln>
+          </p:spPr>
+          <p:style>
+            <a:lnRef idx="3">
+              <a:schemeClr val="dk1"/>
+            </a:lnRef>
+            <a:fillRef idx="0">
+              <a:schemeClr val="dk1"/>
+            </a:fillRef>
+            <a:effectRef idx="2">
+              <a:schemeClr val="dk1"/>
+            </a:effectRef>
+            <a:fontRef idx="minor">
+              <a:schemeClr val="tx1"/>
+            </a:fontRef>
+          </p:style>
+        </p:cxnSp>
+      </p:grpSp>
+      <p:sp>
+        <p:nvSpPr>
+          <p:cNvPr id="68" name="TextBox 67">
+            <a:extLst>
+              <a:ext uri="{FF2B5EF4-FFF2-40B4-BE49-F238E27FC236}">
+                <a16:creationId xmlns:a16="http://schemas.microsoft.com/office/drawing/2014/main" id="{9C616A14-6080-5938-8B69-19097BFD3E5D}"/>
+              </a:ext>
+            </a:extLst>
+          </p:cNvPr>
+          <p:cNvSpPr txBox="1"/>
+          <p:nvPr/>
+        </p:nvSpPr>
+        <p:spPr>
+          <a:xfrm>
+            <a:off x="4725307" y="2396016"/>
+            <a:ext cx="537410" cy="246221"/>
+          </a:xfrm>
+          <a:prstGeom prst="rect">
+            <a:avLst/>
+          </a:prstGeom>
+          <a:noFill/>
+        </p:spPr>
+        <p:txBody>
+          <a:bodyPr wrap="square" rtlCol="0">
+            <a:spAutoFit/>
+          </a:bodyPr>
+          <a:lstStyle/>
+          <a:p>
+            <a:r>
+              <a:rPr lang="en-CA" sz="1000" dirty="0"/>
+              <a:t>Idle</a:t>
+            </a:r>
+          </a:p>
+        </p:txBody>
+      </p:sp>
+      <p:sp>
+        <p:nvSpPr>
+          <p:cNvPr id="77" name="Flowchart: Connector 76">
+            <a:extLst>
+              <a:ext uri="{FF2B5EF4-FFF2-40B4-BE49-F238E27FC236}">
+                <a16:creationId xmlns:a16="http://schemas.microsoft.com/office/drawing/2014/main" id="{2B2EB4A9-C8B0-E22F-81D6-24C965428038}"/>
+              </a:ext>
+            </a:extLst>
+          </p:cNvPr>
+          <p:cNvSpPr/>
+          <p:nvPr/>
+        </p:nvSpPr>
+        <p:spPr>
+          <a:xfrm>
+            <a:off x="5749368" y="2826006"/>
+            <a:ext cx="274610" cy="246221"/>
+          </a:xfrm>
+          <a:prstGeom prst="flowChartConnector">
+            <a:avLst/>
+          </a:prstGeom>
+          <a:solidFill>
+            <a:schemeClr val="tx1"/>
+          </a:solidFill>
+        </p:spPr>
+        <p:style>
+          <a:lnRef idx="2">
+            <a:schemeClr val="accent1">
+              <a:shade val="15000"/>
+            </a:schemeClr>
+          </a:lnRef>
+          <a:fillRef idx="1">
+            <a:schemeClr val="accent1"/>
+          </a:fillRef>
+          <a:effectRef idx="0">
+            <a:schemeClr val="accent1"/>
+          </a:effectRef>
+          <a:fontRef idx="minor">
+            <a:schemeClr val="lt1"/>
+          </a:fontRef>
+        </p:style>
+        <p:txBody>
+          <a:bodyPr rtlCol="0" anchor="ctr"/>
+          <a:lstStyle/>
+          <a:p>
+            <a:pPr algn="ctr"/>
+            <a:endParaRPr lang="en-CA" dirty="0"/>
+          </a:p>
+        </p:txBody>
+      </p:sp>
+      <p:cxnSp>
+        <p:nvCxnSpPr>
+          <p:cNvPr id="81" name="Straight Arrow Connector 80">
+            <a:extLst>
+              <a:ext uri="{FF2B5EF4-FFF2-40B4-BE49-F238E27FC236}">
+                <a16:creationId xmlns:a16="http://schemas.microsoft.com/office/drawing/2014/main" id="{CE62F4C8-951B-92B5-1927-64CA4C308C1B}"/>
+              </a:ext>
+            </a:extLst>
+          </p:cNvPr>
+          <p:cNvCxnSpPr>
+            <a:cxnSpLocks/>
+            <a:stCxn id="77" idx="6"/>
+            <a:endCxn id="23" idx="2"/>
+          </p:cNvCxnSpPr>
+          <p:nvPr/>
+        </p:nvCxnSpPr>
+        <p:spPr>
+          <a:xfrm flipV="1">
+            <a:off x="6023978" y="2940011"/>
+            <a:ext cx="643233" cy="9106"/>
+          </a:xfrm>
+          <a:prstGeom prst="straightConnector1">
+            <a:avLst/>
+          </a:prstGeom>
+          <a:ln>
+            <a:solidFill>
+              <a:schemeClr val="tx1"/>
+            </a:solidFill>
+            <a:tailEnd type="triangle"/>
+          </a:ln>
+        </p:spPr>
+        <p:style>
+          <a:lnRef idx="1">
+            <a:schemeClr val="accent1"/>
+          </a:lnRef>
+          <a:fillRef idx="0">
+            <a:schemeClr val="accent1"/>
+          </a:fillRef>
+          <a:effectRef idx="0">
+            <a:schemeClr val="accent1"/>
+          </a:effectRef>
+          <a:fontRef idx="minor">
+            <a:schemeClr val="tx1"/>
+          </a:fontRef>
+        </p:style>
+      </p:cxnSp>
+      <p:cxnSp>
+        <p:nvCxnSpPr>
+          <p:cNvPr id="86" name="Straight Arrow Connector 85">
+            <a:extLst>
+              <a:ext uri="{FF2B5EF4-FFF2-40B4-BE49-F238E27FC236}">
+                <a16:creationId xmlns:a16="http://schemas.microsoft.com/office/drawing/2014/main" id="{1F4E4816-D28E-B430-47A1-8F4CFCFDEB13}"/>
+              </a:ext>
+            </a:extLst>
+          </p:cNvPr>
+          <p:cNvCxnSpPr>
+            <a:cxnSpLocks/>
+            <a:endCxn id="77" idx="2"/>
+          </p:cNvCxnSpPr>
+          <p:nvPr/>
+        </p:nvCxnSpPr>
+        <p:spPr>
+          <a:xfrm>
+            <a:off x="5183713" y="2940011"/>
+            <a:ext cx="565655" cy="9106"/>
+          </a:xfrm>
+          <a:prstGeom prst="straightConnector1">
+            <a:avLst/>
+          </a:prstGeom>
+          <a:ln>
+            <a:solidFill>
+              <a:schemeClr val="tx1"/>
+            </a:solidFill>
+            <a:tailEnd type="triangle"/>
+          </a:ln>
+        </p:spPr>
+        <p:style>
+          <a:lnRef idx="1">
+            <a:schemeClr val="accent1"/>
+          </a:lnRef>
+          <a:fillRef idx="0">
+            <a:schemeClr val="accent1"/>
+          </a:fillRef>
+          <a:effectRef idx="0">
+            <a:schemeClr val="accent1"/>
+          </a:effectRef>
+          <a:fontRef idx="minor">
+            <a:schemeClr val="tx1"/>
+          </a:fontRef>
+        </p:style>
+      </p:cxnSp>
+      <p:cxnSp>
+        <p:nvCxnSpPr>
+          <p:cNvPr id="89" name="Connector: Elbow 88">
+            <a:extLst>
+              <a:ext uri="{FF2B5EF4-FFF2-40B4-BE49-F238E27FC236}">
+                <a16:creationId xmlns:a16="http://schemas.microsoft.com/office/drawing/2014/main" id="{2906CC2F-89EE-67CE-19A5-D469349E3F0F}"/>
+              </a:ext>
+            </a:extLst>
+          </p:cNvPr>
+          <p:cNvCxnSpPr>
+            <a:cxnSpLocks/>
+            <a:endCxn id="77" idx="0"/>
+          </p:cNvCxnSpPr>
+          <p:nvPr/>
+        </p:nvCxnSpPr>
+        <p:spPr>
+          <a:xfrm>
+            <a:off x="5324311" y="2690662"/>
+            <a:ext cx="562362" cy="135344"/>
+          </a:xfrm>
+          <a:prstGeom prst="bentConnector2">
+            <a:avLst/>
+          </a:prstGeom>
+          <a:ln>
+            <a:solidFill>
+              <a:schemeClr val="tx1"/>
+            </a:solidFill>
+            <a:tailEnd type="triangle"/>
+          </a:ln>
+        </p:spPr>
+        <p:style>
+          <a:lnRef idx="1">
+            <a:schemeClr val="accent1"/>
+          </a:lnRef>
+          <a:fillRef idx="0">
+            <a:schemeClr val="accent1"/>
+          </a:fillRef>
+          <a:effectRef idx="0">
+            <a:schemeClr val="accent1"/>
+          </a:effectRef>
+          <a:fontRef idx="minor">
+            <a:schemeClr val="tx1"/>
+          </a:fontRef>
+        </p:style>
+      </p:cxnSp>
     </p:spTree>
     <p:extLst>
       <p:ext uri="{BB962C8B-B14F-4D97-AF65-F5344CB8AC3E}">
@@ -3627,12 +4716,103 @@
           <a:chExt cx="0" cy="0"/>
         </a:xfrm>
       </p:grpSpPr>
+      <p:sp>
+        <p:nvSpPr>
+          <p:cNvPr id="176" name="Rounded Rectangle 151">
+            <a:extLst>
+              <a:ext uri="{FF2B5EF4-FFF2-40B4-BE49-F238E27FC236}">
+                <a16:creationId xmlns:a16="http://schemas.microsoft.com/office/drawing/2014/main" id="{1453B8F5-0D53-40F4-8B01-CF63CF862C03}"/>
+              </a:ext>
+            </a:extLst>
+          </p:cNvPr>
+          <p:cNvSpPr/>
+          <p:nvPr/>
+        </p:nvSpPr>
+        <p:spPr>
+          <a:xfrm>
+            <a:off x="926432" y="906674"/>
+            <a:ext cx="7606113" cy="5038798"/>
+          </a:xfrm>
+          <a:prstGeom prst="roundRect">
+            <a:avLst/>
+          </a:prstGeom>
+          <a:noFill/>
+          <a:ln w="12700">
+            <a:solidFill>
+              <a:schemeClr val="tx1"/>
+            </a:solidFill>
+          </a:ln>
+        </p:spPr>
+        <p:style>
+          <a:lnRef idx="2">
+            <a:schemeClr val="accent1">
+              <a:shade val="50000"/>
+            </a:schemeClr>
+          </a:lnRef>
+          <a:fillRef idx="1">
+            <a:schemeClr val="accent1"/>
+          </a:fillRef>
+          <a:effectRef idx="0">
+            <a:schemeClr val="accent1"/>
+          </a:effectRef>
+          <a:fontRef idx="minor">
+            <a:schemeClr val="lt1"/>
+          </a:fontRef>
+        </p:style>
+        <p:txBody>
+          <a:bodyPr rtlCol="0" anchor="ctr"/>
+          <a:lstStyle/>
+          <a:p>
+            <a:pPr algn="ctr"/>
+            <a:endParaRPr lang="fr-CA" sz="1400" dirty="0"/>
+          </a:p>
+        </p:txBody>
+      </p:sp>
+      <p:sp>
+        <p:nvSpPr>
+          <p:cNvPr id="177" name="TextBox 176">
+            <a:extLst>
+              <a:ext uri="{FF2B5EF4-FFF2-40B4-BE49-F238E27FC236}">
+                <a16:creationId xmlns:a16="http://schemas.microsoft.com/office/drawing/2014/main" id="{BC48D55C-C21D-45BC-A984-8F8546BA82AB}"/>
+              </a:ext>
+            </a:extLst>
+          </p:cNvPr>
+          <p:cNvSpPr txBox="1"/>
+          <p:nvPr/>
+        </p:nvSpPr>
+        <p:spPr>
+          <a:xfrm>
+            <a:off x="4539443" y="912529"/>
+            <a:ext cx="418704" cy="307777"/>
+          </a:xfrm>
+          <a:prstGeom prst="rect">
+            <a:avLst/>
+          </a:prstGeom>
+          <a:noFill/>
+        </p:spPr>
+        <p:txBody>
+          <a:bodyPr wrap="none" rtlCol="0">
+            <a:spAutoFit/>
+          </a:bodyPr>
+          <a:lstStyle/>
+          <a:p>
+            <a:r>
+              <a:rPr lang="fr-CA" sz="1400" dirty="0">
+                <a:solidFill>
+                  <a:srgbClr val="0000FF"/>
+                </a:solidFill>
+              </a:rPr>
+              <a:t>ON</a:t>
+            </a:r>
+          </a:p>
+        </p:txBody>
+      </p:sp>
       <p:grpSp>
         <p:nvGrpSpPr>
-          <p:cNvPr id="69" name="Group 68">
-            <a:extLst>
-              <a:ext uri="{FF2B5EF4-FFF2-40B4-BE49-F238E27FC236}">
-                <a16:creationId xmlns:a16="http://schemas.microsoft.com/office/drawing/2014/main" id="{ECF7B97E-1FB2-46DB-9CC3-A16122600F43}"/>
+          <p:cNvPr id="12" name="Group 11">
+            <a:extLst>
+              <a:ext uri="{FF2B5EF4-FFF2-40B4-BE49-F238E27FC236}">
+                <a16:creationId xmlns:a16="http://schemas.microsoft.com/office/drawing/2014/main" id="{05B17DC1-DF7D-3682-FE1A-0EB97EBCA554}"/>
               </a:ext>
             </a:extLst>
           </p:cNvPr>
@@ -3641,139 +4821,336 @@
         </p:nvGrpSpPr>
         <p:grpSpPr>
           <a:xfrm>
-            <a:off x="4107748" y="3481319"/>
-            <a:ext cx="622999" cy="76200"/>
-            <a:chOff x="1510601" y="457200"/>
-            <a:chExt cx="864998" cy="152400"/>
+            <a:off x="5057754" y="3426073"/>
+            <a:ext cx="2701555" cy="1395441"/>
+            <a:chOff x="2609585" y="2033544"/>
+            <a:chExt cx="2707707" cy="1607582"/>
           </a:xfrm>
         </p:grpSpPr>
-        <p:sp>
-          <p:nvSpPr>
-            <p:cNvPr id="70" name="Rounded Rectangle 20">
+        <p:grpSp>
+          <p:nvGrpSpPr>
+            <p:cNvPr id="69" name="Group 68">
               <a:extLst>
                 <a:ext uri="{FF2B5EF4-FFF2-40B4-BE49-F238E27FC236}">
-                  <a16:creationId xmlns:a16="http://schemas.microsoft.com/office/drawing/2014/main" id="{D25A139D-6E17-4499-9DAF-EA9A41CFF987}"/>
+                  <a16:creationId xmlns:a16="http://schemas.microsoft.com/office/drawing/2014/main" id="{ECF7B97E-1FB2-46DB-9CC3-A16122600F43}"/>
                 </a:ext>
               </a:extLst>
             </p:cNvPr>
-            <p:cNvSpPr/>
+            <p:cNvGrpSpPr/>
+            <p:nvPr/>
+          </p:nvGrpSpPr>
+          <p:grpSpPr>
+            <a:xfrm>
+              <a:off x="4107748" y="3481319"/>
+              <a:ext cx="622999" cy="76200"/>
+              <a:chOff x="1510601" y="457200"/>
+              <a:chExt cx="864998" cy="152400"/>
+            </a:xfrm>
+          </p:grpSpPr>
+          <p:sp>
+            <p:nvSpPr>
+              <p:cNvPr id="70" name="Rounded Rectangle 20">
+                <a:extLst>
+                  <a:ext uri="{FF2B5EF4-FFF2-40B4-BE49-F238E27FC236}">
+                    <a16:creationId xmlns:a16="http://schemas.microsoft.com/office/drawing/2014/main" id="{D25A139D-6E17-4499-9DAF-EA9A41CFF987}"/>
+                  </a:ext>
+                </a:extLst>
+              </p:cNvPr>
+              <p:cNvSpPr/>
+              <p:nvPr/>
+            </p:nvSpPr>
+            <p:spPr>
+              <a:xfrm>
+                <a:off x="1510601" y="457200"/>
+                <a:ext cx="318199" cy="152400"/>
+              </a:xfrm>
+              <a:prstGeom prst="roundRect">
+                <a:avLst/>
+              </a:prstGeom>
+              <a:noFill/>
+              <a:ln w="9525">
+                <a:solidFill>
+                  <a:schemeClr val="tx1"/>
+                </a:solidFill>
+              </a:ln>
+            </p:spPr>
+            <p:style>
+              <a:lnRef idx="2">
+                <a:schemeClr val="accent1">
+                  <a:shade val="50000"/>
+                </a:schemeClr>
+              </a:lnRef>
+              <a:fillRef idx="1">
+                <a:schemeClr val="accent1"/>
+              </a:fillRef>
+              <a:effectRef idx="0">
+                <a:schemeClr val="accent1"/>
+              </a:effectRef>
+              <a:fontRef idx="minor">
+                <a:schemeClr val="lt1"/>
+              </a:fontRef>
+            </p:style>
+            <p:txBody>
+              <a:bodyPr rtlCol="0" anchor="ctr"/>
+              <a:lstStyle/>
+              <a:p>
+                <a:pPr algn="ctr"/>
+                <a:endParaRPr lang="en-US" sz="1400">
+                  <a:cs typeface="Arial" panose="020B0604020202020204" pitchFamily="34" charset="0"/>
+                </a:endParaRPr>
+              </a:p>
+            </p:txBody>
+          </p:sp>
+          <p:sp>
+            <p:nvSpPr>
+              <p:cNvPr id="71" name="Rounded Rectangle 21">
+                <a:extLst>
+                  <a:ext uri="{FF2B5EF4-FFF2-40B4-BE49-F238E27FC236}">
+                    <a16:creationId xmlns:a16="http://schemas.microsoft.com/office/drawing/2014/main" id="{141017E7-4DAB-4D11-97E0-EBD16878704C}"/>
+                  </a:ext>
+                </a:extLst>
+              </p:cNvPr>
+              <p:cNvSpPr/>
+              <p:nvPr/>
+            </p:nvSpPr>
+            <p:spPr>
+              <a:xfrm>
+                <a:off x="2057400" y="457200"/>
+                <a:ext cx="318199" cy="152400"/>
+              </a:xfrm>
+              <a:prstGeom prst="roundRect">
+                <a:avLst/>
+              </a:prstGeom>
+              <a:noFill/>
+              <a:ln w="9525">
+                <a:solidFill>
+                  <a:schemeClr val="tx1"/>
+                </a:solidFill>
+              </a:ln>
+            </p:spPr>
+            <p:style>
+              <a:lnRef idx="2">
+                <a:schemeClr val="accent1">
+                  <a:shade val="50000"/>
+                </a:schemeClr>
+              </a:lnRef>
+              <a:fillRef idx="1">
+                <a:schemeClr val="accent1"/>
+              </a:fillRef>
+              <a:effectRef idx="0">
+                <a:schemeClr val="accent1"/>
+              </a:effectRef>
+              <a:fontRef idx="minor">
+                <a:schemeClr val="lt1"/>
+              </a:fontRef>
+            </p:style>
+            <p:txBody>
+              <a:bodyPr rtlCol="0" anchor="ctr"/>
+              <a:lstStyle/>
+              <a:p>
+                <a:pPr algn="ctr"/>
+                <a:endParaRPr lang="en-US" sz="1400">
+                  <a:cs typeface="Arial" panose="020B0604020202020204" pitchFamily="34" charset="0"/>
+                </a:endParaRPr>
+              </a:p>
+            </p:txBody>
+          </p:sp>
+          <p:cxnSp>
+            <p:nvCxnSpPr>
+              <p:cNvPr id="72" name="Straight Connector 71">
+                <a:extLst>
+                  <a:ext uri="{FF2B5EF4-FFF2-40B4-BE49-F238E27FC236}">
+                    <a16:creationId xmlns:a16="http://schemas.microsoft.com/office/drawing/2014/main" id="{3B3C1A53-C4E9-41B4-A9BE-6C1D5A6669AE}"/>
+                  </a:ext>
+                </a:extLst>
+              </p:cNvPr>
+              <p:cNvCxnSpPr>
+                <a:stCxn id="70" idx="3"/>
+                <a:endCxn id="71" idx="1"/>
+              </p:cNvCxnSpPr>
+              <p:nvPr/>
+            </p:nvCxnSpPr>
+            <p:spPr>
+              <a:xfrm>
+                <a:off x="1828800" y="533400"/>
+                <a:ext cx="228600" cy="0"/>
+              </a:xfrm>
+              <a:prstGeom prst="line">
+                <a:avLst/>
+              </a:prstGeom>
+              <a:ln>
+                <a:solidFill>
+                  <a:schemeClr val="tx1"/>
+                </a:solidFill>
+              </a:ln>
+            </p:spPr>
+            <p:style>
+              <a:lnRef idx="1">
+                <a:schemeClr val="accent1"/>
+              </a:lnRef>
+              <a:fillRef idx="0">
+                <a:schemeClr val="accent1"/>
+              </a:fillRef>
+              <a:effectRef idx="0">
+                <a:schemeClr val="accent1"/>
+              </a:effectRef>
+              <a:fontRef idx="minor">
+                <a:schemeClr val="tx1"/>
+              </a:fontRef>
+            </p:style>
+          </p:cxnSp>
+        </p:grpSp>
+        <p:sp>
+          <p:nvSpPr>
+            <p:cNvPr id="51" name="AutoShape 23">
+              <a:extLst>
+                <a:ext uri="{FF2B5EF4-FFF2-40B4-BE49-F238E27FC236}">
+                  <a16:creationId xmlns:a16="http://schemas.microsoft.com/office/drawing/2014/main" id="{1C81A01F-B74C-4D57-921C-71E5994BF683}"/>
+                </a:ext>
+              </a:extLst>
+            </p:cNvPr>
+            <p:cNvSpPr>
+              <a:spLocks noChangeArrowheads="1"/>
+            </p:cNvSpPr>
             <p:nvPr/>
           </p:nvSpPr>
-          <p:spPr>
+          <p:spPr bwMode="auto">
             <a:xfrm>
-              <a:off x="1510601" y="457200"/>
-              <a:ext cx="318199" cy="152400"/>
+              <a:off x="2609585" y="2055266"/>
+              <a:ext cx="2707707" cy="1585860"/>
             </a:xfrm>
             <a:prstGeom prst="roundRect">
-              <a:avLst/>
+              <a:avLst>
+                <a:gd name="adj" fmla="val 16667"/>
+              </a:avLst>
             </a:prstGeom>
             <a:noFill/>
             <a:ln w="9525">
               <a:solidFill>
                 <a:schemeClr val="tx1"/>
               </a:solidFill>
+              <a:round/>
+              <a:headEnd/>
+              <a:tailEnd type="none" w="lg" len="lg"/>
+            </a:ln>
+            <a:effectLst/>
+          </p:spPr>
+          <p:txBody>
+            <a:bodyPr wrap="none" anchor="ctr"/>
+            <a:lstStyle/>
+            <a:p>
+              <a:pPr algn="ctr"/>
+              <a:endParaRPr lang="en-CA" sz="1400" dirty="0">
+                <a:solidFill>
+                  <a:srgbClr val="0000FF"/>
+                </a:solidFill>
+                <a:cs typeface="Arial" pitchFamily="34" charset="0"/>
+              </a:endParaRPr>
+            </a:p>
+          </p:txBody>
+        </p:sp>
+        <p:sp>
+          <p:nvSpPr>
+            <p:cNvPr id="205" name="TextBox 204">
+              <a:extLst>
+                <a:ext uri="{FF2B5EF4-FFF2-40B4-BE49-F238E27FC236}">
+                  <a16:creationId xmlns:a16="http://schemas.microsoft.com/office/drawing/2014/main" id="{566E566F-123B-44B4-A6E9-3702A2782276}"/>
+                </a:ext>
+              </a:extLst>
+            </p:cNvPr>
+            <p:cNvSpPr txBox="1"/>
+            <p:nvPr/>
+          </p:nvSpPr>
+          <p:spPr>
+            <a:xfrm>
+              <a:off x="3640125" y="2033544"/>
+              <a:ext cx="708399" cy="307777"/>
+            </a:xfrm>
+            <a:prstGeom prst="rect">
+              <a:avLst/>
+            </a:prstGeom>
+            <a:noFill/>
+          </p:spPr>
+          <p:txBody>
+            <a:bodyPr wrap="square" rtlCol="0">
+              <a:spAutoFit/>
+            </a:bodyPr>
+            <a:lstStyle/>
+            <a:p>
+              <a:r>
+                <a:rPr lang="fr-CA" sz="1400" dirty="0">
+                  <a:solidFill>
+                    <a:srgbClr val="0000FF"/>
+                  </a:solidFill>
+                </a:rPr>
+                <a:t>ACTIVE</a:t>
+              </a:r>
+            </a:p>
+          </p:txBody>
+        </p:sp>
+        <p:cxnSp>
+          <p:nvCxnSpPr>
+            <p:cNvPr id="207" name="Straight Connector 206">
+              <a:extLst>
+                <a:ext uri="{FF2B5EF4-FFF2-40B4-BE49-F238E27FC236}">
+                  <a16:creationId xmlns:a16="http://schemas.microsoft.com/office/drawing/2014/main" id="{B7B4CF5E-D2B2-4E3C-9602-B8E95A393B0C}"/>
+                </a:ext>
+              </a:extLst>
+            </p:cNvPr>
+            <p:cNvCxnSpPr>
+              <a:cxnSpLocks/>
+            </p:cNvCxnSpPr>
+            <p:nvPr/>
+          </p:nvCxnSpPr>
+          <p:spPr>
+            <a:xfrm>
+              <a:off x="2626212" y="2297633"/>
+              <a:ext cx="2691079" cy="0"/>
+            </a:xfrm>
+            <a:prstGeom prst="line">
+              <a:avLst/>
+            </a:prstGeom>
+            <a:ln>
+              <a:solidFill>
+                <a:schemeClr val="tx1"/>
+              </a:solidFill>
             </a:ln>
           </p:spPr>
           <p:style>
-            <a:lnRef idx="2">
-              <a:schemeClr val="accent1">
-                <a:shade val="50000"/>
-              </a:schemeClr>
+            <a:lnRef idx="1">
+              <a:schemeClr val="accent1"/>
             </a:lnRef>
-            <a:fillRef idx="1">
+            <a:fillRef idx="0">
               <a:schemeClr val="accent1"/>
             </a:fillRef>
             <a:effectRef idx="0">
               <a:schemeClr val="accent1"/>
             </a:effectRef>
             <a:fontRef idx="minor">
-              <a:schemeClr val="lt1"/>
+              <a:schemeClr val="tx1"/>
             </a:fontRef>
           </p:style>
-          <p:txBody>
-            <a:bodyPr rtlCol="0" anchor="ctr"/>
-            <a:lstStyle/>
-            <a:p>
-              <a:pPr algn="ctr"/>
-              <a:endParaRPr lang="en-US" sz="1400">
-                <a:cs typeface="Arial" panose="020B0604020202020204" pitchFamily="34" charset="0"/>
-              </a:endParaRPr>
-            </a:p>
-          </p:txBody>
-        </p:sp>
-        <p:sp>
-          <p:nvSpPr>
-            <p:cNvPr id="71" name="Rounded Rectangle 21">
+        </p:cxnSp>
+        <p:cxnSp>
+          <p:nvCxnSpPr>
+            <p:cNvPr id="208" name="Straight Connector 207">
               <a:extLst>
                 <a:ext uri="{FF2B5EF4-FFF2-40B4-BE49-F238E27FC236}">
-                  <a16:creationId xmlns:a16="http://schemas.microsoft.com/office/drawing/2014/main" id="{141017E7-4DAB-4D11-97E0-EBD16878704C}"/>
-                </a:ext>
-              </a:extLst>
-            </p:cNvPr>
-            <p:cNvSpPr/>
-            <p:nvPr/>
-          </p:nvSpPr>
-          <p:spPr>
-            <a:xfrm>
-              <a:off x="2057400" y="457200"/>
-              <a:ext cx="318199" cy="152400"/>
-            </a:xfrm>
-            <a:prstGeom prst="roundRect">
-              <a:avLst/>
-            </a:prstGeom>
-            <a:noFill/>
-            <a:ln w="9525">
-              <a:solidFill>
-                <a:schemeClr val="tx1"/>
-              </a:solidFill>
-            </a:ln>
-          </p:spPr>
-          <p:style>
-            <a:lnRef idx="2">
-              <a:schemeClr val="accent1">
-                <a:shade val="50000"/>
-              </a:schemeClr>
-            </a:lnRef>
-            <a:fillRef idx="1">
-              <a:schemeClr val="accent1"/>
-            </a:fillRef>
-            <a:effectRef idx="0">
-              <a:schemeClr val="accent1"/>
-            </a:effectRef>
-            <a:fontRef idx="minor">
-              <a:schemeClr val="lt1"/>
-            </a:fontRef>
-          </p:style>
-          <p:txBody>
-            <a:bodyPr rtlCol="0" anchor="ctr"/>
-            <a:lstStyle/>
-            <a:p>
-              <a:pPr algn="ctr"/>
-              <a:endParaRPr lang="en-US" sz="1400">
-                <a:cs typeface="Arial" panose="020B0604020202020204" pitchFamily="34" charset="0"/>
-              </a:endParaRPr>
-            </a:p>
-          </p:txBody>
-        </p:sp>
-        <p:cxnSp>
-          <p:nvCxnSpPr>
-            <p:cNvPr id="72" name="Straight Connector 71">
-              <a:extLst>
-                <a:ext uri="{FF2B5EF4-FFF2-40B4-BE49-F238E27FC236}">
-                  <a16:creationId xmlns:a16="http://schemas.microsoft.com/office/drawing/2014/main" id="{3B3C1A53-C4E9-41B4-A9BE-6C1D5A6669AE}"/>
+                  <a16:creationId xmlns:a16="http://schemas.microsoft.com/office/drawing/2014/main" id="{734F1E15-7C22-4A8B-88F5-104D29EEDDBF}"/>
                 </a:ext>
               </a:extLst>
             </p:cNvPr>
             <p:cNvCxnSpPr>
-              <a:stCxn id="70" idx="3"/>
-              <a:endCxn id="71" idx="1"/>
+              <a:cxnSpLocks/>
+              <a:stCxn id="51" idx="1"/>
+              <a:endCxn id="51" idx="3"/>
             </p:cNvCxnSpPr>
             <p:nvPr/>
           </p:nvCxnSpPr>
           <p:spPr>
             <a:xfrm>
-              <a:off x="1828800" y="533400"/>
-              <a:ext cx="228600" cy="0"/>
+              <a:off x="2609585" y="2848196"/>
+              <a:ext cx="2707707" cy="0"/>
             </a:xfrm>
             <a:prstGeom prst="line">
               <a:avLst/>
@@ -3800,12 +5177,147 @@
           </p:style>
         </p:cxnSp>
       </p:grpSp>
-      <p:sp>
-        <p:nvSpPr>
-          <p:cNvPr id="51" name="AutoShape 23">
-            <a:extLst>
-              <a:ext uri="{FF2B5EF4-FFF2-40B4-BE49-F238E27FC236}">
-                <a16:creationId xmlns:a16="http://schemas.microsoft.com/office/drawing/2014/main" id="{1C81A01F-B74C-4D57-921C-71E5994BF683}"/>
+      <p:cxnSp>
+        <p:nvCxnSpPr>
+          <p:cNvPr id="34" name="Straight Connector 33">
+            <a:extLst>
+              <a:ext uri="{FF2B5EF4-FFF2-40B4-BE49-F238E27FC236}">
+                <a16:creationId xmlns:a16="http://schemas.microsoft.com/office/drawing/2014/main" id="{97F65B0C-0EF5-43B4-8F57-2C9255D2FCA9}"/>
+              </a:ext>
+            </a:extLst>
+          </p:cNvPr>
+          <p:cNvCxnSpPr>
+            <a:cxnSpLocks/>
+          </p:cNvCxnSpPr>
+          <p:nvPr/>
+        </p:nvCxnSpPr>
+        <p:spPr>
+          <a:xfrm>
+            <a:off x="1209030" y="1187149"/>
+            <a:ext cx="7080955" cy="0"/>
+          </a:xfrm>
+          <a:prstGeom prst="line">
+            <a:avLst/>
+          </a:prstGeom>
+          <a:ln>
+            <a:solidFill>
+              <a:schemeClr val="tx1"/>
+            </a:solidFill>
+          </a:ln>
+        </p:spPr>
+        <p:style>
+          <a:lnRef idx="1">
+            <a:schemeClr val="accent1"/>
+          </a:lnRef>
+          <a:fillRef idx="0">
+            <a:schemeClr val="accent1"/>
+          </a:fillRef>
+          <a:effectRef idx="0">
+            <a:schemeClr val="accent1"/>
+          </a:effectRef>
+          <a:fontRef idx="minor">
+            <a:schemeClr val="tx1"/>
+          </a:fontRef>
+        </p:style>
+      </p:cxnSp>
+      <p:cxnSp>
+        <p:nvCxnSpPr>
+          <p:cNvPr id="36" name="Straight Connector 35">
+            <a:extLst>
+              <a:ext uri="{FF2B5EF4-FFF2-40B4-BE49-F238E27FC236}">
+                <a16:creationId xmlns:a16="http://schemas.microsoft.com/office/drawing/2014/main" id="{EA3E743E-A21A-4524-9C40-EF6613D95F84}"/>
+              </a:ext>
+            </a:extLst>
+          </p:cNvPr>
+          <p:cNvCxnSpPr>
+            <a:cxnSpLocks/>
+          </p:cNvCxnSpPr>
+          <p:nvPr/>
+        </p:nvCxnSpPr>
+        <p:spPr>
+          <a:xfrm>
+            <a:off x="977170" y="1470108"/>
+            <a:ext cx="7433585" cy="0"/>
+          </a:xfrm>
+          <a:prstGeom prst="line">
+            <a:avLst/>
+          </a:prstGeom>
+          <a:ln>
+            <a:solidFill>
+              <a:schemeClr val="tx1"/>
+            </a:solidFill>
+          </a:ln>
+        </p:spPr>
+        <p:style>
+          <a:lnRef idx="1">
+            <a:schemeClr val="accent1"/>
+          </a:lnRef>
+          <a:fillRef idx="0">
+            <a:schemeClr val="accent1"/>
+          </a:fillRef>
+          <a:effectRef idx="0">
+            <a:schemeClr val="accent1"/>
+          </a:effectRef>
+          <a:fontRef idx="minor">
+            <a:schemeClr val="tx1"/>
+          </a:fontRef>
+        </p:style>
+      </p:cxnSp>
+      <p:sp>
+        <p:nvSpPr>
+          <p:cNvPr id="23" name="Flowchart: Connector 22">
+            <a:extLst>
+              <a:ext uri="{FF2B5EF4-FFF2-40B4-BE49-F238E27FC236}">
+                <a16:creationId xmlns:a16="http://schemas.microsoft.com/office/drawing/2014/main" id="{97C74B31-E77C-F96D-F706-13D016CEF6D9}"/>
+              </a:ext>
+            </a:extLst>
+          </p:cNvPr>
+          <p:cNvSpPr/>
+          <p:nvPr/>
+        </p:nvSpPr>
+        <p:spPr>
+          <a:xfrm>
+            <a:off x="1448313" y="2782871"/>
+            <a:ext cx="370367" cy="353683"/>
+          </a:xfrm>
+          <a:prstGeom prst="flowChartConnector">
+            <a:avLst/>
+          </a:prstGeom>
+          <a:solidFill>
+            <a:schemeClr val="tx1"/>
+          </a:solidFill>
+        </p:spPr>
+        <p:style>
+          <a:lnRef idx="2">
+            <a:schemeClr val="accent1">
+              <a:shade val="15000"/>
+            </a:schemeClr>
+          </a:lnRef>
+          <a:fillRef idx="1">
+            <a:schemeClr val="accent1"/>
+          </a:fillRef>
+          <a:effectRef idx="0">
+            <a:schemeClr val="accent1"/>
+          </a:effectRef>
+          <a:fontRef idx="minor">
+            <a:schemeClr val="lt1"/>
+          </a:fontRef>
+        </p:style>
+        <p:txBody>
+          <a:bodyPr rtlCol="0" anchor="ctr"/>
+          <a:lstStyle/>
+          <a:p>
+            <a:pPr algn="ctr"/>
+            <a:endParaRPr lang="en-CA" dirty="0"/>
+          </a:p>
+        </p:txBody>
+      </p:sp>
+      <p:sp>
+        <p:nvSpPr>
+          <p:cNvPr id="25" name="AutoShape 23">
+            <a:extLst>
+              <a:ext uri="{FF2B5EF4-FFF2-40B4-BE49-F238E27FC236}">
+                <a16:creationId xmlns:a16="http://schemas.microsoft.com/office/drawing/2014/main" id="{34355D81-4390-44A9-3ADD-8E6AB95C78FB}"/>
               </a:ext>
             </a:extLst>
           </p:cNvPr>
@@ -3816,12 +5328,12 @@
         </p:nvSpPr>
         <p:spPr bwMode="auto">
           <a:xfrm>
-            <a:off x="2609585" y="2055266"/>
-            <a:ext cx="2707707" cy="1585860"/>
+            <a:off x="2620476" y="2294616"/>
+            <a:ext cx="1656184" cy="791425"/>
           </a:xfrm>
           <a:prstGeom prst="roundRect">
             <a:avLst>
-              <a:gd name="adj" fmla="val 16667"/>
+              <a:gd name="adj" fmla="val 10127"/>
             </a:avLst>
           </a:prstGeom>
           <a:noFill/>
@@ -3840,46 +5352,445 @@
           <a:lstStyle/>
           <a:p>
             <a:pPr algn="ctr"/>
-            <a:endParaRPr lang="en-CA" sz="1400" dirty="0">
-              <a:solidFill>
-                <a:srgbClr val="0000FF"/>
-              </a:solidFill>
-              <a:cs typeface="Arial" pitchFamily="34" charset="0"/>
-            </a:endParaRPr>
-          </a:p>
-        </p:txBody>
-      </p:sp>
-      <p:sp>
-        <p:nvSpPr>
-          <p:cNvPr id="176" name="Rounded Rectangle 151">
-            <a:extLst>
-              <a:ext uri="{FF2B5EF4-FFF2-40B4-BE49-F238E27FC236}">
-                <a16:creationId xmlns:a16="http://schemas.microsoft.com/office/drawing/2014/main" id="{1453B8F5-0D53-40F4-8B01-CF63CF862C03}"/>
-              </a:ext>
-            </a:extLst>
-          </p:cNvPr>
-          <p:cNvSpPr/>
-          <p:nvPr/>
-        </p:nvSpPr>
-        <p:spPr>
-          <a:xfrm>
-            <a:off x="926432" y="906673"/>
-            <a:ext cx="7470961" cy="4772233"/>
-          </a:xfrm>
-          <a:prstGeom prst="roundRect">
+            <a:r>
+              <a:rPr lang="en-CA" sz="1400" dirty="0">
+                <a:solidFill>
+                  <a:srgbClr val="0000FF"/>
+                </a:solidFill>
+                <a:cs typeface="Arial" panose="020B0604020202020204" pitchFamily="34" charset="0"/>
+              </a:rPr>
+              <a:t>IDLE</a:t>
+            </a:r>
+          </a:p>
+        </p:txBody>
+      </p:sp>
+      <p:sp>
+        <p:nvSpPr>
+          <p:cNvPr id="29" name="TextBox 28">
+            <a:extLst>
+              <a:ext uri="{FF2B5EF4-FFF2-40B4-BE49-F238E27FC236}">
+                <a16:creationId xmlns:a16="http://schemas.microsoft.com/office/drawing/2014/main" id="{849D7632-837E-798C-5189-49A0B72519A4}"/>
+              </a:ext>
+            </a:extLst>
+          </p:cNvPr>
+          <p:cNvSpPr txBox="1"/>
+          <p:nvPr/>
+        </p:nvSpPr>
+        <p:spPr>
+          <a:xfrm>
+            <a:off x="1878780" y="2259154"/>
+            <a:ext cx="681597" cy="246221"/>
+          </a:xfrm>
+          <a:prstGeom prst="rect">
             <a:avLst/>
           </a:prstGeom>
           <a:noFill/>
-          <a:ln w="12700">
+        </p:spPr>
+        <p:txBody>
+          <a:bodyPr wrap="none" rtlCol="0">
+            <a:spAutoFit/>
+          </a:bodyPr>
+          <a:lstStyle/>
+          <a:p>
+            <a:r>
+              <a:rPr lang="en-CA" sz="1000" dirty="0"/>
+              <a:t>after(2m)</a:t>
+            </a:r>
+          </a:p>
+        </p:txBody>
+      </p:sp>
+      <p:cxnSp>
+        <p:nvCxnSpPr>
+          <p:cNvPr id="33" name="Straight Arrow Connector 32">
+            <a:extLst>
+              <a:ext uri="{FF2B5EF4-FFF2-40B4-BE49-F238E27FC236}">
+                <a16:creationId xmlns:a16="http://schemas.microsoft.com/office/drawing/2014/main" id="{92DC401E-D609-BAFF-DAC4-08AB84E44598}"/>
+              </a:ext>
+            </a:extLst>
+          </p:cNvPr>
+          <p:cNvCxnSpPr>
+            <a:stCxn id="23" idx="6"/>
+          </p:cNvCxnSpPr>
+          <p:nvPr/>
+        </p:nvCxnSpPr>
+        <p:spPr>
+          <a:xfrm flipV="1">
+            <a:off x="1818680" y="2959712"/>
+            <a:ext cx="801796" cy="1"/>
+          </a:xfrm>
+          <a:prstGeom prst="straightConnector1">
+            <a:avLst/>
+          </a:prstGeom>
+          <a:ln>
             <a:solidFill>
               <a:schemeClr val="tx1"/>
             </a:solidFill>
+            <a:tailEnd type="triangle"/>
           </a:ln>
+        </p:spPr>
+        <p:style>
+          <a:lnRef idx="1">
+            <a:schemeClr val="accent1"/>
+          </a:lnRef>
+          <a:fillRef idx="0">
+            <a:schemeClr val="accent1"/>
+          </a:fillRef>
+          <a:effectRef idx="0">
+            <a:schemeClr val="accent1"/>
+          </a:effectRef>
+          <a:fontRef idx="minor">
+            <a:schemeClr val="tx1"/>
+          </a:fontRef>
+        </p:style>
+      </p:cxnSp>
+      <p:grpSp>
+        <p:nvGrpSpPr>
+          <p:cNvPr id="58" name="Group 57">
+            <a:extLst>
+              <a:ext uri="{FF2B5EF4-FFF2-40B4-BE49-F238E27FC236}">
+                <a16:creationId xmlns:a16="http://schemas.microsoft.com/office/drawing/2014/main" id="{E0BC1279-A533-0B34-3645-A7783ABA3FC8}"/>
+              </a:ext>
+            </a:extLst>
+          </p:cNvPr>
+          <p:cNvGrpSpPr/>
+          <p:nvPr/>
+        </p:nvGrpSpPr>
+        <p:grpSpPr>
+          <a:xfrm>
+            <a:off x="741248" y="2313713"/>
+            <a:ext cx="370367" cy="353683"/>
+            <a:chOff x="5029361" y="1777030"/>
+            <a:chExt cx="370367" cy="353683"/>
+          </a:xfrm>
+        </p:grpSpPr>
+        <p:sp>
+          <p:nvSpPr>
+            <p:cNvPr id="41" name="Flowchart: Connector 40">
+              <a:extLst>
+                <a:ext uri="{FF2B5EF4-FFF2-40B4-BE49-F238E27FC236}">
+                  <a16:creationId xmlns:a16="http://schemas.microsoft.com/office/drawing/2014/main" id="{F54F4899-FB76-B995-F1D9-EAD466DCAEB8}"/>
+                </a:ext>
+              </a:extLst>
+            </p:cNvPr>
+            <p:cNvSpPr/>
+            <p:nvPr/>
+          </p:nvSpPr>
+          <p:spPr>
+            <a:xfrm>
+              <a:off x="5029361" y="1777030"/>
+              <a:ext cx="370367" cy="353683"/>
+            </a:xfrm>
+            <a:prstGeom prst="flowChartConnector">
+              <a:avLst/>
+            </a:prstGeom>
+            <a:solidFill>
+              <a:schemeClr val="bg1"/>
+            </a:solidFill>
+          </p:spPr>
+          <p:style>
+            <a:lnRef idx="2">
+              <a:schemeClr val="accent1">
+                <a:shade val="15000"/>
+              </a:schemeClr>
+            </a:lnRef>
+            <a:fillRef idx="1">
+              <a:schemeClr val="accent1"/>
+            </a:fillRef>
+            <a:effectRef idx="0">
+              <a:schemeClr val="accent1"/>
+            </a:effectRef>
+            <a:fontRef idx="minor">
+              <a:schemeClr val="lt1"/>
+            </a:fontRef>
+          </p:style>
+          <p:txBody>
+            <a:bodyPr rtlCol="0" anchor="ctr"/>
+            <a:lstStyle/>
+            <a:p>
+              <a:pPr algn="ctr"/>
+              <a:endParaRPr lang="en-CA" dirty="0"/>
+            </a:p>
+          </p:txBody>
+        </p:sp>
+        <p:cxnSp>
+          <p:nvCxnSpPr>
+            <p:cNvPr id="53" name="Straight Connector 52">
+              <a:extLst>
+                <a:ext uri="{FF2B5EF4-FFF2-40B4-BE49-F238E27FC236}">
+                  <a16:creationId xmlns:a16="http://schemas.microsoft.com/office/drawing/2014/main" id="{4B8552C8-B7D9-10EF-E5AE-877E28772241}"/>
+                </a:ext>
+              </a:extLst>
+            </p:cNvPr>
+            <p:cNvCxnSpPr>
+              <a:cxnSpLocks/>
+              <a:stCxn id="41" idx="3"/>
+              <a:endCxn id="41" idx="7"/>
+            </p:cNvCxnSpPr>
+            <p:nvPr/>
+          </p:nvCxnSpPr>
+          <p:spPr>
+            <a:xfrm flipV="1">
+              <a:off x="5083600" y="1828826"/>
+              <a:ext cx="261889" cy="250091"/>
+            </a:xfrm>
+            <a:prstGeom prst="line">
+              <a:avLst/>
+            </a:prstGeom>
+            <a:ln>
+              <a:headEnd type="none" w="med" len="med"/>
+              <a:tailEnd type="none" w="med" len="med"/>
+            </a:ln>
+          </p:spPr>
+          <p:style>
+            <a:lnRef idx="3">
+              <a:schemeClr val="dk1"/>
+            </a:lnRef>
+            <a:fillRef idx="0">
+              <a:schemeClr val="dk1"/>
+            </a:fillRef>
+            <a:effectRef idx="2">
+              <a:schemeClr val="dk1"/>
+            </a:effectRef>
+            <a:fontRef idx="minor">
+              <a:schemeClr val="tx1"/>
+            </a:fontRef>
+          </p:style>
+        </p:cxnSp>
+        <p:cxnSp>
+          <p:nvCxnSpPr>
+            <p:cNvPr id="55" name="Straight Connector 54">
+              <a:extLst>
+                <a:ext uri="{FF2B5EF4-FFF2-40B4-BE49-F238E27FC236}">
+                  <a16:creationId xmlns:a16="http://schemas.microsoft.com/office/drawing/2014/main" id="{CB33F54A-01E7-22B1-EDE7-17983A7B3AA9}"/>
+                </a:ext>
+              </a:extLst>
+            </p:cNvPr>
+            <p:cNvCxnSpPr>
+              <a:cxnSpLocks/>
+              <a:stCxn id="41" idx="1"/>
+              <a:endCxn id="41" idx="5"/>
+            </p:cNvCxnSpPr>
+            <p:nvPr/>
+          </p:nvCxnSpPr>
+          <p:spPr>
+            <a:xfrm>
+              <a:off x="5083600" y="1828826"/>
+              <a:ext cx="261889" cy="250091"/>
+            </a:xfrm>
+            <a:prstGeom prst="line">
+              <a:avLst/>
+            </a:prstGeom>
+            <a:ln>
+              <a:headEnd type="none" w="med" len="med"/>
+              <a:tailEnd type="none" w="med" len="med"/>
+            </a:ln>
+          </p:spPr>
+          <p:style>
+            <a:lnRef idx="3">
+              <a:schemeClr val="dk1"/>
+            </a:lnRef>
+            <a:fillRef idx="0">
+              <a:schemeClr val="dk1"/>
+            </a:fillRef>
+            <a:effectRef idx="2">
+              <a:schemeClr val="dk1"/>
+            </a:effectRef>
+            <a:fontRef idx="minor">
+              <a:schemeClr val="tx1"/>
+            </a:fontRef>
+          </p:style>
+        </p:cxnSp>
+      </p:grpSp>
+      <p:cxnSp>
+        <p:nvCxnSpPr>
+          <p:cNvPr id="28" name="Straight Arrow Connector 27">
+            <a:extLst>
+              <a:ext uri="{FF2B5EF4-FFF2-40B4-BE49-F238E27FC236}">
+                <a16:creationId xmlns:a16="http://schemas.microsoft.com/office/drawing/2014/main" id="{801B3DBF-623A-34F2-1198-4E5EB94B6D8D}"/>
+              </a:ext>
+            </a:extLst>
+          </p:cNvPr>
+          <p:cNvCxnSpPr>
+            <a:cxnSpLocks/>
+            <a:endCxn id="41" idx="6"/>
+          </p:cNvCxnSpPr>
+          <p:nvPr/>
+        </p:nvCxnSpPr>
+        <p:spPr>
+          <a:xfrm flipH="1">
+            <a:off x="1111615" y="2481126"/>
+            <a:ext cx="1508861" cy="9429"/>
+          </a:xfrm>
+          <a:prstGeom prst="straightConnector1">
+            <a:avLst/>
+          </a:prstGeom>
+          <a:ln>
+            <a:solidFill>
+              <a:schemeClr val="tx1"/>
+            </a:solidFill>
+            <a:tailEnd type="triangle"/>
+          </a:ln>
+        </p:spPr>
+        <p:style>
+          <a:lnRef idx="1">
+            <a:schemeClr val="accent1"/>
+          </a:lnRef>
+          <a:fillRef idx="0">
+            <a:schemeClr val="accent1"/>
+          </a:fillRef>
+          <a:effectRef idx="0">
+            <a:schemeClr val="accent1"/>
+          </a:effectRef>
+          <a:fontRef idx="minor">
+            <a:schemeClr val="tx1"/>
+          </a:fontRef>
+        </p:style>
+      </p:cxnSp>
+      <p:sp>
+        <p:nvSpPr>
+          <p:cNvPr id="67" name="TextBox 66">
+            <a:extLst>
+              <a:ext uri="{FF2B5EF4-FFF2-40B4-BE49-F238E27FC236}">
+                <a16:creationId xmlns:a16="http://schemas.microsoft.com/office/drawing/2014/main" id="{897C6F63-2607-ED46-3C41-D43D3DE3ECB7}"/>
+              </a:ext>
+            </a:extLst>
+          </p:cNvPr>
+          <p:cNvSpPr txBox="1"/>
+          <p:nvPr/>
+        </p:nvSpPr>
+        <p:spPr>
+          <a:xfrm>
+            <a:off x="892357" y="2067492"/>
+            <a:ext cx="377026" cy="246221"/>
+          </a:xfrm>
+          <a:prstGeom prst="rect">
+            <a:avLst/>
+          </a:prstGeom>
+          <a:noFill/>
+        </p:spPr>
+        <p:txBody>
+          <a:bodyPr wrap="none" rtlCol="0">
+            <a:spAutoFit/>
+          </a:bodyPr>
+          <a:lstStyle/>
+          <a:p>
+            <a:r>
+              <a:rPr lang="en-CA" sz="1000" dirty="0"/>
+              <a:t>Idle</a:t>
+            </a:r>
+          </a:p>
+        </p:txBody>
+      </p:sp>
+      <p:cxnSp>
+        <p:nvCxnSpPr>
+          <p:cNvPr id="76" name="Connector: Elbow 75">
+            <a:extLst>
+              <a:ext uri="{FF2B5EF4-FFF2-40B4-BE49-F238E27FC236}">
+                <a16:creationId xmlns:a16="http://schemas.microsoft.com/office/drawing/2014/main" id="{2C8EE2DD-D3D5-B966-9128-6EF888C78F34}"/>
+              </a:ext>
+            </a:extLst>
+          </p:cNvPr>
+          <p:cNvCxnSpPr>
+            <a:cxnSpLocks/>
+            <a:stCxn id="25" idx="3"/>
+          </p:cNvCxnSpPr>
+          <p:nvPr/>
+        </p:nvCxnSpPr>
+        <p:spPr>
+          <a:xfrm>
+            <a:off x="4276660" y="2690329"/>
+            <a:ext cx="1520291" cy="735744"/>
+          </a:xfrm>
+          <a:prstGeom prst="bentConnector3">
+            <a:avLst>
+              <a:gd name="adj1" fmla="val 99365"/>
+            </a:avLst>
+          </a:prstGeom>
+          <a:ln>
+            <a:solidFill>
+              <a:schemeClr val="tx1"/>
+            </a:solidFill>
+            <a:tailEnd type="triangle"/>
+          </a:ln>
+        </p:spPr>
+        <p:style>
+          <a:lnRef idx="1">
+            <a:schemeClr val="accent1"/>
+          </a:lnRef>
+          <a:fillRef idx="0">
+            <a:schemeClr val="accent1"/>
+          </a:fillRef>
+          <a:effectRef idx="0">
+            <a:schemeClr val="accent1"/>
+          </a:effectRef>
+          <a:fontRef idx="minor">
+            <a:schemeClr val="tx1"/>
+          </a:fontRef>
+        </p:style>
+      </p:cxnSp>
+      <p:sp>
+        <p:nvSpPr>
+          <p:cNvPr id="77" name="TextBox 76">
+            <a:extLst>
+              <a:ext uri="{FF2B5EF4-FFF2-40B4-BE49-F238E27FC236}">
+                <a16:creationId xmlns:a16="http://schemas.microsoft.com/office/drawing/2014/main" id="{DFCB7D9B-85DB-B294-7E39-3C771AAFC8C3}"/>
+              </a:ext>
+            </a:extLst>
+          </p:cNvPr>
+          <p:cNvSpPr txBox="1"/>
+          <p:nvPr/>
+        </p:nvSpPr>
+        <p:spPr>
+          <a:xfrm>
+            <a:off x="4384221" y="2713491"/>
+            <a:ext cx="1284326" cy="246221"/>
+          </a:xfrm>
+          <a:prstGeom prst="rect">
+            <a:avLst/>
+          </a:prstGeom>
+          <a:noFill/>
+        </p:spPr>
+        <p:txBody>
+          <a:bodyPr wrap="none" rtlCol="0">
+            <a:spAutoFit/>
+          </a:bodyPr>
+          <a:lstStyle/>
+          <a:p>
+            <a:r>
+              <a:rPr lang="en-CA" sz="1000" dirty="0"/>
+              <a:t>at(6AM) [configured]</a:t>
+            </a:r>
+          </a:p>
+        </p:txBody>
+      </p:sp>
+      <p:sp>
+        <p:nvSpPr>
+          <p:cNvPr id="78" name="Flowchart: Connector 77">
+            <a:extLst>
+              <a:ext uri="{FF2B5EF4-FFF2-40B4-BE49-F238E27FC236}">
+                <a16:creationId xmlns:a16="http://schemas.microsoft.com/office/drawing/2014/main" id="{73D1B3AB-996E-CC0A-83F6-3C6A75B1AEF7}"/>
+              </a:ext>
+            </a:extLst>
+          </p:cNvPr>
+          <p:cNvSpPr/>
+          <p:nvPr/>
+        </p:nvSpPr>
+        <p:spPr>
+          <a:xfrm>
+            <a:off x="2668161" y="3947301"/>
+            <a:ext cx="370367" cy="353683"/>
+          </a:xfrm>
+          <a:prstGeom prst="flowChartConnector">
+            <a:avLst/>
+          </a:prstGeom>
+          <a:solidFill>
+            <a:schemeClr val="tx1"/>
+          </a:solidFill>
         </p:spPr>
         <p:style>
           <a:lnRef idx="2">
             <a:schemeClr val="accent1">
-              <a:shade val="50000"/>
+              <a:shade val="15000"/>
             </a:schemeClr>
           </a:lnRef>
           <a:fillRef idx="1">
@@ -3897,112 +5808,38 @@
           <a:lstStyle/>
           <a:p>
             <a:pPr algn="ctr"/>
-            <a:endParaRPr lang="fr-CA" sz="1400" dirty="0"/>
-          </a:p>
-        </p:txBody>
-      </p:sp>
-      <p:sp>
-        <p:nvSpPr>
-          <p:cNvPr id="177" name="TextBox 176">
-            <a:extLst>
-              <a:ext uri="{FF2B5EF4-FFF2-40B4-BE49-F238E27FC236}">
-                <a16:creationId xmlns:a16="http://schemas.microsoft.com/office/drawing/2014/main" id="{BC48D55C-C21D-45BC-A984-8F8546BA82AB}"/>
-              </a:ext>
-            </a:extLst>
-          </p:cNvPr>
-          <p:cNvSpPr txBox="1"/>
-          <p:nvPr/>
-        </p:nvSpPr>
-        <p:spPr>
-          <a:xfrm>
-            <a:off x="4539443" y="912529"/>
-            <a:ext cx="418704" cy="307777"/>
-          </a:xfrm>
-          <a:prstGeom prst="rect">
-            <a:avLst/>
-          </a:prstGeom>
-          <a:noFill/>
-        </p:spPr>
-        <p:txBody>
-          <a:bodyPr wrap="none" rtlCol="0">
-            <a:spAutoFit/>
-          </a:bodyPr>
-          <a:lstStyle/>
-          <a:p>
-            <a:r>
-              <a:rPr lang="fr-CA" sz="1400" dirty="0">
-                <a:solidFill>
-                  <a:srgbClr val="0000FF"/>
-                </a:solidFill>
-              </a:rPr>
-              <a:t>ON</a:t>
-            </a:r>
-          </a:p>
-        </p:txBody>
-      </p:sp>
-      <p:sp>
-        <p:nvSpPr>
-          <p:cNvPr id="205" name="TextBox 204">
-            <a:extLst>
-              <a:ext uri="{FF2B5EF4-FFF2-40B4-BE49-F238E27FC236}">
-                <a16:creationId xmlns:a16="http://schemas.microsoft.com/office/drawing/2014/main" id="{566E566F-123B-44B4-A6E9-3702A2782276}"/>
-              </a:ext>
-            </a:extLst>
-          </p:cNvPr>
-          <p:cNvSpPr txBox="1"/>
-          <p:nvPr/>
-        </p:nvSpPr>
-        <p:spPr>
-          <a:xfrm>
-            <a:off x="3640125" y="2033544"/>
-            <a:ext cx="708399" cy="307777"/>
-          </a:xfrm>
-          <a:prstGeom prst="rect">
-            <a:avLst/>
-          </a:prstGeom>
-          <a:noFill/>
-        </p:spPr>
-        <p:txBody>
-          <a:bodyPr wrap="none" rtlCol="0">
-            <a:spAutoFit/>
-          </a:bodyPr>
-          <a:lstStyle/>
-          <a:p>
-            <a:r>
-              <a:rPr lang="fr-CA" sz="1400" dirty="0">
-                <a:solidFill>
-                  <a:srgbClr val="0000FF"/>
-                </a:solidFill>
-              </a:rPr>
-              <a:t>ACTIVE</a:t>
-            </a:r>
+            <a:endParaRPr lang="en-CA" dirty="0"/>
           </a:p>
         </p:txBody>
       </p:sp>
       <p:cxnSp>
         <p:nvCxnSpPr>
-          <p:cNvPr id="207" name="Straight Connector 206">
-            <a:extLst>
-              <a:ext uri="{FF2B5EF4-FFF2-40B4-BE49-F238E27FC236}">
-                <a16:creationId xmlns:a16="http://schemas.microsoft.com/office/drawing/2014/main" id="{B7B4CF5E-D2B2-4E3C-9602-B8E95A393B0C}"/>
-              </a:ext>
-            </a:extLst>
-          </p:cNvPr>
-          <p:cNvCxnSpPr/>
+          <p:cNvPr id="88" name="Straight Arrow Connector 87">
+            <a:extLst>
+              <a:ext uri="{FF2B5EF4-FFF2-40B4-BE49-F238E27FC236}">
+                <a16:creationId xmlns:a16="http://schemas.microsoft.com/office/drawing/2014/main" id="{11ABD369-5382-FE24-41B3-547702834C04}"/>
+              </a:ext>
+            </a:extLst>
+          </p:cNvPr>
+          <p:cNvCxnSpPr>
+            <a:cxnSpLocks/>
+            <a:endCxn id="78" idx="0"/>
+          </p:cNvCxnSpPr>
           <p:nvPr/>
         </p:nvCxnSpPr>
         <p:spPr>
           <a:xfrm>
-            <a:off x="2626212" y="2297633"/>
-            <a:ext cx="2691079" cy="0"/>
-          </a:xfrm>
-          <a:prstGeom prst="line">
+            <a:off x="2853344" y="3136554"/>
+            <a:ext cx="1" cy="810747"/>
+          </a:xfrm>
+          <a:prstGeom prst="straightConnector1">
             <a:avLst/>
           </a:prstGeom>
           <a:ln>
             <a:solidFill>
               <a:schemeClr val="tx1"/>
             </a:solidFill>
+            <a:tailEnd type="triangle"/>
           </a:ln>
         </p:spPr>
         <p:style>
@@ -4022,32 +5859,32 @@
       </p:cxnSp>
       <p:cxnSp>
         <p:nvCxnSpPr>
-          <p:cNvPr id="208" name="Straight Connector 207">
-            <a:extLst>
-              <a:ext uri="{FF2B5EF4-FFF2-40B4-BE49-F238E27FC236}">
-                <a16:creationId xmlns:a16="http://schemas.microsoft.com/office/drawing/2014/main" id="{734F1E15-7C22-4A8B-88F5-104D29EEDDBF}"/>
+          <p:cNvPr id="91" name="Straight Arrow Connector 90">
+            <a:extLst>
+              <a:ext uri="{FF2B5EF4-FFF2-40B4-BE49-F238E27FC236}">
+                <a16:creationId xmlns:a16="http://schemas.microsoft.com/office/drawing/2014/main" id="{D1E74755-023C-20C0-B37C-EDE1D0C0125F}"/>
               </a:ext>
             </a:extLst>
           </p:cNvPr>
           <p:cNvCxnSpPr>
             <a:cxnSpLocks/>
-            <a:stCxn id="51" idx="1"/>
-            <a:endCxn id="51" idx="3"/>
+            <a:stCxn id="78" idx="6"/>
           </p:cNvCxnSpPr>
           <p:nvPr/>
         </p:nvCxnSpPr>
         <p:spPr>
-          <a:xfrm>
-            <a:off x="2609585" y="2848196"/>
-            <a:ext cx="2707707" cy="0"/>
-          </a:xfrm>
-          <a:prstGeom prst="line">
+          <a:xfrm flipV="1">
+            <a:off x="3038528" y="4124142"/>
+            <a:ext cx="1987856" cy="1"/>
+          </a:xfrm>
+          <a:prstGeom prst="straightConnector1">
             <a:avLst/>
           </a:prstGeom>
           <a:ln>
             <a:solidFill>
               <a:schemeClr val="tx1"/>
             </a:solidFill>
+            <a:tailEnd type="triangle"/>
           </a:ln>
         </p:spPr>
         <p:style>
@@ -4065,32 +5902,189 @@
           </a:fontRef>
         </p:style>
       </p:cxnSp>
+      <p:sp>
+        <p:nvSpPr>
+          <p:cNvPr id="94" name="TextBox 93">
+            <a:extLst>
+              <a:ext uri="{FF2B5EF4-FFF2-40B4-BE49-F238E27FC236}">
+                <a16:creationId xmlns:a16="http://schemas.microsoft.com/office/drawing/2014/main" id="{F479C051-DEC0-5FCE-DBFD-F37A6D92EB83}"/>
+              </a:ext>
+            </a:extLst>
+          </p:cNvPr>
+          <p:cNvSpPr txBox="1"/>
+          <p:nvPr/>
+        </p:nvSpPr>
+        <p:spPr>
+          <a:xfrm>
+            <a:off x="3286199" y="3848375"/>
+            <a:ext cx="867545" cy="246221"/>
+          </a:xfrm>
+          <a:prstGeom prst="rect">
+            <a:avLst/>
+          </a:prstGeom>
+          <a:noFill/>
+        </p:spPr>
+        <p:txBody>
+          <a:bodyPr wrap="none" rtlCol="0">
+            <a:spAutoFit/>
+          </a:bodyPr>
+          <a:lstStyle/>
+          <a:p>
+            <a:r>
+              <a:rPr lang="en-CA" sz="1000" dirty="0"/>
+              <a:t>[!configured]</a:t>
+            </a:r>
+          </a:p>
+        </p:txBody>
+      </p:sp>
+      <p:sp>
+        <p:nvSpPr>
+          <p:cNvPr id="95" name="TextBox 94">
+            <a:extLst>
+              <a:ext uri="{FF2B5EF4-FFF2-40B4-BE49-F238E27FC236}">
+                <a16:creationId xmlns:a16="http://schemas.microsoft.com/office/drawing/2014/main" id="{88567435-2A8F-779B-F599-0BBAF56EA641}"/>
+              </a:ext>
+            </a:extLst>
+          </p:cNvPr>
+          <p:cNvSpPr txBox="1"/>
+          <p:nvPr/>
+        </p:nvSpPr>
+        <p:spPr>
+          <a:xfrm>
+            <a:off x="3300382" y="4260814"/>
+            <a:ext cx="825867" cy="246221"/>
+          </a:xfrm>
+          <a:prstGeom prst="rect">
+            <a:avLst/>
+          </a:prstGeom>
+          <a:noFill/>
+        </p:spPr>
+        <p:txBody>
+          <a:bodyPr wrap="none" rtlCol="0">
+            <a:spAutoFit/>
+          </a:bodyPr>
+          <a:lstStyle/>
+          <a:p>
+            <a:r>
+              <a:rPr lang="en-CA" sz="1000" dirty="0"/>
+              <a:t>[configured]</a:t>
+            </a:r>
+          </a:p>
+        </p:txBody>
+      </p:sp>
+      <p:sp>
+        <p:nvSpPr>
+          <p:cNvPr id="96" name="TextBox 95">
+            <a:extLst>
+              <a:ext uri="{FF2B5EF4-FFF2-40B4-BE49-F238E27FC236}">
+                <a16:creationId xmlns:a16="http://schemas.microsoft.com/office/drawing/2014/main" id="{CA843903-08E9-56C9-61CA-B04242DDFF53}"/>
+              </a:ext>
+            </a:extLst>
+          </p:cNvPr>
+          <p:cNvSpPr txBox="1"/>
+          <p:nvPr/>
+        </p:nvSpPr>
+        <p:spPr>
+          <a:xfrm>
+            <a:off x="2853344" y="3413637"/>
+            <a:ext cx="598241" cy="246221"/>
+          </a:xfrm>
+          <a:prstGeom prst="rect">
+            <a:avLst/>
+          </a:prstGeom>
+          <a:noFill/>
+        </p:spPr>
+        <p:txBody>
+          <a:bodyPr wrap="none" rtlCol="0">
+            <a:spAutoFit/>
+          </a:bodyPr>
+          <a:lstStyle/>
+          <a:p>
+            <a:r>
+              <a:rPr lang="en-CA" sz="1000" dirty="0"/>
+              <a:t>activate</a:t>
+            </a:r>
+          </a:p>
+        </p:txBody>
+      </p:sp>
+      <p:sp>
+        <p:nvSpPr>
+          <p:cNvPr id="97" name="Flowchart: Connector 96">
+            <a:extLst>
+              <a:ext uri="{FF2B5EF4-FFF2-40B4-BE49-F238E27FC236}">
+                <a16:creationId xmlns:a16="http://schemas.microsoft.com/office/drawing/2014/main" id="{EFA3C0B1-7613-7B43-F4F2-0B1793CE5849}"/>
+              </a:ext>
+            </a:extLst>
+          </p:cNvPr>
+          <p:cNvSpPr/>
+          <p:nvPr/>
+        </p:nvSpPr>
+        <p:spPr>
+          <a:xfrm>
+            <a:off x="4933822" y="4311269"/>
+            <a:ext cx="370367" cy="353683"/>
+          </a:xfrm>
+          <a:prstGeom prst="flowChartConnector">
+            <a:avLst/>
+          </a:prstGeom>
+          <a:solidFill>
+            <a:schemeClr val="bg1"/>
+          </a:solidFill>
+        </p:spPr>
+        <p:style>
+          <a:lnRef idx="2">
+            <a:schemeClr val="accent1">
+              <a:shade val="15000"/>
+            </a:schemeClr>
+          </a:lnRef>
+          <a:fillRef idx="1">
+            <a:schemeClr val="accent1"/>
+          </a:fillRef>
+          <a:effectRef idx="0">
+            <a:schemeClr val="accent1"/>
+          </a:effectRef>
+          <a:fontRef idx="minor">
+            <a:schemeClr val="lt1"/>
+          </a:fontRef>
+        </p:style>
+        <p:txBody>
+          <a:bodyPr rtlCol="0" anchor="ctr"/>
+          <a:lstStyle/>
+          <a:p>
+            <a:pPr algn="ctr"/>
+            <a:endParaRPr lang="en-CA" dirty="0"/>
+          </a:p>
+        </p:txBody>
+      </p:sp>
       <p:cxnSp>
         <p:nvCxnSpPr>
-          <p:cNvPr id="34" name="Straight Connector 33">
-            <a:extLst>
-              <a:ext uri="{FF2B5EF4-FFF2-40B4-BE49-F238E27FC236}">
-                <a16:creationId xmlns:a16="http://schemas.microsoft.com/office/drawing/2014/main" id="{97F65B0C-0EF5-43B4-8F57-2C9255D2FCA9}"/>
+          <p:cNvPr id="82" name="Connector: Elbow 81">
+            <a:extLst>
+              <a:ext uri="{FF2B5EF4-FFF2-40B4-BE49-F238E27FC236}">
+                <a16:creationId xmlns:a16="http://schemas.microsoft.com/office/drawing/2014/main" id="{C7F37FE6-7D65-6A51-EBA1-0F3950CBFFE6}"/>
               </a:ext>
             </a:extLst>
           </p:cNvPr>
           <p:cNvCxnSpPr>
             <a:cxnSpLocks/>
+            <a:stCxn id="78" idx="4"/>
+            <a:endCxn id="97" idx="2"/>
           </p:cNvCxnSpPr>
           <p:nvPr/>
         </p:nvCxnSpPr>
         <p:spPr>
-          <a:xfrm>
-            <a:off x="1132776" y="1157288"/>
-            <a:ext cx="7054713" cy="0"/>
-          </a:xfrm>
-          <a:prstGeom prst="line">
+          <a:xfrm rot="16200000" flipH="1">
+            <a:off x="3800020" y="3354308"/>
+            <a:ext cx="187127" cy="2080477"/>
+          </a:xfrm>
+          <a:prstGeom prst="bentConnector2">
             <a:avLst/>
           </a:prstGeom>
           <a:ln>
             <a:solidFill>
               <a:schemeClr val="tx1"/>
             </a:solidFill>
+            <a:tailEnd type="triangle"/>
           </a:ln>
         </p:spPr>
         <p:style>
@@ -4108,12 +6102,47 @@
           </a:fontRef>
         </p:style>
       </p:cxnSp>
+      <p:sp>
+        <p:nvSpPr>
+          <p:cNvPr id="99" name="TextBox 98">
+            <a:extLst>
+              <a:ext uri="{FF2B5EF4-FFF2-40B4-BE49-F238E27FC236}">
+                <a16:creationId xmlns:a16="http://schemas.microsoft.com/office/drawing/2014/main" id="{BD9F21E4-E24D-104F-35D1-5794893DB02E}"/>
+              </a:ext>
+            </a:extLst>
+          </p:cNvPr>
+          <p:cNvSpPr txBox="1"/>
+          <p:nvPr/>
+        </p:nvSpPr>
+        <p:spPr>
+          <a:xfrm>
+            <a:off x="5261358" y="4325869"/>
+            <a:ext cx="1167307" cy="246221"/>
+          </a:xfrm>
+          <a:prstGeom prst="rect">
+            <a:avLst/>
+          </a:prstGeom>
+          <a:noFill/>
+        </p:spPr>
+        <p:txBody>
+          <a:bodyPr wrap="none" rtlCol="0">
+            <a:spAutoFit/>
+          </a:bodyPr>
+          <a:lstStyle/>
+          <a:p>
+            <a:r>
+              <a:rPr lang="en-CA" sz="1000" dirty="0"/>
+              <a:t>Skip Configuration</a:t>
+            </a:r>
+          </a:p>
+        </p:txBody>
+      </p:sp>
       <p:cxnSp>
         <p:nvCxnSpPr>
-          <p:cNvPr id="36" name="Straight Connector 35">
-            <a:extLst>
-              <a:ext uri="{FF2B5EF4-FFF2-40B4-BE49-F238E27FC236}">
-                <a16:creationId xmlns:a16="http://schemas.microsoft.com/office/drawing/2014/main" id="{EA3E743E-A21A-4524-9C40-EF6613D95F84}"/>
+          <p:cNvPr id="103" name="Connector: Elbow 102">
+            <a:extLst>
+              <a:ext uri="{FF2B5EF4-FFF2-40B4-BE49-F238E27FC236}">
+                <a16:creationId xmlns:a16="http://schemas.microsoft.com/office/drawing/2014/main" id="{234555A0-A14F-04B5-E2C2-94C523312D6D}"/>
               </a:ext>
             </a:extLst>
           </p:cNvPr>
@@ -4123,17 +6152,20 @@
           <p:nvPr/>
         </p:nvCxnSpPr>
         <p:spPr>
-          <a:xfrm>
-            <a:off x="968544" y="1470108"/>
-            <a:ext cx="7381372" cy="0"/>
-          </a:xfrm>
-          <a:prstGeom prst="line">
-            <a:avLst/>
+          <a:xfrm rot="10800000">
+            <a:off x="4276661" y="2458261"/>
+            <a:ext cx="2783108" cy="983533"/>
+          </a:xfrm>
+          <a:prstGeom prst="bentConnector3">
+            <a:avLst>
+              <a:gd name="adj1" fmla="val 407"/>
+            </a:avLst>
           </a:prstGeom>
           <a:ln>
             <a:solidFill>
               <a:schemeClr val="tx1"/>
             </a:solidFill>
+            <a:tailEnd type="triangle"/>
           </a:ln>
         </p:spPr>
         <p:style>
@@ -4151,6 +6183,200 @@
           </a:fontRef>
         </p:style>
       </p:cxnSp>
+      <p:sp>
+        <p:nvSpPr>
+          <p:cNvPr id="107" name="TextBox 106">
+            <a:extLst>
+              <a:ext uri="{FF2B5EF4-FFF2-40B4-BE49-F238E27FC236}">
+                <a16:creationId xmlns:a16="http://schemas.microsoft.com/office/drawing/2014/main" id="{BDB9F112-9388-4CE4-84F1-596E52134448}"/>
+              </a:ext>
+            </a:extLst>
+          </p:cNvPr>
+          <p:cNvSpPr txBox="1"/>
+          <p:nvPr/>
+        </p:nvSpPr>
+        <p:spPr>
+          <a:xfrm>
+            <a:off x="7005659" y="2772244"/>
+            <a:ext cx="671979" cy="246221"/>
+          </a:xfrm>
+          <a:prstGeom prst="rect">
+            <a:avLst/>
+          </a:prstGeom>
+          <a:noFill/>
+        </p:spPr>
+        <p:txBody>
+          <a:bodyPr wrap="none" rtlCol="0">
+            <a:spAutoFit/>
+          </a:bodyPr>
+          <a:lstStyle/>
+          <a:p>
+            <a:r>
+              <a:rPr lang="en-CA" sz="1000" dirty="0"/>
+              <a:t>at(11PM)</a:t>
+            </a:r>
+          </a:p>
+        </p:txBody>
+      </p:sp>
+      <p:cxnSp>
+        <p:nvCxnSpPr>
+          <p:cNvPr id="115" name="Connector: Elbow 114">
+            <a:extLst>
+              <a:ext uri="{FF2B5EF4-FFF2-40B4-BE49-F238E27FC236}">
+                <a16:creationId xmlns:a16="http://schemas.microsoft.com/office/drawing/2014/main" id="{029F1196-49BE-1803-C138-C1BA4C624CE7}"/>
+              </a:ext>
+            </a:extLst>
+          </p:cNvPr>
+          <p:cNvCxnSpPr>
+            <a:cxnSpLocks/>
+          </p:cNvCxnSpPr>
+          <p:nvPr/>
+        </p:nvCxnSpPr>
+        <p:spPr>
+          <a:xfrm rot="10800000">
+            <a:off x="3678421" y="3086041"/>
+            <a:ext cx="1358384" cy="607196"/>
+          </a:xfrm>
+          <a:prstGeom prst="bentConnector3">
+            <a:avLst>
+              <a:gd name="adj1" fmla="val 100169"/>
+            </a:avLst>
+          </a:prstGeom>
+          <a:ln>
+            <a:solidFill>
+              <a:schemeClr val="tx1"/>
+            </a:solidFill>
+            <a:tailEnd type="triangle"/>
+          </a:ln>
+        </p:spPr>
+        <p:style>
+          <a:lnRef idx="1">
+            <a:schemeClr val="accent1"/>
+          </a:lnRef>
+          <a:fillRef idx="0">
+            <a:schemeClr val="accent1"/>
+          </a:fillRef>
+          <a:effectRef idx="0">
+            <a:schemeClr val="accent1"/>
+          </a:effectRef>
+          <a:fontRef idx="minor">
+            <a:schemeClr val="tx1"/>
+          </a:fontRef>
+        </p:style>
+      </p:cxnSp>
+      <p:sp>
+        <p:nvSpPr>
+          <p:cNvPr id="119" name="TextBox 118">
+            <a:extLst>
+              <a:ext uri="{FF2B5EF4-FFF2-40B4-BE49-F238E27FC236}">
+                <a16:creationId xmlns:a16="http://schemas.microsoft.com/office/drawing/2014/main" id="{82E62DF5-566E-A6CD-EE92-004CAE2B4688}"/>
+              </a:ext>
+            </a:extLst>
+          </p:cNvPr>
+          <p:cNvSpPr txBox="1"/>
+          <p:nvPr/>
+        </p:nvSpPr>
+        <p:spPr>
+          <a:xfrm>
+            <a:off x="3965491" y="3449235"/>
+            <a:ext cx="729687" cy="246221"/>
+          </a:xfrm>
+          <a:prstGeom prst="rect">
+            <a:avLst/>
+          </a:prstGeom>
+          <a:noFill/>
+        </p:spPr>
+        <p:txBody>
+          <a:bodyPr wrap="none" rtlCol="0">
+            <a:spAutoFit/>
+          </a:bodyPr>
+          <a:lstStyle/>
+          <a:p>
+            <a:r>
+              <a:rPr lang="en-CA" sz="1000" dirty="0"/>
+              <a:t>deactivate</a:t>
+            </a:r>
+          </a:p>
+        </p:txBody>
+      </p:sp>
+      <p:sp>
+        <p:nvSpPr>
+          <p:cNvPr id="120" name="TextBox 119">
+            <a:extLst>
+              <a:ext uri="{FF2B5EF4-FFF2-40B4-BE49-F238E27FC236}">
+                <a16:creationId xmlns:a16="http://schemas.microsoft.com/office/drawing/2014/main" id="{0834250F-3334-4804-59B7-580715F313AA}"/>
+              </a:ext>
+            </a:extLst>
+          </p:cNvPr>
+          <p:cNvSpPr txBox="1"/>
+          <p:nvPr/>
+        </p:nvSpPr>
+        <p:spPr>
+          <a:xfrm>
+            <a:off x="5058579" y="3655156"/>
+            <a:ext cx="1393330" cy="246221"/>
+          </a:xfrm>
+          <a:prstGeom prst="rect">
+            <a:avLst/>
+          </a:prstGeom>
+          <a:noFill/>
+        </p:spPr>
+        <p:txBody>
+          <a:bodyPr wrap="none" rtlCol="0">
+            <a:spAutoFit/>
+          </a:bodyPr>
+          <a:lstStyle/>
+          <a:p>
+            <a:r>
+              <a:rPr lang="en-CA" sz="1000" dirty="0" err="1"/>
+              <a:t>OnEntry</a:t>
+            </a:r>
+            <a:r>
+              <a:rPr lang="en-CA" sz="1000" dirty="0"/>
+              <a:t>: green LED on</a:t>
+            </a:r>
+          </a:p>
+        </p:txBody>
+      </p:sp>
+      <p:sp>
+        <p:nvSpPr>
+          <p:cNvPr id="122" name="TextBox 121">
+            <a:extLst>
+              <a:ext uri="{FF2B5EF4-FFF2-40B4-BE49-F238E27FC236}">
+                <a16:creationId xmlns:a16="http://schemas.microsoft.com/office/drawing/2014/main" id="{3E769371-5C95-936B-2E0C-FE1B37E9FF2B}"/>
+              </a:ext>
+            </a:extLst>
+          </p:cNvPr>
+          <p:cNvSpPr txBox="1"/>
+          <p:nvPr/>
+        </p:nvSpPr>
+        <p:spPr>
+          <a:xfrm>
+            <a:off x="5056526" y="3850225"/>
+            <a:ext cx="1317990" cy="246221"/>
+          </a:xfrm>
+          <a:prstGeom prst="rect">
+            <a:avLst/>
+          </a:prstGeom>
+          <a:noFill/>
+        </p:spPr>
+        <p:txBody>
+          <a:bodyPr wrap="none" rtlCol="0">
+            <a:spAutoFit/>
+          </a:bodyPr>
+          <a:lstStyle/>
+          <a:p>
+            <a:r>
+              <a:rPr lang="en-CA" sz="1000" dirty="0" err="1"/>
+              <a:t>OnExit</a:t>
+            </a:r>
+            <a:r>
+              <a:rPr lang="en-CA" sz="1000" dirty="0"/>
+              <a:t>: green LED off</a:t>
+            </a:r>
+          </a:p>
+        </p:txBody>
+      </p:sp>
     </p:spTree>
     <p:extLst>
       <p:ext uri="{BB962C8B-B14F-4D97-AF65-F5344CB8AC3E}">
@@ -4181,12 +6407,103 @@
           <a:chExt cx="0" cy="0"/>
         </a:xfrm>
       </p:grpSpPr>
+      <p:sp>
+        <p:nvSpPr>
+          <p:cNvPr id="63" name="Rounded Rectangle 151">
+            <a:extLst>
+              <a:ext uri="{FF2B5EF4-FFF2-40B4-BE49-F238E27FC236}">
+                <a16:creationId xmlns:a16="http://schemas.microsoft.com/office/drawing/2014/main" id="{663034CD-CC46-4437-9E1E-875D0B5D3001}"/>
+              </a:ext>
+            </a:extLst>
+          </p:cNvPr>
+          <p:cNvSpPr/>
+          <p:nvPr/>
+        </p:nvSpPr>
+        <p:spPr>
+          <a:xfrm>
+            <a:off x="132349" y="751569"/>
+            <a:ext cx="8870381" cy="5246175"/>
+          </a:xfrm>
+          <a:prstGeom prst="roundRect">
+            <a:avLst/>
+          </a:prstGeom>
+          <a:noFill/>
+          <a:ln w="12700">
+            <a:solidFill>
+              <a:schemeClr val="tx1"/>
+            </a:solidFill>
+          </a:ln>
+        </p:spPr>
+        <p:style>
+          <a:lnRef idx="2">
+            <a:schemeClr val="accent1">
+              <a:shade val="50000"/>
+            </a:schemeClr>
+          </a:lnRef>
+          <a:fillRef idx="1">
+            <a:schemeClr val="accent1"/>
+          </a:fillRef>
+          <a:effectRef idx="0">
+            <a:schemeClr val="accent1"/>
+          </a:effectRef>
+          <a:fontRef idx="minor">
+            <a:schemeClr val="lt1"/>
+          </a:fontRef>
+        </p:style>
+        <p:txBody>
+          <a:bodyPr rtlCol="0" anchor="ctr"/>
+          <a:lstStyle/>
+          <a:p>
+            <a:pPr algn="ctr"/>
+            <a:endParaRPr lang="fr-CA" sz="1400" dirty="0"/>
+          </a:p>
+        </p:txBody>
+      </p:sp>
+      <p:sp>
+        <p:nvSpPr>
+          <p:cNvPr id="78" name="TextBox 77">
+            <a:extLst>
+              <a:ext uri="{FF2B5EF4-FFF2-40B4-BE49-F238E27FC236}">
+                <a16:creationId xmlns:a16="http://schemas.microsoft.com/office/drawing/2014/main" id="{BAF8DD8C-D141-41FE-AD84-E4BBF7E2B227}"/>
+              </a:ext>
+            </a:extLst>
+          </p:cNvPr>
+          <p:cNvSpPr txBox="1"/>
+          <p:nvPr/>
+        </p:nvSpPr>
+        <p:spPr>
+          <a:xfrm>
+            <a:off x="4088741" y="706367"/>
+            <a:ext cx="708399" cy="307777"/>
+          </a:xfrm>
+          <a:prstGeom prst="rect">
+            <a:avLst/>
+          </a:prstGeom>
+          <a:noFill/>
+        </p:spPr>
+        <p:txBody>
+          <a:bodyPr wrap="none" rtlCol="0">
+            <a:spAutoFit/>
+          </a:bodyPr>
+          <a:lstStyle/>
+          <a:p>
+            <a:r>
+              <a:rPr lang="fr-CA" sz="1400" dirty="0">
+                <a:solidFill>
+                  <a:srgbClr val="0000FF"/>
+                </a:solidFill>
+              </a:rPr>
+              <a:t>ACTIVE</a:t>
+            </a:r>
+          </a:p>
+        </p:txBody>
+      </p:sp>
       <p:grpSp>
         <p:nvGrpSpPr>
-          <p:cNvPr id="4" name="Group 3">
-            <a:extLst>
-              <a:ext uri="{FF2B5EF4-FFF2-40B4-BE49-F238E27FC236}">
-                <a16:creationId xmlns:a16="http://schemas.microsoft.com/office/drawing/2014/main" id="{6F66311A-00BC-486A-BEA8-5466CC6CCB0D}"/>
+          <p:cNvPr id="3" name="Group 2">
+            <a:extLst>
+              <a:ext uri="{FF2B5EF4-FFF2-40B4-BE49-F238E27FC236}">
+                <a16:creationId xmlns:a16="http://schemas.microsoft.com/office/drawing/2014/main" id="{4356FC23-990A-380D-C42E-349403C43D29}"/>
               </a:ext>
             </a:extLst>
           </p:cNvPr>
@@ -4195,135 +6512,328 @@
         </p:nvGrpSpPr>
         <p:grpSpPr>
           <a:xfrm>
-            <a:off x="8223107" y="3923188"/>
-            <a:ext cx="622999" cy="76200"/>
-            <a:chOff x="1510601" y="457200"/>
-            <a:chExt cx="864998" cy="152400"/>
+            <a:off x="5542866" y="3429000"/>
+            <a:ext cx="2058419" cy="1315987"/>
+            <a:chOff x="6882464" y="2911645"/>
+            <a:chExt cx="2058419" cy="1315987"/>
           </a:xfrm>
         </p:grpSpPr>
-        <p:sp>
-          <p:nvSpPr>
-            <p:cNvPr id="5" name="Rounded Rectangle 25">
+        <p:grpSp>
+          <p:nvGrpSpPr>
+            <p:cNvPr id="4" name="Group 3">
               <a:extLst>
                 <a:ext uri="{FF2B5EF4-FFF2-40B4-BE49-F238E27FC236}">
-                  <a16:creationId xmlns:a16="http://schemas.microsoft.com/office/drawing/2014/main" id="{A95A4F12-4997-4A0E-9CE2-F579F12F33A7}"/>
+                  <a16:creationId xmlns:a16="http://schemas.microsoft.com/office/drawing/2014/main" id="{6F66311A-00BC-486A-BEA8-5466CC6CCB0D}"/>
                 </a:ext>
               </a:extLst>
             </p:cNvPr>
-            <p:cNvSpPr/>
+            <p:cNvGrpSpPr/>
+            <p:nvPr/>
+          </p:nvGrpSpPr>
+          <p:grpSpPr>
+            <a:xfrm>
+              <a:off x="8223107" y="3923188"/>
+              <a:ext cx="622999" cy="76200"/>
+              <a:chOff x="1510601" y="457200"/>
+              <a:chExt cx="864998" cy="152400"/>
+            </a:xfrm>
+          </p:grpSpPr>
+          <p:sp>
+            <p:nvSpPr>
+              <p:cNvPr id="5" name="Rounded Rectangle 25">
+                <a:extLst>
+                  <a:ext uri="{FF2B5EF4-FFF2-40B4-BE49-F238E27FC236}">
+                    <a16:creationId xmlns:a16="http://schemas.microsoft.com/office/drawing/2014/main" id="{A95A4F12-4997-4A0E-9CE2-F579F12F33A7}"/>
+                  </a:ext>
+                </a:extLst>
+              </p:cNvPr>
+              <p:cNvSpPr/>
+              <p:nvPr/>
+            </p:nvSpPr>
+            <p:spPr>
+              <a:xfrm>
+                <a:off x="1510601" y="457200"/>
+                <a:ext cx="318199" cy="152400"/>
+              </a:xfrm>
+              <a:prstGeom prst="roundRect">
+                <a:avLst/>
+              </a:prstGeom>
+              <a:noFill/>
+              <a:ln w="9525">
+                <a:solidFill>
+                  <a:schemeClr val="tx1"/>
+                </a:solidFill>
+              </a:ln>
+            </p:spPr>
+            <p:style>
+              <a:lnRef idx="2">
+                <a:schemeClr val="accent1">
+                  <a:shade val="50000"/>
+                </a:schemeClr>
+              </a:lnRef>
+              <a:fillRef idx="1">
+                <a:schemeClr val="accent1"/>
+              </a:fillRef>
+              <a:effectRef idx="0">
+                <a:schemeClr val="accent1"/>
+              </a:effectRef>
+              <a:fontRef idx="minor">
+                <a:schemeClr val="lt1"/>
+              </a:fontRef>
+            </p:style>
+            <p:txBody>
+              <a:bodyPr rtlCol="0" anchor="ctr"/>
+              <a:lstStyle/>
+              <a:p>
+                <a:pPr algn="ctr"/>
+                <a:endParaRPr lang="en-US" sz="1400"/>
+              </a:p>
+            </p:txBody>
+          </p:sp>
+          <p:sp>
+            <p:nvSpPr>
+              <p:cNvPr id="6" name="Rounded Rectangle 26">
+                <a:extLst>
+                  <a:ext uri="{FF2B5EF4-FFF2-40B4-BE49-F238E27FC236}">
+                    <a16:creationId xmlns:a16="http://schemas.microsoft.com/office/drawing/2014/main" id="{15C65F9A-A30B-4BF1-88AD-107994D47457}"/>
+                  </a:ext>
+                </a:extLst>
+              </p:cNvPr>
+              <p:cNvSpPr/>
+              <p:nvPr/>
+            </p:nvSpPr>
+            <p:spPr>
+              <a:xfrm>
+                <a:off x="2057400" y="457200"/>
+                <a:ext cx="318199" cy="152400"/>
+              </a:xfrm>
+              <a:prstGeom prst="roundRect">
+                <a:avLst/>
+              </a:prstGeom>
+              <a:noFill/>
+              <a:ln w="9525">
+                <a:solidFill>
+                  <a:schemeClr val="tx1"/>
+                </a:solidFill>
+              </a:ln>
+            </p:spPr>
+            <p:style>
+              <a:lnRef idx="2">
+                <a:schemeClr val="accent1">
+                  <a:shade val="50000"/>
+                </a:schemeClr>
+              </a:lnRef>
+              <a:fillRef idx="1">
+                <a:schemeClr val="accent1"/>
+              </a:fillRef>
+              <a:effectRef idx="0">
+                <a:schemeClr val="accent1"/>
+              </a:effectRef>
+              <a:fontRef idx="minor">
+                <a:schemeClr val="lt1"/>
+              </a:fontRef>
+            </p:style>
+            <p:txBody>
+              <a:bodyPr rtlCol="0" anchor="ctr"/>
+              <a:lstStyle/>
+              <a:p>
+                <a:pPr algn="ctr"/>
+                <a:endParaRPr lang="en-US" sz="1400"/>
+              </a:p>
+            </p:txBody>
+          </p:sp>
+          <p:cxnSp>
+            <p:nvCxnSpPr>
+              <p:cNvPr id="7" name="Straight Connector 6">
+                <a:extLst>
+                  <a:ext uri="{FF2B5EF4-FFF2-40B4-BE49-F238E27FC236}">
+                    <a16:creationId xmlns:a16="http://schemas.microsoft.com/office/drawing/2014/main" id="{6ED8D9D1-DFE7-4292-9498-F7670B08A0CB}"/>
+                  </a:ext>
+                </a:extLst>
+              </p:cNvPr>
+              <p:cNvCxnSpPr>
+                <a:stCxn id="5" idx="3"/>
+                <a:endCxn id="6" idx="1"/>
+              </p:cNvCxnSpPr>
+              <p:nvPr/>
+            </p:nvCxnSpPr>
+            <p:spPr>
+              <a:xfrm>
+                <a:off x="1828800" y="533400"/>
+                <a:ext cx="228600" cy="0"/>
+              </a:xfrm>
+              <a:prstGeom prst="line">
+                <a:avLst/>
+              </a:prstGeom>
+              <a:ln>
+                <a:solidFill>
+                  <a:schemeClr val="tx1"/>
+                </a:solidFill>
+              </a:ln>
+            </p:spPr>
+            <p:style>
+              <a:lnRef idx="1">
+                <a:schemeClr val="accent1"/>
+              </a:lnRef>
+              <a:fillRef idx="0">
+                <a:schemeClr val="accent1"/>
+              </a:fillRef>
+              <a:effectRef idx="0">
+                <a:schemeClr val="accent1"/>
+              </a:effectRef>
+              <a:fontRef idx="minor">
+                <a:schemeClr val="tx1"/>
+              </a:fontRef>
+            </p:style>
+          </p:cxnSp>
+        </p:grpSp>
+        <p:sp>
+          <p:nvSpPr>
+            <p:cNvPr id="8" name="AutoShape 23">
+              <a:extLst>
+                <a:ext uri="{FF2B5EF4-FFF2-40B4-BE49-F238E27FC236}">
+                  <a16:creationId xmlns:a16="http://schemas.microsoft.com/office/drawing/2014/main" id="{8C29C3FF-9744-4CA0-9B7F-34375AF34E10}"/>
+                </a:ext>
+              </a:extLst>
+            </p:cNvPr>
+            <p:cNvSpPr>
+              <a:spLocks noChangeArrowheads="1"/>
+            </p:cNvSpPr>
             <p:nvPr/>
           </p:nvSpPr>
-          <p:spPr>
+          <p:spPr bwMode="auto">
             <a:xfrm>
-              <a:off x="1510601" y="457200"/>
-              <a:ext cx="318199" cy="152400"/>
+              <a:off x="6883483" y="2911645"/>
+              <a:ext cx="2057400" cy="1315987"/>
             </a:xfrm>
             <a:prstGeom prst="roundRect">
-              <a:avLst/>
+              <a:avLst>
+                <a:gd name="adj" fmla="val 16667"/>
+              </a:avLst>
             </a:prstGeom>
             <a:noFill/>
             <a:ln w="9525">
               <a:solidFill>
                 <a:schemeClr val="tx1"/>
               </a:solidFill>
+              <a:round/>
+              <a:headEnd/>
+              <a:tailEnd type="none" w="lg" len="lg"/>
+            </a:ln>
+            <a:effectLst/>
+          </p:spPr>
+          <p:txBody>
+            <a:bodyPr wrap="none" anchor="ctr"/>
+            <a:lstStyle/>
+            <a:p>
+              <a:pPr algn="ctr"/>
+              <a:endParaRPr lang="en-CA" sz="1400" dirty="0">
+                <a:cs typeface="Arial" pitchFamily="34" charset="0"/>
+              </a:endParaRPr>
+            </a:p>
+          </p:txBody>
+        </p:sp>
+        <p:sp>
+          <p:nvSpPr>
+            <p:cNvPr id="9" name="TextBox 8">
+              <a:extLst>
+                <a:ext uri="{FF2B5EF4-FFF2-40B4-BE49-F238E27FC236}">
+                  <a16:creationId xmlns:a16="http://schemas.microsoft.com/office/drawing/2014/main" id="{76482EA4-D048-4A06-AAEF-E9E759B3B999}"/>
+                </a:ext>
+              </a:extLst>
+            </p:cNvPr>
+            <p:cNvSpPr txBox="1"/>
+            <p:nvPr/>
+          </p:nvSpPr>
+          <p:spPr>
+            <a:xfrm>
+              <a:off x="7330290" y="2960275"/>
+              <a:ext cx="1191095" cy="307777"/>
+            </a:xfrm>
+            <a:prstGeom prst="rect">
+              <a:avLst/>
+            </a:prstGeom>
+            <a:noFill/>
+          </p:spPr>
+          <p:txBody>
+            <a:bodyPr wrap="none" rtlCol="0">
+              <a:spAutoFit/>
+            </a:bodyPr>
+            <a:lstStyle/>
+            <a:p>
+              <a:pPr algn="ctr"/>
+              <a:r>
+                <a:rPr lang="fr-CA" sz="1400" dirty="0">
+                  <a:solidFill>
+                    <a:srgbClr val="0000FF"/>
+                  </a:solidFill>
+                </a:rPr>
+                <a:t>MONITORING</a:t>
+              </a:r>
+            </a:p>
+          </p:txBody>
+        </p:sp>
+        <p:cxnSp>
+          <p:nvCxnSpPr>
+            <p:cNvPr id="44" name="Straight Connector 43">
+              <a:extLst>
+                <a:ext uri="{FF2B5EF4-FFF2-40B4-BE49-F238E27FC236}">
+                  <a16:creationId xmlns:a16="http://schemas.microsoft.com/office/drawing/2014/main" id="{8BCE926F-A0DD-4A24-A5A3-599232CBE874}"/>
+                </a:ext>
+              </a:extLst>
+            </p:cNvPr>
+            <p:cNvCxnSpPr>
+              <a:cxnSpLocks/>
+            </p:cNvCxnSpPr>
+            <p:nvPr/>
+          </p:nvCxnSpPr>
+          <p:spPr>
+            <a:xfrm>
+              <a:off x="6889106" y="3203854"/>
+              <a:ext cx="2051777" cy="0"/>
+            </a:xfrm>
+            <a:prstGeom prst="line">
+              <a:avLst/>
+            </a:prstGeom>
+            <a:ln>
+              <a:solidFill>
+                <a:schemeClr val="tx1"/>
+              </a:solidFill>
             </a:ln>
           </p:spPr>
           <p:style>
-            <a:lnRef idx="2">
-              <a:schemeClr val="accent1">
-                <a:shade val="50000"/>
-              </a:schemeClr>
+            <a:lnRef idx="1">
+              <a:schemeClr val="accent1"/>
             </a:lnRef>
-            <a:fillRef idx="1">
+            <a:fillRef idx="0">
               <a:schemeClr val="accent1"/>
             </a:fillRef>
             <a:effectRef idx="0">
               <a:schemeClr val="accent1"/>
             </a:effectRef>
             <a:fontRef idx="minor">
-              <a:schemeClr val="lt1"/>
+              <a:schemeClr val="tx1"/>
             </a:fontRef>
           </p:style>
-          <p:txBody>
-            <a:bodyPr rtlCol="0" anchor="ctr"/>
-            <a:lstStyle/>
-            <a:p>
-              <a:pPr algn="ctr"/>
-              <a:endParaRPr lang="en-US" sz="1400"/>
-            </a:p>
-          </p:txBody>
-        </p:sp>
-        <p:sp>
-          <p:nvSpPr>
-            <p:cNvPr id="6" name="Rounded Rectangle 26">
+        </p:cxnSp>
+        <p:cxnSp>
+          <p:nvCxnSpPr>
+            <p:cNvPr id="46" name="Straight Connector 45">
               <a:extLst>
                 <a:ext uri="{FF2B5EF4-FFF2-40B4-BE49-F238E27FC236}">
-                  <a16:creationId xmlns:a16="http://schemas.microsoft.com/office/drawing/2014/main" id="{15C65F9A-A30B-4BF1-88AD-107994D47457}"/>
-                </a:ext>
-              </a:extLst>
-            </p:cNvPr>
-            <p:cNvSpPr/>
-            <p:nvPr/>
-          </p:nvSpPr>
-          <p:spPr>
-            <a:xfrm>
-              <a:off x="2057400" y="457200"/>
-              <a:ext cx="318199" cy="152400"/>
-            </a:xfrm>
-            <a:prstGeom prst="roundRect">
-              <a:avLst/>
-            </a:prstGeom>
-            <a:noFill/>
-            <a:ln w="9525">
-              <a:solidFill>
-                <a:schemeClr val="tx1"/>
-              </a:solidFill>
-            </a:ln>
-          </p:spPr>
-          <p:style>
-            <a:lnRef idx="2">
-              <a:schemeClr val="accent1">
-                <a:shade val="50000"/>
-              </a:schemeClr>
-            </a:lnRef>
-            <a:fillRef idx="1">
-              <a:schemeClr val="accent1"/>
-            </a:fillRef>
-            <a:effectRef idx="0">
-              <a:schemeClr val="accent1"/>
-            </a:effectRef>
-            <a:fontRef idx="minor">
-              <a:schemeClr val="lt1"/>
-            </a:fontRef>
-          </p:style>
-          <p:txBody>
-            <a:bodyPr rtlCol="0" anchor="ctr"/>
-            <a:lstStyle/>
-            <a:p>
-              <a:pPr algn="ctr"/>
-              <a:endParaRPr lang="en-US" sz="1400"/>
-            </a:p>
-          </p:txBody>
-        </p:sp>
-        <p:cxnSp>
-          <p:nvCxnSpPr>
-            <p:cNvPr id="7" name="Straight Connector 6">
-              <a:extLst>
-                <a:ext uri="{FF2B5EF4-FFF2-40B4-BE49-F238E27FC236}">
-                  <a16:creationId xmlns:a16="http://schemas.microsoft.com/office/drawing/2014/main" id="{6ED8D9D1-DFE7-4292-9498-F7670B08A0CB}"/>
+                  <a16:creationId xmlns:a16="http://schemas.microsoft.com/office/drawing/2014/main" id="{95D30067-2AE4-41DB-87AA-F7242BBD88B2}"/>
                 </a:ext>
               </a:extLst>
             </p:cNvPr>
             <p:cNvCxnSpPr>
-              <a:stCxn id="5" idx="3"/>
-              <a:endCxn id="6" idx="1"/>
+              <a:cxnSpLocks/>
             </p:cNvCxnSpPr>
             <p:nvPr/>
           </p:nvCxnSpPr>
           <p:spPr>
             <a:xfrm>
-              <a:off x="1828800" y="533400"/>
-              <a:ext cx="228600" cy="0"/>
+              <a:off x="6882464" y="3669078"/>
+              <a:ext cx="2051777" cy="0"/>
             </a:xfrm>
             <a:prstGeom prst="line">
               <a:avLst/>
@@ -4350,247 +6860,12 @@
           </p:style>
         </p:cxnSp>
       </p:grpSp>
-      <p:sp>
-        <p:nvSpPr>
-          <p:cNvPr id="8" name="AutoShape 23">
-            <a:extLst>
-              <a:ext uri="{FF2B5EF4-FFF2-40B4-BE49-F238E27FC236}">
-                <a16:creationId xmlns:a16="http://schemas.microsoft.com/office/drawing/2014/main" id="{8C29C3FF-9744-4CA0-9B7F-34375AF34E10}"/>
-              </a:ext>
-            </a:extLst>
-          </p:cNvPr>
-          <p:cNvSpPr>
-            <a:spLocks noChangeArrowheads="1"/>
-          </p:cNvSpPr>
-          <p:nvPr/>
-        </p:nvSpPr>
-        <p:spPr bwMode="auto">
-          <a:xfrm>
-            <a:off x="6883483" y="2911645"/>
-            <a:ext cx="2057400" cy="1315987"/>
-          </a:xfrm>
-          <a:prstGeom prst="roundRect">
-            <a:avLst>
-              <a:gd name="adj" fmla="val 16667"/>
-            </a:avLst>
-          </a:prstGeom>
-          <a:noFill/>
-          <a:ln w="9525">
-            <a:solidFill>
-              <a:schemeClr val="tx1"/>
-            </a:solidFill>
-            <a:round/>
-            <a:headEnd/>
-            <a:tailEnd type="none" w="lg" len="lg"/>
-          </a:ln>
-          <a:effectLst/>
-        </p:spPr>
-        <p:txBody>
-          <a:bodyPr wrap="none" anchor="ctr"/>
-          <a:lstStyle/>
-          <a:p>
-            <a:pPr algn="ctr"/>
-            <a:endParaRPr lang="en-CA" sz="1400" dirty="0">
-              <a:cs typeface="Arial" pitchFamily="34" charset="0"/>
-            </a:endParaRPr>
-          </a:p>
-        </p:txBody>
-      </p:sp>
-      <p:sp>
-        <p:nvSpPr>
-          <p:cNvPr id="9" name="TextBox 8">
-            <a:extLst>
-              <a:ext uri="{FF2B5EF4-FFF2-40B4-BE49-F238E27FC236}">
-                <a16:creationId xmlns:a16="http://schemas.microsoft.com/office/drawing/2014/main" id="{76482EA4-D048-4A06-AAEF-E9E759B3B999}"/>
-              </a:ext>
-            </a:extLst>
-          </p:cNvPr>
-          <p:cNvSpPr txBox="1"/>
-          <p:nvPr/>
-        </p:nvSpPr>
-        <p:spPr>
-          <a:xfrm>
-            <a:off x="7330290" y="2960275"/>
-            <a:ext cx="1191095" cy="307777"/>
-          </a:xfrm>
-          <a:prstGeom prst="rect">
-            <a:avLst/>
-          </a:prstGeom>
-          <a:noFill/>
-        </p:spPr>
-        <p:txBody>
-          <a:bodyPr wrap="none" rtlCol="0">
-            <a:spAutoFit/>
-          </a:bodyPr>
-          <a:lstStyle/>
-          <a:p>
-            <a:pPr algn="ctr"/>
-            <a:r>
-              <a:rPr lang="fr-CA" sz="1400" dirty="0">
-                <a:solidFill>
-                  <a:srgbClr val="0000FF"/>
-                </a:solidFill>
-              </a:rPr>
-              <a:t>MONITORING</a:t>
-            </a:r>
-          </a:p>
-        </p:txBody>
-      </p:sp>
-      <p:sp>
-        <p:nvSpPr>
-          <p:cNvPr id="11" name="AutoShape 23">
-            <a:extLst>
-              <a:ext uri="{FF2B5EF4-FFF2-40B4-BE49-F238E27FC236}">
-                <a16:creationId xmlns:a16="http://schemas.microsoft.com/office/drawing/2014/main" id="{E23FF074-4603-477B-9AEF-3C42170E43D7}"/>
-              </a:ext>
-            </a:extLst>
-          </p:cNvPr>
-          <p:cNvSpPr>
-            <a:spLocks noChangeArrowheads="1"/>
-          </p:cNvSpPr>
-          <p:nvPr/>
-        </p:nvSpPr>
-        <p:spPr bwMode="auto">
-          <a:xfrm>
-            <a:off x="2465822" y="2911645"/>
-            <a:ext cx="2367939" cy="1288802"/>
-          </a:xfrm>
-          <a:prstGeom prst="roundRect">
-            <a:avLst>
-              <a:gd name="adj" fmla="val 16667"/>
-            </a:avLst>
-          </a:prstGeom>
-          <a:noFill/>
-          <a:ln w="9525">
-            <a:solidFill>
-              <a:schemeClr val="tx1"/>
-            </a:solidFill>
-            <a:round/>
-            <a:headEnd/>
-            <a:tailEnd type="none" w="lg" len="lg"/>
-          </a:ln>
-          <a:effectLst/>
-        </p:spPr>
-        <p:txBody>
-          <a:bodyPr wrap="none" anchor="ctr"/>
-          <a:lstStyle/>
-          <a:p>
-            <a:pPr algn="ctr"/>
-            <a:endParaRPr lang="en-US" sz="1400" dirty="0">
-              <a:solidFill>
-                <a:srgbClr val="0000FF"/>
-              </a:solidFill>
-              <a:cs typeface="Arial" pitchFamily="34" charset="0"/>
-            </a:endParaRPr>
-          </a:p>
-          <a:p>
-            <a:pPr algn="ctr"/>
-            <a:endParaRPr lang="en-CA" sz="1400" dirty="0">
-              <a:solidFill>
-                <a:srgbClr val="0000FF"/>
-              </a:solidFill>
-              <a:cs typeface="Arial" pitchFamily="34" charset="0"/>
-            </a:endParaRPr>
-          </a:p>
-        </p:txBody>
-      </p:sp>
-      <p:sp>
-        <p:nvSpPr>
-          <p:cNvPr id="63" name="Rounded Rectangle 151">
-            <a:extLst>
-              <a:ext uri="{FF2B5EF4-FFF2-40B4-BE49-F238E27FC236}">
-                <a16:creationId xmlns:a16="http://schemas.microsoft.com/office/drawing/2014/main" id="{663034CD-CC46-4437-9E1E-875D0B5D3001}"/>
-              </a:ext>
-            </a:extLst>
-          </p:cNvPr>
-          <p:cNvSpPr/>
-          <p:nvPr/>
-        </p:nvSpPr>
-        <p:spPr>
-          <a:xfrm>
-            <a:off x="132349" y="751569"/>
-            <a:ext cx="8870381" cy="5246175"/>
-          </a:xfrm>
-          <a:prstGeom prst="roundRect">
-            <a:avLst/>
-          </a:prstGeom>
-          <a:noFill/>
-          <a:ln w="12700">
-            <a:solidFill>
-              <a:schemeClr val="tx1"/>
-            </a:solidFill>
-          </a:ln>
-        </p:spPr>
-        <p:style>
-          <a:lnRef idx="2">
-            <a:schemeClr val="accent1">
-              <a:shade val="50000"/>
-            </a:schemeClr>
-          </a:lnRef>
-          <a:fillRef idx="1">
-            <a:schemeClr val="accent1"/>
-          </a:fillRef>
-          <a:effectRef idx="0">
-            <a:schemeClr val="accent1"/>
-          </a:effectRef>
-          <a:fontRef idx="minor">
-            <a:schemeClr val="lt1"/>
-          </a:fontRef>
-        </p:style>
-        <p:txBody>
-          <a:bodyPr rtlCol="0" anchor="ctr"/>
-          <a:lstStyle/>
-          <a:p>
-            <a:pPr algn="ctr"/>
-            <a:endParaRPr lang="fr-CA" sz="1400" dirty="0"/>
-          </a:p>
-        </p:txBody>
-      </p:sp>
-      <p:sp>
-        <p:nvSpPr>
-          <p:cNvPr id="78" name="TextBox 77">
-            <a:extLst>
-              <a:ext uri="{FF2B5EF4-FFF2-40B4-BE49-F238E27FC236}">
-                <a16:creationId xmlns:a16="http://schemas.microsoft.com/office/drawing/2014/main" id="{BAF8DD8C-D141-41FE-AD84-E4BBF7E2B227}"/>
-              </a:ext>
-            </a:extLst>
-          </p:cNvPr>
-          <p:cNvSpPr txBox="1"/>
-          <p:nvPr/>
-        </p:nvSpPr>
-        <p:spPr>
-          <a:xfrm>
-            <a:off x="4088741" y="706367"/>
-            <a:ext cx="708399" cy="307777"/>
-          </a:xfrm>
-          <a:prstGeom prst="rect">
-            <a:avLst/>
-          </a:prstGeom>
-          <a:noFill/>
-        </p:spPr>
-        <p:txBody>
-          <a:bodyPr wrap="none" rtlCol="0">
-            <a:spAutoFit/>
-          </a:bodyPr>
-          <a:lstStyle/>
-          <a:p>
-            <a:r>
-              <a:rPr lang="fr-CA" sz="1400" dirty="0">
-                <a:solidFill>
-                  <a:srgbClr val="0000FF"/>
-                </a:solidFill>
-              </a:rPr>
-              <a:t>ACTIVE</a:t>
-            </a:r>
-          </a:p>
-        </p:txBody>
-      </p:sp>
       <p:grpSp>
         <p:nvGrpSpPr>
-          <p:cNvPr id="82" name="Group 81">
-            <a:extLst>
-              <a:ext uri="{FF2B5EF4-FFF2-40B4-BE49-F238E27FC236}">
-                <a16:creationId xmlns:a16="http://schemas.microsoft.com/office/drawing/2014/main" id="{EDF75137-0445-44B6-9685-4E7475D06099}"/>
+          <p:cNvPr id="2" name="Group 1">
+            <a:extLst>
+              <a:ext uri="{FF2B5EF4-FFF2-40B4-BE49-F238E27FC236}">
+                <a16:creationId xmlns:a16="http://schemas.microsoft.com/office/drawing/2014/main" id="{4DD8F792-1D4B-D123-C84C-2931EB3A0883}"/>
               </a:ext>
             </a:extLst>
           </p:cNvPr>
@@ -4599,135 +6874,255 @@
         </p:nvGrpSpPr>
         <p:grpSpPr>
           <a:xfrm>
-            <a:off x="4049119" y="3943100"/>
-            <a:ext cx="622999" cy="76200"/>
-            <a:chOff x="1510601" y="457200"/>
-            <a:chExt cx="864998" cy="152400"/>
+            <a:off x="2016041" y="2247572"/>
+            <a:ext cx="2367939" cy="1320463"/>
+            <a:chOff x="2465822" y="2879984"/>
+            <a:chExt cx="2367939" cy="1320463"/>
           </a:xfrm>
         </p:grpSpPr>
         <p:sp>
           <p:nvSpPr>
-            <p:cNvPr id="83" name="Rounded Rectangle 25">
+            <p:cNvPr id="11" name="AutoShape 23">
               <a:extLst>
                 <a:ext uri="{FF2B5EF4-FFF2-40B4-BE49-F238E27FC236}">
-                  <a16:creationId xmlns:a16="http://schemas.microsoft.com/office/drawing/2014/main" id="{39FF1C53-033A-4698-A137-EA9CAF2B0221}"/>
+                  <a16:creationId xmlns:a16="http://schemas.microsoft.com/office/drawing/2014/main" id="{E23FF074-4603-477B-9AEF-3C42170E43D7}"/>
                 </a:ext>
               </a:extLst>
             </p:cNvPr>
-            <p:cNvSpPr/>
+            <p:cNvSpPr>
+              <a:spLocks noChangeArrowheads="1"/>
+            </p:cNvSpPr>
             <p:nvPr/>
           </p:nvSpPr>
-          <p:spPr>
+          <p:spPr bwMode="auto">
             <a:xfrm>
-              <a:off x="1510601" y="457200"/>
-              <a:ext cx="318199" cy="152400"/>
+              <a:off x="2465822" y="2911645"/>
+              <a:ext cx="2367939" cy="1288802"/>
             </a:xfrm>
             <a:prstGeom prst="roundRect">
-              <a:avLst/>
+              <a:avLst>
+                <a:gd name="adj" fmla="val 16667"/>
+              </a:avLst>
             </a:prstGeom>
             <a:noFill/>
             <a:ln w="9525">
               <a:solidFill>
                 <a:schemeClr val="tx1"/>
               </a:solidFill>
+              <a:round/>
+              <a:headEnd/>
+              <a:tailEnd type="none" w="lg" len="lg"/>
             </a:ln>
+            <a:effectLst/>
           </p:spPr>
-          <p:style>
-            <a:lnRef idx="2">
-              <a:schemeClr val="accent1">
-                <a:shade val="50000"/>
-              </a:schemeClr>
-            </a:lnRef>
-            <a:fillRef idx="1">
-              <a:schemeClr val="accent1"/>
-            </a:fillRef>
-            <a:effectRef idx="0">
-              <a:schemeClr val="accent1"/>
-            </a:effectRef>
-            <a:fontRef idx="minor">
-              <a:schemeClr val="lt1"/>
-            </a:fontRef>
-          </p:style>
           <p:txBody>
-            <a:bodyPr rtlCol="0" anchor="ctr"/>
+            <a:bodyPr wrap="none" anchor="ctr"/>
             <a:lstStyle/>
             <a:p>
               <a:pPr algn="ctr"/>
-              <a:endParaRPr lang="en-US" sz="1400"/>
+              <a:endParaRPr lang="en-US" sz="1400" dirty="0">
+                <a:solidFill>
+                  <a:srgbClr val="0000FF"/>
+                </a:solidFill>
+                <a:cs typeface="Arial" pitchFamily="34" charset="0"/>
+              </a:endParaRPr>
+            </a:p>
+            <a:p>
+              <a:pPr algn="ctr"/>
+              <a:endParaRPr lang="en-CA" sz="1400" dirty="0">
+                <a:solidFill>
+                  <a:srgbClr val="0000FF"/>
+                </a:solidFill>
+                <a:cs typeface="Arial" pitchFamily="34" charset="0"/>
+              </a:endParaRPr>
             </a:p>
           </p:txBody>
         </p:sp>
-        <p:sp>
-          <p:nvSpPr>
-            <p:cNvPr id="84" name="Rounded Rectangle 26">
+        <p:grpSp>
+          <p:nvGrpSpPr>
+            <p:cNvPr id="82" name="Group 81">
               <a:extLst>
                 <a:ext uri="{FF2B5EF4-FFF2-40B4-BE49-F238E27FC236}">
-                  <a16:creationId xmlns:a16="http://schemas.microsoft.com/office/drawing/2014/main" id="{306D897B-411B-4A6D-A940-A6BE3060539E}"/>
+                  <a16:creationId xmlns:a16="http://schemas.microsoft.com/office/drawing/2014/main" id="{EDF75137-0445-44B6-9685-4E7475D06099}"/>
                 </a:ext>
               </a:extLst>
             </p:cNvPr>
-            <p:cNvSpPr/>
+            <p:cNvGrpSpPr/>
             <p:nvPr/>
-          </p:nvSpPr>
-          <p:spPr>
+          </p:nvGrpSpPr>
+          <p:grpSpPr>
             <a:xfrm>
-              <a:off x="2057400" y="457200"/>
-              <a:ext cx="318199" cy="152400"/>
+              <a:off x="4049119" y="3943100"/>
+              <a:ext cx="622999" cy="76200"/>
+              <a:chOff x="1510601" y="457200"/>
+              <a:chExt cx="864998" cy="152400"/>
             </a:xfrm>
-            <a:prstGeom prst="roundRect">
-              <a:avLst/>
-            </a:prstGeom>
-            <a:noFill/>
-            <a:ln w="9525">
-              <a:solidFill>
+          </p:grpSpPr>
+          <p:sp>
+            <p:nvSpPr>
+              <p:cNvPr id="83" name="Rounded Rectangle 25">
+                <a:extLst>
+                  <a:ext uri="{FF2B5EF4-FFF2-40B4-BE49-F238E27FC236}">
+                    <a16:creationId xmlns:a16="http://schemas.microsoft.com/office/drawing/2014/main" id="{39FF1C53-033A-4698-A137-EA9CAF2B0221}"/>
+                  </a:ext>
+                </a:extLst>
+              </p:cNvPr>
+              <p:cNvSpPr/>
+              <p:nvPr/>
+            </p:nvSpPr>
+            <p:spPr>
+              <a:xfrm>
+                <a:off x="1510601" y="457200"/>
+                <a:ext cx="318199" cy="152400"/>
+              </a:xfrm>
+              <a:prstGeom prst="roundRect">
+                <a:avLst/>
+              </a:prstGeom>
+              <a:noFill/>
+              <a:ln w="9525">
+                <a:solidFill>
+                  <a:schemeClr val="tx1"/>
+                </a:solidFill>
+              </a:ln>
+            </p:spPr>
+            <p:style>
+              <a:lnRef idx="2">
+                <a:schemeClr val="accent1">
+                  <a:shade val="50000"/>
+                </a:schemeClr>
+              </a:lnRef>
+              <a:fillRef idx="1">
+                <a:schemeClr val="accent1"/>
+              </a:fillRef>
+              <a:effectRef idx="0">
+                <a:schemeClr val="accent1"/>
+              </a:effectRef>
+              <a:fontRef idx="minor">
+                <a:schemeClr val="lt1"/>
+              </a:fontRef>
+            </p:style>
+            <p:txBody>
+              <a:bodyPr rtlCol="0" anchor="ctr"/>
+              <a:lstStyle/>
+              <a:p>
+                <a:pPr algn="ctr"/>
+                <a:endParaRPr lang="en-US" sz="1400"/>
+              </a:p>
+            </p:txBody>
+          </p:sp>
+          <p:sp>
+            <p:nvSpPr>
+              <p:cNvPr id="84" name="Rounded Rectangle 26">
+                <a:extLst>
+                  <a:ext uri="{FF2B5EF4-FFF2-40B4-BE49-F238E27FC236}">
+                    <a16:creationId xmlns:a16="http://schemas.microsoft.com/office/drawing/2014/main" id="{306D897B-411B-4A6D-A940-A6BE3060539E}"/>
+                  </a:ext>
+                </a:extLst>
+              </p:cNvPr>
+              <p:cNvSpPr/>
+              <p:nvPr/>
+            </p:nvSpPr>
+            <p:spPr>
+              <a:xfrm>
+                <a:off x="2057400" y="457200"/>
+                <a:ext cx="318199" cy="152400"/>
+              </a:xfrm>
+              <a:prstGeom prst="roundRect">
+                <a:avLst/>
+              </a:prstGeom>
+              <a:noFill/>
+              <a:ln w="9525">
+                <a:solidFill>
+                  <a:schemeClr val="tx1"/>
+                </a:solidFill>
+              </a:ln>
+            </p:spPr>
+            <p:style>
+              <a:lnRef idx="2">
+                <a:schemeClr val="accent1">
+                  <a:shade val="50000"/>
+                </a:schemeClr>
+              </a:lnRef>
+              <a:fillRef idx="1">
+                <a:schemeClr val="accent1"/>
+              </a:fillRef>
+              <a:effectRef idx="0">
+                <a:schemeClr val="accent1"/>
+              </a:effectRef>
+              <a:fontRef idx="minor">
+                <a:schemeClr val="lt1"/>
+              </a:fontRef>
+            </p:style>
+            <p:txBody>
+              <a:bodyPr rtlCol="0" anchor="ctr"/>
+              <a:lstStyle/>
+              <a:p>
+                <a:pPr algn="ctr"/>
+                <a:endParaRPr lang="en-US" sz="1400"/>
+              </a:p>
+            </p:txBody>
+          </p:sp>
+          <p:cxnSp>
+            <p:nvCxnSpPr>
+              <p:cNvPr id="85" name="Straight Connector 84">
+                <a:extLst>
+                  <a:ext uri="{FF2B5EF4-FFF2-40B4-BE49-F238E27FC236}">
+                    <a16:creationId xmlns:a16="http://schemas.microsoft.com/office/drawing/2014/main" id="{692156C2-64C1-48C8-8E1C-7F29A5798115}"/>
+                  </a:ext>
+                </a:extLst>
+              </p:cNvPr>
+              <p:cNvCxnSpPr>
+                <a:stCxn id="83" idx="3"/>
+                <a:endCxn id="84" idx="1"/>
+              </p:cNvCxnSpPr>
+              <p:nvPr/>
+            </p:nvCxnSpPr>
+            <p:spPr>
+              <a:xfrm>
+                <a:off x="1828800" y="533400"/>
+                <a:ext cx="228600" cy="0"/>
+              </a:xfrm>
+              <a:prstGeom prst="line">
+                <a:avLst/>
+              </a:prstGeom>
+              <a:ln>
+                <a:solidFill>
+                  <a:schemeClr val="tx1"/>
+                </a:solidFill>
+              </a:ln>
+            </p:spPr>
+            <p:style>
+              <a:lnRef idx="1">
+                <a:schemeClr val="accent1"/>
+              </a:lnRef>
+              <a:fillRef idx="0">
+                <a:schemeClr val="accent1"/>
+              </a:fillRef>
+              <a:effectRef idx="0">
+                <a:schemeClr val="accent1"/>
+              </a:effectRef>
+              <a:fontRef idx="minor">
                 <a:schemeClr val="tx1"/>
-              </a:solidFill>
-            </a:ln>
-          </p:spPr>
-          <p:style>
-            <a:lnRef idx="2">
-              <a:schemeClr val="accent1">
-                <a:shade val="50000"/>
-              </a:schemeClr>
-            </a:lnRef>
-            <a:fillRef idx="1">
-              <a:schemeClr val="accent1"/>
-            </a:fillRef>
-            <a:effectRef idx="0">
-              <a:schemeClr val="accent1"/>
-            </a:effectRef>
-            <a:fontRef idx="minor">
-              <a:schemeClr val="lt1"/>
-            </a:fontRef>
-          </p:style>
-          <p:txBody>
-            <a:bodyPr rtlCol="0" anchor="ctr"/>
-            <a:lstStyle/>
-            <a:p>
-              <a:pPr algn="ctr"/>
-              <a:endParaRPr lang="en-US" sz="1400"/>
-            </a:p>
-          </p:txBody>
-        </p:sp>
+              </a:fontRef>
+            </p:style>
+          </p:cxnSp>
+        </p:grpSp>
         <p:cxnSp>
           <p:nvCxnSpPr>
-            <p:cNvPr id="85" name="Straight Connector 84">
+            <p:cNvPr id="103" name="Straight Connector 102">
               <a:extLst>
                 <a:ext uri="{FF2B5EF4-FFF2-40B4-BE49-F238E27FC236}">
-                  <a16:creationId xmlns:a16="http://schemas.microsoft.com/office/drawing/2014/main" id="{692156C2-64C1-48C8-8E1C-7F29A5798115}"/>
+                  <a16:creationId xmlns:a16="http://schemas.microsoft.com/office/drawing/2014/main" id="{3099BEDA-5E3E-476A-B89D-84E2D4D63871}"/>
                 </a:ext>
               </a:extLst>
             </p:cNvPr>
-            <p:cNvCxnSpPr>
-              <a:stCxn id="83" idx="3"/>
-              <a:endCxn id="84" idx="1"/>
-            </p:cNvCxnSpPr>
+            <p:cNvCxnSpPr/>
             <p:nvPr/>
           </p:nvCxnSpPr>
           <p:spPr>
             <a:xfrm>
-              <a:off x="1828800" y="533400"/>
-              <a:ext cx="228600" cy="0"/>
+              <a:off x="2465822" y="3741823"/>
+              <a:ext cx="2367938" cy="0"/>
             </a:xfrm>
             <a:prstGeom prst="line">
               <a:avLst/>
@@ -4753,215 +7148,88 @@
             </a:fontRef>
           </p:style>
         </p:cxnSp>
+        <p:cxnSp>
+          <p:nvCxnSpPr>
+            <p:cNvPr id="104" name="Straight Connector 103">
+              <a:extLst>
+                <a:ext uri="{FF2B5EF4-FFF2-40B4-BE49-F238E27FC236}">
+                  <a16:creationId xmlns:a16="http://schemas.microsoft.com/office/drawing/2014/main" id="{4DBD0135-7CFD-4DC5-9323-F3F4CA3F67E7}"/>
+                </a:ext>
+              </a:extLst>
+            </p:cNvPr>
+            <p:cNvCxnSpPr/>
+            <p:nvPr/>
+          </p:nvCxnSpPr>
+          <p:spPr>
+            <a:xfrm>
+              <a:off x="2465822" y="3154280"/>
+              <a:ext cx="2367938" cy="0"/>
+            </a:xfrm>
+            <a:prstGeom prst="line">
+              <a:avLst/>
+            </a:prstGeom>
+            <a:ln>
+              <a:solidFill>
+                <a:schemeClr val="tx1"/>
+              </a:solidFill>
+            </a:ln>
+          </p:spPr>
+          <p:style>
+            <a:lnRef idx="1">
+              <a:schemeClr val="accent1"/>
+            </a:lnRef>
+            <a:fillRef idx="0">
+              <a:schemeClr val="accent1"/>
+            </a:fillRef>
+            <a:effectRef idx="0">
+              <a:schemeClr val="accent1"/>
+            </a:effectRef>
+            <a:fontRef idx="minor">
+              <a:schemeClr val="tx1"/>
+            </a:fontRef>
+          </p:style>
+        </p:cxnSp>
+        <p:sp>
+          <p:nvSpPr>
+            <p:cNvPr id="41" name="TextBox 40">
+              <a:extLst>
+                <a:ext uri="{FF2B5EF4-FFF2-40B4-BE49-F238E27FC236}">
+                  <a16:creationId xmlns:a16="http://schemas.microsoft.com/office/drawing/2014/main" id="{A63D3226-A1DD-4C69-BD7D-C3D1ADDF8DE8}"/>
+                </a:ext>
+              </a:extLst>
+            </p:cNvPr>
+            <p:cNvSpPr txBox="1"/>
+            <p:nvPr/>
+          </p:nvSpPr>
+          <p:spPr>
+            <a:xfrm>
+              <a:off x="3029270" y="2879984"/>
+              <a:ext cx="1241045" cy="307777"/>
+            </a:xfrm>
+            <a:prstGeom prst="rect">
+              <a:avLst/>
+            </a:prstGeom>
+            <a:noFill/>
+          </p:spPr>
+          <p:txBody>
+            <a:bodyPr wrap="none" rtlCol="0">
+              <a:spAutoFit/>
+            </a:bodyPr>
+            <a:lstStyle/>
+            <a:p>
+              <a:pPr algn="ctr"/>
+              <a:r>
+                <a:rPr lang="fr-CA" sz="1400" dirty="0">
+                  <a:solidFill>
+                    <a:srgbClr val="0000FF"/>
+                  </a:solidFill>
+                </a:rPr>
+                <a:t>CONFIGURING</a:t>
+              </a:r>
+            </a:p>
+          </p:txBody>
+        </p:sp>
       </p:grpSp>
-      <p:cxnSp>
-        <p:nvCxnSpPr>
-          <p:cNvPr id="103" name="Straight Connector 102">
-            <a:extLst>
-              <a:ext uri="{FF2B5EF4-FFF2-40B4-BE49-F238E27FC236}">
-                <a16:creationId xmlns:a16="http://schemas.microsoft.com/office/drawing/2014/main" id="{3099BEDA-5E3E-476A-B89D-84E2D4D63871}"/>
-              </a:ext>
-            </a:extLst>
-          </p:cNvPr>
-          <p:cNvCxnSpPr/>
-          <p:nvPr/>
-        </p:nvCxnSpPr>
-        <p:spPr>
-          <a:xfrm>
-            <a:off x="2465822" y="3741823"/>
-            <a:ext cx="2367938" cy="0"/>
-          </a:xfrm>
-          <a:prstGeom prst="line">
-            <a:avLst/>
-          </a:prstGeom>
-          <a:ln>
-            <a:solidFill>
-              <a:schemeClr val="tx1"/>
-            </a:solidFill>
-          </a:ln>
-        </p:spPr>
-        <p:style>
-          <a:lnRef idx="1">
-            <a:schemeClr val="accent1"/>
-          </a:lnRef>
-          <a:fillRef idx="0">
-            <a:schemeClr val="accent1"/>
-          </a:fillRef>
-          <a:effectRef idx="0">
-            <a:schemeClr val="accent1"/>
-          </a:effectRef>
-          <a:fontRef idx="minor">
-            <a:schemeClr val="tx1"/>
-          </a:fontRef>
-        </p:style>
-      </p:cxnSp>
-      <p:cxnSp>
-        <p:nvCxnSpPr>
-          <p:cNvPr id="104" name="Straight Connector 103">
-            <a:extLst>
-              <a:ext uri="{FF2B5EF4-FFF2-40B4-BE49-F238E27FC236}">
-                <a16:creationId xmlns:a16="http://schemas.microsoft.com/office/drawing/2014/main" id="{4DBD0135-7CFD-4DC5-9323-F3F4CA3F67E7}"/>
-              </a:ext>
-            </a:extLst>
-          </p:cNvPr>
-          <p:cNvCxnSpPr/>
-          <p:nvPr/>
-        </p:nvCxnSpPr>
-        <p:spPr>
-          <a:xfrm>
-            <a:off x="2465822" y="3154280"/>
-            <a:ext cx="2367938" cy="0"/>
-          </a:xfrm>
-          <a:prstGeom prst="line">
-            <a:avLst/>
-          </a:prstGeom>
-          <a:ln>
-            <a:solidFill>
-              <a:schemeClr val="tx1"/>
-            </a:solidFill>
-          </a:ln>
-        </p:spPr>
-        <p:style>
-          <a:lnRef idx="1">
-            <a:schemeClr val="accent1"/>
-          </a:lnRef>
-          <a:fillRef idx="0">
-            <a:schemeClr val="accent1"/>
-          </a:fillRef>
-          <a:effectRef idx="0">
-            <a:schemeClr val="accent1"/>
-          </a:effectRef>
-          <a:fontRef idx="minor">
-            <a:schemeClr val="tx1"/>
-          </a:fontRef>
-        </p:style>
-      </p:cxnSp>
-      <p:cxnSp>
-        <p:nvCxnSpPr>
-          <p:cNvPr id="44" name="Straight Connector 43">
-            <a:extLst>
-              <a:ext uri="{FF2B5EF4-FFF2-40B4-BE49-F238E27FC236}">
-                <a16:creationId xmlns:a16="http://schemas.microsoft.com/office/drawing/2014/main" id="{8BCE926F-A0DD-4A24-A5A3-599232CBE874}"/>
-              </a:ext>
-            </a:extLst>
-          </p:cNvPr>
-          <p:cNvCxnSpPr>
-            <a:cxnSpLocks/>
-          </p:cNvCxnSpPr>
-          <p:nvPr/>
-        </p:nvCxnSpPr>
-        <p:spPr>
-          <a:xfrm>
-            <a:off x="6889106" y="3203854"/>
-            <a:ext cx="2051777" cy="0"/>
-          </a:xfrm>
-          <a:prstGeom prst="line">
-            <a:avLst/>
-          </a:prstGeom>
-          <a:ln>
-            <a:solidFill>
-              <a:schemeClr val="tx1"/>
-            </a:solidFill>
-          </a:ln>
-        </p:spPr>
-        <p:style>
-          <a:lnRef idx="1">
-            <a:schemeClr val="accent1"/>
-          </a:lnRef>
-          <a:fillRef idx="0">
-            <a:schemeClr val="accent1"/>
-          </a:fillRef>
-          <a:effectRef idx="0">
-            <a:schemeClr val="accent1"/>
-          </a:effectRef>
-          <a:fontRef idx="minor">
-            <a:schemeClr val="tx1"/>
-          </a:fontRef>
-        </p:style>
-      </p:cxnSp>
-      <p:cxnSp>
-        <p:nvCxnSpPr>
-          <p:cNvPr id="46" name="Straight Connector 45">
-            <a:extLst>
-              <a:ext uri="{FF2B5EF4-FFF2-40B4-BE49-F238E27FC236}">
-                <a16:creationId xmlns:a16="http://schemas.microsoft.com/office/drawing/2014/main" id="{95D30067-2AE4-41DB-87AA-F7242BBD88B2}"/>
-              </a:ext>
-            </a:extLst>
-          </p:cNvPr>
-          <p:cNvCxnSpPr>
-            <a:cxnSpLocks/>
-          </p:cNvCxnSpPr>
-          <p:nvPr/>
-        </p:nvCxnSpPr>
-        <p:spPr>
-          <a:xfrm>
-            <a:off x="6882464" y="3669078"/>
-            <a:ext cx="2051777" cy="0"/>
-          </a:xfrm>
-          <a:prstGeom prst="line">
-            <a:avLst/>
-          </a:prstGeom>
-          <a:ln>
-            <a:solidFill>
-              <a:schemeClr val="tx1"/>
-            </a:solidFill>
-          </a:ln>
-        </p:spPr>
-        <p:style>
-          <a:lnRef idx="1">
-            <a:schemeClr val="accent1"/>
-          </a:lnRef>
-          <a:fillRef idx="0">
-            <a:schemeClr val="accent1"/>
-          </a:fillRef>
-          <a:effectRef idx="0">
-            <a:schemeClr val="accent1"/>
-          </a:effectRef>
-          <a:fontRef idx="minor">
-            <a:schemeClr val="tx1"/>
-          </a:fontRef>
-        </p:style>
-      </p:cxnSp>
-      <p:sp>
-        <p:nvSpPr>
-          <p:cNvPr id="41" name="TextBox 40">
-            <a:extLst>
-              <a:ext uri="{FF2B5EF4-FFF2-40B4-BE49-F238E27FC236}">
-                <a16:creationId xmlns:a16="http://schemas.microsoft.com/office/drawing/2014/main" id="{A63D3226-A1DD-4C69-BD7D-C3D1ADDF8DE8}"/>
-              </a:ext>
-            </a:extLst>
-          </p:cNvPr>
-          <p:cNvSpPr txBox="1"/>
-          <p:nvPr/>
-        </p:nvSpPr>
-        <p:spPr>
-          <a:xfrm>
-            <a:off x="3029270" y="2879984"/>
-            <a:ext cx="1241045" cy="307777"/>
-          </a:xfrm>
-          <a:prstGeom prst="rect">
-            <a:avLst/>
-          </a:prstGeom>
-          <a:noFill/>
-        </p:spPr>
-        <p:txBody>
-          <a:bodyPr wrap="none" rtlCol="0">
-            <a:spAutoFit/>
-          </a:bodyPr>
-          <a:lstStyle/>
-          <a:p>
-            <a:pPr algn="ctr"/>
-            <a:r>
-              <a:rPr lang="fr-CA" sz="1400" dirty="0">
-                <a:solidFill>
-                  <a:srgbClr val="0000FF"/>
-                </a:solidFill>
-              </a:rPr>
-              <a:t>CONFIGURING</a:t>
-            </a:r>
-          </a:p>
-        </p:txBody>
-      </p:sp>
       <p:cxnSp>
         <p:nvCxnSpPr>
           <p:cNvPr id="10" name="Straight Connector 9">
@@ -5029,6 +7297,1026 @@
             <a:solidFill>
               <a:schemeClr val="tx1"/>
             </a:solidFill>
+          </a:ln>
+        </p:spPr>
+        <p:style>
+          <a:lnRef idx="1">
+            <a:schemeClr val="accent1"/>
+          </a:lnRef>
+          <a:fillRef idx="0">
+            <a:schemeClr val="accent1"/>
+          </a:fillRef>
+          <a:effectRef idx="0">
+            <a:schemeClr val="accent1"/>
+          </a:effectRef>
+          <a:fontRef idx="minor">
+            <a:schemeClr val="tx1"/>
+          </a:fontRef>
+        </p:style>
+      </p:cxnSp>
+      <p:sp>
+        <p:nvSpPr>
+          <p:cNvPr id="12" name="TextBox 11">
+            <a:extLst>
+              <a:ext uri="{FF2B5EF4-FFF2-40B4-BE49-F238E27FC236}">
+                <a16:creationId xmlns:a16="http://schemas.microsoft.com/office/drawing/2014/main" id="{025DA20F-E0DB-E0EC-E31B-2A85F9D87741}"/>
+              </a:ext>
+            </a:extLst>
+          </p:cNvPr>
+          <p:cNvSpPr txBox="1"/>
+          <p:nvPr/>
+        </p:nvSpPr>
+        <p:spPr>
+          <a:xfrm>
+            <a:off x="4413887" y="3674461"/>
+            <a:ext cx="1167307" cy="246221"/>
+          </a:xfrm>
+          <a:prstGeom prst="rect">
+            <a:avLst/>
+          </a:prstGeom>
+          <a:noFill/>
+        </p:spPr>
+        <p:txBody>
+          <a:bodyPr wrap="none" rtlCol="0">
+            <a:spAutoFit/>
+          </a:bodyPr>
+          <a:lstStyle/>
+          <a:p>
+            <a:r>
+              <a:rPr lang="en-CA" sz="1000" dirty="0"/>
+              <a:t>Skip Configuration</a:t>
+            </a:r>
+          </a:p>
+        </p:txBody>
+      </p:sp>
+      <p:sp>
+        <p:nvSpPr>
+          <p:cNvPr id="13" name="Flowchart: Connector 12">
+            <a:extLst>
+              <a:ext uri="{FF2B5EF4-FFF2-40B4-BE49-F238E27FC236}">
+                <a16:creationId xmlns:a16="http://schemas.microsoft.com/office/drawing/2014/main" id="{99B3246E-4B61-E74B-E9B1-81490A43CE48}"/>
+              </a:ext>
+            </a:extLst>
+          </p:cNvPr>
+          <p:cNvSpPr/>
+          <p:nvPr/>
+        </p:nvSpPr>
+        <p:spPr>
+          <a:xfrm>
+            <a:off x="4643462" y="3910152"/>
+            <a:ext cx="370367" cy="353683"/>
+          </a:xfrm>
+          <a:prstGeom prst="flowChartConnector">
+            <a:avLst/>
+          </a:prstGeom>
+          <a:solidFill>
+            <a:schemeClr val="bg1"/>
+          </a:solidFill>
+        </p:spPr>
+        <p:style>
+          <a:lnRef idx="2">
+            <a:schemeClr val="accent1">
+              <a:shade val="15000"/>
+            </a:schemeClr>
+          </a:lnRef>
+          <a:fillRef idx="1">
+            <a:schemeClr val="accent1"/>
+          </a:fillRef>
+          <a:effectRef idx="0">
+            <a:schemeClr val="accent1"/>
+          </a:effectRef>
+          <a:fontRef idx="minor">
+            <a:schemeClr val="lt1"/>
+          </a:fontRef>
+        </p:style>
+        <p:txBody>
+          <a:bodyPr rtlCol="0" anchor="ctr"/>
+          <a:lstStyle/>
+          <a:p>
+            <a:pPr algn="ctr"/>
+            <a:endParaRPr lang="en-CA" dirty="0"/>
+          </a:p>
+        </p:txBody>
+      </p:sp>
+      <p:cxnSp>
+        <p:nvCxnSpPr>
+          <p:cNvPr id="15" name="Straight Arrow Connector 14">
+            <a:extLst>
+              <a:ext uri="{FF2B5EF4-FFF2-40B4-BE49-F238E27FC236}">
+                <a16:creationId xmlns:a16="http://schemas.microsoft.com/office/drawing/2014/main" id="{25A88999-E1AB-4F44-4F19-6EF663BBA13B}"/>
+              </a:ext>
+            </a:extLst>
+          </p:cNvPr>
+          <p:cNvCxnSpPr>
+            <a:cxnSpLocks/>
+            <a:stCxn id="13" idx="6"/>
+            <a:endCxn id="8" idx="1"/>
+          </p:cNvCxnSpPr>
+          <p:nvPr/>
+        </p:nvCxnSpPr>
+        <p:spPr>
+          <a:xfrm>
+            <a:off x="5013829" y="4086994"/>
+            <a:ext cx="530056" cy="0"/>
+          </a:xfrm>
+          <a:prstGeom prst="straightConnector1">
+            <a:avLst/>
+          </a:prstGeom>
+          <a:ln>
+            <a:solidFill>
+              <a:schemeClr val="tx1"/>
+            </a:solidFill>
+            <a:tailEnd type="triangle"/>
+          </a:ln>
+        </p:spPr>
+        <p:style>
+          <a:lnRef idx="1">
+            <a:schemeClr val="accent1"/>
+          </a:lnRef>
+          <a:fillRef idx="0">
+            <a:schemeClr val="accent1"/>
+          </a:fillRef>
+          <a:effectRef idx="0">
+            <a:schemeClr val="accent1"/>
+          </a:effectRef>
+          <a:fontRef idx="minor">
+            <a:schemeClr val="tx1"/>
+          </a:fontRef>
+        </p:style>
+      </p:cxnSp>
+      <p:sp>
+        <p:nvSpPr>
+          <p:cNvPr id="17" name="Flowchart: Connector 16">
+            <a:extLst>
+              <a:ext uri="{FF2B5EF4-FFF2-40B4-BE49-F238E27FC236}">
+                <a16:creationId xmlns:a16="http://schemas.microsoft.com/office/drawing/2014/main" id="{F0F2CEBC-573B-DA20-B8D5-7026F7ED8B0C}"/>
+              </a:ext>
+            </a:extLst>
+          </p:cNvPr>
+          <p:cNvSpPr/>
+          <p:nvPr/>
+        </p:nvSpPr>
+        <p:spPr>
+          <a:xfrm>
+            <a:off x="919789" y="2748561"/>
+            <a:ext cx="370367" cy="353683"/>
+          </a:xfrm>
+          <a:prstGeom prst="flowChartConnector">
+            <a:avLst/>
+          </a:prstGeom>
+          <a:solidFill>
+            <a:schemeClr val="tx1"/>
+          </a:solidFill>
+        </p:spPr>
+        <p:style>
+          <a:lnRef idx="2">
+            <a:schemeClr val="accent1">
+              <a:shade val="15000"/>
+            </a:schemeClr>
+          </a:lnRef>
+          <a:fillRef idx="1">
+            <a:schemeClr val="accent1"/>
+          </a:fillRef>
+          <a:effectRef idx="0">
+            <a:schemeClr val="accent1"/>
+          </a:effectRef>
+          <a:fontRef idx="minor">
+            <a:schemeClr val="lt1"/>
+          </a:fontRef>
+        </p:style>
+        <p:txBody>
+          <a:bodyPr rtlCol="0" anchor="ctr"/>
+          <a:lstStyle/>
+          <a:p>
+            <a:pPr algn="ctr"/>
+            <a:endParaRPr lang="en-CA" dirty="0"/>
+          </a:p>
+        </p:txBody>
+      </p:sp>
+      <p:cxnSp>
+        <p:nvCxnSpPr>
+          <p:cNvPr id="18" name="Straight Arrow Connector 17">
+            <a:extLst>
+              <a:ext uri="{FF2B5EF4-FFF2-40B4-BE49-F238E27FC236}">
+                <a16:creationId xmlns:a16="http://schemas.microsoft.com/office/drawing/2014/main" id="{8576D2D1-F071-7752-8F4E-44D55D66712E}"/>
+              </a:ext>
+            </a:extLst>
+          </p:cNvPr>
+          <p:cNvCxnSpPr>
+            <a:cxnSpLocks/>
+            <a:stCxn id="17" idx="6"/>
+            <a:endCxn id="11" idx="1"/>
+          </p:cNvCxnSpPr>
+          <p:nvPr/>
+        </p:nvCxnSpPr>
+        <p:spPr>
+          <a:xfrm flipV="1">
+            <a:off x="1290156" y="2923634"/>
+            <a:ext cx="725885" cy="1769"/>
+          </a:xfrm>
+          <a:prstGeom prst="straightConnector1">
+            <a:avLst/>
+          </a:prstGeom>
+          <a:ln>
+            <a:solidFill>
+              <a:schemeClr val="tx1"/>
+            </a:solidFill>
+            <a:tailEnd type="triangle"/>
+          </a:ln>
+        </p:spPr>
+        <p:style>
+          <a:lnRef idx="1">
+            <a:schemeClr val="accent1"/>
+          </a:lnRef>
+          <a:fillRef idx="0">
+            <a:schemeClr val="accent1"/>
+          </a:fillRef>
+          <a:effectRef idx="0">
+            <a:schemeClr val="accent1"/>
+          </a:effectRef>
+          <a:fontRef idx="minor">
+            <a:schemeClr val="tx1"/>
+          </a:fontRef>
+        </p:style>
+      </p:cxnSp>
+      <p:sp>
+        <p:nvSpPr>
+          <p:cNvPr id="24" name="TextBox 23">
+            <a:extLst>
+              <a:ext uri="{FF2B5EF4-FFF2-40B4-BE49-F238E27FC236}">
+                <a16:creationId xmlns:a16="http://schemas.microsoft.com/office/drawing/2014/main" id="{1A8677A5-9FE7-17F7-B318-6CCFE95F1C8A}"/>
+              </a:ext>
+            </a:extLst>
+          </p:cNvPr>
+          <p:cNvSpPr txBox="1"/>
+          <p:nvPr/>
+        </p:nvSpPr>
+        <p:spPr>
+          <a:xfrm>
+            <a:off x="7259525" y="3028837"/>
+            <a:ext cx="341760" cy="246221"/>
+          </a:xfrm>
+          <a:prstGeom prst="rect">
+            <a:avLst/>
+          </a:prstGeom>
+          <a:noFill/>
+        </p:spPr>
+        <p:txBody>
+          <a:bodyPr wrap="none" rtlCol="0">
+            <a:spAutoFit/>
+          </a:bodyPr>
+          <a:lstStyle/>
+          <a:p>
+            <a:r>
+              <a:rPr lang="en-CA" sz="1000" dirty="0"/>
+              <a:t>set</a:t>
+            </a:r>
+          </a:p>
+        </p:txBody>
+      </p:sp>
+      <p:cxnSp>
+        <p:nvCxnSpPr>
+          <p:cNvPr id="25" name="Connector: Elbow 24">
+            <a:extLst>
+              <a:ext uri="{FF2B5EF4-FFF2-40B4-BE49-F238E27FC236}">
+                <a16:creationId xmlns:a16="http://schemas.microsoft.com/office/drawing/2014/main" id="{CB05B6BB-54C3-CF49-59CA-354531807BA5}"/>
+              </a:ext>
+            </a:extLst>
+          </p:cNvPr>
+          <p:cNvCxnSpPr>
+            <a:cxnSpLocks/>
+            <a:stCxn id="11" idx="3"/>
+            <a:endCxn id="8" idx="0"/>
+          </p:cNvCxnSpPr>
+          <p:nvPr/>
+        </p:nvCxnSpPr>
+        <p:spPr>
+          <a:xfrm>
+            <a:off x="4383980" y="2923634"/>
+            <a:ext cx="2188605" cy="505366"/>
+          </a:xfrm>
+          <a:prstGeom prst="bentConnector2">
+            <a:avLst/>
+          </a:prstGeom>
+          <a:ln>
+            <a:solidFill>
+              <a:schemeClr val="tx1"/>
+            </a:solidFill>
+            <a:tailEnd type="triangle"/>
+          </a:ln>
+        </p:spPr>
+        <p:style>
+          <a:lnRef idx="1">
+            <a:schemeClr val="accent1"/>
+          </a:lnRef>
+          <a:fillRef idx="0">
+            <a:schemeClr val="accent1"/>
+          </a:fillRef>
+          <a:effectRef idx="0">
+            <a:schemeClr val="accent1"/>
+          </a:effectRef>
+          <a:fontRef idx="minor">
+            <a:schemeClr val="tx1"/>
+          </a:fontRef>
+        </p:style>
+      </p:cxnSp>
+      <p:sp>
+        <p:nvSpPr>
+          <p:cNvPr id="28" name="Rectangle 27">
+            <a:extLst>
+              <a:ext uri="{FF2B5EF4-FFF2-40B4-BE49-F238E27FC236}">
+                <a16:creationId xmlns:a16="http://schemas.microsoft.com/office/drawing/2014/main" id="{4D1F83FB-213D-A44E-C642-B60741164291}"/>
+              </a:ext>
+            </a:extLst>
+          </p:cNvPr>
+          <p:cNvSpPr/>
+          <p:nvPr/>
+        </p:nvSpPr>
+        <p:spPr>
+          <a:xfrm>
+            <a:off x="6782918" y="2764116"/>
+            <a:ext cx="988826" cy="45719"/>
+          </a:xfrm>
+          <a:prstGeom prst="rect">
+            <a:avLst/>
+          </a:prstGeom>
+          <a:solidFill>
+            <a:schemeClr val="tx1"/>
+          </a:solidFill>
+        </p:spPr>
+        <p:style>
+          <a:lnRef idx="2">
+            <a:schemeClr val="accent1">
+              <a:shade val="15000"/>
+            </a:schemeClr>
+          </a:lnRef>
+          <a:fillRef idx="1">
+            <a:schemeClr val="accent1"/>
+          </a:fillRef>
+          <a:effectRef idx="0">
+            <a:schemeClr val="accent1"/>
+          </a:effectRef>
+          <a:fontRef idx="minor">
+            <a:schemeClr val="lt1"/>
+          </a:fontRef>
+        </p:style>
+        <p:txBody>
+          <a:bodyPr rtlCol="0" anchor="ctr"/>
+          <a:lstStyle/>
+          <a:p>
+            <a:pPr algn="ctr"/>
+            <a:endParaRPr lang="en-CA"/>
+          </a:p>
+        </p:txBody>
+      </p:sp>
+      <p:cxnSp>
+        <p:nvCxnSpPr>
+          <p:cNvPr id="29" name="Straight Arrow Connector 28">
+            <a:extLst>
+              <a:ext uri="{FF2B5EF4-FFF2-40B4-BE49-F238E27FC236}">
+                <a16:creationId xmlns:a16="http://schemas.microsoft.com/office/drawing/2014/main" id="{2E441CF2-4A6B-B31C-CC59-08DCD726E188}"/>
+              </a:ext>
+            </a:extLst>
+          </p:cNvPr>
+          <p:cNvCxnSpPr>
+            <a:cxnSpLocks/>
+            <a:endCxn id="28" idx="2"/>
+          </p:cNvCxnSpPr>
+          <p:nvPr/>
+        </p:nvCxnSpPr>
+        <p:spPr>
+          <a:xfrm flipV="1">
+            <a:off x="7277331" y="2809835"/>
+            <a:ext cx="0" cy="619165"/>
+          </a:xfrm>
+          <a:prstGeom prst="straightConnector1">
+            <a:avLst/>
+          </a:prstGeom>
+          <a:ln>
+            <a:solidFill>
+              <a:schemeClr val="tx1"/>
+            </a:solidFill>
+            <a:tailEnd type="triangle"/>
+          </a:ln>
+        </p:spPr>
+        <p:style>
+          <a:lnRef idx="1">
+            <a:schemeClr val="accent1"/>
+          </a:lnRef>
+          <a:fillRef idx="0">
+            <a:schemeClr val="accent1"/>
+          </a:fillRef>
+          <a:effectRef idx="0">
+            <a:schemeClr val="accent1"/>
+          </a:effectRef>
+          <a:fontRef idx="minor">
+            <a:schemeClr val="tx1"/>
+          </a:fontRef>
+        </p:style>
+      </p:cxnSp>
+      <p:cxnSp>
+        <p:nvCxnSpPr>
+          <p:cNvPr id="34" name="Connector: Elbow 33">
+            <a:extLst>
+              <a:ext uri="{FF2B5EF4-FFF2-40B4-BE49-F238E27FC236}">
+                <a16:creationId xmlns:a16="http://schemas.microsoft.com/office/drawing/2014/main" id="{2EA0DD31-82C2-8B06-F6BC-9F3A43BE37A7}"/>
+              </a:ext>
+            </a:extLst>
+          </p:cNvPr>
+          <p:cNvCxnSpPr>
+            <a:stCxn id="28" idx="1"/>
+          </p:cNvCxnSpPr>
+          <p:nvPr/>
+        </p:nvCxnSpPr>
+        <p:spPr>
+          <a:xfrm rot="10800000">
+            <a:off x="4383980" y="2555350"/>
+            <a:ext cx="2398939" cy="231627"/>
+          </a:xfrm>
+          <a:prstGeom prst="bentConnector3">
+            <a:avLst>
+              <a:gd name="adj1" fmla="val -12569"/>
+            </a:avLst>
+          </a:prstGeom>
+          <a:ln>
+            <a:solidFill>
+              <a:schemeClr val="tx1"/>
+            </a:solidFill>
+            <a:tailEnd type="triangle"/>
+          </a:ln>
+        </p:spPr>
+        <p:style>
+          <a:lnRef idx="1">
+            <a:schemeClr val="accent1"/>
+          </a:lnRef>
+          <a:fillRef idx="0">
+            <a:schemeClr val="accent1"/>
+          </a:fillRef>
+          <a:effectRef idx="0">
+            <a:schemeClr val="accent1"/>
+          </a:effectRef>
+          <a:fontRef idx="minor">
+            <a:schemeClr val="tx1"/>
+          </a:fontRef>
+        </p:style>
+      </p:cxnSp>
+      <p:cxnSp>
+        <p:nvCxnSpPr>
+          <p:cNvPr id="37" name="Connector: Elbow 36">
+            <a:extLst>
+              <a:ext uri="{FF2B5EF4-FFF2-40B4-BE49-F238E27FC236}">
+                <a16:creationId xmlns:a16="http://schemas.microsoft.com/office/drawing/2014/main" id="{BE0FD68C-0FFA-C763-E6A0-B3B67F788047}"/>
+              </a:ext>
+            </a:extLst>
+          </p:cNvPr>
+          <p:cNvCxnSpPr>
+            <a:cxnSpLocks/>
+            <a:endCxn id="8" idx="3"/>
+          </p:cNvCxnSpPr>
+          <p:nvPr/>
+        </p:nvCxnSpPr>
+        <p:spPr>
+          <a:xfrm rot="16200000" flipH="1">
+            <a:off x="6889454" y="3375162"/>
+            <a:ext cx="1338433" cy="85229"/>
+          </a:xfrm>
+          <a:prstGeom prst="bentConnector4">
+            <a:avLst>
+              <a:gd name="adj1" fmla="val -14541"/>
+              <a:gd name="adj2" fmla="val 570647"/>
+            </a:avLst>
+          </a:prstGeom>
+          <a:ln>
+            <a:solidFill>
+              <a:schemeClr val="tx1"/>
+            </a:solidFill>
+            <a:tailEnd type="triangle"/>
+          </a:ln>
+        </p:spPr>
+        <p:style>
+          <a:lnRef idx="1">
+            <a:schemeClr val="accent1"/>
+          </a:lnRef>
+          <a:fillRef idx="0">
+            <a:schemeClr val="accent1"/>
+          </a:fillRef>
+          <a:effectRef idx="0">
+            <a:schemeClr val="accent1"/>
+          </a:effectRef>
+          <a:fontRef idx="minor">
+            <a:schemeClr val="tx1"/>
+          </a:fontRef>
+        </p:style>
+      </p:cxnSp>
+      <p:sp>
+        <p:nvSpPr>
+          <p:cNvPr id="47" name="TextBox 46">
+            <a:extLst>
+              <a:ext uri="{FF2B5EF4-FFF2-40B4-BE49-F238E27FC236}">
+                <a16:creationId xmlns:a16="http://schemas.microsoft.com/office/drawing/2014/main" id="{78C29DFF-84BA-FF2B-43F8-4D9A358A55D4}"/>
+              </a:ext>
+            </a:extLst>
+          </p:cNvPr>
+          <p:cNvSpPr txBox="1"/>
+          <p:nvPr/>
+        </p:nvSpPr>
+        <p:spPr>
+          <a:xfrm>
+            <a:off x="3687314" y="1230873"/>
+            <a:ext cx="1393330" cy="246221"/>
+          </a:xfrm>
+          <a:prstGeom prst="rect">
+            <a:avLst/>
+          </a:prstGeom>
+          <a:noFill/>
+        </p:spPr>
+        <p:txBody>
+          <a:bodyPr wrap="none" rtlCol="0">
+            <a:spAutoFit/>
+          </a:bodyPr>
+          <a:lstStyle/>
+          <a:p>
+            <a:r>
+              <a:rPr lang="en-CA" sz="1000" dirty="0" err="1"/>
+              <a:t>OnEntry</a:t>
+            </a:r>
+            <a:r>
+              <a:rPr lang="en-CA" sz="1000" dirty="0"/>
+              <a:t>: green LED on</a:t>
+            </a:r>
+          </a:p>
+        </p:txBody>
+      </p:sp>
+      <p:sp>
+        <p:nvSpPr>
+          <p:cNvPr id="48" name="TextBox 47">
+            <a:extLst>
+              <a:ext uri="{FF2B5EF4-FFF2-40B4-BE49-F238E27FC236}">
+                <a16:creationId xmlns:a16="http://schemas.microsoft.com/office/drawing/2014/main" id="{FE17EFBC-FC28-836A-9DD7-B996EFC74EA3}"/>
+              </a:ext>
+            </a:extLst>
+          </p:cNvPr>
+          <p:cNvSpPr txBox="1"/>
+          <p:nvPr/>
+        </p:nvSpPr>
+        <p:spPr>
+          <a:xfrm>
+            <a:off x="3685261" y="1425942"/>
+            <a:ext cx="1317990" cy="246221"/>
+          </a:xfrm>
+          <a:prstGeom prst="rect">
+            <a:avLst/>
+          </a:prstGeom>
+          <a:noFill/>
+        </p:spPr>
+        <p:txBody>
+          <a:bodyPr wrap="none" rtlCol="0">
+            <a:spAutoFit/>
+          </a:bodyPr>
+          <a:lstStyle/>
+          <a:p>
+            <a:r>
+              <a:rPr lang="en-CA" sz="1000" dirty="0" err="1"/>
+              <a:t>OnExit</a:t>
+            </a:r>
+            <a:r>
+              <a:rPr lang="en-CA" sz="1000" dirty="0"/>
+              <a:t>: green LED off</a:t>
+            </a:r>
+          </a:p>
+        </p:txBody>
+      </p:sp>
+      <p:sp>
+        <p:nvSpPr>
+          <p:cNvPr id="49" name="AutoShape 23">
+            <a:extLst>
+              <a:ext uri="{FF2B5EF4-FFF2-40B4-BE49-F238E27FC236}">
+                <a16:creationId xmlns:a16="http://schemas.microsoft.com/office/drawing/2014/main" id="{8BF68D8B-5940-6AC0-B9D7-7303A9135EE0}"/>
+              </a:ext>
+            </a:extLst>
+          </p:cNvPr>
+          <p:cNvSpPr>
+            <a:spLocks noChangeArrowheads="1"/>
+          </p:cNvSpPr>
+          <p:nvPr/>
+        </p:nvSpPr>
+        <p:spPr bwMode="auto">
+          <a:xfrm>
+            <a:off x="2321612" y="4578521"/>
+            <a:ext cx="1656184" cy="791425"/>
+          </a:xfrm>
+          <a:prstGeom prst="roundRect">
+            <a:avLst>
+              <a:gd name="adj" fmla="val 10127"/>
+            </a:avLst>
+          </a:prstGeom>
+          <a:noFill/>
+          <a:ln w="9525">
+            <a:solidFill>
+              <a:schemeClr val="tx1"/>
+            </a:solidFill>
+            <a:round/>
+            <a:headEnd/>
+            <a:tailEnd type="none" w="lg" len="lg"/>
+          </a:ln>
+          <a:effectLst/>
+        </p:spPr>
+        <p:txBody>
+          <a:bodyPr wrap="none" anchor="ctr"/>
+          <a:lstStyle/>
+          <a:p>
+            <a:pPr algn="ctr"/>
+            <a:r>
+              <a:rPr lang="en-CA" sz="1400" dirty="0">
+                <a:solidFill>
+                  <a:srgbClr val="0000FF"/>
+                </a:solidFill>
+                <a:cs typeface="Arial" panose="020B0604020202020204" pitchFamily="34" charset="0"/>
+              </a:rPr>
+              <a:t>ERROR</a:t>
+            </a:r>
+          </a:p>
+        </p:txBody>
+      </p:sp>
+      <p:sp>
+        <p:nvSpPr>
+          <p:cNvPr id="50" name="TextBox 49">
+            <a:extLst>
+              <a:ext uri="{FF2B5EF4-FFF2-40B4-BE49-F238E27FC236}">
+                <a16:creationId xmlns:a16="http://schemas.microsoft.com/office/drawing/2014/main" id="{9754FDAC-65FA-FD33-75B3-940364AF6CF2}"/>
+              </a:ext>
+            </a:extLst>
+          </p:cNvPr>
+          <p:cNvSpPr txBox="1"/>
+          <p:nvPr/>
+        </p:nvSpPr>
+        <p:spPr>
+          <a:xfrm>
+            <a:off x="1432730" y="3963882"/>
+            <a:ext cx="1391890" cy="246221"/>
+          </a:xfrm>
+          <a:prstGeom prst="rect">
+            <a:avLst/>
+          </a:prstGeom>
+          <a:noFill/>
+        </p:spPr>
+        <p:txBody>
+          <a:bodyPr wrap="square" rtlCol="0">
+            <a:spAutoFit/>
+          </a:bodyPr>
+          <a:lstStyle/>
+          <a:p>
+            <a:r>
+              <a:rPr lang="en-CA" sz="1000" dirty="0"/>
+              <a:t>[inactivity &gt; 2m] / beep</a:t>
+            </a:r>
+          </a:p>
+        </p:txBody>
+      </p:sp>
+      <p:cxnSp>
+        <p:nvCxnSpPr>
+          <p:cNvPr id="51" name="Straight Arrow Connector 50">
+            <a:extLst>
+              <a:ext uri="{FF2B5EF4-FFF2-40B4-BE49-F238E27FC236}">
+                <a16:creationId xmlns:a16="http://schemas.microsoft.com/office/drawing/2014/main" id="{58B30293-80B9-E6F7-8CF4-793D0E464877}"/>
+              </a:ext>
+            </a:extLst>
+          </p:cNvPr>
+          <p:cNvCxnSpPr>
+            <a:cxnSpLocks/>
+          </p:cNvCxnSpPr>
+          <p:nvPr/>
+        </p:nvCxnSpPr>
+        <p:spPr>
+          <a:xfrm>
+            <a:off x="2763700" y="3568035"/>
+            <a:ext cx="0" cy="1010486"/>
+          </a:xfrm>
+          <a:prstGeom prst="straightConnector1">
+            <a:avLst/>
+          </a:prstGeom>
+          <a:ln>
+            <a:solidFill>
+              <a:schemeClr val="tx1"/>
+            </a:solidFill>
+            <a:tailEnd type="triangle"/>
+          </a:ln>
+        </p:spPr>
+        <p:style>
+          <a:lnRef idx="1">
+            <a:schemeClr val="accent1"/>
+          </a:lnRef>
+          <a:fillRef idx="0">
+            <a:schemeClr val="accent1"/>
+          </a:fillRef>
+          <a:effectRef idx="0">
+            <a:schemeClr val="accent1"/>
+          </a:effectRef>
+          <a:fontRef idx="minor">
+            <a:schemeClr val="tx1"/>
+          </a:fontRef>
+        </p:style>
+      </p:cxnSp>
+      <p:cxnSp>
+        <p:nvCxnSpPr>
+          <p:cNvPr id="52" name="Straight Arrow Connector 51">
+            <a:extLst>
+              <a:ext uri="{FF2B5EF4-FFF2-40B4-BE49-F238E27FC236}">
+                <a16:creationId xmlns:a16="http://schemas.microsoft.com/office/drawing/2014/main" id="{2A8C053E-8F0E-4919-540B-25E32825015C}"/>
+              </a:ext>
+            </a:extLst>
+          </p:cNvPr>
+          <p:cNvCxnSpPr>
+            <a:cxnSpLocks/>
+          </p:cNvCxnSpPr>
+          <p:nvPr/>
+        </p:nvCxnSpPr>
+        <p:spPr>
+          <a:xfrm flipV="1">
+            <a:off x="3599338" y="3597099"/>
+            <a:ext cx="0" cy="979785"/>
+          </a:xfrm>
+          <a:prstGeom prst="straightConnector1">
+            <a:avLst/>
+          </a:prstGeom>
+          <a:ln>
+            <a:solidFill>
+              <a:schemeClr val="tx1"/>
+            </a:solidFill>
+            <a:tailEnd type="triangle"/>
+          </a:ln>
+        </p:spPr>
+        <p:style>
+          <a:lnRef idx="1">
+            <a:schemeClr val="accent1"/>
+          </a:lnRef>
+          <a:fillRef idx="0">
+            <a:schemeClr val="accent1"/>
+          </a:fillRef>
+          <a:effectRef idx="0">
+            <a:schemeClr val="accent1"/>
+          </a:effectRef>
+          <a:fontRef idx="minor">
+            <a:schemeClr val="tx1"/>
+          </a:fontRef>
+        </p:style>
+      </p:cxnSp>
+      <p:sp>
+        <p:nvSpPr>
+          <p:cNvPr id="54" name="TextBox 53">
+            <a:extLst>
+              <a:ext uri="{FF2B5EF4-FFF2-40B4-BE49-F238E27FC236}">
+                <a16:creationId xmlns:a16="http://schemas.microsoft.com/office/drawing/2014/main" id="{0C9C013D-3D1C-4682-441E-D73DA67882CD}"/>
+              </a:ext>
+            </a:extLst>
+          </p:cNvPr>
+          <p:cNvSpPr txBox="1"/>
+          <p:nvPr/>
+        </p:nvSpPr>
+        <p:spPr>
+          <a:xfrm>
+            <a:off x="3562539" y="3996787"/>
+            <a:ext cx="450764" cy="246221"/>
+          </a:xfrm>
+          <a:prstGeom prst="rect">
+            <a:avLst/>
+          </a:prstGeom>
+          <a:noFill/>
+        </p:spPr>
+        <p:txBody>
+          <a:bodyPr wrap="none" rtlCol="0">
+            <a:spAutoFit/>
+          </a:bodyPr>
+          <a:lstStyle/>
+          <a:p>
+            <a:r>
+              <a:rPr lang="en-CA" sz="1000" dirty="0"/>
+              <a:t>reset</a:t>
+            </a:r>
+          </a:p>
+        </p:txBody>
+      </p:sp>
+      <p:grpSp>
+        <p:nvGrpSpPr>
+          <p:cNvPr id="59" name="Group 58">
+            <a:extLst>
+              <a:ext uri="{FF2B5EF4-FFF2-40B4-BE49-F238E27FC236}">
+                <a16:creationId xmlns:a16="http://schemas.microsoft.com/office/drawing/2014/main" id="{90A51B7A-71D7-40EA-DA13-999986F24BBC}"/>
+              </a:ext>
+            </a:extLst>
+          </p:cNvPr>
+          <p:cNvGrpSpPr/>
+          <p:nvPr/>
+        </p:nvGrpSpPr>
+        <p:grpSpPr>
+          <a:xfrm>
+            <a:off x="2985791" y="3385527"/>
+            <a:ext cx="370367" cy="353683"/>
+            <a:chOff x="5029361" y="1777030"/>
+            <a:chExt cx="370367" cy="353683"/>
+          </a:xfrm>
+        </p:grpSpPr>
+        <p:sp>
+          <p:nvSpPr>
+            <p:cNvPr id="60" name="Flowchart: Connector 59">
+              <a:extLst>
+                <a:ext uri="{FF2B5EF4-FFF2-40B4-BE49-F238E27FC236}">
+                  <a16:creationId xmlns:a16="http://schemas.microsoft.com/office/drawing/2014/main" id="{5C4E8B3A-433F-1C7A-7DCE-32EBAEE58EF4}"/>
+                </a:ext>
+              </a:extLst>
+            </p:cNvPr>
+            <p:cNvSpPr/>
+            <p:nvPr/>
+          </p:nvSpPr>
+          <p:spPr>
+            <a:xfrm>
+              <a:off x="5029361" y="1777030"/>
+              <a:ext cx="370367" cy="353683"/>
+            </a:xfrm>
+            <a:prstGeom prst="flowChartConnector">
+              <a:avLst/>
+            </a:prstGeom>
+            <a:solidFill>
+              <a:schemeClr val="bg1"/>
+            </a:solidFill>
+          </p:spPr>
+          <p:style>
+            <a:lnRef idx="2">
+              <a:schemeClr val="accent1">
+                <a:shade val="15000"/>
+              </a:schemeClr>
+            </a:lnRef>
+            <a:fillRef idx="1">
+              <a:schemeClr val="accent1"/>
+            </a:fillRef>
+            <a:effectRef idx="0">
+              <a:schemeClr val="accent1"/>
+            </a:effectRef>
+            <a:fontRef idx="minor">
+              <a:schemeClr val="lt1"/>
+            </a:fontRef>
+          </p:style>
+          <p:txBody>
+            <a:bodyPr rtlCol="0" anchor="ctr"/>
+            <a:lstStyle/>
+            <a:p>
+              <a:pPr algn="ctr"/>
+              <a:endParaRPr lang="en-CA" dirty="0"/>
+            </a:p>
+          </p:txBody>
+        </p:sp>
+        <p:cxnSp>
+          <p:nvCxnSpPr>
+            <p:cNvPr id="61" name="Straight Connector 60">
+              <a:extLst>
+                <a:ext uri="{FF2B5EF4-FFF2-40B4-BE49-F238E27FC236}">
+                  <a16:creationId xmlns:a16="http://schemas.microsoft.com/office/drawing/2014/main" id="{7B797674-2087-0223-1D51-265B22FB56B5}"/>
+                </a:ext>
+              </a:extLst>
+            </p:cNvPr>
+            <p:cNvCxnSpPr>
+              <a:cxnSpLocks/>
+              <a:stCxn id="60" idx="3"/>
+              <a:endCxn id="60" idx="7"/>
+            </p:cNvCxnSpPr>
+            <p:nvPr/>
+          </p:nvCxnSpPr>
+          <p:spPr>
+            <a:xfrm flipV="1">
+              <a:off x="5083600" y="1828826"/>
+              <a:ext cx="261889" cy="250091"/>
+            </a:xfrm>
+            <a:prstGeom prst="line">
+              <a:avLst/>
+            </a:prstGeom>
+            <a:ln>
+              <a:headEnd type="none" w="med" len="med"/>
+              <a:tailEnd type="none" w="med" len="med"/>
+            </a:ln>
+          </p:spPr>
+          <p:style>
+            <a:lnRef idx="3">
+              <a:schemeClr val="dk1"/>
+            </a:lnRef>
+            <a:fillRef idx="0">
+              <a:schemeClr val="dk1"/>
+            </a:fillRef>
+            <a:effectRef idx="2">
+              <a:schemeClr val="dk1"/>
+            </a:effectRef>
+            <a:fontRef idx="minor">
+              <a:schemeClr val="tx1"/>
+            </a:fontRef>
+          </p:style>
+        </p:cxnSp>
+        <p:cxnSp>
+          <p:nvCxnSpPr>
+            <p:cNvPr id="62" name="Straight Connector 61">
+              <a:extLst>
+                <a:ext uri="{FF2B5EF4-FFF2-40B4-BE49-F238E27FC236}">
+                  <a16:creationId xmlns:a16="http://schemas.microsoft.com/office/drawing/2014/main" id="{6E18B0AC-77FC-A61C-4F01-E353307B58CA}"/>
+                </a:ext>
+              </a:extLst>
+            </p:cNvPr>
+            <p:cNvCxnSpPr>
+              <a:cxnSpLocks/>
+              <a:stCxn id="60" idx="1"/>
+              <a:endCxn id="60" idx="5"/>
+            </p:cNvCxnSpPr>
+            <p:nvPr/>
+          </p:nvCxnSpPr>
+          <p:spPr>
+            <a:xfrm>
+              <a:off x="5083600" y="1828826"/>
+              <a:ext cx="261889" cy="250091"/>
+            </a:xfrm>
+            <a:prstGeom prst="line">
+              <a:avLst/>
+            </a:prstGeom>
+            <a:ln>
+              <a:headEnd type="none" w="med" len="med"/>
+              <a:tailEnd type="none" w="med" len="med"/>
+            </a:ln>
+          </p:spPr>
+          <p:style>
+            <a:lnRef idx="3">
+              <a:schemeClr val="dk1"/>
+            </a:lnRef>
+            <a:fillRef idx="0">
+              <a:schemeClr val="dk1"/>
+            </a:fillRef>
+            <a:effectRef idx="2">
+              <a:schemeClr val="dk1"/>
+            </a:effectRef>
+            <a:fontRef idx="minor">
+              <a:schemeClr val="tx1"/>
+            </a:fontRef>
+          </p:style>
+        </p:cxnSp>
+      </p:grpSp>
+      <p:sp>
+        <p:nvSpPr>
+          <p:cNvPr id="64" name="TextBox 63">
+            <a:extLst>
+              <a:ext uri="{FF2B5EF4-FFF2-40B4-BE49-F238E27FC236}">
+                <a16:creationId xmlns:a16="http://schemas.microsoft.com/office/drawing/2014/main" id="{CE38F6ED-9F66-F8F5-86AA-1A6D17B72AF8}"/>
+              </a:ext>
+            </a:extLst>
+          </p:cNvPr>
+          <p:cNvSpPr txBox="1"/>
+          <p:nvPr/>
+        </p:nvSpPr>
+        <p:spPr>
+          <a:xfrm>
+            <a:off x="2408286" y="3174456"/>
+            <a:ext cx="1263487" cy="246221"/>
+          </a:xfrm>
+          <a:prstGeom prst="rect">
+            <a:avLst/>
+          </a:prstGeom>
+          <a:noFill/>
+        </p:spPr>
+        <p:txBody>
+          <a:bodyPr wrap="none" rtlCol="0">
+            <a:spAutoFit/>
+          </a:bodyPr>
+          <a:lstStyle/>
+          <a:p>
+            <a:r>
+              <a:rPr lang="en-CA" sz="1000" dirty="0"/>
+              <a:t>Invalid Parameter(s)</a:t>
+            </a:r>
+          </a:p>
+        </p:txBody>
+      </p:sp>
+      <p:cxnSp>
+        <p:nvCxnSpPr>
+          <p:cNvPr id="65" name="Straight Arrow Connector 64">
+            <a:extLst>
+              <a:ext uri="{FF2B5EF4-FFF2-40B4-BE49-F238E27FC236}">
+                <a16:creationId xmlns:a16="http://schemas.microsoft.com/office/drawing/2014/main" id="{902E3063-C7CD-395E-5BE1-EC20F4C64D3E}"/>
+              </a:ext>
+            </a:extLst>
+          </p:cNvPr>
+          <p:cNvCxnSpPr>
+            <a:cxnSpLocks/>
+            <a:stCxn id="60" idx="4"/>
+          </p:cNvCxnSpPr>
+          <p:nvPr/>
+        </p:nvCxnSpPr>
+        <p:spPr>
+          <a:xfrm>
+            <a:off x="3170975" y="3739210"/>
+            <a:ext cx="371" cy="853024"/>
+          </a:xfrm>
+          <a:prstGeom prst="straightConnector1">
+            <a:avLst/>
+          </a:prstGeom>
+          <a:ln>
+            <a:solidFill>
+              <a:schemeClr val="tx1"/>
+            </a:solidFill>
+            <a:tailEnd type="triangle"/>
           </a:ln>
         </p:spPr>
         <p:style>
@@ -5253,6 +8541,1697 @@
           </a:fontRef>
         </p:style>
       </p:cxnSp>
+      <p:sp>
+        <p:nvSpPr>
+          <p:cNvPr id="3" name="Flowchart: Connector 2">
+            <a:extLst>
+              <a:ext uri="{FF2B5EF4-FFF2-40B4-BE49-F238E27FC236}">
+                <a16:creationId xmlns:a16="http://schemas.microsoft.com/office/drawing/2014/main" id="{000E7FBA-5C90-DFB1-A3D0-9595BE9FD7B5}"/>
+              </a:ext>
+            </a:extLst>
+          </p:cNvPr>
+          <p:cNvSpPr/>
+          <p:nvPr/>
+        </p:nvSpPr>
+        <p:spPr>
+          <a:xfrm>
+            <a:off x="1364225" y="1906388"/>
+            <a:ext cx="370367" cy="353683"/>
+          </a:xfrm>
+          <a:prstGeom prst="flowChartConnector">
+            <a:avLst/>
+          </a:prstGeom>
+          <a:solidFill>
+            <a:schemeClr val="tx1"/>
+          </a:solidFill>
+        </p:spPr>
+        <p:style>
+          <a:lnRef idx="2">
+            <a:schemeClr val="accent1">
+              <a:shade val="15000"/>
+            </a:schemeClr>
+          </a:lnRef>
+          <a:fillRef idx="1">
+            <a:schemeClr val="accent1"/>
+          </a:fillRef>
+          <a:effectRef idx="0">
+            <a:schemeClr val="accent1"/>
+          </a:effectRef>
+          <a:fontRef idx="minor">
+            <a:schemeClr val="lt1"/>
+          </a:fontRef>
+        </p:style>
+        <p:txBody>
+          <a:bodyPr rtlCol="0" anchor="ctr"/>
+          <a:lstStyle/>
+          <a:p>
+            <a:pPr algn="ctr"/>
+            <a:endParaRPr lang="en-CA" dirty="0"/>
+          </a:p>
+        </p:txBody>
+      </p:sp>
+      <p:sp>
+        <p:nvSpPr>
+          <p:cNvPr id="4" name="AutoShape 23">
+            <a:extLst>
+              <a:ext uri="{FF2B5EF4-FFF2-40B4-BE49-F238E27FC236}">
+                <a16:creationId xmlns:a16="http://schemas.microsoft.com/office/drawing/2014/main" id="{CB90C348-997D-CD54-794D-250C7887FE49}"/>
+              </a:ext>
+            </a:extLst>
+          </p:cNvPr>
+          <p:cNvSpPr>
+            <a:spLocks noChangeArrowheads="1"/>
+          </p:cNvSpPr>
+          <p:nvPr/>
+        </p:nvSpPr>
+        <p:spPr bwMode="auto">
+          <a:xfrm>
+            <a:off x="2215977" y="1687516"/>
+            <a:ext cx="1656184" cy="791425"/>
+          </a:xfrm>
+          <a:prstGeom prst="roundRect">
+            <a:avLst>
+              <a:gd name="adj" fmla="val 10127"/>
+            </a:avLst>
+          </a:prstGeom>
+          <a:noFill/>
+          <a:ln w="9525">
+            <a:solidFill>
+              <a:schemeClr val="tx1"/>
+            </a:solidFill>
+            <a:round/>
+            <a:headEnd/>
+            <a:tailEnd type="none" w="lg" len="lg"/>
+          </a:ln>
+          <a:effectLst/>
+        </p:spPr>
+        <p:txBody>
+          <a:bodyPr wrap="none" anchor="ctr"/>
+          <a:lstStyle/>
+          <a:p>
+            <a:pPr algn="ctr"/>
+            <a:r>
+              <a:rPr lang="en-CA" sz="1400" dirty="0">
+                <a:solidFill>
+                  <a:srgbClr val="0000FF"/>
+                </a:solidFill>
+                <a:cs typeface="Arial" panose="020B0604020202020204" pitchFamily="34" charset="0"/>
+              </a:rPr>
+              <a:t>READY</a:t>
+            </a:r>
+          </a:p>
+        </p:txBody>
+      </p:sp>
+      <p:cxnSp>
+        <p:nvCxnSpPr>
+          <p:cNvPr id="11" name="Straight Arrow Connector 10">
+            <a:extLst>
+              <a:ext uri="{FF2B5EF4-FFF2-40B4-BE49-F238E27FC236}">
+                <a16:creationId xmlns:a16="http://schemas.microsoft.com/office/drawing/2014/main" id="{9141E3BA-AD6F-7E3C-A887-C98A4D829F68}"/>
+              </a:ext>
+            </a:extLst>
+          </p:cNvPr>
+          <p:cNvCxnSpPr>
+            <a:cxnSpLocks/>
+            <a:stCxn id="3" idx="6"/>
+            <a:endCxn id="4" idx="1"/>
+          </p:cNvCxnSpPr>
+          <p:nvPr/>
+        </p:nvCxnSpPr>
+        <p:spPr>
+          <a:xfrm flipV="1">
+            <a:off x="1734592" y="2083229"/>
+            <a:ext cx="481385" cy="1"/>
+          </a:xfrm>
+          <a:prstGeom prst="straightConnector1">
+            <a:avLst/>
+          </a:prstGeom>
+          <a:ln>
+            <a:solidFill>
+              <a:schemeClr val="tx1"/>
+            </a:solidFill>
+            <a:tailEnd type="triangle"/>
+          </a:ln>
+        </p:spPr>
+        <p:style>
+          <a:lnRef idx="1">
+            <a:schemeClr val="accent1"/>
+          </a:lnRef>
+          <a:fillRef idx="0">
+            <a:schemeClr val="accent1"/>
+          </a:fillRef>
+          <a:effectRef idx="0">
+            <a:schemeClr val="accent1"/>
+          </a:effectRef>
+          <a:fontRef idx="minor">
+            <a:schemeClr val="tx1"/>
+          </a:fontRef>
+        </p:style>
+      </p:cxnSp>
+      <p:grpSp>
+        <p:nvGrpSpPr>
+          <p:cNvPr id="20" name="Group 19">
+            <a:extLst>
+              <a:ext uri="{FF2B5EF4-FFF2-40B4-BE49-F238E27FC236}">
+                <a16:creationId xmlns:a16="http://schemas.microsoft.com/office/drawing/2014/main" id="{CD15713C-3EF1-BFF4-F7D0-CF5AC6C998D0}"/>
+              </a:ext>
+            </a:extLst>
+          </p:cNvPr>
+          <p:cNvGrpSpPr/>
+          <p:nvPr/>
+        </p:nvGrpSpPr>
+        <p:grpSpPr>
+          <a:xfrm>
+            <a:off x="5205248" y="6412415"/>
+            <a:ext cx="370367" cy="353683"/>
+            <a:chOff x="5029361" y="1777030"/>
+            <a:chExt cx="370367" cy="353683"/>
+          </a:xfrm>
+        </p:grpSpPr>
+        <p:sp>
+          <p:nvSpPr>
+            <p:cNvPr id="21" name="Flowchart: Connector 20">
+              <a:extLst>
+                <a:ext uri="{FF2B5EF4-FFF2-40B4-BE49-F238E27FC236}">
+                  <a16:creationId xmlns:a16="http://schemas.microsoft.com/office/drawing/2014/main" id="{5EBAA224-0621-392D-6623-DCA4A5BD688B}"/>
+                </a:ext>
+              </a:extLst>
+            </p:cNvPr>
+            <p:cNvSpPr/>
+            <p:nvPr/>
+          </p:nvSpPr>
+          <p:spPr>
+            <a:xfrm>
+              <a:off x="5029361" y="1777030"/>
+              <a:ext cx="370367" cy="353683"/>
+            </a:xfrm>
+            <a:prstGeom prst="flowChartConnector">
+              <a:avLst/>
+            </a:prstGeom>
+            <a:solidFill>
+              <a:schemeClr val="bg1"/>
+            </a:solidFill>
+          </p:spPr>
+          <p:style>
+            <a:lnRef idx="2">
+              <a:schemeClr val="accent1">
+                <a:shade val="15000"/>
+              </a:schemeClr>
+            </a:lnRef>
+            <a:fillRef idx="1">
+              <a:schemeClr val="accent1"/>
+            </a:fillRef>
+            <a:effectRef idx="0">
+              <a:schemeClr val="accent1"/>
+            </a:effectRef>
+            <a:fontRef idx="minor">
+              <a:schemeClr val="lt1"/>
+            </a:fontRef>
+          </p:style>
+          <p:txBody>
+            <a:bodyPr rtlCol="0" anchor="ctr"/>
+            <a:lstStyle/>
+            <a:p>
+              <a:pPr algn="ctr"/>
+              <a:endParaRPr lang="en-CA" dirty="0"/>
+            </a:p>
+          </p:txBody>
+        </p:sp>
+        <p:cxnSp>
+          <p:nvCxnSpPr>
+            <p:cNvPr id="22" name="Straight Connector 21">
+              <a:extLst>
+                <a:ext uri="{FF2B5EF4-FFF2-40B4-BE49-F238E27FC236}">
+                  <a16:creationId xmlns:a16="http://schemas.microsoft.com/office/drawing/2014/main" id="{83E0D4A4-1C62-799D-34F6-DD5D3E101581}"/>
+                </a:ext>
+              </a:extLst>
+            </p:cNvPr>
+            <p:cNvCxnSpPr>
+              <a:cxnSpLocks/>
+              <a:stCxn id="21" idx="3"/>
+              <a:endCxn id="21" idx="7"/>
+            </p:cNvCxnSpPr>
+            <p:nvPr/>
+          </p:nvCxnSpPr>
+          <p:spPr>
+            <a:xfrm flipV="1">
+              <a:off x="5083600" y="1828826"/>
+              <a:ext cx="261889" cy="250091"/>
+            </a:xfrm>
+            <a:prstGeom prst="line">
+              <a:avLst/>
+            </a:prstGeom>
+            <a:ln>
+              <a:headEnd type="none" w="med" len="med"/>
+              <a:tailEnd type="none" w="med" len="med"/>
+            </a:ln>
+          </p:spPr>
+          <p:style>
+            <a:lnRef idx="3">
+              <a:schemeClr val="dk1"/>
+            </a:lnRef>
+            <a:fillRef idx="0">
+              <a:schemeClr val="dk1"/>
+            </a:fillRef>
+            <a:effectRef idx="2">
+              <a:schemeClr val="dk1"/>
+            </a:effectRef>
+            <a:fontRef idx="minor">
+              <a:schemeClr val="tx1"/>
+            </a:fontRef>
+          </p:style>
+        </p:cxnSp>
+        <p:cxnSp>
+          <p:nvCxnSpPr>
+            <p:cNvPr id="23" name="Straight Connector 22">
+              <a:extLst>
+                <a:ext uri="{FF2B5EF4-FFF2-40B4-BE49-F238E27FC236}">
+                  <a16:creationId xmlns:a16="http://schemas.microsoft.com/office/drawing/2014/main" id="{27AF3FC8-7052-7DF8-0141-CB1761FD1254}"/>
+                </a:ext>
+              </a:extLst>
+            </p:cNvPr>
+            <p:cNvCxnSpPr>
+              <a:cxnSpLocks/>
+              <a:stCxn id="21" idx="1"/>
+              <a:endCxn id="21" idx="5"/>
+            </p:cNvCxnSpPr>
+            <p:nvPr/>
+          </p:nvCxnSpPr>
+          <p:spPr>
+            <a:xfrm>
+              <a:off x="5083600" y="1828826"/>
+              <a:ext cx="261889" cy="250091"/>
+            </a:xfrm>
+            <a:prstGeom prst="line">
+              <a:avLst/>
+            </a:prstGeom>
+            <a:ln>
+              <a:headEnd type="none" w="med" len="med"/>
+              <a:tailEnd type="none" w="med" len="med"/>
+            </a:ln>
+          </p:spPr>
+          <p:style>
+            <a:lnRef idx="3">
+              <a:schemeClr val="dk1"/>
+            </a:lnRef>
+            <a:fillRef idx="0">
+              <a:schemeClr val="dk1"/>
+            </a:fillRef>
+            <a:effectRef idx="2">
+              <a:schemeClr val="dk1"/>
+            </a:effectRef>
+            <a:fontRef idx="minor">
+              <a:schemeClr val="tx1"/>
+            </a:fontRef>
+          </p:style>
+        </p:cxnSp>
+      </p:grpSp>
+      <p:sp>
+        <p:nvSpPr>
+          <p:cNvPr id="24" name="TextBox 23">
+            <a:extLst>
+              <a:ext uri="{FF2B5EF4-FFF2-40B4-BE49-F238E27FC236}">
+                <a16:creationId xmlns:a16="http://schemas.microsoft.com/office/drawing/2014/main" id="{D6AAFE55-A010-7F29-5727-9418624A66F5}"/>
+              </a:ext>
+            </a:extLst>
+          </p:cNvPr>
+          <p:cNvSpPr txBox="1"/>
+          <p:nvPr/>
+        </p:nvSpPr>
+        <p:spPr>
+          <a:xfrm>
+            <a:off x="4101560" y="6271262"/>
+            <a:ext cx="1234633" cy="246221"/>
+          </a:xfrm>
+          <a:prstGeom prst="rect">
+            <a:avLst/>
+          </a:prstGeom>
+          <a:noFill/>
+        </p:spPr>
+        <p:txBody>
+          <a:bodyPr wrap="none" rtlCol="0">
+            <a:spAutoFit/>
+          </a:bodyPr>
+          <a:lstStyle/>
+          <a:p>
+            <a:r>
+              <a:rPr lang="en-CA" sz="1000" dirty="0"/>
+              <a:t>Invalid Parameter(s)</a:t>
+            </a:r>
+          </a:p>
+        </p:txBody>
+      </p:sp>
+      <p:sp>
+        <p:nvSpPr>
+          <p:cNvPr id="28" name="TextBox 27">
+            <a:extLst>
+              <a:ext uri="{FF2B5EF4-FFF2-40B4-BE49-F238E27FC236}">
+                <a16:creationId xmlns:a16="http://schemas.microsoft.com/office/drawing/2014/main" id="{83BE9251-1BFE-1C01-5763-1835DD242FA4}"/>
+              </a:ext>
+            </a:extLst>
+          </p:cNvPr>
+          <p:cNvSpPr txBox="1"/>
+          <p:nvPr/>
+        </p:nvSpPr>
+        <p:spPr>
+          <a:xfrm>
+            <a:off x="3853481" y="1758866"/>
+            <a:ext cx="1653017" cy="246221"/>
+          </a:xfrm>
+          <a:prstGeom prst="rect">
+            <a:avLst/>
+          </a:prstGeom>
+          <a:noFill/>
+        </p:spPr>
+        <p:txBody>
+          <a:bodyPr wrap="none" rtlCol="0">
+            <a:spAutoFit/>
+          </a:bodyPr>
+          <a:lstStyle/>
+          <a:p>
+            <a:r>
+              <a:rPr lang="en-CA" sz="1000" dirty="0"/>
+              <a:t>set(temperature threshold)</a:t>
+            </a:r>
+          </a:p>
+        </p:txBody>
+      </p:sp>
+      <p:sp>
+        <p:nvSpPr>
+          <p:cNvPr id="30" name="TextBox 29">
+            <a:extLst>
+              <a:ext uri="{FF2B5EF4-FFF2-40B4-BE49-F238E27FC236}">
+                <a16:creationId xmlns:a16="http://schemas.microsoft.com/office/drawing/2014/main" id="{361B8AE6-B56F-A332-1CD6-70E9C3675602}"/>
+              </a:ext>
+            </a:extLst>
+          </p:cNvPr>
+          <p:cNvSpPr txBox="1"/>
+          <p:nvPr/>
+        </p:nvSpPr>
+        <p:spPr>
+          <a:xfrm>
+            <a:off x="1694139" y="3024768"/>
+            <a:ext cx="1439818" cy="246221"/>
+          </a:xfrm>
+          <a:prstGeom prst="rect">
+            <a:avLst/>
+          </a:prstGeom>
+          <a:noFill/>
+        </p:spPr>
+        <p:txBody>
+          <a:bodyPr wrap="none" rtlCol="0">
+            <a:spAutoFit/>
+          </a:bodyPr>
+          <a:lstStyle/>
+          <a:p>
+            <a:r>
+              <a:rPr lang="en-CA" sz="1000" dirty="0"/>
+              <a:t>set(humidity threshold)</a:t>
+            </a:r>
+          </a:p>
+        </p:txBody>
+      </p:sp>
+      <p:cxnSp>
+        <p:nvCxnSpPr>
+          <p:cNvPr id="33" name="Straight Arrow Connector 32">
+            <a:extLst>
+              <a:ext uri="{FF2B5EF4-FFF2-40B4-BE49-F238E27FC236}">
+                <a16:creationId xmlns:a16="http://schemas.microsoft.com/office/drawing/2014/main" id="{5476F909-6080-F133-DA68-8BEEC4FF2DB9}"/>
+              </a:ext>
+            </a:extLst>
+          </p:cNvPr>
+          <p:cNvCxnSpPr>
+            <a:cxnSpLocks/>
+            <a:stCxn id="4" idx="3"/>
+            <a:endCxn id="39" idx="1"/>
+          </p:cNvCxnSpPr>
+          <p:nvPr/>
+        </p:nvCxnSpPr>
+        <p:spPr>
+          <a:xfrm>
+            <a:off x="3872161" y="2083229"/>
+            <a:ext cx="1634337" cy="0"/>
+          </a:xfrm>
+          <a:prstGeom prst="straightConnector1">
+            <a:avLst/>
+          </a:prstGeom>
+          <a:ln>
+            <a:solidFill>
+              <a:schemeClr val="tx1"/>
+            </a:solidFill>
+            <a:tailEnd type="triangle"/>
+          </a:ln>
+        </p:spPr>
+        <p:style>
+          <a:lnRef idx="1">
+            <a:schemeClr val="accent1"/>
+          </a:lnRef>
+          <a:fillRef idx="0">
+            <a:schemeClr val="accent1"/>
+          </a:fillRef>
+          <a:effectRef idx="0">
+            <a:schemeClr val="accent1"/>
+          </a:effectRef>
+          <a:fontRef idx="minor">
+            <a:schemeClr val="tx1"/>
+          </a:fontRef>
+        </p:style>
+      </p:cxnSp>
+      <p:cxnSp>
+        <p:nvCxnSpPr>
+          <p:cNvPr id="34" name="Straight Arrow Connector 33">
+            <a:extLst>
+              <a:ext uri="{FF2B5EF4-FFF2-40B4-BE49-F238E27FC236}">
+                <a16:creationId xmlns:a16="http://schemas.microsoft.com/office/drawing/2014/main" id="{0847F619-B8B2-EE13-F55D-A8F22502569D}"/>
+              </a:ext>
+            </a:extLst>
+          </p:cNvPr>
+          <p:cNvCxnSpPr>
+            <a:cxnSpLocks/>
+            <a:stCxn id="4" idx="2"/>
+            <a:endCxn id="87" idx="0"/>
+          </p:cNvCxnSpPr>
+          <p:nvPr/>
+        </p:nvCxnSpPr>
+        <p:spPr>
+          <a:xfrm>
+            <a:off x="3044069" y="2478941"/>
+            <a:ext cx="0" cy="1420533"/>
+          </a:xfrm>
+          <a:prstGeom prst="straightConnector1">
+            <a:avLst/>
+          </a:prstGeom>
+          <a:ln>
+            <a:solidFill>
+              <a:schemeClr val="tx1"/>
+            </a:solidFill>
+            <a:tailEnd type="triangle"/>
+          </a:ln>
+        </p:spPr>
+        <p:style>
+          <a:lnRef idx="1">
+            <a:schemeClr val="accent1"/>
+          </a:lnRef>
+          <a:fillRef idx="0">
+            <a:schemeClr val="accent1"/>
+          </a:fillRef>
+          <a:effectRef idx="0">
+            <a:schemeClr val="accent1"/>
+          </a:effectRef>
+          <a:fontRef idx="minor">
+            <a:schemeClr val="tx1"/>
+          </a:fontRef>
+        </p:style>
+      </p:cxnSp>
+      <p:sp>
+        <p:nvSpPr>
+          <p:cNvPr id="39" name="AutoShape 23">
+            <a:extLst>
+              <a:ext uri="{FF2B5EF4-FFF2-40B4-BE49-F238E27FC236}">
+                <a16:creationId xmlns:a16="http://schemas.microsoft.com/office/drawing/2014/main" id="{39D9B65B-F2E9-AC21-4A55-70409758F111}"/>
+              </a:ext>
+            </a:extLst>
+          </p:cNvPr>
+          <p:cNvSpPr>
+            <a:spLocks noChangeArrowheads="1"/>
+          </p:cNvSpPr>
+          <p:nvPr/>
+        </p:nvSpPr>
+        <p:spPr bwMode="auto">
+          <a:xfrm>
+            <a:off x="5506498" y="1687516"/>
+            <a:ext cx="1656184" cy="791425"/>
+          </a:xfrm>
+          <a:prstGeom prst="roundRect">
+            <a:avLst>
+              <a:gd name="adj" fmla="val 10127"/>
+            </a:avLst>
+          </a:prstGeom>
+          <a:noFill/>
+          <a:ln w="9525">
+            <a:solidFill>
+              <a:schemeClr val="tx1"/>
+            </a:solidFill>
+            <a:round/>
+            <a:headEnd/>
+            <a:tailEnd type="none" w="lg" len="lg"/>
+          </a:ln>
+          <a:effectLst/>
+        </p:spPr>
+        <p:txBody>
+          <a:bodyPr wrap="none" anchor="ctr"/>
+          <a:lstStyle/>
+          <a:p>
+            <a:pPr algn="ctr"/>
+            <a:r>
+              <a:rPr lang="en-CA" sz="1400" dirty="0">
+                <a:solidFill>
+                  <a:srgbClr val="0000FF"/>
+                </a:solidFill>
+                <a:cs typeface="Arial" panose="020B0604020202020204" pitchFamily="34" charset="0"/>
+              </a:rPr>
+              <a:t>WAIT_FOR_H</a:t>
+            </a:r>
+          </a:p>
+        </p:txBody>
+      </p:sp>
+      <p:sp>
+        <p:nvSpPr>
+          <p:cNvPr id="48" name="Freeform: Shape 47">
+            <a:extLst>
+              <a:ext uri="{FF2B5EF4-FFF2-40B4-BE49-F238E27FC236}">
+                <a16:creationId xmlns:a16="http://schemas.microsoft.com/office/drawing/2014/main" id="{834D0598-CB49-A29A-445C-53639DA4D8CB}"/>
+              </a:ext>
+            </a:extLst>
+          </p:cNvPr>
+          <p:cNvSpPr/>
+          <p:nvPr/>
+        </p:nvSpPr>
+        <p:spPr>
+          <a:xfrm>
+            <a:off x="5995358" y="1285329"/>
+            <a:ext cx="776378" cy="405448"/>
+          </a:xfrm>
+          <a:custGeom>
+            <a:avLst/>
+            <a:gdLst>
+              <a:gd name="connsiteX0" fmla="*/ 776378 w 776378"/>
+              <a:gd name="connsiteY0" fmla="*/ 396822 h 405448"/>
+              <a:gd name="connsiteX1" fmla="*/ 370936 w 776378"/>
+              <a:gd name="connsiteY1" fmla="*/ 7 h 405448"/>
+              <a:gd name="connsiteX2" fmla="*/ 0 w 776378"/>
+              <a:gd name="connsiteY2" fmla="*/ 405448 h 405448"/>
+            </a:gdLst>
+            <a:ahLst/>
+            <a:cxnLst>
+              <a:cxn ang="0">
+                <a:pos x="connsiteX0" y="connsiteY0"/>
+              </a:cxn>
+              <a:cxn ang="0">
+                <a:pos x="connsiteX1" y="connsiteY1"/>
+              </a:cxn>
+              <a:cxn ang="0">
+                <a:pos x="connsiteX2" y="connsiteY2"/>
+              </a:cxn>
+            </a:cxnLst>
+            <a:rect l="l" t="t" r="r" b="b"/>
+            <a:pathLst>
+              <a:path w="776378" h="405448">
+                <a:moveTo>
+                  <a:pt x="776378" y="396822"/>
+                </a:moveTo>
+                <a:cubicBezTo>
+                  <a:pt x="638355" y="197695"/>
+                  <a:pt x="500332" y="-1431"/>
+                  <a:pt x="370936" y="7"/>
+                </a:cubicBezTo>
+                <a:cubicBezTo>
+                  <a:pt x="241540" y="1445"/>
+                  <a:pt x="120770" y="203446"/>
+                  <a:pt x="0" y="405448"/>
+                </a:cubicBezTo>
+              </a:path>
+            </a:pathLst>
+          </a:custGeom>
+          <a:noFill/>
+          <a:ln>
+            <a:solidFill>
+              <a:schemeClr val="tx1"/>
+            </a:solidFill>
+            <a:headEnd type="none" w="med" len="med"/>
+            <a:tailEnd type="arrow" w="med" len="med"/>
+          </a:ln>
+        </p:spPr>
+        <p:style>
+          <a:lnRef idx="2">
+            <a:schemeClr val="accent1">
+              <a:shade val="15000"/>
+            </a:schemeClr>
+          </a:lnRef>
+          <a:fillRef idx="1">
+            <a:schemeClr val="accent1"/>
+          </a:fillRef>
+          <a:effectRef idx="0">
+            <a:schemeClr val="accent1"/>
+          </a:effectRef>
+          <a:fontRef idx="minor">
+            <a:schemeClr val="lt1"/>
+          </a:fontRef>
+        </p:style>
+        <p:txBody>
+          <a:bodyPr rtlCol="0" anchor="ctr"/>
+          <a:lstStyle/>
+          <a:p>
+            <a:pPr algn="ctr"/>
+            <a:endParaRPr lang="en-CA">
+              <a:solidFill>
+                <a:schemeClr val="tx1"/>
+              </a:solidFill>
+            </a:endParaRPr>
+          </a:p>
+        </p:txBody>
+      </p:sp>
+      <p:sp>
+        <p:nvSpPr>
+          <p:cNvPr id="49" name="TextBox 48">
+            <a:extLst>
+              <a:ext uri="{FF2B5EF4-FFF2-40B4-BE49-F238E27FC236}">
+                <a16:creationId xmlns:a16="http://schemas.microsoft.com/office/drawing/2014/main" id="{14221215-7192-9440-947B-AB7C627666F1}"/>
+              </a:ext>
+            </a:extLst>
+          </p:cNvPr>
+          <p:cNvSpPr txBox="1"/>
+          <p:nvPr/>
+        </p:nvSpPr>
+        <p:spPr>
+          <a:xfrm>
+            <a:off x="5509665" y="1051568"/>
+            <a:ext cx="1653017" cy="246221"/>
+          </a:xfrm>
+          <a:prstGeom prst="rect">
+            <a:avLst/>
+          </a:prstGeom>
+          <a:noFill/>
+        </p:spPr>
+        <p:txBody>
+          <a:bodyPr wrap="none" rtlCol="0">
+            <a:spAutoFit/>
+          </a:bodyPr>
+          <a:lstStyle/>
+          <a:p>
+            <a:r>
+              <a:rPr lang="en-CA" sz="1000" dirty="0"/>
+              <a:t>set(temperature threshold)</a:t>
+            </a:r>
+          </a:p>
+        </p:txBody>
+      </p:sp>
+      <p:sp>
+        <p:nvSpPr>
+          <p:cNvPr id="50" name="AutoShape 23">
+            <a:extLst>
+              <a:ext uri="{FF2B5EF4-FFF2-40B4-BE49-F238E27FC236}">
+                <a16:creationId xmlns:a16="http://schemas.microsoft.com/office/drawing/2014/main" id="{3046720A-742C-995E-B71B-FFBECBD870E0}"/>
+              </a:ext>
+            </a:extLst>
+          </p:cNvPr>
+          <p:cNvSpPr>
+            <a:spLocks noChangeArrowheads="1"/>
+          </p:cNvSpPr>
+          <p:nvPr/>
+        </p:nvSpPr>
+        <p:spPr bwMode="auto">
+          <a:xfrm>
+            <a:off x="5504779" y="3899475"/>
+            <a:ext cx="1656184" cy="791425"/>
+          </a:xfrm>
+          <a:prstGeom prst="roundRect">
+            <a:avLst>
+              <a:gd name="adj" fmla="val 10127"/>
+            </a:avLst>
+          </a:prstGeom>
+          <a:noFill/>
+          <a:ln w="9525">
+            <a:solidFill>
+              <a:schemeClr val="tx1"/>
+            </a:solidFill>
+            <a:round/>
+            <a:headEnd/>
+            <a:tailEnd type="none" w="lg" len="lg"/>
+          </a:ln>
+          <a:effectLst/>
+        </p:spPr>
+        <p:txBody>
+          <a:bodyPr wrap="none" anchor="ctr"/>
+          <a:lstStyle/>
+          <a:p>
+            <a:pPr algn="ctr"/>
+            <a:r>
+              <a:rPr lang="en-CA" sz="1400" dirty="0">
+                <a:solidFill>
+                  <a:srgbClr val="0000FF"/>
+                </a:solidFill>
+                <a:cs typeface="Arial" panose="020B0604020202020204" pitchFamily="34" charset="0"/>
+              </a:rPr>
+              <a:t>VALIDATING</a:t>
+            </a:r>
+          </a:p>
+        </p:txBody>
+      </p:sp>
+      <p:cxnSp>
+        <p:nvCxnSpPr>
+          <p:cNvPr id="51" name="Straight Arrow Connector 50">
+            <a:extLst>
+              <a:ext uri="{FF2B5EF4-FFF2-40B4-BE49-F238E27FC236}">
+                <a16:creationId xmlns:a16="http://schemas.microsoft.com/office/drawing/2014/main" id="{AAC7370B-8717-1C1D-2636-46995A28BC53}"/>
+              </a:ext>
+            </a:extLst>
+          </p:cNvPr>
+          <p:cNvCxnSpPr>
+            <a:cxnSpLocks/>
+          </p:cNvCxnSpPr>
+          <p:nvPr/>
+        </p:nvCxnSpPr>
+        <p:spPr>
+          <a:xfrm flipH="1">
+            <a:off x="5953384" y="2478941"/>
+            <a:ext cx="1719" cy="1420534"/>
+          </a:xfrm>
+          <a:prstGeom prst="straightConnector1">
+            <a:avLst/>
+          </a:prstGeom>
+          <a:ln>
+            <a:solidFill>
+              <a:schemeClr val="tx1"/>
+            </a:solidFill>
+            <a:tailEnd type="triangle"/>
+          </a:ln>
+        </p:spPr>
+        <p:style>
+          <a:lnRef idx="1">
+            <a:schemeClr val="accent1"/>
+          </a:lnRef>
+          <a:fillRef idx="0">
+            <a:schemeClr val="accent1"/>
+          </a:fillRef>
+          <a:effectRef idx="0">
+            <a:schemeClr val="accent1"/>
+          </a:effectRef>
+          <a:fontRef idx="minor">
+            <a:schemeClr val="tx1"/>
+          </a:fontRef>
+        </p:style>
+      </p:cxnSp>
+      <p:sp>
+        <p:nvSpPr>
+          <p:cNvPr id="54" name="TextBox 53">
+            <a:extLst>
+              <a:ext uri="{FF2B5EF4-FFF2-40B4-BE49-F238E27FC236}">
+                <a16:creationId xmlns:a16="http://schemas.microsoft.com/office/drawing/2014/main" id="{956F5E04-B538-C970-B40E-C5C7741A4D7A}"/>
+              </a:ext>
+            </a:extLst>
+          </p:cNvPr>
+          <p:cNvSpPr txBox="1"/>
+          <p:nvPr/>
+        </p:nvSpPr>
+        <p:spPr>
+          <a:xfrm>
+            <a:off x="4611226" y="3045644"/>
+            <a:ext cx="1439818" cy="246221"/>
+          </a:xfrm>
+          <a:prstGeom prst="rect">
+            <a:avLst/>
+          </a:prstGeom>
+          <a:noFill/>
+        </p:spPr>
+        <p:txBody>
+          <a:bodyPr wrap="none" rtlCol="0">
+            <a:spAutoFit/>
+          </a:bodyPr>
+          <a:lstStyle/>
+          <a:p>
+            <a:r>
+              <a:rPr lang="en-CA" sz="1000" dirty="0"/>
+              <a:t>set(humidity threshold)</a:t>
+            </a:r>
+          </a:p>
+        </p:txBody>
+      </p:sp>
+      <p:cxnSp>
+        <p:nvCxnSpPr>
+          <p:cNvPr id="56" name="Straight Arrow Connector 55">
+            <a:extLst>
+              <a:ext uri="{FF2B5EF4-FFF2-40B4-BE49-F238E27FC236}">
+                <a16:creationId xmlns:a16="http://schemas.microsoft.com/office/drawing/2014/main" id="{850F7374-4AC7-2A4E-D6C3-8AB6DAACA85C}"/>
+              </a:ext>
+            </a:extLst>
+          </p:cNvPr>
+          <p:cNvCxnSpPr>
+            <a:cxnSpLocks/>
+            <a:stCxn id="50" idx="2"/>
+            <a:endCxn id="60" idx="0"/>
+          </p:cNvCxnSpPr>
+          <p:nvPr/>
+        </p:nvCxnSpPr>
+        <p:spPr>
+          <a:xfrm>
+            <a:off x="6332871" y="4690900"/>
+            <a:ext cx="1719" cy="571519"/>
+          </a:xfrm>
+          <a:prstGeom prst="straightConnector1">
+            <a:avLst/>
+          </a:prstGeom>
+          <a:ln>
+            <a:solidFill>
+              <a:schemeClr val="tx1"/>
+            </a:solidFill>
+            <a:tailEnd type="triangle"/>
+          </a:ln>
+        </p:spPr>
+        <p:style>
+          <a:lnRef idx="1">
+            <a:schemeClr val="accent1"/>
+          </a:lnRef>
+          <a:fillRef idx="0">
+            <a:schemeClr val="accent1"/>
+          </a:fillRef>
+          <a:effectRef idx="0">
+            <a:schemeClr val="accent1"/>
+          </a:effectRef>
+          <a:fontRef idx="minor">
+            <a:schemeClr val="tx1"/>
+          </a:fontRef>
+        </p:style>
+      </p:cxnSp>
+      <p:sp>
+        <p:nvSpPr>
+          <p:cNvPr id="57" name="TextBox 56">
+            <a:extLst>
+              <a:ext uri="{FF2B5EF4-FFF2-40B4-BE49-F238E27FC236}">
+                <a16:creationId xmlns:a16="http://schemas.microsoft.com/office/drawing/2014/main" id="{1F79BE28-B192-3214-DAD5-3C9CD07DF265}"/>
+              </a:ext>
+            </a:extLst>
+          </p:cNvPr>
+          <p:cNvSpPr txBox="1"/>
+          <p:nvPr/>
+        </p:nvSpPr>
+        <p:spPr>
+          <a:xfrm>
+            <a:off x="6334590" y="4864310"/>
+            <a:ext cx="628698" cy="246221"/>
+          </a:xfrm>
+          <a:prstGeom prst="rect">
+            <a:avLst/>
+          </a:prstGeom>
+          <a:noFill/>
+        </p:spPr>
+        <p:txBody>
+          <a:bodyPr wrap="none" rtlCol="0">
+            <a:spAutoFit/>
+          </a:bodyPr>
+          <a:lstStyle/>
+          <a:p>
+            <a:r>
+              <a:rPr lang="en-CA" sz="1000" dirty="0"/>
+              <a:t>after(5s)</a:t>
+            </a:r>
+          </a:p>
+        </p:txBody>
+      </p:sp>
+      <p:sp>
+        <p:nvSpPr>
+          <p:cNvPr id="60" name="Flowchart: Decision 59">
+            <a:extLst>
+              <a:ext uri="{FF2B5EF4-FFF2-40B4-BE49-F238E27FC236}">
+                <a16:creationId xmlns:a16="http://schemas.microsoft.com/office/drawing/2014/main" id="{BBDF313B-5293-B54A-4255-57A85D41D3B6}"/>
+              </a:ext>
+            </a:extLst>
+          </p:cNvPr>
+          <p:cNvSpPr/>
+          <p:nvPr/>
+        </p:nvSpPr>
+        <p:spPr>
+          <a:xfrm>
+            <a:off x="5964719" y="5262419"/>
+            <a:ext cx="739742" cy="470277"/>
+          </a:xfrm>
+          <a:prstGeom prst="flowChartDecision">
+            <a:avLst/>
+          </a:prstGeom>
+          <a:noFill/>
+        </p:spPr>
+        <p:style>
+          <a:lnRef idx="2">
+            <a:schemeClr val="accent1">
+              <a:shade val="15000"/>
+            </a:schemeClr>
+          </a:lnRef>
+          <a:fillRef idx="1">
+            <a:schemeClr val="accent1"/>
+          </a:fillRef>
+          <a:effectRef idx="0">
+            <a:schemeClr val="accent1"/>
+          </a:effectRef>
+          <a:fontRef idx="minor">
+            <a:schemeClr val="lt1"/>
+          </a:fontRef>
+        </p:style>
+        <p:txBody>
+          <a:bodyPr rtlCol="0" anchor="ctr"/>
+          <a:lstStyle/>
+          <a:p>
+            <a:pPr algn="ctr"/>
+            <a:endParaRPr lang="en-CA" sz="1000" dirty="0">
+              <a:solidFill>
+                <a:schemeClr val="tx1"/>
+              </a:solidFill>
+            </a:endParaRPr>
+          </a:p>
+        </p:txBody>
+      </p:sp>
+      <p:grpSp>
+        <p:nvGrpSpPr>
+          <p:cNvPr id="63" name="Group 62">
+            <a:extLst>
+              <a:ext uri="{FF2B5EF4-FFF2-40B4-BE49-F238E27FC236}">
+                <a16:creationId xmlns:a16="http://schemas.microsoft.com/office/drawing/2014/main" id="{4245FE4C-6306-77AA-6667-7E2005029ACE}"/>
+              </a:ext>
+            </a:extLst>
+          </p:cNvPr>
+          <p:cNvGrpSpPr/>
+          <p:nvPr/>
+        </p:nvGrpSpPr>
+        <p:grpSpPr>
+          <a:xfrm>
+            <a:off x="7583199" y="5264836"/>
+            <a:ext cx="469518" cy="470277"/>
+            <a:chOff x="7761854" y="531449"/>
+            <a:chExt cx="567261" cy="530526"/>
+          </a:xfrm>
+        </p:grpSpPr>
+        <p:sp>
+          <p:nvSpPr>
+            <p:cNvPr id="64" name="Flowchart: Connector 63">
+              <a:extLst>
+                <a:ext uri="{FF2B5EF4-FFF2-40B4-BE49-F238E27FC236}">
+                  <a16:creationId xmlns:a16="http://schemas.microsoft.com/office/drawing/2014/main" id="{52707882-448B-A6F7-0222-CCF05AA18C9E}"/>
+                </a:ext>
+              </a:extLst>
+            </p:cNvPr>
+            <p:cNvSpPr/>
+            <p:nvPr/>
+          </p:nvSpPr>
+          <p:spPr>
+            <a:xfrm>
+              <a:off x="7860302" y="619871"/>
+              <a:ext cx="370367" cy="353683"/>
+            </a:xfrm>
+            <a:prstGeom prst="flowChartConnector">
+              <a:avLst/>
+            </a:prstGeom>
+            <a:solidFill>
+              <a:schemeClr val="tx1"/>
+            </a:solidFill>
+          </p:spPr>
+          <p:style>
+            <a:lnRef idx="2">
+              <a:schemeClr val="accent1">
+                <a:shade val="15000"/>
+              </a:schemeClr>
+            </a:lnRef>
+            <a:fillRef idx="1">
+              <a:schemeClr val="accent1"/>
+            </a:fillRef>
+            <a:effectRef idx="0">
+              <a:schemeClr val="accent1"/>
+            </a:effectRef>
+            <a:fontRef idx="minor">
+              <a:schemeClr val="lt1"/>
+            </a:fontRef>
+          </p:style>
+          <p:txBody>
+            <a:bodyPr rtlCol="0" anchor="ctr"/>
+            <a:lstStyle/>
+            <a:p>
+              <a:pPr algn="ctr"/>
+              <a:endParaRPr lang="en-CA" dirty="0"/>
+            </a:p>
+          </p:txBody>
+        </p:sp>
+        <p:sp>
+          <p:nvSpPr>
+            <p:cNvPr id="65" name="Flowchart: Connector 64">
+              <a:extLst>
+                <a:ext uri="{FF2B5EF4-FFF2-40B4-BE49-F238E27FC236}">
+                  <a16:creationId xmlns:a16="http://schemas.microsoft.com/office/drawing/2014/main" id="{E3B9674B-45FE-852B-620B-86289124C5C9}"/>
+                </a:ext>
+              </a:extLst>
+            </p:cNvPr>
+            <p:cNvSpPr/>
+            <p:nvPr/>
+          </p:nvSpPr>
+          <p:spPr>
+            <a:xfrm>
+              <a:off x="7761854" y="531449"/>
+              <a:ext cx="567261" cy="530526"/>
+            </a:xfrm>
+            <a:prstGeom prst="flowChartConnector">
+              <a:avLst/>
+            </a:prstGeom>
+            <a:noFill/>
+          </p:spPr>
+          <p:style>
+            <a:lnRef idx="2">
+              <a:schemeClr val="accent1">
+                <a:shade val="15000"/>
+              </a:schemeClr>
+            </a:lnRef>
+            <a:fillRef idx="1">
+              <a:schemeClr val="accent1"/>
+            </a:fillRef>
+            <a:effectRef idx="0">
+              <a:schemeClr val="accent1"/>
+            </a:effectRef>
+            <a:fontRef idx="minor">
+              <a:schemeClr val="lt1"/>
+            </a:fontRef>
+          </p:style>
+          <p:txBody>
+            <a:bodyPr rtlCol="0" anchor="ctr"/>
+            <a:lstStyle/>
+            <a:p>
+              <a:pPr algn="ctr"/>
+              <a:endParaRPr lang="en-CA"/>
+            </a:p>
+          </p:txBody>
+        </p:sp>
+      </p:grpSp>
+      <p:cxnSp>
+        <p:nvCxnSpPr>
+          <p:cNvPr id="66" name="Straight Arrow Connector 65">
+            <a:extLst>
+              <a:ext uri="{FF2B5EF4-FFF2-40B4-BE49-F238E27FC236}">
+                <a16:creationId xmlns:a16="http://schemas.microsoft.com/office/drawing/2014/main" id="{56749D6B-36BB-20D7-FB4D-00316A634C65}"/>
+              </a:ext>
+            </a:extLst>
+          </p:cNvPr>
+          <p:cNvCxnSpPr>
+            <a:cxnSpLocks/>
+            <a:stCxn id="60" idx="3"/>
+            <a:endCxn id="65" idx="2"/>
+          </p:cNvCxnSpPr>
+          <p:nvPr/>
+        </p:nvCxnSpPr>
+        <p:spPr>
+          <a:xfrm>
+            <a:off x="6704461" y="5497558"/>
+            <a:ext cx="878738" cy="2417"/>
+          </a:xfrm>
+          <a:prstGeom prst="straightConnector1">
+            <a:avLst/>
+          </a:prstGeom>
+          <a:ln>
+            <a:solidFill>
+              <a:schemeClr val="tx1"/>
+            </a:solidFill>
+            <a:tailEnd type="triangle"/>
+          </a:ln>
+        </p:spPr>
+        <p:style>
+          <a:lnRef idx="1">
+            <a:schemeClr val="accent1"/>
+          </a:lnRef>
+          <a:fillRef idx="0">
+            <a:schemeClr val="accent1"/>
+          </a:fillRef>
+          <a:effectRef idx="0">
+            <a:schemeClr val="accent1"/>
+          </a:effectRef>
+          <a:fontRef idx="minor">
+            <a:schemeClr val="tx1"/>
+          </a:fontRef>
+        </p:style>
+      </p:cxnSp>
+      <p:sp>
+        <p:nvSpPr>
+          <p:cNvPr id="69" name="TextBox 68">
+            <a:extLst>
+              <a:ext uri="{FF2B5EF4-FFF2-40B4-BE49-F238E27FC236}">
+                <a16:creationId xmlns:a16="http://schemas.microsoft.com/office/drawing/2014/main" id="{FB4AC49D-0D8F-DB04-08B8-3C44D5FEE40E}"/>
+              </a:ext>
+            </a:extLst>
+          </p:cNvPr>
+          <p:cNvSpPr txBox="1"/>
+          <p:nvPr/>
+        </p:nvSpPr>
+        <p:spPr>
+          <a:xfrm>
+            <a:off x="6916535" y="5262419"/>
+            <a:ext cx="471604" cy="246221"/>
+          </a:xfrm>
+          <a:prstGeom prst="rect">
+            <a:avLst/>
+          </a:prstGeom>
+          <a:noFill/>
+        </p:spPr>
+        <p:txBody>
+          <a:bodyPr wrap="none" rtlCol="0">
+            <a:spAutoFit/>
+          </a:bodyPr>
+          <a:lstStyle/>
+          <a:p>
+            <a:r>
+              <a:rPr lang="en-CA" sz="1000" dirty="0"/>
+              <a:t>[else]</a:t>
+            </a:r>
+          </a:p>
+        </p:txBody>
+      </p:sp>
+      <p:sp>
+        <p:nvSpPr>
+          <p:cNvPr id="70" name="Flowchart: Connector 69">
+            <a:extLst>
+              <a:ext uri="{FF2B5EF4-FFF2-40B4-BE49-F238E27FC236}">
+                <a16:creationId xmlns:a16="http://schemas.microsoft.com/office/drawing/2014/main" id="{6EE1D035-116B-A75D-B597-540D635F0A96}"/>
+              </a:ext>
+            </a:extLst>
+          </p:cNvPr>
+          <p:cNvSpPr/>
+          <p:nvPr/>
+        </p:nvSpPr>
+        <p:spPr>
+          <a:xfrm>
+            <a:off x="5205248" y="5768816"/>
+            <a:ext cx="370367" cy="353683"/>
+          </a:xfrm>
+          <a:prstGeom prst="flowChartConnector">
+            <a:avLst/>
+          </a:prstGeom>
+          <a:solidFill>
+            <a:schemeClr val="tx1"/>
+          </a:solidFill>
+        </p:spPr>
+        <p:style>
+          <a:lnRef idx="2">
+            <a:schemeClr val="accent1">
+              <a:shade val="15000"/>
+            </a:schemeClr>
+          </a:lnRef>
+          <a:fillRef idx="1">
+            <a:schemeClr val="accent1"/>
+          </a:fillRef>
+          <a:effectRef idx="0">
+            <a:schemeClr val="accent1"/>
+          </a:effectRef>
+          <a:fontRef idx="minor">
+            <a:schemeClr val="lt1"/>
+          </a:fontRef>
+        </p:style>
+        <p:txBody>
+          <a:bodyPr rtlCol="0" anchor="ctr"/>
+          <a:lstStyle/>
+          <a:p>
+            <a:pPr algn="ctr"/>
+            <a:endParaRPr lang="en-CA" dirty="0"/>
+          </a:p>
+        </p:txBody>
+      </p:sp>
+      <p:cxnSp>
+        <p:nvCxnSpPr>
+          <p:cNvPr id="73" name="Straight Arrow Connector 72">
+            <a:extLst>
+              <a:ext uri="{FF2B5EF4-FFF2-40B4-BE49-F238E27FC236}">
+                <a16:creationId xmlns:a16="http://schemas.microsoft.com/office/drawing/2014/main" id="{FCC90B14-1E39-CE7B-CF9A-E772BB53D3ED}"/>
+              </a:ext>
+            </a:extLst>
+          </p:cNvPr>
+          <p:cNvCxnSpPr>
+            <a:cxnSpLocks/>
+            <a:stCxn id="70" idx="4"/>
+            <a:endCxn id="21" idx="0"/>
+          </p:cNvCxnSpPr>
+          <p:nvPr/>
+        </p:nvCxnSpPr>
+        <p:spPr>
+          <a:xfrm>
+            <a:off x="5390432" y="6122499"/>
+            <a:ext cx="0" cy="289916"/>
+          </a:xfrm>
+          <a:prstGeom prst="straightConnector1">
+            <a:avLst/>
+          </a:prstGeom>
+          <a:ln>
+            <a:solidFill>
+              <a:schemeClr val="tx1"/>
+            </a:solidFill>
+            <a:tailEnd type="triangle"/>
+          </a:ln>
+        </p:spPr>
+        <p:style>
+          <a:lnRef idx="1">
+            <a:schemeClr val="accent1"/>
+          </a:lnRef>
+          <a:fillRef idx="0">
+            <a:schemeClr val="accent1"/>
+          </a:fillRef>
+          <a:effectRef idx="0">
+            <a:schemeClr val="accent1"/>
+          </a:effectRef>
+          <a:fontRef idx="minor">
+            <a:schemeClr val="tx1"/>
+          </a:fontRef>
+        </p:style>
+      </p:cxnSp>
+      <p:cxnSp>
+        <p:nvCxnSpPr>
+          <p:cNvPr id="77" name="Connector: Elbow 76">
+            <a:extLst>
+              <a:ext uri="{FF2B5EF4-FFF2-40B4-BE49-F238E27FC236}">
+                <a16:creationId xmlns:a16="http://schemas.microsoft.com/office/drawing/2014/main" id="{0050F78D-91A3-1521-732A-D8C30C7DC22A}"/>
+              </a:ext>
+            </a:extLst>
+          </p:cNvPr>
+          <p:cNvCxnSpPr>
+            <a:stCxn id="60" idx="1"/>
+            <a:endCxn id="70" idx="0"/>
+          </p:cNvCxnSpPr>
+          <p:nvPr/>
+        </p:nvCxnSpPr>
+        <p:spPr>
+          <a:xfrm rot="10800000" flipV="1">
+            <a:off x="5390433" y="5497558"/>
+            <a:ext cx="574287" cy="271258"/>
+          </a:xfrm>
+          <a:prstGeom prst="bentConnector2">
+            <a:avLst/>
+          </a:prstGeom>
+          <a:ln>
+            <a:solidFill>
+              <a:schemeClr val="tx1"/>
+            </a:solidFill>
+            <a:tailEnd type="triangle"/>
+          </a:ln>
+        </p:spPr>
+        <p:style>
+          <a:lnRef idx="1">
+            <a:schemeClr val="accent1"/>
+          </a:lnRef>
+          <a:fillRef idx="0">
+            <a:schemeClr val="accent1"/>
+          </a:fillRef>
+          <a:effectRef idx="0">
+            <a:schemeClr val="accent1"/>
+          </a:effectRef>
+          <a:fontRef idx="minor">
+            <a:schemeClr val="tx1"/>
+          </a:fontRef>
+        </p:style>
+      </p:cxnSp>
+      <p:cxnSp>
+        <p:nvCxnSpPr>
+          <p:cNvPr id="78" name="Connector: Elbow 77">
+            <a:extLst>
+              <a:ext uri="{FF2B5EF4-FFF2-40B4-BE49-F238E27FC236}">
+                <a16:creationId xmlns:a16="http://schemas.microsoft.com/office/drawing/2014/main" id="{65AE5FD8-8D16-E519-D6F1-BA4939BBF35E}"/>
+              </a:ext>
+            </a:extLst>
+          </p:cNvPr>
+          <p:cNvCxnSpPr>
+            <a:cxnSpLocks/>
+            <a:stCxn id="60" idx="2"/>
+            <a:endCxn id="70" idx="6"/>
+          </p:cNvCxnSpPr>
+          <p:nvPr/>
+        </p:nvCxnSpPr>
+        <p:spPr>
+          <a:xfrm rot="5400000">
+            <a:off x="5848622" y="5459690"/>
+            <a:ext cx="212962" cy="758975"/>
+          </a:xfrm>
+          <a:prstGeom prst="bentConnector2">
+            <a:avLst/>
+          </a:prstGeom>
+          <a:ln>
+            <a:solidFill>
+              <a:schemeClr val="tx1"/>
+            </a:solidFill>
+            <a:tailEnd type="triangle"/>
+          </a:ln>
+        </p:spPr>
+        <p:style>
+          <a:lnRef idx="1">
+            <a:schemeClr val="accent1"/>
+          </a:lnRef>
+          <a:fillRef idx="0">
+            <a:schemeClr val="accent1"/>
+          </a:fillRef>
+          <a:effectRef idx="0">
+            <a:schemeClr val="accent1"/>
+          </a:effectRef>
+          <a:fontRef idx="minor">
+            <a:schemeClr val="tx1"/>
+          </a:fontRef>
+        </p:style>
+      </p:cxnSp>
+      <p:sp>
+        <p:nvSpPr>
+          <p:cNvPr id="83" name="TextBox 82">
+            <a:extLst>
+              <a:ext uri="{FF2B5EF4-FFF2-40B4-BE49-F238E27FC236}">
+                <a16:creationId xmlns:a16="http://schemas.microsoft.com/office/drawing/2014/main" id="{9E28B85F-7FDB-6E8D-6C6D-42190C125CB4}"/>
+              </a:ext>
+            </a:extLst>
+          </p:cNvPr>
+          <p:cNvSpPr txBox="1"/>
+          <p:nvPr/>
+        </p:nvSpPr>
+        <p:spPr>
+          <a:xfrm>
+            <a:off x="4213525" y="5264836"/>
+            <a:ext cx="1774845" cy="246221"/>
+          </a:xfrm>
+          <a:prstGeom prst="rect">
+            <a:avLst/>
+          </a:prstGeom>
+          <a:noFill/>
+        </p:spPr>
+        <p:txBody>
+          <a:bodyPr wrap="none" rtlCol="0">
+            <a:spAutoFit/>
+          </a:bodyPr>
+          <a:lstStyle/>
+          <a:p>
+            <a:r>
+              <a:rPr lang="en-CA" sz="1000" dirty="0"/>
+              <a:t>[temperature threshold = null]</a:t>
+            </a:r>
+          </a:p>
+        </p:txBody>
+      </p:sp>
+      <p:sp>
+        <p:nvSpPr>
+          <p:cNvPr id="84" name="TextBox 83">
+            <a:extLst>
+              <a:ext uri="{FF2B5EF4-FFF2-40B4-BE49-F238E27FC236}">
+                <a16:creationId xmlns:a16="http://schemas.microsoft.com/office/drawing/2014/main" id="{E726CA84-9019-46A9-0E0A-D60D04F74621}"/>
+              </a:ext>
+            </a:extLst>
+          </p:cNvPr>
+          <p:cNvSpPr txBox="1"/>
+          <p:nvPr/>
+        </p:nvSpPr>
+        <p:spPr>
+          <a:xfrm>
+            <a:off x="5680021" y="5951867"/>
+            <a:ext cx="1571264" cy="246221"/>
+          </a:xfrm>
+          <a:prstGeom prst="rect">
+            <a:avLst/>
+          </a:prstGeom>
+          <a:noFill/>
+        </p:spPr>
+        <p:txBody>
+          <a:bodyPr wrap="none" rtlCol="0">
+            <a:spAutoFit/>
+          </a:bodyPr>
+          <a:lstStyle/>
+          <a:p>
+            <a:r>
+              <a:rPr lang="en-CA" sz="1000" dirty="0"/>
+              <a:t>[humidity threshold = null]</a:t>
+            </a:r>
+          </a:p>
+        </p:txBody>
+      </p:sp>
+      <p:cxnSp>
+        <p:nvCxnSpPr>
+          <p:cNvPr id="85" name="Straight Arrow Connector 84">
+            <a:extLst>
+              <a:ext uri="{FF2B5EF4-FFF2-40B4-BE49-F238E27FC236}">
+                <a16:creationId xmlns:a16="http://schemas.microsoft.com/office/drawing/2014/main" id="{824A7633-9151-5C53-30B3-AFB9EA388D38}"/>
+              </a:ext>
+            </a:extLst>
+          </p:cNvPr>
+          <p:cNvCxnSpPr>
+            <a:cxnSpLocks/>
+          </p:cNvCxnSpPr>
+          <p:nvPr/>
+        </p:nvCxnSpPr>
+        <p:spPr>
+          <a:xfrm flipH="1">
+            <a:off x="6632513" y="2485017"/>
+            <a:ext cx="1719" cy="1420534"/>
+          </a:xfrm>
+          <a:prstGeom prst="straightConnector1">
+            <a:avLst/>
+          </a:prstGeom>
+          <a:ln>
+            <a:solidFill>
+              <a:schemeClr val="tx1"/>
+            </a:solidFill>
+            <a:tailEnd type="triangle"/>
+          </a:ln>
+        </p:spPr>
+        <p:style>
+          <a:lnRef idx="1">
+            <a:schemeClr val="accent1"/>
+          </a:lnRef>
+          <a:fillRef idx="0">
+            <a:schemeClr val="accent1"/>
+          </a:fillRef>
+          <a:effectRef idx="0">
+            <a:schemeClr val="accent1"/>
+          </a:effectRef>
+          <a:fontRef idx="minor">
+            <a:schemeClr val="tx1"/>
+          </a:fontRef>
+        </p:style>
+      </p:cxnSp>
+      <p:sp>
+        <p:nvSpPr>
+          <p:cNvPr id="86" name="TextBox 85">
+            <a:extLst>
+              <a:ext uri="{FF2B5EF4-FFF2-40B4-BE49-F238E27FC236}">
+                <a16:creationId xmlns:a16="http://schemas.microsoft.com/office/drawing/2014/main" id="{3A3EC45E-709F-3792-F166-24CC6FEFBE9F}"/>
+              </a:ext>
+            </a:extLst>
+          </p:cNvPr>
+          <p:cNvSpPr txBox="1"/>
+          <p:nvPr/>
+        </p:nvSpPr>
+        <p:spPr>
+          <a:xfrm>
+            <a:off x="6632513" y="3045644"/>
+            <a:ext cx="450764" cy="246221"/>
+          </a:xfrm>
+          <a:prstGeom prst="rect">
+            <a:avLst/>
+          </a:prstGeom>
+          <a:noFill/>
+        </p:spPr>
+        <p:txBody>
+          <a:bodyPr wrap="none" rtlCol="0">
+            <a:spAutoFit/>
+          </a:bodyPr>
+          <a:lstStyle/>
+          <a:p>
+            <a:r>
+              <a:rPr lang="en-CA" sz="1000" dirty="0"/>
+              <a:t>done</a:t>
+            </a:r>
+          </a:p>
+        </p:txBody>
+      </p:sp>
+      <p:sp>
+        <p:nvSpPr>
+          <p:cNvPr id="87" name="AutoShape 23">
+            <a:extLst>
+              <a:ext uri="{FF2B5EF4-FFF2-40B4-BE49-F238E27FC236}">
+                <a16:creationId xmlns:a16="http://schemas.microsoft.com/office/drawing/2014/main" id="{90B56961-F515-CF91-BB90-553D6EB6696F}"/>
+              </a:ext>
+            </a:extLst>
+          </p:cNvPr>
+          <p:cNvSpPr>
+            <a:spLocks noChangeArrowheads="1"/>
+          </p:cNvSpPr>
+          <p:nvPr/>
+        </p:nvSpPr>
+        <p:spPr bwMode="auto">
+          <a:xfrm>
+            <a:off x="2215977" y="3899474"/>
+            <a:ext cx="1656184" cy="791425"/>
+          </a:xfrm>
+          <a:prstGeom prst="roundRect">
+            <a:avLst>
+              <a:gd name="adj" fmla="val 10127"/>
+            </a:avLst>
+          </a:prstGeom>
+          <a:noFill/>
+          <a:ln w="9525">
+            <a:solidFill>
+              <a:schemeClr val="tx1"/>
+            </a:solidFill>
+            <a:round/>
+            <a:headEnd/>
+            <a:tailEnd type="none" w="lg" len="lg"/>
+          </a:ln>
+          <a:effectLst/>
+        </p:spPr>
+        <p:txBody>
+          <a:bodyPr wrap="none" anchor="ctr"/>
+          <a:lstStyle/>
+          <a:p>
+            <a:pPr algn="ctr"/>
+            <a:r>
+              <a:rPr lang="en-CA" sz="1400" dirty="0">
+                <a:solidFill>
+                  <a:srgbClr val="0000FF"/>
+                </a:solidFill>
+                <a:cs typeface="Arial" panose="020B0604020202020204" pitchFamily="34" charset="0"/>
+              </a:rPr>
+              <a:t>WAIT_FOR_H</a:t>
+            </a:r>
+          </a:p>
+        </p:txBody>
+      </p:sp>
+      <p:cxnSp>
+        <p:nvCxnSpPr>
+          <p:cNvPr id="90" name="Straight Arrow Connector 89">
+            <a:extLst>
+              <a:ext uri="{FF2B5EF4-FFF2-40B4-BE49-F238E27FC236}">
+                <a16:creationId xmlns:a16="http://schemas.microsoft.com/office/drawing/2014/main" id="{E2C95A3B-C732-132D-260B-B2A6051CE931}"/>
+              </a:ext>
+            </a:extLst>
+          </p:cNvPr>
+          <p:cNvCxnSpPr>
+            <a:cxnSpLocks/>
+          </p:cNvCxnSpPr>
+          <p:nvPr/>
+        </p:nvCxnSpPr>
+        <p:spPr>
+          <a:xfrm>
+            <a:off x="3872161" y="4087115"/>
+            <a:ext cx="1632618" cy="0"/>
+          </a:xfrm>
+          <a:prstGeom prst="straightConnector1">
+            <a:avLst/>
+          </a:prstGeom>
+          <a:ln>
+            <a:solidFill>
+              <a:schemeClr val="tx1"/>
+            </a:solidFill>
+            <a:tailEnd type="triangle"/>
+          </a:ln>
+        </p:spPr>
+        <p:style>
+          <a:lnRef idx="1">
+            <a:schemeClr val="accent1"/>
+          </a:lnRef>
+          <a:fillRef idx="0">
+            <a:schemeClr val="accent1"/>
+          </a:fillRef>
+          <a:effectRef idx="0">
+            <a:schemeClr val="accent1"/>
+          </a:effectRef>
+          <a:fontRef idx="minor">
+            <a:schemeClr val="tx1"/>
+          </a:fontRef>
+        </p:style>
+      </p:cxnSp>
+      <p:sp>
+        <p:nvSpPr>
+          <p:cNvPr id="94" name="TextBox 93">
+            <a:extLst>
+              <a:ext uri="{FF2B5EF4-FFF2-40B4-BE49-F238E27FC236}">
+                <a16:creationId xmlns:a16="http://schemas.microsoft.com/office/drawing/2014/main" id="{B745C709-7C49-8B0B-1554-F1A6C5E5E508}"/>
+              </a:ext>
+            </a:extLst>
+          </p:cNvPr>
+          <p:cNvSpPr txBox="1"/>
+          <p:nvPr/>
+        </p:nvSpPr>
+        <p:spPr>
+          <a:xfrm>
+            <a:off x="3897941" y="3791925"/>
+            <a:ext cx="1614545" cy="246221"/>
+          </a:xfrm>
+          <a:prstGeom prst="rect">
+            <a:avLst/>
+          </a:prstGeom>
+          <a:noFill/>
+        </p:spPr>
+        <p:txBody>
+          <a:bodyPr wrap="none" rtlCol="0">
+            <a:spAutoFit/>
+          </a:bodyPr>
+          <a:lstStyle/>
+          <a:p>
+            <a:r>
+              <a:rPr lang="en-CA" sz="1000" dirty="0"/>
+              <a:t>set(temperature threshold)</a:t>
+            </a:r>
+          </a:p>
+        </p:txBody>
+      </p:sp>
+      <p:cxnSp>
+        <p:nvCxnSpPr>
+          <p:cNvPr id="95" name="Straight Arrow Connector 94">
+            <a:extLst>
+              <a:ext uri="{FF2B5EF4-FFF2-40B4-BE49-F238E27FC236}">
+                <a16:creationId xmlns:a16="http://schemas.microsoft.com/office/drawing/2014/main" id="{B2D6FAB5-7BBA-3D32-FDAC-DB4F1B1105B5}"/>
+              </a:ext>
+            </a:extLst>
+          </p:cNvPr>
+          <p:cNvCxnSpPr>
+            <a:cxnSpLocks/>
+          </p:cNvCxnSpPr>
+          <p:nvPr/>
+        </p:nvCxnSpPr>
+        <p:spPr>
+          <a:xfrm>
+            <a:off x="3872161" y="4516187"/>
+            <a:ext cx="1632618" cy="0"/>
+          </a:xfrm>
+          <a:prstGeom prst="straightConnector1">
+            <a:avLst/>
+          </a:prstGeom>
+          <a:ln>
+            <a:solidFill>
+              <a:schemeClr val="tx1"/>
+            </a:solidFill>
+            <a:tailEnd type="triangle"/>
+          </a:ln>
+        </p:spPr>
+        <p:style>
+          <a:lnRef idx="1">
+            <a:schemeClr val="accent1"/>
+          </a:lnRef>
+          <a:fillRef idx="0">
+            <a:schemeClr val="accent1"/>
+          </a:fillRef>
+          <a:effectRef idx="0">
+            <a:schemeClr val="accent1"/>
+          </a:effectRef>
+          <a:fontRef idx="minor">
+            <a:schemeClr val="tx1"/>
+          </a:fontRef>
+        </p:style>
+      </p:cxnSp>
+      <p:sp>
+        <p:nvSpPr>
+          <p:cNvPr id="96" name="TextBox 95">
+            <a:extLst>
+              <a:ext uri="{FF2B5EF4-FFF2-40B4-BE49-F238E27FC236}">
+                <a16:creationId xmlns:a16="http://schemas.microsoft.com/office/drawing/2014/main" id="{F7DC8793-D853-880D-4B32-0FDC519A14F0}"/>
+              </a:ext>
+            </a:extLst>
+          </p:cNvPr>
+          <p:cNvSpPr txBox="1"/>
+          <p:nvPr/>
+        </p:nvSpPr>
+        <p:spPr>
+          <a:xfrm>
+            <a:off x="4454607" y="4264189"/>
+            <a:ext cx="450764" cy="246221"/>
+          </a:xfrm>
+          <a:prstGeom prst="rect">
+            <a:avLst/>
+          </a:prstGeom>
+          <a:noFill/>
+        </p:spPr>
+        <p:txBody>
+          <a:bodyPr wrap="none" rtlCol="0">
+            <a:spAutoFit/>
+          </a:bodyPr>
+          <a:lstStyle/>
+          <a:p>
+            <a:r>
+              <a:rPr lang="en-CA" sz="1000" dirty="0"/>
+              <a:t>done</a:t>
+            </a:r>
+          </a:p>
+        </p:txBody>
+      </p:sp>
     </p:spTree>
     <p:extLst>
       <p:ext uri="{BB962C8B-B14F-4D97-AF65-F5344CB8AC3E}">
@@ -5285,10 +10264,10 @@
       </p:grpSpPr>
       <p:sp>
         <p:nvSpPr>
-          <p:cNvPr id="20" name="Rounded Rectangle 5">
-            <a:extLst>
-              <a:ext uri="{FF2B5EF4-FFF2-40B4-BE49-F238E27FC236}">
-                <a16:creationId xmlns:a16="http://schemas.microsoft.com/office/drawing/2014/main" id="{22E76A65-54DD-4730-A1E7-AE254BE39788}"/>
+          <p:cNvPr id="39" name="Rounded Rectangle 10">
+            <a:extLst>
+              <a:ext uri="{FF2B5EF4-FFF2-40B4-BE49-F238E27FC236}">
+                <a16:creationId xmlns:a16="http://schemas.microsoft.com/office/drawing/2014/main" id="{18F56E6B-346E-487F-84B7-BF00C7B5F126}"/>
               </a:ext>
             </a:extLst>
           </p:cNvPr>
@@ -5297,23 +10276,18 @@
         </p:nvSpPr>
         <p:spPr>
           <a:xfrm>
-            <a:off x="1529801" y="2974938"/>
-            <a:ext cx="1528278" cy="1374372"/>
+            <a:off x="697833" y="1399921"/>
+            <a:ext cx="7591926" cy="3105905"/>
           </a:xfrm>
           <a:prstGeom prst="roundRect">
             <a:avLst/>
           </a:prstGeom>
           <a:noFill/>
-          <a:ln w="9525">
+          <a:ln w="12700">
             <a:solidFill>
               <a:schemeClr val="tx1"/>
             </a:solidFill>
           </a:ln>
-          <a:effectLst>
-            <a:outerShdw blurRad="50800" dist="50800" dir="5400000" algn="ctr" rotWithShape="0">
-              <a:schemeClr val="bg1"/>
-            </a:outerShdw>
-          </a:effectLst>
         </p:spPr>
         <p:style>
           <a:lnRef idx="2">
@@ -5336,100 +10310,6 @@
           <a:lstStyle/>
           <a:p>
             <a:pPr algn="ctr"/>
-            <a:endParaRPr lang="en-CA" sz="1400" dirty="0">
-              <a:cs typeface="Arial" pitchFamily="34" charset="0"/>
-            </a:endParaRPr>
-          </a:p>
-        </p:txBody>
-      </p:sp>
-      <p:sp>
-        <p:nvSpPr>
-          <p:cNvPr id="27" name="TextBox 26">
-            <a:extLst>
-              <a:ext uri="{FF2B5EF4-FFF2-40B4-BE49-F238E27FC236}">
-                <a16:creationId xmlns:a16="http://schemas.microsoft.com/office/drawing/2014/main" id="{5739A942-FCEB-4FC1-946E-AC99A5F950C3}"/>
-              </a:ext>
-            </a:extLst>
-          </p:cNvPr>
-          <p:cNvSpPr txBox="1"/>
-          <p:nvPr/>
-        </p:nvSpPr>
-        <p:spPr>
-          <a:xfrm>
-            <a:off x="1861689" y="2994316"/>
-            <a:ext cx="857607" cy="307777"/>
-          </a:xfrm>
-          <a:prstGeom prst="rect">
-            <a:avLst/>
-          </a:prstGeom>
-          <a:noFill/>
-        </p:spPr>
-        <p:txBody>
-          <a:bodyPr wrap="none" rtlCol="0">
-            <a:spAutoFit/>
-          </a:bodyPr>
-          <a:lstStyle/>
-          <a:p>
-            <a:r>
-              <a:rPr lang="fr-CA" sz="1400" dirty="0">
-                <a:solidFill>
-                  <a:srgbClr val="0000FF"/>
-                </a:solidFill>
-                <a:cs typeface="Arial" panose="020B0604020202020204" pitchFamily="34" charset="0"/>
-              </a:rPr>
-              <a:t>READING</a:t>
-            </a:r>
-          </a:p>
-        </p:txBody>
-      </p:sp>
-      <p:sp>
-        <p:nvSpPr>
-          <p:cNvPr id="39" name="Rounded Rectangle 10">
-            <a:extLst>
-              <a:ext uri="{FF2B5EF4-FFF2-40B4-BE49-F238E27FC236}">
-                <a16:creationId xmlns:a16="http://schemas.microsoft.com/office/drawing/2014/main" id="{18F56E6B-346E-487F-84B7-BF00C7B5F126}"/>
-              </a:ext>
-            </a:extLst>
-          </p:cNvPr>
-          <p:cNvSpPr/>
-          <p:nvPr/>
-        </p:nvSpPr>
-        <p:spPr>
-          <a:xfrm>
-            <a:off x="697833" y="1399921"/>
-            <a:ext cx="7591926" cy="3105905"/>
-          </a:xfrm>
-          <a:prstGeom prst="roundRect">
-            <a:avLst/>
-          </a:prstGeom>
-          <a:noFill/>
-          <a:ln w="12700">
-            <a:solidFill>
-              <a:schemeClr val="tx1"/>
-            </a:solidFill>
-          </a:ln>
-        </p:spPr>
-        <p:style>
-          <a:lnRef idx="2">
-            <a:schemeClr val="accent1">
-              <a:shade val="50000"/>
-            </a:schemeClr>
-          </a:lnRef>
-          <a:fillRef idx="1">
-            <a:schemeClr val="accent1"/>
-          </a:fillRef>
-          <a:effectRef idx="0">
-            <a:schemeClr val="accent1"/>
-          </a:effectRef>
-          <a:fontRef idx="minor">
-            <a:schemeClr val="lt1"/>
-          </a:fontRef>
-        </p:style>
-        <p:txBody>
-          <a:bodyPr rtlCol="0" anchor="ctr"/>
-          <a:lstStyle/>
-          <a:p>
-            <a:pPr algn="ctr"/>
             <a:endParaRPr lang="en-US" sz="1400"/>
           </a:p>
         </p:txBody>
@@ -5473,150 +10353,12 @@
           </a:p>
         </p:txBody>
       </p:sp>
-      <p:cxnSp>
-        <p:nvCxnSpPr>
-          <p:cNvPr id="46" name="Straight Connector 45">
-            <a:extLst>
-              <a:ext uri="{FF2B5EF4-FFF2-40B4-BE49-F238E27FC236}">
-                <a16:creationId xmlns:a16="http://schemas.microsoft.com/office/drawing/2014/main" id="{E5F9EA1B-4B8F-4E8E-A420-8256D663DED1}"/>
-              </a:ext>
-            </a:extLst>
-          </p:cNvPr>
-          <p:cNvCxnSpPr>
-            <a:cxnSpLocks/>
-          </p:cNvCxnSpPr>
-          <p:nvPr/>
-        </p:nvCxnSpPr>
-        <p:spPr>
-          <a:xfrm>
-            <a:off x="1529801" y="3849756"/>
-            <a:ext cx="1523567" cy="0"/>
-          </a:xfrm>
-          <a:prstGeom prst="line">
-            <a:avLst/>
-          </a:prstGeom>
-          <a:ln>
-            <a:solidFill>
-              <a:schemeClr val="tx1"/>
-            </a:solidFill>
-            <a:tailEnd type="none"/>
-          </a:ln>
-        </p:spPr>
-        <p:style>
-          <a:lnRef idx="1">
-            <a:schemeClr val="accent1"/>
-          </a:lnRef>
-          <a:fillRef idx="0">
-            <a:schemeClr val="accent1"/>
-          </a:fillRef>
-          <a:effectRef idx="0">
-            <a:schemeClr val="accent1"/>
-          </a:effectRef>
-          <a:fontRef idx="minor">
-            <a:schemeClr val="tx1"/>
-          </a:fontRef>
-        </p:style>
-      </p:cxnSp>
-      <p:sp>
-        <p:nvSpPr>
-          <p:cNvPr id="52" name="Rectangle 51">
-            <a:extLst>
-              <a:ext uri="{FF2B5EF4-FFF2-40B4-BE49-F238E27FC236}">
-                <a16:creationId xmlns:a16="http://schemas.microsoft.com/office/drawing/2014/main" id="{B2B3438A-4764-4A51-99EE-E0D3A2789202}"/>
-              </a:ext>
-            </a:extLst>
-          </p:cNvPr>
-          <p:cNvSpPr/>
-          <p:nvPr/>
-        </p:nvSpPr>
-        <p:spPr>
-          <a:xfrm>
-            <a:off x="1775171" y="2975840"/>
-            <a:ext cx="45719" cy="45719"/>
-          </a:xfrm>
-          <a:prstGeom prst="rect">
-            <a:avLst/>
-          </a:prstGeom>
-          <a:noFill/>
-          <a:ln>
-            <a:noFill/>
-          </a:ln>
-        </p:spPr>
-        <p:style>
-          <a:lnRef idx="2">
-            <a:schemeClr val="accent1">
-              <a:shade val="50000"/>
-            </a:schemeClr>
-          </a:lnRef>
-          <a:fillRef idx="1">
-            <a:schemeClr val="accent1"/>
-          </a:fillRef>
-          <a:effectRef idx="0">
-            <a:schemeClr val="accent1"/>
-          </a:effectRef>
-          <a:fontRef idx="minor">
-            <a:schemeClr val="lt1"/>
-          </a:fontRef>
-        </p:style>
-        <p:txBody>
-          <a:bodyPr rtlCol="0" anchor="ctr"/>
-          <a:lstStyle/>
-          <a:p>
-            <a:pPr algn="ctr"/>
-            <a:endParaRPr lang="en-CA" sz="1400"/>
-          </a:p>
-        </p:txBody>
-      </p:sp>
-      <p:cxnSp>
-        <p:nvCxnSpPr>
-          <p:cNvPr id="34" name="Straight Connector 33">
-            <a:extLst>
-              <a:ext uri="{FF2B5EF4-FFF2-40B4-BE49-F238E27FC236}">
-                <a16:creationId xmlns:a16="http://schemas.microsoft.com/office/drawing/2014/main" id="{2D84B2F1-F35F-4CD1-B234-1A4DC0B80707}"/>
-              </a:ext>
-            </a:extLst>
-          </p:cNvPr>
-          <p:cNvCxnSpPr>
-            <a:cxnSpLocks/>
-          </p:cNvCxnSpPr>
-          <p:nvPr/>
-        </p:nvCxnSpPr>
-        <p:spPr>
-          <a:xfrm>
-            <a:off x="1529801" y="3338761"/>
-            <a:ext cx="1523567" cy="0"/>
-          </a:xfrm>
-          <a:prstGeom prst="line">
-            <a:avLst/>
-          </a:prstGeom>
-          <a:ln>
-            <a:solidFill>
-              <a:schemeClr val="tx1"/>
-            </a:solidFill>
-            <a:tailEnd type="none"/>
-          </a:ln>
-        </p:spPr>
-        <p:style>
-          <a:lnRef idx="1">
-            <a:schemeClr val="accent1"/>
-          </a:lnRef>
-          <a:fillRef idx="0">
-            <a:schemeClr val="accent1"/>
-          </a:fillRef>
-          <a:effectRef idx="0">
-            <a:schemeClr val="accent1"/>
-          </a:effectRef>
-          <a:fontRef idx="minor">
-            <a:schemeClr val="tx1"/>
-          </a:fontRef>
-        </p:style>
-      </p:cxnSp>
       <p:grpSp>
         <p:nvGrpSpPr>
-          <p:cNvPr id="24" name="Group 23">
-            <a:extLst>
-              <a:ext uri="{FF2B5EF4-FFF2-40B4-BE49-F238E27FC236}">
-                <a16:creationId xmlns:a16="http://schemas.microsoft.com/office/drawing/2014/main" id="{33F92024-9B16-4DDD-B14F-7EA1929411FA}"/>
+          <p:cNvPr id="2" name="Group 1">
+            <a:extLst>
+              <a:ext uri="{FF2B5EF4-FFF2-40B4-BE49-F238E27FC236}">
+                <a16:creationId xmlns:a16="http://schemas.microsoft.com/office/drawing/2014/main" id="{E5750A9C-845E-F8C3-67F8-8C6E576CBA33}"/>
               </a:ext>
             </a:extLst>
           </p:cNvPr>
@@ -5625,18 +10367,18 @@
         </p:nvGrpSpPr>
         <p:grpSpPr>
           <a:xfrm>
-            <a:off x="2298146" y="4092512"/>
-            <a:ext cx="622999" cy="76200"/>
-            <a:chOff x="1510601" y="457200"/>
-            <a:chExt cx="864998" cy="152400"/>
+            <a:off x="2432495" y="2501330"/>
+            <a:ext cx="1528278" cy="1374372"/>
+            <a:chOff x="1529801" y="2974938"/>
+            <a:chExt cx="1528278" cy="1374372"/>
           </a:xfrm>
         </p:grpSpPr>
         <p:sp>
           <p:nvSpPr>
-            <p:cNvPr id="25" name="Rounded Rectangle 25">
+            <p:cNvPr id="20" name="Rounded Rectangle 5">
               <a:extLst>
                 <a:ext uri="{FF2B5EF4-FFF2-40B4-BE49-F238E27FC236}">
-                  <a16:creationId xmlns:a16="http://schemas.microsoft.com/office/drawing/2014/main" id="{A0897852-909C-40E1-A80C-093FB328E34C}"/>
+                  <a16:creationId xmlns:a16="http://schemas.microsoft.com/office/drawing/2014/main" id="{22E76A65-54DD-4730-A1E7-AE254BE39788}"/>
                 </a:ext>
               </a:extLst>
             </p:cNvPr>
@@ -5645,8 +10387,8 @@
           </p:nvSpPr>
           <p:spPr>
             <a:xfrm>
-              <a:off x="1510601" y="457200"/>
-              <a:ext cx="318199" cy="152400"/>
+              <a:off x="1529801" y="2974938"/>
+              <a:ext cx="1528278" cy="1374372"/>
             </a:xfrm>
             <a:prstGeom prst="roundRect">
               <a:avLst/>
@@ -5656,6 +10398,147 @@
               <a:solidFill>
                 <a:schemeClr val="tx1"/>
               </a:solidFill>
+            </a:ln>
+            <a:effectLst>
+              <a:outerShdw blurRad="50800" dist="50800" dir="5400000" algn="ctr" rotWithShape="0">
+                <a:schemeClr val="bg1"/>
+              </a:outerShdw>
+            </a:effectLst>
+          </p:spPr>
+          <p:style>
+            <a:lnRef idx="2">
+              <a:schemeClr val="accent1">
+                <a:shade val="50000"/>
+              </a:schemeClr>
+            </a:lnRef>
+            <a:fillRef idx="1">
+              <a:schemeClr val="accent1"/>
+            </a:fillRef>
+            <a:effectRef idx="0">
+              <a:schemeClr val="accent1"/>
+            </a:effectRef>
+            <a:fontRef idx="minor">
+              <a:schemeClr val="lt1"/>
+            </a:fontRef>
+          </p:style>
+          <p:txBody>
+            <a:bodyPr rtlCol="0" anchor="ctr"/>
+            <a:lstStyle/>
+            <a:p>
+              <a:pPr algn="ctr"/>
+              <a:endParaRPr lang="en-CA" sz="1400" dirty="0">
+                <a:cs typeface="Arial" pitchFamily="34" charset="0"/>
+              </a:endParaRPr>
+            </a:p>
+          </p:txBody>
+        </p:sp>
+        <p:sp>
+          <p:nvSpPr>
+            <p:cNvPr id="27" name="TextBox 26">
+              <a:extLst>
+                <a:ext uri="{FF2B5EF4-FFF2-40B4-BE49-F238E27FC236}">
+                  <a16:creationId xmlns:a16="http://schemas.microsoft.com/office/drawing/2014/main" id="{5739A942-FCEB-4FC1-946E-AC99A5F950C3}"/>
+                </a:ext>
+              </a:extLst>
+            </p:cNvPr>
+            <p:cNvSpPr txBox="1"/>
+            <p:nvPr/>
+          </p:nvSpPr>
+          <p:spPr>
+            <a:xfrm>
+              <a:off x="1861689" y="2994316"/>
+              <a:ext cx="857607" cy="307777"/>
+            </a:xfrm>
+            <a:prstGeom prst="rect">
+              <a:avLst/>
+            </a:prstGeom>
+            <a:noFill/>
+          </p:spPr>
+          <p:txBody>
+            <a:bodyPr wrap="none" rtlCol="0">
+              <a:spAutoFit/>
+            </a:bodyPr>
+            <a:lstStyle/>
+            <a:p>
+              <a:r>
+                <a:rPr lang="fr-CA" sz="1400" dirty="0">
+                  <a:solidFill>
+                    <a:srgbClr val="0000FF"/>
+                  </a:solidFill>
+                  <a:cs typeface="Arial" panose="020B0604020202020204" pitchFamily="34" charset="0"/>
+                </a:rPr>
+                <a:t>READING</a:t>
+              </a:r>
+            </a:p>
+          </p:txBody>
+        </p:sp>
+        <p:cxnSp>
+          <p:nvCxnSpPr>
+            <p:cNvPr id="46" name="Straight Connector 45">
+              <a:extLst>
+                <a:ext uri="{FF2B5EF4-FFF2-40B4-BE49-F238E27FC236}">
+                  <a16:creationId xmlns:a16="http://schemas.microsoft.com/office/drawing/2014/main" id="{E5F9EA1B-4B8F-4E8E-A420-8256D663DED1}"/>
+                </a:ext>
+              </a:extLst>
+            </p:cNvPr>
+            <p:cNvCxnSpPr>
+              <a:cxnSpLocks/>
+            </p:cNvCxnSpPr>
+            <p:nvPr/>
+          </p:nvCxnSpPr>
+          <p:spPr>
+            <a:xfrm>
+              <a:off x="1529801" y="3849756"/>
+              <a:ext cx="1523567" cy="0"/>
+            </a:xfrm>
+            <a:prstGeom prst="line">
+              <a:avLst/>
+            </a:prstGeom>
+            <a:ln>
+              <a:solidFill>
+                <a:schemeClr val="tx1"/>
+              </a:solidFill>
+              <a:tailEnd type="none"/>
+            </a:ln>
+          </p:spPr>
+          <p:style>
+            <a:lnRef idx="1">
+              <a:schemeClr val="accent1"/>
+            </a:lnRef>
+            <a:fillRef idx="0">
+              <a:schemeClr val="accent1"/>
+            </a:fillRef>
+            <a:effectRef idx="0">
+              <a:schemeClr val="accent1"/>
+            </a:effectRef>
+            <a:fontRef idx="minor">
+              <a:schemeClr val="tx1"/>
+            </a:fontRef>
+          </p:style>
+        </p:cxnSp>
+        <p:sp>
+          <p:nvSpPr>
+            <p:cNvPr id="52" name="Rectangle 51">
+              <a:extLst>
+                <a:ext uri="{FF2B5EF4-FFF2-40B4-BE49-F238E27FC236}">
+                  <a16:creationId xmlns:a16="http://schemas.microsoft.com/office/drawing/2014/main" id="{B2B3438A-4764-4A51-99EE-E0D3A2789202}"/>
+                </a:ext>
+              </a:extLst>
+            </p:cNvPr>
+            <p:cNvSpPr/>
+            <p:nvPr/>
+          </p:nvSpPr>
+          <p:spPr>
+            <a:xfrm>
+              <a:off x="1775171" y="2975840"/>
+              <a:ext cx="45719" cy="45719"/>
+            </a:xfrm>
+            <a:prstGeom prst="rect">
+              <a:avLst/>
+            </a:prstGeom>
+            <a:noFill/>
+            <a:ln>
+              <a:noFill/>
             </a:ln>
           </p:spPr>
           <p:style>
@@ -5679,16 +10562,610 @@
             <a:lstStyle/>
             <a:p>
               <a:pPr algn="ctr"/>
-              <a:endParaRPr lang="en-US" sz="1400"/>
+              <a:endParaRPr lang="en-CA" sz="1400"/>
             </a:p>
           </p:txBody>
         </p:sp>
+        <p:cxnSp>
+          <p:nvCxnSpPr>
+            <p:cNvPr id="34" name="Straight Connector 33">
+              <a:extLst>
+                <a:ext uri="{FF2B5EF4-FFF2-40B4-BE49-F238E27FC236}">
+                  <a16:creationId xmlns:a16="http://schemas.microsoft.com/office/drawing/2014/main" id="{2D84B2F1-F35F-4CD1-B234-1A4DC0B80707}"/>
+                </a:ext>
+              </a:extLst>
+            </p:cNvPr>
+            <p:cNvCxnSpPr>
+              <a:cxnSpLocks/>
+            </p:cNvCxnSpPr>
+            <p:nvPr/>
+          </p:nvCxnSpPr>
+          <p:spPr>
+            <a:xfrm>
+              <a:off x="1529801" y="3338761"/>
+              <a:ext cx="1523567" cy="0"/>
+            </a:xfrm>
+            <a:prstGeom prst="line">
+              <a:avLst/>
+            </a:prstGeom>
+            <a:ln>
+              <a:solidFill>
+                <a:schemeClr val="tx1"/>
+              </a:solidFill>
+              <a:tailEnd type="none"/>
+            </a:ln>
+          </p:spPr>
+          <p:style>
+            <a:lnRef idx="1">
+              <a:schemeClr val="accent1"/>
+            </a:lnRef>
+            <a:fillRef idx="0">
+              <a:schemeClr val="accent1"/>
+            </a:fillRef>
+            <a:effectRef idx="0">
+              <a:schemeClr val="accent1"/>
+            </a:effectRef>
+            <a:fontRef idx="minor">
+              <a:schemeClr val="tx1"/>
+            </a:fontRef>
+          </p:style>
+        </p:cxnSp>
+        <p:grpSp>
+          <p:nvGrpSpPr>
+            <p:cNvPr id="24" name="Group 23">
+              <a:extLst>
+                <a:ext uri="{FF2B5EF4-FFF2-40B4-BE49-F238E27FC236}">
+                  <a16:creationId xmlns:a16="http://schemas.microsoft.com/office/drawing/2014/main" id="{33F92024-9B16-4DDD-B14F-7EA1929411FA}"/>
+                </a:ext>
+              </a:extLst>
+            </p:cNvPr>
+            <p:cNvGrpSpPr/>
+            <p:nvPr/>
+          </p:nvGrpSpPr>
+          <p:grpSpPr>
+            <a:xfrm>
+              <a:off x="2298146" y="4092512"/>
+              <a:ext cx="622999" cy="76200"/>
+              <a:chOff x="1510601" y="457200"/>
+              <a:chExt cx="864998" cy="152400"/>
+            </a:xfrm>
+          </p:grpSpPr>
+          <p:sp>
+            <p:nvSpPr>
+              <p:cNvPr id="25" name="Rounded Rectangle 25">
+                <a:extLst>
+                  <a:ext uri="{FF2B5EF4-FFF2-40B4-BE49-F238E27FC236}">
+                    <a16:creationId xmlns:a16="http://schemas.microsoft.com/office/drawing/2014/main" id="{A0897852-909C-40E1-A80C-093FB328E34C}"/>
+                  </a:ext>
+                </a:extLst>
+              </p:cNvPr>
+              <p:cNvSpPr/>
+              <p:nvPr/>
+            </p:nvSpPr>
+            <p:spPr>
+              <a:xfrm>
+                <a:off x="1510601" y="457200"/>
+                <a:ext cx="318199" cy="152400"/>
+              </a:xfrm>
+              <a:prstGeom prst="roundRect">
+                <a:avLst/>
+              </a:prstGeom>
+              <a:noFill/>
+              <a:ln w="9525">
+                <a:solidFill>
+                  <a:schemeClr val="tx1"/>
+                </a:solidFill>
+              </a:ln>
+            </p:spPr>
+            <p:style>
+              <a:lnRef idx="2">
+                <a:schemeClr val="accent1">
+                  <a:shade val="50000"/>
+                </a:schemeClr>
+              </a:lnRef>
+              <a:fillRef idx="1">
+                <a:schemeClr val="accent1"/>
+              </a:fillRef>
+              <a:effectRef idx="0">
+                <a:schemeClr val="accent1"/>
+              </a:effectRef>
+              <a:fontRef idx="minor">
+                <a:schemeClr val="lt1"/>
+              </a:fontRef>
+            </p:style>
+            <p:txBody>
+              <a:bodyPr rtlCol="0" anchor="ctr"/>
+              <a:lstStyle/>
+              <a:p>
+                <a:pPr algn="ctr"/>
+                <a:endParaRPr lang="en-US" sz="1400"/>
+              </a:p>
+            </p:txBody>
+          </p:sp>
+          <p:sp>
+            <p:nvSpPr>
+              <p:cNvPr id="26" name="Rounded Rectangle 26">
+                <a:extLst>
+                  <a:ext uri="{FF2B5EF4-FFF2-40B4-BE49-F238E27FC236}">
+                    <a16:creationId xmlns:a16="http://schemas.microsoft.com/office/drawing/2014/main" id="{A8D56CDD-AFB8-4E23-AFBD-D7049A4B21F4}"/>
+                  </a:ext>
+                </a:extLst>
+              </p:cNvPr>
+              <p:cNvSpPr/>
+              <p:nvPr/>
+            </p:nvSpPr>
+            <p:spPr>
+              <a:xfrm>
+                <a:off x="2057400" y="457200"/>
+                <a:ext cx="318199" cy="152400"/>
+              </a:xfrm>
+              <a:prstGeom prst="roundRect">
+                <a:avLst/>
+              </a:prstGeom>
+              <a:noFill/>
+              <a:ln w="9525">
+                <a:solidFill>
+                  <a:schemeClr val="tx1"/>
+                </a:solidFill>
+              </a:ln>
+            </p:spPr>
+            <p:style>
+              <a:lnRef idx="2">
+                <a:schemeClr val="accent1">
+                  <a:shade val="50000"/>
+                </a:schemeClr>
+              </a:lnRef>
+              <a:fillRef idx="1">
+                <a:schemeClr val="accent1"/>
+              </a:fillRef>
+              <a:effectRef idx="0">
+                <a:schemeClr val="accent1"/>
+              </a:effectRef>
+              <a:fontRef idx="minor">
+                <a:schemeClr val="lt1"/>
+              </a:fontRef>
+            </p:style>
+            <p:txBody>
+              <a:bodyPr rtlCol="0" anchor="ctr"/>
+              <a:lstStyle/>
+              <a:p>
+                <a:pPr algn="ctr"/>
+                <a:endParaRPr lang="en-US" sz="1400"/>
+              </a:p>
+            </p:txBody>
+          </p:sp>
+          <p:cxnSp>
+            <p:nvCxnSpPr>
+              <p:cNvPr id="31" name="Straight Connector 30">
+                <a:extLst>
+                  <a:ext uri="{FF2B5EF4-FFF2-40B4-BE49-F238E27FC236}">
+                    <a16:creationId xmlns:a16="http://schemas.microsoft.com/office/drawing/2014/main" id="{0F14AFFD-6CD6-47E4-9328-28C9893C8AEF}"/>
+                  </a:ext>
+                </a:extLst>
+              </p:cNvPr>
+              <p:cNvCxnSpPr>
+                <a:stCxn id="25" idx="3"/>
+                <a:endCxn id="26" idx="1"/>
+              </p:cNvCxnSpPr>
+              <p:nvPr/>
+            </p:nvCxnSpPr>
+            <p:spPr>
+              <a:xfrm>
+                <a:off x="1828800" y="533400"/>
+                <a:ext cx="228600" cy="0"/>
+              </a:xfrm>
+              <a:prstGeom prst="line">
+                <a:avLst/>
+              </a:prstGeom>
+              <a:ln>
+                <a:solidFill>
+                  <a:schemeClr val="tx1"/>
+                </a:solidFill>
+              </a:ln>
+            </p:spPr>
+            <p:style>
+              <a:lnRef idx="1">
+                <a:schemeClr val="accent1"/>
+              </a:lnRef>
+              <a:fillRef idx="0">
+                <a:schemeClr val="accent1"/>
+              </a:fillRef>
+              <a:effectRef idx="0">
+                <a:schemeClr val="accent1"/>
+              </a:effectRef>
+              <a:fontRef idx="minor">
+                <a:schemeClr val="tx1"/>
+              </a:fontRef>
+            </p:style>
+          </p:cxnSp>
+        </p:grpSp>
+      </p:grpSp>
+      <p:cxnSp>
+        <p:nvCxnSpPr>
+          <p:cNvPr id="32" name="Straight Connector 31">
+            <a:extLst>
+              <a:ext uri="{FF2B5EF4-FFF2-40B4-BE49-F238E27FC236}">
+                <a16:creationId xmlns:a16="http://schemas.microsoft.com/office/drawing/2014/main" id="{45BFBC50-0B93-4F45-99DA-9F8DE93903CA}"/>
+              </a:ext>
+            </a:extLst>
+          </p:cNvPr>
+          <p:cNvCxnSpPr>
+            <a:cxnSpLocks/>
+          </p:cNvCxnSpPr>
+          <p:nvPr/>
+        </p:nvCxnSpPr>
+        <p:spPr>
+          <a:xfrm>
+            <a:off x="723703" y="1722772"/>
+            <a:ext cx="7511913" cy="0"/>
+          </a:xfrm>
+          <a:prstGeom prst="line">
+            <a:avLst/>
+          </a:prstGeom>
+          <a:ln>
+            <a:solidFill>
+              <a:schemeClr val="tx1"/>
+            </a:solidFill>
+          </a:ln>
+        </p:spPr>
+        <p:style>
+          <a:lnRef idx="1">
+            <a:schemeClr val="accent1"/>
+          </a:lnRef>
+          <a:fillRef idx="0">
+            <a:schemeClr val="accent1"/>
+          </a:fillRef>
+          <a:effectRef idx="0">
+            <a:schemeClr val="accent1"/>
+          </a:effectRef>
+          <a:fontRef idx="minor">
+            <a:schemeClr val="tx1"/>
+          </a:fontRef>
+        </p:style>
+      </p:cxnSp>
+      <p:cxnSp>
+        <p:nvCxnSpPr>
+          <p:cNvPr id="35" name="Straight Connector 34">
+            <a:extLst>
+              <a:ext uri="{FF2B5EF4-FFF2-40B4-BE49-F238E27FC236}">
+                <a16:creationId xmlns:a16="http://schemas.microsoft.com/office/drawing/2014/main" id="{C3D92AEE-7FF4-49ED-ABC1-C208FBBA9994}"/>
+              </a:ext>
+            </a:extLst>
+          </p:cNvPr>
+          <p:cNvCxnSpPr>
+            <a:cxnSpLocks/>
+          </p:cNvCxnSpPr>
+          <p:nvPr/>
+        </p:nvCxnSpPr>
+        <p:spPr>
+          <a:xfrm>
+            <a:off x="697833" y="2121820"/>
+            <a:ext cx="7591926" cy="0"/>
+          </a:xfrm>
+          <a:prstGeom prst="line">
+            <a:avLst/>
+          </a:prstGeom>
+          <a:ln>
+            <a:solidFill>
+              <a:schemeClr val="tx1"/>
+            </a:solidFill>
+          </a:ln>
+        </p:spPr>
+        <p:style>
+          <a:lnRef idx="1">
+            <a:schemeClr val="accent1"/>
+          </a:lnRef>
+          <a:fillRef idx="0">
+            <a:schemeClr val="accent1"/>
+          </a:fillRef>
+          <a:effectRef idx="0">
+            <a:schemeClr val="accent1"/>
+          </a:effectRef>
+          <a:fontRef idx="minor">
+            <a:schemeClr val="tx1"/>
+          </a:fontRef>
+        </p:style>
+      </p:cxnSp>
+      <p:sp>
+        <p:nvSpPr>
+          <p:cNvPr id="3" name="Flowchart: Connector 2">
+            <a:extLst>
+              <a:ext uri="{FF2B5EF4-FFF2-40B4-BE49-F238E27FC236}">
+                <a16:creationId xmlns:a16="http://schemas.microsoft.com/office/drawing/2014/main" id="{9688FD07-93A1-228C-9806-D4A86784E10B}"/>
+              </a:ext>
+            </a:extLst>
+          </p:cNvPr>
+          <p:cNvSpPr/>
+          <p:nvPr/>
+        </p:nvSpPr>
+        <p:spPr>
+          <a:xfrm>
+            <a:off x="1303841" y="3007615"/>
+            <a:ext cx="370367" cy="353683"/>
+          </a:xfrm>
+          <a:prstGeom prst="flowChartConnector">
+            <a:avLst/>
+          </a:prstGeom>
+          <a:solidFill>
+            <a:schemeClr val="tx1"/>
+          </a:solidFill>
+        </p:spPr>
+        <p:style>
+          <a:lnRef idx="2">
+            <a:schemeClr val="accent1">
+              <a:shade val="15000"/>
+            </a:schemeClr>
+          </a:lnRef>
+          <a:fillRef idx="1">
+            <a:schemeClr val="accent1"/>
+          </a:fillRef>
+          <a:effectRef idx="0">
+            <a:schemeClr val="accent1"/>
+          </a:effectRef>
+          <a:fontRef idx="minor">
+            <a:schemeClr val="lt1"/>
+          </a:fontRef>
+        </p:style>
+        <p:txBody>
+          <a:bodyPr rtlCol="0" anchor="ctr"/>
+          <a:lstStyle/>
+          <a:p>
+            <a:pPr algn="ctr"/>
+            <a:endParaRPr lang="en-CA" dirty="0"/>
+          </a:p>
+        </p:txBody>
+      </p:sp>
+      <p:cxnSp>
+        <p:nvCxnSpPr>
+          <p:cNvPr id="5" name="Straight Arrow Connector 4">
+            <a:extLst>
+              <a:ext uri="{FF2B5EF4-FFF2-40B4-BE49-F238E27FC236}">
+                <a16:creationId xmlns:a16="http://schemas.microsoft.com/office/drawing/2014/main" id="{D495A75D-A29B-D88F-2A8A-AAA678C5F332}"/>
+              </a:ext>
+            </a:extLst>
+          </p:cNvPr>
+          <p:cNvCxnSpPr>
+            <a:stCxn id="3" idx="6"/>
+            <a:endCxn id="20" idx="1"/>
+          </p:cNvCxnSpPr>
+          <p:nvPr/>
+        </p:nvCxnSpPr>
+        <p:spPr>
+          <a:xfrm>
+            <a:off x="1674208" y="3184457"/>
+            <a:ext cx="758287" cy="4059"/>
+          </a:xfrm>
+          <a:prstGeom prst="straightConnector1">
+            <a:avLst/>
+          </a:prstGeom>
+          <a:ln>
+            <a:solidFill>
+              <a:schemeClr val="tx1"/>
+            </a:solidFill>
+            <a:tailEnd type="triangle"/>
+          </a:ln>
+        </p:spPr>
+        <p:style>
+          <a:lnRef idx="1">
+            <a:schemeClr val="accent1"/>
+          </a:lnRef>
+          <a:fillRef idx="0">
+            <a:schemeClr val="accent1"/>
+          </a:fillRef>
+          <a:effectRef idx="0">
+            <a:schemeClr val="accent1"/>
+          </a:effectRef>
+          <a:fontRef idx="minor">
+            <a:schemeClr val="tx1"/>
+          </a:fontRef>
+        </p:style>
+      </p:cxnSp>
+      <p:sp>
+        <p:nvSpPr>
+          <p:cNvPr id="6" name="AutoShape 23">
+            <a:extLst>
+              <a:ext uri="{FF2B5EF4-FFF2-40B4-BE49-F238E27FC236}">
+                <a16:creationId xmlns:a16="http://schemas.microsoft.com/office/drawing/2014/main" id="{6E46D4D7-4BA3-E34C-990E-241C4121F464}"/>
+              </a:ext>
+            </a:extLst>
+          </p:cNvPr>
+          <p:cNvSpPr>
+            <a:spLocks noChangeArrowheads="1"/>
+          </p:cNvSpPr>
+          <p:nvPr/>
+        </p:nvSpPr>
+        <p:spPr bwMode="auto">
+          <a:xfrm>
+            <a:off x="5770893" y="2788743"/>
+            <a:ext cx="1656184" cy="791425"/>
+          </a:xfrm>
+          <a:prstGeom prst="roundRect">
+            <a:avLst>
+              <a:gd name="adj" fmla="val 10127"/>
+            </a:avLst>
+          </a:prstGeom>
+          <a:noFill/>
+          <a:ln w="9525">
+            <a:solidFill>
+              <a:schemeClr val="tx1"/>
+            </a:solidFill>
+            <a:round/>
+            <a:headEnd/>
+            <a:tailEnd type="none" w="lg" len="lg"/>
+          </a:ln>
+          <a:effectLst/>
+        </p:spPr>
+        <p:txBody>
+          <a:bodyPr wrap="none" anchor="ctr"/>
+          <a:lstStyle/>
+          <a:p>
+            <a:pPr algn="ctr"/>
+            <a:r>
+              <a:rPr lang="en-CA" sz="1400" dirty="0">
+                <a:solidFill>
+                  <a:srgbClr val="0000FF"/>
+                </a:solidFill>
+                <a:cs typeface="Arial" panose="020B0604020202020204" pitchFamily="34" charset="0"/>
+              </a:rPr>
+              <a:t>EMERGENCY</a:t>
+            </a:r>
+          </a:p>
+        </p:txBody>
+      </p:sp>
+      <p:cxnSp>
+        <p:nvCxnSpPr>
+          <p:cNvPr id="8" name="Straight Arrow Connector 7">
+            <a:extLst>
+              <a:ext uri="{FF2B5EF4-FFF2-40B4-BE49-F238E27FC236}">
+                <a16:creationId xmlns:a16="http://schemas.microsoft.com/office/drawing/2014/main" id="{115F79F1-B2D7-AD66-BA2D-E91185C44168}"/>
+              </a:ext>
+            </a:extLst>
+          </p:cNvPr>
+          <p:cNvCxnSpPr>
+            <a:cxnSpLocks/>
+            <a:stCxn id="20" idx="3"/>
+            <a:endCxn id="6" idx="1"/>
+          </p:cNvCxnSpPr>
+          <p:nvPr/>
+        </p:nvCxnSpPr>
+        <p:spPr>
+          <a:xfrm flipV="1">
+            <a:off x="3960773" y="3184456"/>
+            <a:ext cx="1810120" cy="4060"/>
+          </a:xfrm>
+          <a:prstGeom prst="straightConnector1">
+            <a:avLst/>
+          </a:prstGeom>
+          <a:ln>
+            <a:solidFill>
+              <a:schemeClr val="tx1"/>
+            </a:solidFill>
+            <a:tailEnd type="triangle"/>
+          </a:ln>
+        </p:spPr>
+        <p:style>
+          <a:lnRef idx="1">
+            <a:schemeClr val="accent1"/>
+          </a:lnRef>
+          <a:fillRef idx="0">
+            <a:schemeClr val="accent1"/>
+          </a:fillRef>
+          <a:effectRef idx="0">
+            <a:schemeClr val="accent1"/>
+          </a:effectRef>
+          <a:fontRef idx="minor">
+            <a:schemeClr val="tx1"/>
+          </a:fontRef>
+        </p:style>
+      </p:cxnSp>
+      <p:cxnSp>
+        <p:nvCxnSpPr>
+          <p:cNvPr id="10" name="Connector: Elbow 9">
+            <a:extLst>
+              <a:ext uri="{FF2B5EF4-FFF2-40B4-BE49-F238E27FC236}">
+                <a16:creationId xmlns:a16="http://schemas.microsoft.com/office/drawing/2014/main" id="{299E037C-133B-D356-9E6A-AB73A9CA6190}"/>
+              </a:ext>
+            </a:extLst>
+          </p:cNvPr>
+          <p:cNvCxnSpPr>
+            <a:stCxn id="6" idx="2"/>
+            <a:endCxn id="20" idx="2"/>
+          </p:cNvCxnSpPr>
+          <p:nvPr/>
+        </p:nvCxnSpPr>
+        <p:spPr>
+          <a:xfrm rot="5400000">
+            <a:off x="4750043" y="2026760"/>
+            <a:ext cx="295534" cy="3402351"/>
+          </a:xfrm>
+          <a:prstGeom prst="bentConnector3">
+            <a:avLst>
+              <a:gd name="adj1" fmla="val 177352"/>
+            </a:avLst>
+          </a:prstGeom>
+          <a:ln>
+            <a:solidFill>
+              <a:schemeClr val="tx1"/>
+            </a:solidFill>
+            <a:tailEnd type="triangle"/>
+          </a:ln>
+        </p:spPr>
+        <p:style>
+          <a:lnRef idx="1">
+            <a:schemeClr val="accent1"/>
+          </a:lnRef>
+          <a:fillRef idx="0">
+            <a:schemeClr val="accent1"/>
+          </a:fillRef>
+          <a:effectRef idx="0">
+            <a:schemeClr val="accent1"/>
+          </a:effectRef>
+          <a:fontRef idx="minor">
+            <a:schemeClr val="tx1"/>
+          </a:fontRef>
+        </p:style>
+      </p:cxnSp>
+      <p:sp>
+        <p:nvSpPr>
+          <p:cNvPr id="15" name="TextBox 14">
+            <a:extLst>
+              <a:ext uri="{FF2B5EF4-FFF2-40B4-BE49-F238E27FC236}">
+                <a16:creationId xmlns:a16="http://schemas.microsoft.com/office/drawing/2014/main" id="{8945D74E-76D0-B0F8-15C0-19BEB17B7520}"/>
+              </a:ext>
+            </a:extLst>
+          </p:cNvPr>
+          <p:cNvSpPr txBox="1"/>
+          <p:nvPr/>
+        </p:nvSpPr>
+        <p:spPr>
+          <a:xfrm>
+            <a:off x="6562267" y="3697546"/>
+            <a:ext cx="450764" cy="246221"/>
+          </a:xfrm>
+          <a:prstGeom prst="rect">
+            <a:avLst/>
+          </a:prstGeom>
+          <a:noFill/>
+        </p:spPr>
+        <p:txBody>
+          <a:bodyPr wrap="none" rtlCol="0">
+            <a:spAutoFit/>
+          </a:bodyPr>
+          <a:lstStyle/>
+          <a:p>
+            <a:r>
+              <a:rPr lang="en-CA" sz="1000" dirty="0"/>
+              <a:t>reset</a:t>
+            </a:r>
+          </a:p>
+        </p:txBody>
+      </p:sp>
+      <p:grpSp>
+        <p:nvGrpSpPr>
+          <p:cNvPr id="16" name="Group 15">
+            <a:extLst>
+              <a:ext uri="{FF2B5EF4-FFF2-40B4-BE49-F238E27FC236}">
+                <a16:creationId xmlns:a16="http://schemas.microsoft.com/office/drawing/2014/main" id="{61C21C11-FD65-042A-692E-0281B30D25E3}"/>
+              </a:ext>
+            </a:extLst>
+          </p:cNvPr>
+          <p:cNvGrpSpPr/>
+          <p:nvPr/>
+        </p:nvGrpSpPr>
+        <p:grpSpPr>
+          <a:xfrm>
+            <a:off x="3770878" y="2995287"/>
+            <a:ext cx="370367" cy="353683"/>
+            <a:chOff x="5029361" y="1777030"/>
+            <a:chExt cx="370367" cy="353683"/>
+          </a:xfrm>
+        </p:grpSpPr>
         <p:sp>
           <p:nvSpPr>
-            <p:cNvPr id="26" name="Rounded Rectangle 26">
+            <p:cNvPr id="17" name="Flowchart: Connector 16">
               <a:extLst>
                 <a:ext uri="{FF2B5EF4-FFF2-40B4-BE49-F238E27FC236}">
-                  <a16:creationId xmlns:a16="http://schemas.microsoft.com/office/drawing/2014/main" id="{A8D56CDD-AFB8-4E23-AFBD-D7049A4B21F4}"/>
+                  <a16:creationId xmlns:a16="http://schemas.microsoft.com/office/drawing/2014/main" id="{6D70DE5C-11E0-15C3-D212-9673CCF0700E}"/>
                 </a:ext>
               </a:extLst>
             </p:cNvPr>
@@ -5697,23 +11174,20 @@
           </p:nvSpPr>
           <p:spPr>
             <a:xfrm>
-              <a:off x="2057400" y="457200"/>
-              <a:ext cx="318199" cy="152400"/>
+              <a:off x="5029361" y="1777030"/>
+              <a:ext cx="370367" cy="353683"/>
             </a:xfrm>
-            <a:prstGeom prst="roundRect">
+            <a:prstGeom prst="flowChartConnector">
               <a:avLst/>
             </a:prstGeom>
-            <a:noFill/>
-            <a:ln w="9525">
-              <a:solidFill>
-                <a:schemeClr val="tx1"/>
-              </a:solidFill>
-            </a:ln>
+            <a:solidFill>
+              <a:schemeClr val="bg1"/>
+            </a:solidFill>
           </p:spPr>
           <p:style>
             <a:lnRef idx="2">
               <a:schemeClr val="accent1">
-                <a:shade val="50000"/>
+                <a:shade val="15000"/>
               </a:schemeClr>
             </a:lnRef>
             <a:fillRef idx="1">
@@ -5731,48 +11205,92 @@
             <a:lstStyle/>
             <a:p>
               <a:pPr algn="ctr"/>
-              <a:endParaRPr lang="en-US" sz="1400"/>
+              <a:endParaRPr lang="en-CA" dirty="0"/>
             </a:p>
           </p:txBody>
         </p:sp>
         <p:cxnSp>
           <p:nvCxnSpPr>
-            <p:cNvPr id="31" name="Straight Connector 30">
+            <p:cNvPr id="18" name="Straight Connector 17">
               <a:extLst>
                 <a:ext uri="{FF2B5EF4-FFF2-40B4-BE49-F238E27FC236}">
-                  <a16:creationId xmlns:a16="http://schemas.microsoft.com/office/drawing/2014/main" id="{0F14AFFD-6CD6-47E4-9328-28C9893C8AEF}"/>
+                  <a16:creationId xmlns:a16="http://schemas.microsoft.com/office/drawing/2014/main" id="{A720F3FF-0E89-E604-8371-EC032B800C28}"/>
                 </a:ext>
               </a:extLst>
             </p:cNvPr>
             <p:cNvCxnSpPr>
-              <a:stCxn id="25" idx="3"/>
-              <a:endCxn id="26" idx="1"/>
+              <a:cxnSpLocks/>
+              <a:stCxn id="17" idx="3"/>
+              <a:endCxn id="17" idx="7"/>
+            </p:cNvCxnSpPr>
+            <p:nvPr/>
+          </p:nvCxnSpPr>
+          <p:spPr>
+            <a:xfrm flipV="1">
+              <a:off x="5083600" y="1828826"/>
+              <a:ext cx="261889" cy="250091"/>
+            </a:xfrm>
+            <a:prstGeom prst="line">
+              <a:avLst/>
+            </a:prstGeom>
+            <a:ln>
+              <a:headEnd type="none" w="med" len="med"/>
+              <a:tailEnd type="none" w="med" len="med"/>
+            </a:ln>
+          </p:spPr>
+          <p:style>
+            <a:lnRef idx="3">
+              <a:schemeClr val="dk1"/>
+            </a:lnRef>
+            <a:fillRef idx="0">
+              <a:schemeClr val="dk1"/>
+            </a:fillRef>
+            <a:effectRef idx="2">
+              <a:schemeClr val="dk1"/>
+            </a:effectRef>
+            <a:fontRef idx="minor">
+              <a:schemeClr val="tx1"/>
+            </a:fontRef>
+          </p:style>
+        </p:cxnSp>
+        <p:cxnSp>
+          <p:nvCxnSpPr>
+            <p:cNvPr id="19" name="Straight Connector 18">
+              <a:extLst>
+                <a:ext uri="{FF2B5EF4-FFF2-40B4-BE49-F238E27FC236}">
+                  <a16:creationId xmlns:a16="http://schemas.microsoft.com/office/drawing/2014/main" id="{3D839914-9F66-ED99-D1E3-005C65DCF91B}"/>
+                </a:ext>
+              </a:extLst>
+            </p:cNvPr>
+            <p:cNvCxnSpPr>
+              <a:cxnSpLocks/>
+              <a:stCxn id="17" idx="1"/>
+              <a:endCxn id="17" idx="5"/>
             </p:cNvCxnSpPr>
             <p:nvPr/>
           </p:nvCxnSpPr>
           <p:spPr>
             <a:xfrm>
-              <a:off x="1828800" y="533400"/>
-              <a:ext cx="228600" cy="0"/>
+              <a:off x="5083600" y="1828826"/>
+              <a:ext cx="261889" cy="250091"/>
             </a:xfrm>
             <a:prstGeom prst="line">
               <a:avLst/>
             </a:prstGeom>
             <a:ln>
-              <a:solidFill>
-                <a:schemeClr val="tx1"/>
-              </a:solidFill>
+              <a:headEnd type="none" w="med" len="med"/>
+              <a:tailEnd type="none" w="med" len="med"/>
             </a:ln>
           </p:spPr>
           <p:style>
-            <a:lnRef idx="1">
-              <a:schemeClr val="accent1"/>
+            <a:lnRef idx="3">
+              <a:schemeClr val="dk1"/>
             </a:lnRef>
             <a:fillRef idx="0">
-              <a:schemeClr val="accent1"/>
+              <a:schemeClr val="dk1"/>
             </a:fillRef>
-            <a:effectRef idx="0">
-              <a:schemeClr val="accent1"/>
+            <a:effectRef idx="2">
+              <a:schemeClr val="dk1"/>
             </a:effectRef>
             <a:fontRef idx="minor">
               <a:schemeClr val="tx1"/>
@@ -5780,92 +11298,41 @@
           </p:style>
         </p:cxnSp>
       </p:grpSp>
-      <p:cxnSp>
-        <p:nvCxnSpPr>
-          <p:cNvPr id="32" name="Straight Connector 31">
-            <a:extLst>
-              <a:ext uri="{FF2B5EF4-FFF2-40B4-BE49-F238E27FC236}">
-                <a16:creationId xmlns:a16="http://schemas.microsoft.com/office/drawing/2014/main" id="{45BFBC50-0B93-4F45-99DA-9F8DE93903CA}"/>
-              </a:ext>
-            </a:extLst>
-          </p:cNvPr>
-          <p:cNvCxnSpPr>
-            <a:cxnSpLocks/>
-          </p:cNvCxnSpPr>
-          <p:nvPr/>
-        </p:nvCxnSpPr>
-        <p:spPr>
-          <a:xfrm>
-            <a:off x="723703" y="1722772"/>
-            <a:ext cx="7511913" cy="0"/>
-          </a:xfrm>
-          <a:prstGeom prst="line">
+      <p:sp>
+        <p:nvSpPr>
+          <p:cNvPr id="21" name="TextBox 20">
+            <a:extLst>
+              <a:ext uri="{FF2B5EF4-FFF2-40B4-BE49-F238E27FC236}">
+                <a16:creationId xmlns:a16="http://schemas.microsoft.com/office/drawing/2014/main" id="{5BFEFB3C-D331-EEC3-0458-78DA0A2EAAFB}"/>
+              </a:ext>
+            </a:extLst>
+          </p:cNvPr>
+          <p:cNvSpPr txBox="1"/>
+          <p:nvPr/>
+        </p:nvSpPr>
+        <p:spPr>
+          <a:xfrm>
+            <a:off x="3913879" y="2800861"/>
+            <a:ext cx="1608133" cy="246221"/>
+          </a:xfrm>
+          <a:prstGeom prst="rect">
             <a:avLst/>
           </a:prstGeom>
-          <a:ln>
-            <a:solidFill>
-              <a:schemeClr val="tx1"/>
-            </a:solidFill>
-          </a:ln>
-        </p:spPr>
-        <p:style>
-          <a:lnRef idx="1">
-            <a:schemeClr val="accent1"/>
-          </a:lnRef>
-          <a:fillRef idx="0">
-            <a:schemeClr val="accent1"/>
-          </a:fillRef>
-          <a:effectRef idx="0">
-            <a:schemeClr val="accent1"/>
-          </a:effectRef>
-          <a:fontRef idx="minor">
-            <a:schemeClr val="tx1"/>
-          </a:fontRef>
-        </p:style>
-      </p:cxnSp>
-      <p:cxnSp>
-        <p:nvCxnSpPr>
-          <p:cNvPr id="35" name="Straight Connector 34">
-            <a:extLst>
-              <a:ext uri="{FF2B5EF4-FFF2-40B4-BE49-F238E27FC236}">
-                <a16:creationId xmlns:a16="http://schemas.microsoft.com/office/drawing/2014/main" id="{C3D92AEE-7FF4-49ED-ABC1-C208FBBA9994}"/>
-              </a:ext>
-            </a:extLst>
-          </p:cNvPr>
-          <p:cNvCxnSpPr>
-            <a:cxnSpLocks/>
-          </p:cNvCxnSpPr>
-          <p:nvPr/>
-        </p:nvCxnSpPr>
-        <p:spPr>
-          <a:xfrm>
-            <a:off x="697833" y="2121820"/>
-            <a:ext cx="7591926" cy="0"/>
-          </a:xfrm>
-          <a:prstGeom prst="line">
-            <a:avLst/>
-          </a:prstGeom>
-          <a:ln>
-            <a:solidFill>
-              <a:schemeClr val="tx1"/>
-            </a:solidFill>
-          </a:ln>
-        </p:spPr>
-        <p:style>
-          <a:lnRef idx="1">
-            <a:schemeClr val="accent1"/>
-          </a:lnRef>
-          <a:fillRef idx="0">
-            <a:schemeClr val="accent1"/>
-          </a:fillRef>
-          <a:effectRef idx="0">
-            <a:schemeClr val="accent1"/>
-          </a:effectRef>
-          <a:fontRef idx="minor">
-            <a:schemeClr val="tx1"/>
-          </a:fontRef>
-        </p:style>
-      </p:cxnSp>
+          <a:noFill/>
+        </p:spPr>
+        <p:txBody>
+          <a:bodyPr wrap="none" rtlCol="0">
+            <a:spAutoFit/>
+          </a:bodyPr>
+          <a:lstStyle/>
+          <a:p>
+            <a:r>
+              <a:rPr lang="en-CA" sz="1000" dirty="0"/>
+              <a:t>Readings Over Threshold(s)</a:t>
+            </a:r>
+          </a:p>
+        </p:txBody>
+      </p:sp>
     </p:spTree>
     <p:extLst>
       <p:ext uri="{BB962C8B-B14F-4D97-AF65-F5344CB8AC3E}">
@@ -5911,7 +11378,7 @@
         <p:spPr>
           <a:xfrm>
             <a:off x="721894" y="332483"/>
-            <a:ext cx="7700212" cy="6237360"/>
+            <a:ext cx="8163314" cy="6237360"/>
           </a:xfrm>
           <a:prstGeom prst="roundRect">
             <a:avLst/>
@@ -6004,7 +11471,7 @@
         <p:spPr>
           <a:xfrm>
             <a:off x="1005991" y="657977"/>
-            <a:ext cx="7121341" cy="0"/>
+            <a:ext cx="7542786" cy="0"/>
           </a:xfrm>
           <a:prstGeom prst="line">
             <a:avLst/>
@@ -6047,7 +11514,7 @@
         <p:spPr>
           <a:xfrm>
             <a:off x="771830" y="1030956"/>
-            <a:ext cx="7602149" cy="0"/>
+            <a:ext cx="7966404" cy="0"/>
           </a:xfrm>
           <a:prstGeom prst="line">
             <a:avLst/>
@@ -6073,6 +11540,1339 @@
           </a:fontRef>
         </p:style>
       </p:cxnSp>
+      <p:sp>
+        <p:nvSpPr>
+          <p:cNvPr id="3" name="Flowchart: Connector 2">
+            <a:extLst>
+              <a:ext uri="{FF2B5EF4-FFF2-40B4-BE49-F238E27FC236}">
+                <a16:creationId xmlns:a16="http://schemas.microsoft.com/office/drawing/2014/main" id="{62436BA6-1931-673D-8670-A570F6E1C721}"/>
+              </a:ext>
+            </a:extLst>
+          </p:cNvPr>
+          <p:cNvSpPr/>
+          <p:nvPr/>
+        </p:nvSpPr>
+        <p:spPr>
+          <a:xfrm>
+            <a:off x="1172247" y="1799132"/>
+            <a:ext cx="370367" cy="353683"/>
+          </a:xfrm>
+          <a:prstGeom prst="flowChartConnector">
+            <a:avLst/>
+          </a:prstGeom>
+          <a:solidFill>
+            <a:schemeClr val="tx1"/>
+          </a:solidFill>
+        </p:spPr>
+        <p:style>
+          <a:lnRef idx="2">
+            <a:schemeClr val="accent1">
+              <a:shade val="15000"/>
+            </a:schemeClr>
+          </a:lnRef>
+          <a:fillRef idx="1">
+            <a:schemeClr val="accent1"/>
+          </a:fillRef>
+          <a:effectRef idx="0">
+            <a:schemeClr val="accent1"/>
+          </a:effectRef>
+          <a:fontRef idx="minor">
+            <a:schemeClr val="lt1"/>
+          </a:fontRef>
+        </p:style>
+        <p:txBody>
+          <a:bodyPr rtlCol="0" anchor="ctr"/>
+          <a:lstStyle/>
+          <a:p>
+            <a:pPr algn="ctr"/>
+            <a:endParaRPr lang="en-CA" dirty="0"/>
+          </a:p>
+        </p:txBody>
+      </p:sp>
+      <p:cxnSp>
+        <p:nvCxnSpPr>
+          <p:cNvPr id="4" name="Straight Arrow Connector 3">
+            <a:extLst>
+              <a:ext uri="{FF2B5EF4-FFF2-40B4-BE49-F238E27FC236}">
+                <a16:creationId xmlns:a16="http://schemas.microsoft.com/office/drawing/2014/main" id="{E0560BF0-A918-B78B-6756-A84638CA01AD}"/>
+              </a:ext>
+            </a:extLst>
+          </p:cNvPr>
+          <p:cNvCxnSpPr>
+            <a:cxnSpLocks/>
+            <a:stCxn id="3" idx="6"/>
+            <a:endCxn id="14" idx="1"/>
+          </p:cNvCxnSpPr>
+          <p:nvPr/>
+        </p:nvCxnSpPr>
+        <p:spPr>
+          <a:xfrm>
+            <a:off x="1542614" y="1975974"/>
+            <a:ext cx="1532819" cy="6661"/>
+          </a:xfrm>
+          <a:prstGeom prst="straightConnector1">
+            <a:avLst/>
+          </a:prstGeom>
+          <a:ln>
+            <a:solidFill>
+              <a:schemeClr val="tx1"/>
+            </a:solidFill>
+            <a:tailEnd type="triangle"/>
+          </a:ln>
+        </p:spPr>
+        <p:style>
+          <a:lnRef idx="1">
+            <a:schemeClr val="accent1"/>
+          </a:lnRef>
+          <a:fillRef idx="0">
+            <a:schemeClr val="accent1"/>
+          </a:fillRef>
+          <a:effectRef idx="0">
+            <a:schemeClr val="accent1"/>
+          </a:effectRef>
+          <a:fontRef idx="minor">
+            <a:schemeClr val="tx1"/>
+          </a:fontRef>
+        </p:style>
+      </p:cxnSp>
+      <p:grpSp>
+        <p:nvGrpSpPr>
+          <p:cNvPr id="7" name="Group 6">
+            <a:extLst>
+              <a:ext uri="{FF2B5EF4-FFF2-40B4-BE49-F238E27FC236}">
+                <a16:creationId xmlns:a16="http://schemas.microsoft.com/office/drawing/2014/main" id="{251ADD5D-BC55-B72C-7C69-76082E92AE9B}"/>
+              </a:ext>
+            </a:extLst>
+          </p:cNvPr>
+          <p:cNvGrpSpPr/>
+          <p:nvPr/>
+        </p:nvGrpSpPr>
+        <p:grpSpPr>
+          <a:xfrm>
+            <a:off x="536710" y="2900811"/>
+            <a:ext cx="370367" cy="353683"/>
+            <a:chOff x="5029361" y="1777030"/>
+            <a:chExt cx="370367" cy="353683"/>
+          </a:xfrm>
+        </p:grpSpPr>
+        <p:sp>
+          <p:nvSpPr>
+            <p:cNvPr id="8" name="Flowchart: Connector 7">
+              <a:extLst>
+                <a:ext uri="{FF2B5EF4-FFF2-40B4-BE49-F238E27FC236}">
+                  <a16:creationId xmlns:a16="http://schemas.microsoft.com/office/drawing/2014/main" id="{5893C98F-D9E2-A181-98ED-6DBE9E1D7D65}"/>
+                </a:ext>
+              </a:extLst>
+            </p:cNvPr>
+            <p:cNvSpPr/>
+            <p:nvPr/>
+          </p:nvSpPr>
+          <p:spPr>
+            <a:xfrm>
+              <a:off x="5029361" y="1777030"/>
+              <a:ext cx="370367" cy="353683"/>
+            </a:xfrm>
+            <a:prstGeom prst="flowChartConnector">
+              <a:avLst/>
+            </a:prstGeom>
+            <a:solidFill>
+              <a:schemeClr val="bg1"/>
+            </a:solidFill>
+          </p:spPr>
+          <p:style>
+            <a:lnRef idx="2">
+              <a:schemeClr val="accent1">
+                <a:shade val="15000"/>
+              </a:schemeClr>
+            </a:lnRef>
+            <a:fillRef idx="1">
+              <a:schemeClr val="accent1"/>
+            </a:fillRef>
+            <a:effectRef idx="0">
+              <a:schemeClr val="accent1"/>
+            </a:effectRef>
+            <a:fontRef idx="minor">
+              <a:schemeClr val="lt1"/>
+            </a:fontRef>
+          </p:style>
+          <p:txBody>
+            <a:bodyPr rtlCol="0" anchor="ctr"/>
+            <a:lstStyle/>
+            <a:p>
+              <a:pPr algn="ctr"/>
+              <a:endParaRPr lang="en-CA" dirty="0"/>
+            </a:p>
+          </p:txBody>
+        </p:sp>
+        <p:cxnSp>
+          <p:nvCxnSpPr>
+            <p:cNvPr id="9" name="Straight Connector 8">
+              <a:extLst>
+                <a:ext uri="{FF2B5EF4-FFF2-40B4-BE49-F238E27FC236}">
+                  <a16:creationId xmlns:a16="http://schemas.microsoft.com/office/drawing/2014/main" id="{B6030DAC-3E4F-FFCE-ABB6-48B661CA6CC7}"/>
+                </a:ext>
+              </a:extLst>
+            </p:cNvPr>
+            <p:cNvCxnSpPr>
+              <a:cxnSpLocks/>
+              <a:stCxn id="8" idx="3"/>
+              <a:endCxn id="8" idx="7"/>
+            </p:cNvCxnSpPr>
+            <p:nvPr/>
+          </p:nvCxnSpPr>
+          <p:spPr>
+            <a:xfrm flipV="1">
+              <a:off x="5083600" y="1828826"/>
+              <a:ext cx="261889" cy="250091"/>
+            </a:xfrm>
+            <a:prstGeom prst="line">
+              <a:avLst/>
+            </a:prstGeom>
+            <a:ln>
+              <a:headEnd type="none" w="med" len="med"/>
+              <a:tailEnd type="none" w="med" len="med"/>
+            </a:ln>
+          </p:spPr>
+          <p:style>
+            <a:lnRef idx="3">
+              <a:schemeClr val="dk1"/>
+            </a:lnRef>
+            <a:fillRef idx="0">
+              <a:schemeClr val="dk1"/>
+            </a:fillRef>
+            <a:effectRef idx="2">
+              <a:schemeClr val="dk1"/>
+            </a:effectRef>
+            <a:fontRef idx="minor">
+              <a:schemeClr val="tx1"/>
+            </a:fontRef>
+          </p:style>
+        </p:cxnSp>
+        <p:cxnSp>
+          <p:nvCxnSpPr>
+            <p:cNvPr id="10" name="Straight Connector 9">
+              <a:extLst>
+                <a:ext uri="{FF2B5EF4-FFF2-40B4-BE49-F238E27FC236}">
+                  <a16:creationId xmlns:a16="http://schemas.microsoft.com/office/drawing/2014/main" id="{71D35808-E541-0ED0-923D-1B4ACC3FB466}"/>
+                </a:ext>
+              </a:extLst>
+            </p:cNvPr>
+            <p:cNvCxnSpPr>
+              <a:cxnSpLocks/>
+              <a:stCxn id="8" idx="1"/>
+              <a:endCxn id="8" idx="5"/>
+            </p:cNvCxnSpPr>
+            <p:nvPr/>
+          </p:nvCxnSpPr>
+          <p:spPr>
+            <a:xfrm>
+              <a:off x="5083600" y="1828826"/>
+              <a:ext cx="261889" cy="250091"/>
+            </a:xfrm>
+            <a:prstGeom prst="line">
+              <a:avLst/>
+            </a:prstGeom>
+            <a:ln>
+              <a:headEnd type="none" w="med" len="med"/>
+              <a:tailEnd type="none" w="med" len="med"/>
+            </a:ln>
+          </p:spPr>
+          <p:style>
+            <a:lnRef idx="3">
+              <a:schemeClr val="dk1"/>
+            </a:lnRef>
+            <a:fillRef idx="0">
+              <a:schemeClr val="dk1"/>
+            </a:fillRef>
+            <a:effectRef idx="2">
+              <a:schemeClr val="dk1"/>
+            </a:effectRef>
+            <a:fontRef idx="minor">
+              <a:schemeClr val="tx1"/>
+            </a:fontRef>
+          </p:style>
+        </p:cxnSp>
+      </p:grpSp>
+      <p:sp>
+        <p:nvSpPr>
+          <p:cNvPr id="11" name="AutoShape 23">
+            <a:extLst>
+              <a:ext uri="{FF2B5EF4-FFF2-40B4-BE49-F238E27FC236}">
+                <a16:creationId xmlns:a16="http://schemas.microsoft.com/office/drawing/2014/main" id="{36E01092-1A82-7DD5-A0F6-80641D3DE7A6}"/>
+              </a:ext>
+            </a:extLst>
+          </p:cNvPr>
+          <p:cNvSpPr>
+            <a:spLocks noChangeArrowheads="1"/>
+          </p:cNvSpPr>
+          <p:nvPr/>
+        </p:nvSpPr>
+        <p:spPr bwMode="auto">
+          <a:xfrm>
+            <a:off x="5382658" y="5035619"/>
+            <a:ext cx="1656184" cy="791425"/>
+          </a:xfrm>
+          <a:prstGeom prst="roundRect">
+            <a:avLst>
+              <a:gd name="adj" fmla="val 10127"/>
+            </a:avLst>
+          </a:prstGeom>
+          <a:noFill/>
+          <a:ln w="9525">
+            <a:solidFill>
+              <a:schemeClr val="tx1"/>
+            </a:solidFill>
+            <a:round/>
+            <a:headEnd/>
+            <a:tailEnd type="none" w="lg" len="lg"/>
+          </a:ln>
+          <a:effectLst/>
+        </p:spPr>
+        <p:txBody>
+          <a:bodyPr wrap="none" anchor="ctr"/>
+          <a:lstStyle/>
+          <a:p>
+            <a:pPr algn="ctr"/>
+            <a:r>
+              <a:rPr lang="en-CA" sz="1400" dirty="0">
+                <a:solidFill>
+                  <a:srgbClr val="0000FF"/>
+                </a:solidFill>
+                <a:cs typeface="Arial" panose="020B0604020202020204" pitchFamily="34" charset="0"/>
+              </a:rPr>
+              <a:t>PROCESSING</a:t>
+            </a:r>
+          </a:p>
+        </p:txBody>
+      </p:sp>
+      <p:sp>
+        <p:nvSpPr>
+          <p:cNvPr id="12" name="TextBox 11">
+            <a:extLst>
+              <a:ext uri="{FF2B5EF4-FFF2-40B4-BE49-F238E27FC236}">
+                <a16:creationId xmlns:a16="http://schemas.microsoft.com/office/drawing/2014/main" id="{9975249A-68E0-F9F0-38CF-479BAC8CF605}"/>
+              </a:ext>
+            </a:extLst>
+          </p:cNvPr>
+          <p:cNvSpPr txBox="1"/>
+          <p:nvPr/>
+        </p:nvSpPr>
+        <p:spPr>
+          <a:xfrm>
+            <a:off x="147615" y="2680488"/>
+            <a:ext cx="1608133" cy="246221"/>
+          </a:xfrm>
+          <a:prstGeom prst="rect">
+            <a:avLst/>
+          </a:prstGeom>
+          <a:noFill/>
+        </p:spPr>
+        <p:txBody>
+          <a:bodyPr wrap="none" rtlCol="0">
+            <a:spAutoFit/>
+          </a:bodyPr>
+          <a:lstStyle/>
+          <a:p>
+            <a:r>
+              <a:rPr lang="en-CA" sz="1000" dirty="0"/>
+              <a:t>Readings Over Threshold(s)</a:t>
+            </a:r>
+          </a:p>
+        </p:txBody>
+      </p:sp>
+      <p:grpSp>
+        <p:nvGrpSpPr>
+          <p:cNvPr id="28" name="Group 27">
+            <a:extLst>
+              <a:ext uri="{FF2B5EF4-FFF2-40B4-BE49-F238E27FC236}">
+                <a16:creationId xmlns:a16="http://schemas.microsoft.com/office/drawing/2014/main" id="{4DEC41AC-23E8-9FD2-126F-E09BAE2D77BA}"/>
+              </a:ext>
+            </a:extLst>
+          </p:cNvPr>
+          <p:cNvGrpSpPr/>
+          <p:nvPr/>
+        </p:nvGrpSpPr>
+        <p:grpSpPr>
+          <a:xfrm>
+            <a:off x="3070722" y="1382255"/>
+            <a:ext cx="1641796" cy="1200760"/>
+            <a:chOff x="2463695" y="1377118"/>
+            <a:chExt cx="1641796" cy="1200760"/>
+          </a:xfrm>
+        </p:grpSpPr>
+        <p:grpSp>
+          <p:nvGrpSpPr>
+            <p:cNvPr id="13" name="Group 12">
+              <a:extLst>
+                <a:ext uri="{FF2B5EF4-FFF2-40B4-BE49-F238E27FC236}">
+                  <a16:creationId xmlns:a16="http://schemas.microsoft.com/office/drawing/2014/main" id="{1B7160E0-4916-E32C-1167-9F6E8E06B631}"/>
+                </a:ext>
+              </a:extLst>
+            </p:cNvPr>
+            <p:cNvGrpSpPr/>
+            <p:nvPr/>
+          </p:nvGrpSpPr>
+          <p:grpSpPr>
+            <a:xfrm>
+              <a:off x="2468406" y="1377118"/>
+              <a:ext cx="1623192" cy="1200760"/>
+              <a:chOff x="1529801" y="2974938"/>
+              <a:chExt cx="1528278" cy="1374372"/>
+            </a:xfrm>
+          </p:grpSpPr>
+          <p:sp>
+            <p:nvSpPr>
+              <p:cNvPr id="14" name="Rounded Rectangle 5">
+                <a:extLst>
+                  <a:ext uri="{FF2B5EF4-FFF2-40B4-BE49-F238E27FC236}">
+                    <a16:creationId xmlns:a16="http://schemas.microsoft.com/office/drawing/2014/main" id="{AE77FC26-1595-B237-DCF9-8B79865BAE81}"/>
+                  </a:ext>
+                </a:extLst>
+              </p:cNvPr>
+              <p:cNvSpPr/>
+              <p:nvPr/>
+            </p:nvSpPr>
+            <p:spPr>
+              <a:xfrm>
+                <a:off x="1529801" y="2974938"/>
+                <a:ext cx="1528278" cy="1374372"/>
+              </a:xfrm>
+              <a:prstGeom prst="roundRect">
+                <a:avLst/>
+              </a:prstGeom>
+              <a:noFill/>
+              <a:ln w="9525">
+                <a:solidFill>
+                  <a:schemeClr val="tx1"/>
+                </a:solidFill>
+              </a:ln>
+              <a:effectLst>
+                <a:outerShdw blurRad="50800" dist="50800" dir="5400000" algn="ctr" rotWithShape="0">
+                  <a:schemeClr val="bg1"/>
+                </a:outerShdw>
+              </a:effectLst>
+            </p:spPr>
+            <p:style>
+              <a:lnRef idx="2">
+                <a:schemeClr val="accent1">
+                  <a:shade val="50000"/>
+                </a:schemeClr>
+              </a:lnRef>
+              <a:fillRef idx="1">
+                <a:schemeClr val="accent1"/>
+              </a:fillRef>
+              <a:effectRef idx="0">
+                <a:schemeClr val="accent1"/>
+              </a:effectRef>
+              <a:fontRef idx="minor">
+                <a:schemeClr val="lt1"/>
+              </a:fontRef>
+            </p:style>
+            <p:txBody>
+              <a:bodyPr rtlCol="0" anchor="ctr"/>
+              <a:lstStyle/>
+              <a:p>
+                <a:pPr algn="ctr"/>
+                <a:endParaRPr lang="en-CA" sz="1400" dirty="0">
+                  <a:cs typeface="Arial" pitchFamily="34" charset="0"/>
+                </a:endParaRPr>
+              </a:p>
+            </p:txBody>
+          </p:sp>
+          <p:sp>
+            <p:nvSpPr>
+              <p:cNvPr id="15" name="TextBox 14">
+                <a:extLst>
+                  <a:ext uri="{FF2B5EF4-FFF2-40B4-BE49-F238E27FC236}">
+                    <a16:creationId xmlns:a16="http://schemas.microsoft.com/office/drawing/2014/main" id="{6D1DC742-638E-EB6A-05D1-8D58CA5C6781}"/>
+                  </a:ext>
+                </a:extLst>
+              </p:cNvPr>
+              <p:cNvSpPr txBox="1"/>
+              <p:nvPr/>
+            </p:nvSpPr>
+            <p:spPr>
+              <a:xfrm>
+                <a:off x="2046314" y="2992885"/>
+                <a:ext cx="503664" cy="307777"/>
+              </a:xfrm>
+              <a:prstGeom prst="rect">
+                <a:avLst/>
+              </a:prstGeom>
+              <a:noFill/>
+            </p:spPr>
+            <p:txBody>
+              <a:bodyPr wrap="square" rtlCol="0">
+                <a:spAutoFit/>
+              </a:bodyPr>
+              <a:lstStyle/>
+              <a:p>
+                <a:r>
+                  <a:rPr lang="fr-CA" sz="1400" dirty="0">
+                    <a:solidFill>
+                      <a:srgbClr val="0000FF"/>
+                    </a:solidFill>
+                    <a:cs typeface="Arial" panose="020B0604020202020204" pitchFamily="34" charset="0"/>
+                  </a:rPr>
+                  <a:t>IDLE</a:t>
+                </a:r>
+              </a:p>
+            </p:txBody>
+          </p:sp>
+          <p:cxnSp>
+            <p:nvCxnSpPr>
+              <p:cNvPr id="16" name="Straight Connector 15">
+                <a:extLst>
+                  <a:ext uri="{FF2B5EF4-FFF2-40B4-BE49-F238E27FC236}">
+                    <a16:creationId xmlns:a16="http://schemas.microsoft.com/office/drawing/2014/main" id="{B1D81FAC-3AD2-5255-88E3-BCBDE65707C3}"/>
+                  </a:ext>
+                </a:extLst>
+              </p:cNvPr>
+              <p:cNvCxnSpPr>
+                <a:cxnSpLocks/>
+              </p:cNvCxnSpPr>
+              <p:nvPr/>
+            </p:nvCxnSpPr>
+            <p:spPr>
+              <a:xfrm>
+                <a:off x="1529801" y="3849756"/>
+                <a:ext cx="1523567" cy="0"/>
+              </a:xfrm>
+              <a:prstGeom prst="line">
+                <a:avLst/>
+              </a:prstGeom>
+              <a:ln>
+                <a:solidFill>
+                  <a:schemeClr val="tx1"/>
+                </a:solidFill>
+                <a:tailEnd type="none"/>
+              </a:ln>
+            </p:spPr>
+            <p:style>
+              <a:lnRef idx="1">
+                <a:schemeClr val="accent1"/>
+              </a:lnRef>
+              <a:fillRef idx="0">
+                <a:schemeClr val="accent1"/>
+              </a:fillRef>
+              <a:effectRef idx="0">
+                <a:schemeClr val="accent1"/>
+              </a:effectRef>
+              <a:fontRef idx="minor">
+                <a:schemeClr val="tx1"/>
+              </a:fontRef>
+            </p:style>
+          </p:cxnSp>
+          <p:sp>
+            <p:nvSpPr>
+              <p:cNvPr id="17" name="Rectangle 16">
+                <a:extLst>
+                  <a:ext uri="{FF2B5EF4-FFF2-40B4-BE49-F238E27FC236}">
+                    <a16:creationId xmlns:a16="http://schemas.microsoft.com/office/drawing/2014/main" id="{7B8FC97C-A13E-7835-AE29-EE0921323F83}"/>
+                  </a:ext>
+                </a:extLst>
+              </p:cNvPr>
+              <p:cNvSpPr/>
+              <p:nvPr/>
+            </p:nvSpPr>
+            <p:spPr>
+              <a:xfrm>
+                <a:off x="1775171" y="2975840"/>
+                <a:ext cx="45719" cy="45719"/>
+              </a:xfrm>
+              <a:prstGeom prst="rect">
+                <a:avLst/>
+              </a:prstGeom>
+              <a:noFill/>
+              <a:ln>
+                <a:noFill/>
+              </a:ln>
+            </p:spPr>
+            <p:style>
+              <a:lnRef idx="2">
+                <a:schemeClr val="accent1">
+                  <a:shade val="50000"/>
+                </a:schemeClr>
+              </a:lnRef>
+              <a:fillRef idx="1">
+                <a:schemeClr val="accent1"/>
+              </a:fillRef>
+              <a:effectRef idx="0">
+                <a:schemeClr val="accent1"/>
+              </a:effectRef>
+              <a:fontRef idx="minor">
+                <a:schemeClr val="lt1"/>
+              </a:fontRef>
+            </p:style>
+            <p:txBody>
+              <a:bodyPr rtlCol="0" anchor="ctr"/>
+              <a:lstStyle/>
+              <a:p>
+                <a:pPr algn="ctr"/>
+                <a:endParaRPr lang="en-CA" sz="1400"/>
+              </a:p>
+            </p:txBody>
+          </p:sp>
+          <p:cxnSp>
+            <p:nvCxnSpPr>
+              <p:cNvPr id="18" name="Straight Connector 17">
+                <a:extLst>
+                  <a:ext uri="{FF2B5EF4-FFF2-40B4-BE49-F238E27FC236}">
+                    <a16:creationId xmlns:a16="http://schemas.microsoft.com/office/drawing/2014/main" id="{FD84FFDB-2F0A-334E-4FDD-0F0078102552}"/>
+                  </a:ext>
+                </a:extLst>
+              </p:cNvPr>
+              <p:cNvCxnSpPr>
+                <a:cxnSpLocks/>
+              </p:cNvCxnSpPr>
+              <p:nvPr/>
+            </p:nvCxnSpPr>
+            <p:spPr>
+              <a:xfrm>
+                <a:off x="1529801" y="3338761"/>
+                <a:ext cx="1523567" cy="0"/>
+              </a:xfrm>
+              <a:prstGeom prst="line">
+                <a:avLst/>
+              </a:prstGeom>
+              <a:ln>
+                <a:solidFill>
+                  <a:schemeClr val="tx1"/>
+                </a:solidFill>
+                <a:tailEnd type="none"/>
+              </a:ln>
+            </p:spPr>
+            <p:style>
+              <a:lnRef idx="1">
+                <a:schemeClr val="accent1"/>
+              </a:lnRef>
+              <a:fillRef idx="0">
+                <a:schemeClr val="accent1"/>
+              </a:fillRef>
+              <a:effectRef idx="0">
+                <a:schemeClr val="accent1"/>
+              </a:effectRef>
+              <a:fontRef idx="minor">
+                <a:schemeClr val="tx1"/>
+              </a:fontRef>
+            </p:style>
+          </p:cxnSp>
+        </p:grpSp>
+        <p:sp>
+          <p:nvSpPr>
+            <p:cNvPr id="26" name="TextBox 25">
+              <a:extLst>
+                <a:ext uri="{FF2B5EF4-FFF2-40B4-BE49-F238E27FC236}">
+                  <a16:creationId xmlns:a16="http://schemas.microsoft.com/office/drawing/2014/main" id="{DDC734FF-8705-7B9C-6460-3F9884C59AC6}"/>
+                </a:ext>
+              </a:extLst>
+            </p:cNvPr>
+            <p:cNvSpPr txBox="1"/>
+            <p:nvPr/>
+          </p:nvSpPr>
+          <p:spPr>
+            <a:xfrm>
+              <a:off x="2463695" y="1677376"/>
+              <a:ext cx="1641796" cy="246221"/>
+            </a:xfrm>
+            <a:prstGeom prst="rect">
+              <a:avLst/>
+            </a:prstGeom>
+            <a:noFill/>
+          </p:spPr>
+          <p:txBody>
+            <a:bodyPr wrap="none" rtlCol="0">
+              <a:spAutoFit/>
+            </a:bodyPr>
+            <a:lstStyle/>
+            <a:p>
+              <a:r>
+                <a:rPr lang="en-CA" sz="1000" dirty="0" err="1"/>
+                <a:t>OnEntry</a:t>
+              </a:r>
+              <a:r>
+                <a:rPr lang="en-CA" sz="1000" dirty="0"/>
+                <a:t>: read sensor values</a:t>
+              </a:r>
+            </a:p>
+          </p:txBody>
+        </p:sp>
+      </p:grpSp>
+      <p:sp>
+        <p:nvSpPr>
+          <p:cNvPr id="27" name="Flowchart: Decision 26">
+            <a:extLst>
+              <a:ext uri="{FF2B5EF4-FFF2-40B4-BE49-F238E27FC236}">
+                <a16:creationId xmlns:a16="http://schemas.microsoft.com/office/drawing/2014/main" id="{B78019AB-17C7-625A-E82A-F8A69AFB437A}"/>
+              </a:ext>
+            </a:extLst>
+          </p:cNvPr>
+          <p:cNvSpPr/>
+          <p:nvPr/>
+        </p:nvSpPr>
+        <p:spPr>
+          <a:xfrm>
+            <a:off x="5783936" y="2746099"/>
+            <a:ext cx="856342" cy="589306"/>
+          </a:xfrm>
+          <a:prstGeom prst="flowChartDecision">
+            <a:avLst/>
+          </a:prstGeom>
+          <a:noFill/>
+        </p:spPr>
+        <p:style>
+          <a:lnRef idx="2">
+            <a:schemeClr val="accent1">
+              <a:shade val="15000"/>
+            </a:schemeClr>
+          </a:lnRef>
+          <a:fillRef idx="1">
+            <a:schemeClr val="accent1"/>
+          </a:fillRef>
+          <a:effectRef idx="0">
+            <a:schemeClr val="accent1"/>
+          </a:effectRef>
+          <a:fontRef idx="minor">
+            <a:schemeClr val="lt1"/>
+          </a:fontRef>
+        </p:style>
+        <p:txBody>
+          <a:bodyPr rtlCol="0" anchor="ctr"/>
+          <a:lstStyle/>
+          <a:p>
+            <a:pPr algn="ctr"/>
+            <a:endParaRPr lang="en-CA" sz="1000" dirty="0">
+              <a:solidFill>
+                <a:schemeClr val="tx1"/>
+              </a:solidFill>
+            </a:endParaRPr>
+          </a:p>
+        </p:txBody>
+      </p:sp>
+      <p:cxnSp>
+        <p:nvCxnSpPr>
+          <p:cNvPr id="30" name="Connector: Elbow 29">
+            <a:extLst>
+              <a:ext uri="{FF2B5EF4-FFF2-40B4-BE49-F238E27FC236}">
+                <a16:creationId xmlns:a16="http://schemas.microsoft.com/office/drawing/2014/main" id="{1FE1EBF5-1E51-6552-EAD9-F93BF3973139}"/>
+              </a:ext>
+            </a:extLst>
+          </p:cNvPr>
+          <p:cNvCxnSpPr>
+            <a:cxnSpLocks/>
+            <a:stCxn id="14" idx="3"/>
+            <a:endCxn id="27" idx="0"/>
+          </p:cNvCxnSpPr>
+          <p:nvPr/>
+        </p:nvCxnSpPr>
+        <p:spPr>
+          <a:xfrm>
+            <a:off x="4698625" y="1982635"/>
+            <a:ext cx="1513482" cy="763464"/>
+          </a:xfrm>
+          <a:prstGeom prst="bentConnector2">
+            <a:avLst/>
+          </a:prstGeom>
+          <a:ln>
+            <a:solidFill>
+              <a:schemeClr val="tx1"/>
+            </a:solidFill>
+            <a:tailEnd type="triangle"/>
+          </a:ln>
+        </p:spPr>
+        <p:style>
+          <a:lnRef idx="1">
+            <a:schemeClr val="accent1"/>
+          </a:lnRef>
+          <a:fillRef idx="0">
+            <a:schemeClr val="accent1"/>
+          </a:fillRef>
+          <a:effectRef idx="0">
+            <a:schemeClr val="accent1"/>
+          </a:effectRef>
+          <a:fontRef idx="minor">
+            <a:schemeClr val="tx1"/>
+          </a:fontRef>
+        </p:style>
+      </p:cxnSp>
+      <p:sp>
+        <p:nvSpPr>
+          <p:cNvPr id="32" name="TextBox 31">
+            <a:extLst>
+              <a:ext uri="{FF2B5EF4-FFF2-40B4-BE49-F238E27FC236}">
+                <a16:creationId xmlns:a16="http://schemas.microsoft.com/office/drawing/2014/main" id="{10881477-7413-FD94-A8FC-2C8CC5875288}"/>
+              </a:ext>
+            </a:extLst>
+          </p:cNvPr>
+          <p:cNvSpPr txBox="1"/>
+          <p:nvPr/>
+        </p:nvSpPr>
+        <p:spPr>
+          <a:xfrm>
+            <a:off x="5077963" y="1700120"/>
+            <a:ext cx="694421" cy="246221"/>
+          </a:xfrm>
+          <a:prstGeom prst="rect">
+            <a:avLst/>
+          </a:prstGeom>
+          <a:noFill/>
+        </p:spPr>
+        <p:txBody>
+          <a:bodyPr wrap="none" rtlCol="0">
+            <a:spAutoFit/>
+          </a:bodyPr>
+          <a:lstStyle/>
+          <a:p>
+            <a:r>
+              <a:rPr lang="en-CA" sz="1000" dirty="0"/>
+              <a:t>after(10s)</a:t>
+            </a:r>
+          </a:p>
+        </p:txBody>
+      </p:sp>
+      <p:cxnSp>
+        <p:nvCxnSpPr>
+          <p:cNvPr id="34" name="Connector: Elbow 33">
+            <a:extLst>
+              <a:ext uri="{FF2B5EF4-FFF2-40B4-BE49-F238E27FC236}">
+                <a16:creationId xmlns:a16="http://schemas.microsoft.com/office/drawing/2014/main" id="{73918C45-479F-7CFF-E3B1-11B0D49CEC4D}"/>
+              </a:ext>
+            </a:extLst>
+          </p:cNvPr>
+          <p:cNvCxnSpPr>
+            <a:cxnSpLocks/>
+            <a:endCxn id="8" idx="6"/>
+          </p:cNvCxnSpPr>
+          <p:nvPr/>
+        </p:nvCxnSpPr>
+        <p:spPr>
+          <a:xfrm rot="10800000" flipV="1">
+            <a:off x="907078" y="2583015"/>
+            <a:ext cx="2552115" cy="494638"/>
+          </a:xfrm>
+          <a:prstGeom prst="bentConnector3">
+            <a:avLst>
+              <a:gd name="adj1" fmla="val 5045"/>
+            </a:avLst>
+          </a:prstGeom>
+          <a:ln>
+            <a:solidFill>
+              <a:schemeClr val="tx1"/>
+            </a:solidFill>
+            <a:tailEnd type="triangle"/>
+          </a:ln>
+        </p:spPr>
+        <p:style>
+          <a:lnRef idx="1">
+            <a:schemeClr val="accent1"/>
+          </a:lnRef>
+          <a:fillRef idx="0">
+            <a:schemeClr val="accent1"/>
+          </a:fillRef>
+          <a:effectRef idx="0">
+            <a:schemeClr val="accent1"/>
+          </a:effectRef>
+          <a:fontRef idx="minor">
+            <a:schemeClr val="tx1"/>
+          </a:fontRef>
+        </p:style>
+      </p:cxnSp>
+      <p:sp>
+        <p:nvSpPr>
+          <p:cNvPr id="36" name="TextBox 35">
+            <a:extLst>
+              <a:ext uri="{FF2B5EF4-FFF2-40B4-BE49-F238E27FC236}">
+                <a16:creationId xmlns:a16="http://schemas.microsoft.com/office/drawing/2014/main" id="{4CA789E6-7A8A-4757-075F-5653392458D8}"/>
+              </a:ext>
+            </a:extLst>
+          </p:cNvPr>
+          <p:cNvSpPr txBox="1"/>
+          <p:nvPr/>
+        </p:nvSpPr>
+        <p:spPr>
+          <a:xfrm>
+            <a:off x="1038022" y="3085310"/>
+            <a:ext cx="2561920" cy="400110"/>
+          </a:xfrm>
+          <a:prstGeom prst="rect">
+            <a:avLst/>
+          </a:prstGeom>
+          <a:noFill/>
+        </p:spPr>
+        <p:txBody>
+          <a:bodyPr wrap="none" rtlCol="0">
+            <a:spAutoFit/>
+          </a:bodyPr>
+          <a:lstStyle/>
+          <a:p>
+            <a:r>
+              <a:rPr lang="en-CA" sz="1000" dirty="0"/>
+              <a:t>when [temperature &gt; temperature threshold;</a:t>
+            </a:r>
+          </a:p>
+          <a:p>
+            <a:r>
+              <a:rPr lang="en-CA" sz="1000" dirty="0"/>
+              <a:t>            humidity &gt; humidity threshold]</a:t>
+            </a:r>
+          </a:p>
+        </p:txBody>
+      </p:sp>
+      <p:cxnSp>
+        <p:nvCxnSpPr>
+          <p:cNvPr id="43" name="Connector: Elbow 42">
+            <a:extLst>
+              <a:ext uri="{FF2B5EF4-FFF2-40B4-BE49-F238E27FC236}">
+                <a16:creationId xmlns:a16="http://schemas.microsoft.com/office/drawing/2014/main" id="{3057AEC5-0507-0E4C-7BB4-55D54812770D}"/>
+              </a:ext>
+            </a:extLst>
+          </p:cNvPr>
+          <p:cNvCxnSpPr>
+            <a:stCxn id="11" idx="1"/>
+            <a:endCxn id="14" idx="2"/>
+          </p:cNvCxnSpPr>
+          <p:nvPr/>
+        </p:nvCxnSpPr>
+        <p:spPr>
+          <a:xfrm rot="10800000">
+            <a:off x="3887030" y="2583016"/>
+            <a:ext cx="1495629" cy="2848317"/>
+          </a:xfrm>
+          <a:prstGeom prst="bentConnector2">
+            <a:avLst/>
+          </a:prstGeom>
+          <a:ln>
+            <a:solidFill>
+              <a:schemeClr val="tx1"/>
+            </a:solidFill>
+            <a:tailEnd type="triangle"/>
+          </a:ln>
+        </p:spPr>
+        <p:style>
+          <a:lnRef idx="1">
+            <a:schemeClr val="accent1"/>
+          </a:lnRef>
+          <a:fillRef idx="0">
+            <a:schemeClr val="accent1"/>
+          </a:fillRef>
+          <a:effectRef idx="0">
+            <a:schemeClr val="accent1"/>
+          </a:effectRef>
+          <a:fontRef idx="minor">
+            <a:schemeClr val="tx1"/>
+          </a:fontRef>
+        </p:style>
+      </p:cxnSp>
+      <p:sp>
+        <p:nvSpPr>
+          <p:cNvPr id="44" name="TextBox 43">
+            <a:extLst>
+              <a:ext uri="{FF2B5EF4-FFF2-40B4-BE49-F238E27FC236}">
+                <a16:creationId xmlns:a16="http://schemas.microsoft.com/office/drawing/2014/main" id="{26E84A85-967D-7F29-7ABE-E96C2B50B52C}"/>
+              </a:ext>
+            </a:extLst>
+          </p:cNvPr>
+          <p:cNvSpPr txBox="1"/>
+          <p:nvPr/>
+        </p:nvSpPr>
+        <p:spPr>
+          <a:xfrm>
+            <a:off x="4098941" y="5157880"/>
+            <a:ext cx="1199367" cy="246221"/>
+          </a:xfrm>
+          <a:prstGeom prst="rect">
+            <a:avLst/>
+          </a:prstGeom>
+          <a:noFill/>
+        </p:spPr>
+        <p:txBody>
+          <a:bodyPr wrap="none" rtlCol="0">
+            <a:spAutoFit/>
+          </a:bodyPr>
+          <a:lstStyle/>
+          <a:p>
+            <a:r>
+              <a:rPr lang="en-CA" sz="1000" dirty="0"/>
+              <a:t>after(10s) / LED off</a:t>
+            </a:r>
+          </a:p>
+        </p:txBody>
+      </p:sp>
+      <p:sp>
+        <p:nvSpPr>
+          <p:cNvPr id="47" name="Flowchart: Connector 46">
+            <a:extLst>
+              <a:ext uri="{FF2B5EF4-FFF2-40B4-BE49-F238E27FC236}">
+                <a16:creationId xmlns:a16="http://schemas.microsoft.com/office/drawing/2014/main" id="{03943EAC-683B-DEDE-C8E4-201F7DF4CB16}"/>
+              </a:ext>
+            </a:extLst>
+          </p:cNvPr>
+          <p:cNvSpPr/>
+          <p:nvPr/>
+        </p:nvSpPr>
+        <p:spPr>
+          <a:xfrm>
+            <a:off x="6025298" y="4321342"/>
+            <a:ext cx="370367" cy="353683"/>
+          </a:xfrm>
+          <a:prstGeom prst="flowChartConnector">
+            <a:avLst/>
+          </a:prstGeom>
+          <a:solidFill>
+            <a:schemeClr val="tx1"/>
+          </a:solidFill>
+        </p:spPr>
+        <p:style>
+          <a:lnRef idx="2">
+            <a:schemeClr val="accent1">
+              <a:shade val="15000"/>
+            </a:schemeClr>
+          </a:lnRef>
+          <a:fillRef idx="1">
+            <a:schemeClr val="accent1"/>
+          </a:fillRef>
+          <a:effectRef idx="0">
+            <a:schemeClr val="accent1"/>
+          </a:effectRef>
+          <a:fontRef idx="minor">
+            <a:schemeClr val="lt1"/>
+          </a:fontRef>
+        </p:style>
+        <p:txBody>
+          <a:bodyPr rtlCol="0" anchor="ctr"/>
+          <a:lstStyle/>
+          <a:p>
+            <a:pPr algn="ctr"/>
+            <a:endParaRPr lang="en-CA" dirty="0"/>
+          </a:p>
+        </p:txBody>
+      </p:sp>
+      <p:cxnSp>
+        <p:nvCxnSpPr>
+          <p:cNvPr id="50" name="Straight Arrow Connector 49">
+            <a:extLst>
+              <a:ext uri="{FF2B5EF4-FFF2-40B4-BE49-F238E27FC236}">
+                <a16:creationId xmlns:a16="http://schemas.microsoft.com/office/drawing/2014/main" id="{931E252C-97B7-4777-CB6E-A3398F7A80BE}"/>
+              </a:ext>
+            </a:extLst>
+          </p:cNvPr>
+          <p:cNvCxnSpPr>
+            <a:stCxn id="47" idx="4"/>
+            <a:endCxn id="11" idx="0"/>
+          </p:cNvCxnSpPr>
+          <p:nvPr/>
+        </p:nvCxnSpPr>
+        <p:spPr>
+          <a:xfrm>
+            <a:off x="6210482" y="4675025"/>
+            <a:ext cx="268" cy="360594"/>
+          </a:xfrm>
+          <a:prstGeom prst="straightConnector1">
+            <a:avLst/>
+          </a:prstGeom>
+          <a:ln>
+            <a:solidFill>
+              <a:schemeClr val="tx1"/>
+            </a:solidFill>
+            <a:tailEnd type="triangle"/>
+          </a:ln>
+        </p:spPr>
+        <p:style>
+          <a:lnRef idx="1">
+            <a:schemeClr val="accent1"/>
+          </a:lnRef>
+          <a:fillRef idx="0">
+            <a:schemeClr val="accent1"/>
+          </a:fillRef>
+          <a:effectRef idx="0">
+            <a:schemeClr val="accent1"/>
+          </a:effectRef>
+          <a:fontRef idx="minor">
+            <a:schemeClr val="tx1"/>
+          </a:fontRef>
+        </p:style>
+      </p:cxnSp>
+      <p:cxnSp>
+        <p:nvCxnSpPr>
+          <p:cNvPr id="52" name="Straight Arrow Connector 51">
+            <a:extLst>
+              <a:ext uri="{FF2B5EF4-FFF2-40B4-BE49-F238E27FC236}">
+                <a16:creationId xmlns:a16="http://schemas.microsoft.com/office/drawing/2014/main" id="{6F35E889-2ECB-6C97-016E-5E2888C165ED}"/>
+              </a:ext>
+            </a:extLst>
+          </p:cNvPr>
+          <p:cNvCxnSpPr>
+            <a:stCxn id="27" idx="2"/>
+            <a:endCxn id="47" idx="0"/>
+          </p:cNvCxnSpPr>
+          <p:nvPr/>
+        </p:nvCxnSpPr>
+        <p:spPr>
+          <a:xfrm flipH="1">
+            <a:off x="6210482" y="3335405"/>
+            <a:ext cx="1625" cy="985937"/>
+          </a:xfrm>
+          <a:prstGeom prst="straightConnector1">
+            <a:avLst/>
+          </a:prstGeom>
+          <a:ln>
+            <a:solidFill>
+              <a:schemeClr val="tx1"/>
+            </a:solidFill>
+            <a:tailEnd type="triangle"/>
+          </a:ln>
+        </p:spPr>
+        <p:style>
+          <a:lnRef idx="1">
+            <a:schemeClr val="accent1"/>
+          </a:lnRef>
+          <a:fillRef idx="0">
+            <a:schemeClr val="accent1"/>
+          </a:fillRef>
+          <a:effectRef idx="0">
+            <a:schemeClr val="accent1"/>
+          </a:effectRef>
+          <a:fontRef idx="minor">
+            <a:schemeClr val="tx1"/>
+          </a:fontRef>
+        </p:style>
+      </p:cxnSp>
+      <p:cxnSp>
+        <p:nvCxnSpPr>
+          <p:cNvPr id="54" name="Connector: Elbow 53">
+            <a:extLst>
+              <a:ext uri="{FF2B5EF4-FFF2-40B4-BE49-F238E27FC236}">
+                <a16:creationId xmlns:a16="http://schemas.microsoft.com/office/drawing/2014/main" id="{0CEDB866-1E42-8F84-2BA6-F84EB8F5DF88}"/>
+              </a:ext>
+            </a:extLst>
+          </p:cNvPr>
+          <p:cNvCxnSpPr>
+            <a:stCxn id="27" idx="1"/>
+            <a:endCxn id="47" idx="2"/>
+          </p:cNvCxnSpPr>
+          <p:nvPr/>
+        </p:nvCxnSpPr>
+        <p:spPr>
+          <a:xfrm rot="10800000" flipH="1" flipV="1">
+            <a:off x="5783936" y="3040752"/>
+            <a:ext cx="241362" cy="1457432"/>
+          </a:xfrm>
+          <a:prstGeom prst="bentConnector3">
+            <a:avLst>
+              <a:gd name="adj1" fmla="val -623673"/>
+            </a:avLst>
+          </a:prstGeom>
+          <a:ln>
+            <a:solidFill>
+              <a:schemeClr val="tx1"/>
+            </a:solidFill>
+            <a:tailEnd type="triangle"/>
+          </a:ln>
+        </p:spPr>
+        <p:style>
+          <a:lnRef idx="1">
+            <a:schemeClr val="accent1"/>
+          </a:lnRef>
+          <a:fillRef idx="0">
+            <a:schemeClr val="accent1"/>
+          </a:fillRef>
+          <a:effectRef idx="0">
+            <a:schemeClr val="accent1"/>
+          </a:effectRef>
+          <a:fontRef idx="minor">
+            <a:schemeClr val="tx1"/>
+          </a:fontRef>
+        </p:style>
+      </p:cxnSp>
+      <p:cxnSp>
+        <p:nvCxnSpPr>
+          <p:cNvPr id="57" name="Connector: Elbow 56">
+            <a:extLst>
+              <a:ext uri="{FF2B5EF4-FFF2-40B4-BE49-F238E27FC236}">
+                <a16:creationId xmlns:a16="http://schemas.microsoft.com/office/drawing/2014/main" id="{6EBF5A0D-328B-480E-9F38-11D192C063DF}"/>
+              </a:ext>
+            </a:extLst>
+          </p:cNvPr>
+          <p:cNvCxnSpPr>
+            <a:stCxn id="27" idx="3"/>
+            <a:endCxn id="47" idx="6"/>
+          </p:cNvCxnSpPr>
+          <p:nvPr/>
+        </p:nvCxnSpPr>
+        <p:spPr>
+          <a:xfrm flipH="1">
+            <a:off x="6395665" y="3040752"/>
+            <a:ext cx="244613" cy="1457432"/>
+          </a:xfrm>
+          <a:prstGeom prst="bentConnector3">
+            <a:avLst>
+              <a:gd name="adj1" fmla="val -509589"/>
+            </a:avLst>
+          </a:prstGeom>
+          <a:ln>
+            <a:solidFill>
+              <a:schemeClr val="tx1"/>
+            </a:solidFill>
+            <a:tailEnd type="triangle"/>
+          </a:ln>
+        </p:spPr>
+        <p:style>
+          <a:lnRef idx="1">
+            <a:schemeClr val="accent1"/>
+          </a:lnRef>
+          <a:fillRef idx="0">
+            <a:schemeClr val="accent1"/>
+          </a:fillRef>
+          <a:effectRef idx="0">
+            <a:schemeClr val="accent1"/>
+          </a:effectRef>
+          <a:fontRef idx="minor">
+            <a:schemeClr val="tx1"/>
+          </a:fontRef>
+        </p:style>
+      </p:cxnSp>
+      <p:sp>
+        <p:nvSpPr>
+          <p:cNvPr id="60" name="TextBox 59">
+            <a:extLst>
+              <a:ext uri="{FF2B5EF4-FFF2-40B4-BE49-F238E27FC236}">
+                <a16:creationId xmlns:a16="http://schemas.microsoft.com/office/drawing/2014/main" id="{64712FA8-8D48-2686-A7CB-75A6937188E5}"/>
+              </a:ext>
+            </a:extLst>
+          </p:cNvPr>
+          <p:cNvSpPr txBox="1"/>
+          <p:nvPr/>
+        </p:nvSpPr>
+        <p:spPr>
+          <a:xfrm>
+            <a:off x="6156243" y="3504713"/>
+            <a:ext cx="1762021" cy="553998"/>
+          </a:xfrm>
+          <a:prstGeom prst="rect">
+            <a:avLst/>
+          </a:prstGeom>
+          <a:noFill/>
+        </p:spPr>
+        <p:txBody>
+          <a:bodyPr wrap="none" rtlCol="0">
+            <a:spAutoFit/>
+          </a:bodyPr>
+          <a:lstStyle/>
+          <a:p>
+            <a:r>
+              <a:rPr lang="en-CA" sz="1000" dirty="0"/>
+              <a:t>[temperature ∈ normal range;</a:t>
+            </a:r>
+          </a:p>
+          <a:p>
+            <a:r>
+              <a:rPr lang="en-CA" sz="1000" dirty="0"/>
+              <a:t> humidity ∈ normal range]</a:t>
+            </a:r>
+            <a:br>
+              <a:rPr lang="en-CA" sz="1000" dirty="0"/>
+            </a:br>
+            <a:r>
+              <a:rPr lang="en-CA" sz="1000" dirty="0"/>
+              <a:t>/ LED off</a:t>
+            </a:r>
+          </a:p>
+        </p:txBody>
+      </p:sp>
+      <p:sp>
+        <p:nvSpPr>
+          <p:cNvPr id="61" name="TextBox 60">
+            <a:extLst>
+              <a:ext uri="{FF2B5EF4-FFF2-40B4-BE49-F238E27FC236}">
+                <a16:creationId xmlns:a16="http://schemas.microsoft.com/office/drawing/2014/main" id="{7622FA20-C267-CA35-2AF5-4EF852961E5C}"/>
+              </a:ext>
+            </a:extLst>
+          </p:cNvPr>
+          <p:cNvSpPr txBox="1"/>
+          <p:nvPr/>
+        </p:nvSpPr>
+        <p:spPr>
+          <a:xfrm>
+            <a:off x="7239757" y="4464718"/>
+            <a:ext cx="1614545" cy="553998"/>
+          </a:xfrm>
+          <a:prstGeom prst="rect">
+            <a:avLst/>
+          </a:prstGeom>
+          <a:noFill/>
+        </p:spPr>
+        <p:txBody>
+          <a:bodyPr wrap="none" rtlCol="0">
+            <a:spAutoFit/>
+          </a:bodyPr>
+          <a:lstStyle/>
+          <a:p>
+            <a:r>
+              <a:rPr lang="en-CA" sz="1000" dirty="0"/>
+              <a:t>[temperature ∈ high range;</a:t>
+            </a:r>
+          </a:p>
+          <a:p>
+            <a:r>
+              <a:rPr lang="en-CA" sz="1000" dirty="0"/>
+              <a:t> humidity ∈ high range] </a:t>
+            </a:r>
+          </a:p>
+          <a:p>
+            <a:r>
+              <a:rPr lang="en-CA" sz="1000" dirty="0"/>
+              <a:t>/ RED_LED on</a:t>
+            </a:r>
+          </a:p>
+        </p:txBody>
+      </p:sp>
+      <p:sp>
+        <p:nvSpPr>
+          <p:cNvPr id="64" name="TextBox 63">
+            <a:extLst>
+              <a:ext uri="{FF2B5EF4-FFF2-40B4-BE49-F238E27FC236}">
+                <a16:creationId xmlns:a16="http://schemas.microsoft.com/office/drawing/2014/main" id="{3A5579FE-AAD7-C639-F320-01C7E4CDFA21}"/>
+              </a:ext>
+            </a:extLst>
+          </p:cNvPr>
+          <p:cNvSpPr txBox="1"/>
+          <p:nvPr/>
+        </p:nvSpPr>
+        <p:spPr>
+          <a:xfrm>
+            <a:off x="4240716" y="3162784"/>
+            <a:ext cx="1822935" cy="553998"/>
+          </a:xfrm>
+          <a:prstGeom prst="rect">
+            <a:avLst/>
+          </a:prstGeom>
+          <a:noFill/>
+        </p:spPr>
+        <p:txBody>
+          <a:bodyPr wrap="none" rtlCol="0">
+            <a:spAutoFit/>
+          </a:bodyPr>
+          <a:lstStyle/>
+          <a:p>
+            <a:r>
+              <a:rPr lang="en-CA" sz="1000" dirty="0"/>
+              <a:t>[temperature ∈ medium range;</a:t>
+            </a:r>
+          </a:p>
+          <a:p>
+            <a:r>
+              <a:rPr lang="en-CA" sz="1000" dirty="0"/>
+              <a:t> humidity ∈ medium range] </a:t>
+            </a:r>
+          </a:p>
+          <a:p>
+            <a:r>
+              <a:rPr lang="en-CA" sz="1000" dirty="0"/>
+              <a:t>/ ORANG_LED on</a:t>
+            </a:r>
+          </a:p>
+        </p:txBody>
+      </p:sp>
     </p:spTree>
     <p:extLst>
       <p:ext uri="{BB962C8B-B14F-4D97-AF65-F5344CB8AC3E}">

--- a/Assignment3/Patel-Grenier.pptx
+++ b/Assignment3/Patel-Grenier.pptx
@@ -3926,7 +3926,15 @@
           <a:p>
             <a:r>
               <a:rPr lang="en-CA" sz="1000" dirty="0"/>
-              <a:t>when [power out] / switch to battery</a:t>
+              <a:t>when [</a:t>
+            </a:r>
+            <a:r>
+              <a:rPr lang="en-CA" sz="1000" dirty="0" err="1"/>
+              <a:t>power_out</a:t>
+            </a:r>
+            <a:r>
+              <a:rPr lang="en-CA" sz="1000" dirty="0"/>
+              <a:t>] / switch to battery</a:t>
             </a:r>
           </a:p>
         </p:txBody>
@@ -4496,7 +4504,7 @@
           <a:p>
             <a:r>
               <a:rPr lang="en-CA" sz="1000" dirty="0"/>
-              <a:t>Idle</a:t>
+              <a:t>Exit</a:t>
             </a:r>
           </a:p>
         </p:txBody>
@@ -5661,7 +5669,7 @@
         <p:spPr>
           <a:xfrm>
             <a:off x="892357" y="2067492"/>
-            <a:ext cx="377026" cy="246221"/>
+            <a:ext cx="375424" cy="246221"/>
           </a:xfrm>
           <a:prstGeom prst="rect">
             <a:avLst/>
@@ -5676,7 +5684,7 @@
           <a:p>
             <a:r>
               <a:rPr lang="en-CA" sz="1000" dirty="0"/>
-              <a:t>Idle</a:t>
+              <a:t>Exit</a:t>
             </a:r>
           </a:p>
         </p:txBody>
@@ -6314,7 +6322,7 @@
         <p:spPr>
           <a:xfrm>
             <a:off x="5058579" y="3655156"/>
-            <a:ext cx="1393330" cy="246221"/>
+            <a:ext cx="1173719" cy="246221"/>
           </a:xfrm>
           <a:prstGeom prst="rect">
             <a:avLst/>
@@ -6328,12 +6336,8 @@
           <a:lstStyle/>
           <a:p>
             <a:r>
-              <a:rPr lang="en-CA" sz="1000" dirty="0" err="1"/>
-              <a:t>OnEntry</a:t>
-            </a:r>
-            <a:r>
               <a:rPr lang="en-CA" sz="1000" dirty="0"/>
-              <a:t>: green LED on</a:t>
+              <a:t>Do: GREEN_LED on</a:t>
             </a:r>
           </a:p>
         </p:txBody>
@@ -6353,7 +6357,7 @@
         <p:spPr>
           <a:xfrm>
             <a:off x="5056526" y="3850225"/>
-            <a:ext cx="1317990" cy="246221"/>
+            <a:ext cx="1380506" cy="246221"/>
           </a:xfrm>
           <a:prstGeom prst="rect">
             <a:avLst/>
@@ -6372,7 +6376,7 @@
             </a:r>
             <a:r>
               <a:rPr lang="en-CA" sz="1000" dirty="0"/>
-              <a:t>: green LED off</a:t>
+              <a:t>: GREEN_LED off</a:t>
             </a:r>
           </a:p>
         </p:txBody>
@@ -6407,6 +6411,53 @@
           <a:chExt cx="0" cy="0"/>
         </a:xfrm>
       </p:grpSpPr>
+      <p:cxnSp>
+        <p:nvCxnSpPr>
+          <p:cNvPr id="108" name="Connector: Elbow 107">
+            <a:extLst>
+              <a:ext uri="{FF2B5EF4-FFF2-40B4-BE49-F238E27FC236}">
+                <a16:creationId xmlns:a16="http://schemas.microsoft.com/office/drawing/2014/main" id="{B9EB9124-AB89-688B-51EE-93667A12D65B}"/>
+              </a:ext>
+            </a:extLst>
+          </p:cNvPr>
+          <p:cNvCxnSpPr>
+            <a:cxnSpLocks/>
+          </p:cNvCxnSpPr>
+          <p:nvPr/>
+        </p:nvCxnSpPr>
+        <p:spPr>
+          <a:xfrm rot="10800000">
+            <a:off x="6641627" y="3201558"/>
+            <a:ext cx="553381" cy="235765"/>
+          </a:xfrm>
+          <a:prstGeom prst="bentConnector4">
+            <a:avLst>
+              <a:gd name="adj1" fmla="val 932"/>
+              <a:gd name="adj2" fmla="val 196961"/>
+            </a:avLst>
+          </a:prstGeom>
+          <a:ln>
+            <a:solidFill>
+              <a:schemeClr val="tx1"/>
+            </a:solidFill>
+            <a:tailEnd type="triangle"/>
+          </a:ln>
+        </p:spPr>
+        <p:style>
+          <a:lnRef idx="1">
+            <a:schemeClr val="accent1"/>
+          </a:lnRef>
+          <a:fillRef idx="0">
+            <a:schemeClr val="accent1"/>
+          </a:fillRef>
+          <a:effectRef idx="0">
+            <a:schemeClr val="accent1"/>
+          </a:effectRef>
+          <a:fontRef idx="minor">
+            <a:schemeClr val="tx1"/>
+          </a:fontRef>
+        </p:style>
+      </p:cxnSp>
       <p:sp>
         <p:nvSpPr>
           <p:cNvPr id="63" name="Rounded Rectangle 151">
@@ -7394,7 +7445,11 @@
           <a:lstStyle/>
           <a:p>
             <a:pPr algn="ctr"/>
-            <a:endParaRPr lang="en-CA" dirty="0"/>
+            <a:endParaRPr lang="en-CA" dirty="0">
+              <a:solidFill>
+                <a:schemeClr val="tx1"/>
+              </a:solidFill>
+            </a:endParaRPr>
           </a:p>
         </p:txBody>
       </p:sp>
@@ -7553,8 +7608,8 @@
         </p:nvSpPr>
         <p:spPr>
           <a:xfrm>
-            <a:off x="7259525" y="3028837"/>
-            <a:ext cx="341760" cy="246221"/>
+            <a:off x="7232813" y="3028290"/>
+            <a:ext cx="1495922" cy="246221"/>
           </a:xfrm>
           <a:prstGeom prst="rect">
             <a:avLst/>
@@ -7569,7 +7624,15 @@
           <a:p>
             <a:r>
               <a:rPr lang="en-CA" sz="1000" dirty="0"/>
-              <a:t>set</a:t>
+              <a:t>set / </a:t>
+            </a:r>
+            <a:r>
+              <a:rPr lang="en-CA" sz="1000" dirty="0" err="1"/>
+              <a:t>in_operation</a:t>
+            </a:r>
+            <a:r>
+              <a:rPr lang="en-CA" sz="1000" dirty="0"/>
+              <a:t> := true</a:t>
             </a:r>
           </a:p>
         </p:txBody>
@@ -7585,15 +7648,13 @@
           </p:cNvPr>
           <p:cNvCxnSpPr>
             <a:cxnSpLocks/>
-            <a:stCxn id="11" idx="3"/>
-            <a:endCxn id="8" idx="0"/>
           </p:cNvCxnSpPr>
           <p:nvPr/>
         </p:nvCxnSpPr>
         <p:spPr>
           <a:xfrm>
-            <a:off x="4383980" y="2923634"/>
-            <a:ext cx="2188605" cy="505366"/>
+            <a:off x="5337166" y="2921845"/>
+            <a:ext cx="1129949" cy="279890"/>
           </a:xfrm>
           <a:prstGeom prst="bentConnector2">
             <a:avLst/>
@@ -7620,55 +7681,6 @@
           </a:fontRef>
         </p:style>
       </p:cxnSp>
-      <p:sp>
-        <p:nvSpPr>
-          <p:cNvPr id="28" name="Rectangle 27">
-            <a:extLst>
-              <a:ext uri="{FF2B5EF4-FFF2-40B4-BE49-F238E27FC236}">
-                <a16:creationId xmlns:a16="http://schemas.microsoft.com/office/drawing/2014/main" id="{4D1F83FB-213D-A44E-C642-B60741164291}"/>
-              </a:ext>
-            </a:extLst>
-          </p:cNvPr>
-          <p:cNvSpPr/>
-          <p:nvPr/>
-        </p:nvSpPr>
-        <p:spPr>
-          <a:xfrm>
-            <a:off x="6782918" y="2764116"/>
-            <a:ext cx="988826" cy="45719"/>
-          </a:xfrm>
-          <a:prstGeom prst="rect">
-            <a:avLst/>
-          </a:prstGeom>
-          <a:solidFill>
-            <a:schemeClr val="tx1"/>
-          </a:solidFill>
-        </p:spPr>
-        <p:style>
-          <a:lnRef idx="2">
-            <a:schemeClr val="accent1">
-              <a:shade val="15000"/>
-            </a:schemeClr>
-          </a:lnRef>
-          <a:fillRef idx="1">
-            <a:schemeClr val="accent1"/>
-          </a:fillRef>
-          <a:effectRef idx="0">
-            <a:schemeClr val="accent1"/>
-          </a:effectRef>
-          <a:fontRef idx="minor">
-            <a:schemeClr val="lt1"/>
-          </a:fontRef>
-        </p:style>
-        <p:txBody>
-          <a:bodyPr rtlCol="0" anchor="ctr"/>
-          <a:lstStyle/>
-          <a:p>
-            <a:pPr algn="ctr"/>
-            <a:endParaRPr lang="en-CA"/>
-          </a:p>
-        </p:txBody>
-      </p:sp>
       <p:cxnSp>
         <p:nvCxnSpPr>
           <p:cNvPr id="29" name="Straight Arrow Connector 28">
@@ -7680,7 +7692,6 @@
           </p:cNvPr>
           <p:cNvCxnSpPr>
             <a:cxnSpLocks/>
-            <a:endCxn id="28" idx="2"/>
           </p:cNvCxnSpPr>
           <p:nvPr/>
         </p:nvCxnSpPr>
@@ -7724,18 +7735,18 @@
             </a:extLst>
           </p:cNvPr>
           <p:cNvCxnSpPr>
-            <a:stCxn id="28" idx="1"/>
+            <a:cxnSpLocks/>
           </p:cNvCxnSpPr>
           <p:nvPr/>
         </p:nvCxnSpPr>
         <p:spPr>
           <a:xfrm rot="10800000">
-            <a:off x="4383980" y="2555350"/>
-            <a:ext cx="2398939" cy="231627"/>
+            <a:off x="4383981" y="2555351"/>
+            <a:ext cx="2743978" cy="186666"/>
           </a:xfrm>
           <a:prstGeom prst="bentConnector3">
             <a:avLst>
-              <a:gd name="adj1" fmla="val -12569"/>
+              <a:gd name="adj1" fmla="val -283"/>
             </a:avLst>
           </a:prstGeom>
           <a:ln>
@@ -7783,7 +7794,7 @@
           <a:prstGeom prst="bentConnector4">
             <a:avLst>
               <a:gd name="adj1" fmla="val -14541"/>
-              <a:gd name="adj2" fmla="val 570647"/>
+              <a:gd name="adj2" fmla="val 1442358"/>
             </a:avLst>
           </a:prstGeom>
           <a:ln>
@@ -7822,8 +7833,8 @@
         </p:nvSpPr>
         <p:spPr>
           <a:xfrm>
-            <a:off x="3687314" y="1230873"/>
-            <a:ext cx="1393330" cy="246221"/>
+            <a:off x="3687314" y="1239037"/>
+            <a:ext cx="1173719" cy="246221"/>
           </a:xfrm>
           <a:prstGeom prst="rect">
             <a:avLst/>
@@ -7837,12 +7848,8 @@
           <a:lstStyle/>
           <a:p>
             <a:r>
-              <a:rPr lang="en-CA" sz="1000" dirty="0" err="1"/>
-              <a:t>OnEntry</a:t>
-            </a:r>
-            <a:r>
               <a:rPr lang="en-CA" sz="1000" dirty="0"/>
-              <a:t>: green LED on</a:t>
+              <a:t>Do: GREEN_LED on</a:t>
             </a:r>
           </a:p>
         </p:txBody>
@@ -7862,7 +7869,7 @@
         <p:spPr>
           <a:xfrm>
             <a:off x="3685261" y="1425942"/>
-            <a:ext cx="1317990" cy="246221"/>
+            <a:ext cx="1380506" cy="246221"/>
           </a:xfrm>
           <a:prstGeom prst="rect">
             <a:avLst/>
@@ -7881,7 +7888,7 @@
             </a:r>
             <a:r>
               <a:rPr lang="en-CA" sz="1000" dirty="0"/>
-              <a:t>: green LED off</a:t>
+              <a:t>: GREEN_LED off</a:t>
             </a:r>
           </a:p>
         </p:txBody>
@@ -7953,7 +7960,7 @@
         <p:spPr>
           <a:xfrm>
             <a:off x="1432730" y="3963882"/>
-            <a:ext cx="1391890" cy="246221"/>
+            <a:ext cx="1391890" cy="400110"/>
           </a:xfrm>
           <a:prstGeom prst="rect">
             <a:avLst/>
@@ -7968,7 +7975,7 @@
           <a:p>
             <a:r>
               <a:rPr lang="en-CA" sz="1000" dirty="0"/>
-              <a:t>[inactivity &gt; 2m] / beep</a:t>
+              <a:t>when [inactivity &gt; 2m] / beep</a:t>
             </a:r>
           </a:p>
         </p:txBody>
@@ -8334,6 +8341,417 @@
           </a:fontRef>
         </p:style>
       </p:cxnSp>
+      <p:sp>
+        <p:nvSpPr>
+          <p:cNvPr id="55" name="Flowchart: Connector 54">
+            <a:extLst>
+              <a:ext uri="{FF2B5EF4-FFF2-40B4-BE49-F238E27FC236}">
+                <a16:creationId xmlns:a16="http://schemas.microsoft.com/office/drawing/2014/main" id="{2827E83E-7318-9192-07CE-9F55C784C505}"/>
+              </a:ext>
+            </a:extLst>
+          </p:cNvPr>
+          <p:cNvSpPr/>
+          <p:nvPr/>
+        </p:nvSpPr>
+        <p:spPr>
+          <a:xfrm>
+            <a:off x="5323506" y="2786356"/>
+            <a:ext cx="291247" cy="268190"/>
+          </a:xfrm>
+          <a:prstGeom prst="flowChartConnector">
+            <a:avLst/>
+          </a:prstGeom>
+          <a:solidFill>
+            <a:schemeClr val="tx1"/>
+          </a:solidFill>
+        </p:spPr>
+        <p:style>
+          <a:lnRef idx="2">
+            <a:schemeClr val="accent1">
+              <a:shade val="15000"/>
+            </a:schemeClr>
+          </a:lnRef>
+          <a:fillRef idx="1">
+            <a:schemeClr val="accent1"/>
+          </a:fillRef>
+          <a:effectRef idx="0">
+            <a:schemeClr val="accent1"/>
+          </a:effectRef>
+          <a:fontRef idx="minor">
+            <a:schemeClr val="lt1"/>
+          </a:fontRef>
+        </p:style>
+        <p:txBody>
+          <a:bodyPr rtlCol="0" anchor="ctr"/>
+          <a:lstStyle/>
+          <a:p>
+            <a:pPr algn="ctr"/>
+            <a:endParaRPr lang="en-CA" dirty="0"/>
+          </a:p>
+        </p:txBody>
+      </p:sp>
+      <p:sp>
+        <p:nvSpPr>
+          <p:cNvPr id="68" name="Rectangle 67">
+            <a:extLst>
+              <a:ext uri="{FF2B5EF4-FFF2-40B4-BE49-F238E27FC236}">
+                <a16:creationId xmlns:a16="http://schemas.microsoft.com/office/drawing/2014/main" id="{1CB7099B-FFFA-160A-1076-210E69DF783C}"/>
+              </a:ext>
+            </a:extLst>
+          </p:cNvPr>
+          <p:cNvSpPr/>
+          <p:nvPr/>
+        </p:nvSpPr>
+        <p:spPr>
+          <a:xfrm>
+            <a:off x="6178465" y="3193235"/>
+            <a:ext cx="792226" cy="45719"/>
+          </a:xfrm>
+          <a:prstGeom prst="rect">
+            <a:avLst/>
+          </a:prstGeom>
+          <a:solidFill>
+            <a:schemeClr val="tx1"/>
+          </a:solidFill>
+        </p:spPr>
+        <p:style>
+          <a:lnRef idx="2">
+            <a:schemeClr val="accent1">
+              <a:shade val="15000"/>
+            </a:schemeClr>
+          </a:lnRef>
+          <a:fillRef idx="1">
+            <a:schemeClr val="accent1"/>
+          </a:fillRef>
+          <a:effectRef idx="0">
+            <a:schemeClr val="accent1"/>
+          </a:effectRef>
+          <a:fontRef idx="minor">
+            <a:schemeClr val="lt1"/>
+          </a:fontRef>
+        </p:style>
+        <p:txBody>
+          <a:bodyPr rtlCol="0" anchor="ctr"/>
+          <a:lstStyle/>
+          <a:p>
+            <a:pPr algn="ctr"/>
+            <a:endParaRPr lang="en-CA"/>
+          </a:p>
+        </p:txBody>
+      </p:sp>
+      <p:sp>
+        <p:nvSpPr>
+          <p:cNvPr id="73" name="Rectangle 72">
+            <a:extLst>
+              <a:ext uri="{FF2B5EF4-FFF2-40B4-BE49-F238E27FC236}">
+                <a16:creationId xmlns:a16="http://schemas.microsoft.com/office/drawing/2014/main" id="{75CF8001-CC08-B3A2-519C-2A48503608DF}"/>
+              </a:ext>
+            </a:extLst>
+          </p:cNvPr>
+          <p:cNvSpPr/>
+          <p:nvPr/>
+        </p:nvSpPr>
+        <p:spPr>
+          <a:xfrm>
+            <a:off x="6930219" y="2741259"/>
+            <a:ext cx="792226" cy="45719"/>
+          </a:xfrm>
+          <a:prstGeom prst="rect">
+            <a:avLst/>
+          </a:prstGeom>
+          <a:solidFill>
+            <a:schemeClr val="tx1"/>
+          </a:solidFill>
+        </p:spPr>
+        <p:style>
+          <a:lnRef idx="2">
+            <a:schemeClr val="accent1">
+              <a:shade val="15000"/>
+            </a:schemeClr>
+          </a:lnRef>
+          <a:fillRef idx="1">
+            <a:schemeClr val="accent1"/>
+          </a:fillRef>
+          <a:effectRef idx="0">
+            <a:schemeClr val="accent1"/>
+          </a:effectRef>
+          <a:fontRef idx="minor">
+            <a:schemeClr val="lt1"/>
+          </a:fontRef>
+        </p:style>
+        <p:txBody>
+          <a:bodyPr rtlCol="0" anchor="ctr"/>
+          <a:lstStyle/>
+          <a:p>
+            <a:pPr algn="ctr"/>
+            <a:endParaRPr lang="en-CA"/>
+          </a:p>
+        </p:txBody>
+      </p:sp>
+      <p:cxnSp>
+        <p:nvCxnSpPr>
+          <p:cNvPr id="77" name="Straight Arrow Connector 76">
+            <a:extLst>
+              <a:ext uri="{FF2B5EF4-FFF2-40B4-BE49-F238E27FC236}">
+                <a16:creationId xmlns:a16="http://schemas.microsoft.com/office/drawing/2014/main" id="{2CD41A45-076D-A5EF-0B19-DC64CF426A84}"/>
+              </a:ext>
+            </a:extLst>
+          </p:cNvPr>
+          <p:cNvCxnSpPr>
+            <a:stCxn id="11" idx="3"/>
+            <a:endCxn id="55" idx="2"/>
+          </p:cNvCxnSpPr>
+          <p:nvPr/>
+        </p:nvCxnSpPr>
+        <p:spPr>
+          <a:xfrm flipV="1">
+            <a:off x="4383980" y="2920451"/>
+            <a:ext cx="939526" cy="3183"/>
+          </a:xfrm>
+          <a:prstGeom prst="straightConnector1">
+            <a:avLst/>
+          </a:prstGeom>
+          <a:ln>
+            <a:solidFill>
+              <a:schemeClr val="tx1"/>
+            </a:solidFill>
+            <a:tailEnd type="triangle"/>
+          </a:ln>
+        </p:spPr>
+        <p:style>
+          <a:lnRef idx="1">
+            <a:schemeClr val="accent1"/>
+          </a:lnRef>
+          <a:fillRef idx="0">
+            <a:schemeClr val="accent1"/>
+          </a:fillRef>
+          <a:effectRef idx="0">
+            <a:schemeClr val="accent1"/>
+          </a:effectRef>
+          <a:fontRef idx="minor">
+            <a:schemeClr val="tx1"/>
+          </a:fontRef>
+        </p:style>
+      </p:cxnSp>
+      <p:sp>
+        <p:nvSpPr>
+          <p:cNvPr id="116" name="TextBox 115">
+            <a:extLst>
+              <a:ext uri="{FF2B5EF4-FFF2-40B4-BE49-F238E27FC236}">
+                <a16:creationId xmlns:a16="http://schemas.microsoft.com/office/drawing/2014/main" id="{672FF4CD-E904-64E0-80E7-4390C32777CD}"/>
+              </a:ext>
+            </a:extLst>
+          </p:cNvPr>
+          <p:cNvSpPr txBox="1"/>
+          <p:nvPr/>
+        </p:nvSpPr>
+        <p:spPr>
+          <a:xfrm>
+            <a:off x="5632599" y="2695189"/>
+            <a:ext cx="936475" cy="246221"/>
+          </a:xfrm>
+          <a:prstGeom prst="rect">
+            <a:avLst/>
+          </a:prstGeom>
+          <a:noFill/>
+        </p:spPr>
+        <p:txBody>
+          <a:bodyPr wrap="none" rtlCol="0">
+            <a:spAutoFit/>
+          </a:bodyPr>
+          <a:lstStyle/>
+          <a:p>
+            <a:r>
+              <a:rPr lang="en-CA" sz="1000" dirty="0"/>
+              <a:t>[</a:t>
+            </a:r>
+            <a:r>
+              <a:rPr lang="en-CA" sz="1000" dirty="0" err="1"/>
+              <a:t>in_operation</a:t>
+            </a:r>
+            <a:r>
+              <a:rPr lang="en-CA" sz="1000" dirty="0"/>
+              <a:t>]</a:t>
+            </a:r>
+          </a:p>
+        </p:txBody>
+      </p:sp>
+      <p:sp>
+        <p:nvSpPr>
+          <p:cNvPr id="117" name="TextBox 116">
+            <a:extLst>
+              <a:ext uri="{FF2B5EF4-FFF2-40B4-BE49-F238E27FC236}">
+                <a16:creationId xmlns:a16="http://schemas.microsoft.com/office/drawing/2014/main" id="{79559D4A-0036-CD2F-8069-39A2959B62D0}"/>
+              </a:ext>
+            </a:extLst>
+          </p:cNvPr>
+          <p:cNvSpPr txBox="1"/>
+          <p:nvPr/>
+        </p:nvSpPr>
+        <p:spPr>
+          <a:xfrm>
+            <a:off x="5446000" y="3010091"/>
+            <a:ext cx="471604" cy="246221"/>
+          </a:xfrm>
+          <a:prstGeom prst="rect">
+            <a:avLst/>
+          </a:prstGeom>
+          <a:noFill/>
+        </p:spPr>
+        <p:txBody>
+          <a:bodyPr wrap="none" rtlCol="0">
+            <a:spAutoFit/>
+          </a:bodyPr>
+          <a:lstStyle/>
+          <a:p>
+            <a:r>
+              <a:rPr lang="en-CA" sz="1000" dirty="0"/>
+              <a:t>[else]</a:t>
+            </a:r>
+          </a:p>
+        </p:txBody>
+      </p:sp>
+      <p:cxnSp>
+        <p:nvCxnSpPr>
+          <p:cNvPr id="134" name="Straight Arrow Connector 133">
+            <a:extLst>
+              <a:ext uri="{FF2B5EF4-FFF2-40B4-BE49-F238E27FC236}">
+                <a16:creationId xmlns:a16="http://schemas.microsoft.com/office/drawing/2014/main" id="{144FBDE1-E39C-FD44-4E47-02AC3FC3AE23}"/>
+              </a:ext>
+            </a:extLst>
+          </p:cNvPr>
+          <p:cNvCxnSpPr>
+            <a:stCxn id="68" idx="2"/>
+            <a:endCxn id="8" idx="0"/>
+          </p:cNvCxnSpPr>
+          <p:nvPr/>
+        </p:nvCxnSpPr>
+        <p:spPr>
+          <a:xfrm flipH="1">
+            <a:off x="6572585" y="3238954"/>
+            <a:ext cx="1993" cy="190046"/>
+          </a:xfrm>
+          <a:prstGeom prst="straightConnector1">
+            <a:avLst/>
+          </a:prstGeom>
+          <a:ln>
+            <a:solidFill>
+              <a:schemeClr val="tx1"/>
+            </a:solidFill>
+            <a:tailEnd type="triangle"/>
+          </a:ln>
+        </p:spPr>
+        <p:style>
+          <a:lnRef idx="1">
+            <a:schemeClr val="accent1"/>
+          </a:lnRef>
+          <a:fillRef idx="0">
+            <a:schemeClr val="accent1"/>
+          </a:fillRef>
+          <a:effectRef idx="0">
+            <a:schemeClr val="accent1"/>
+          </a:effectRef>
+          <a:fontRef idx="minor">
+            <a:schemeClr val="tx1"/>
+          </a:fontRef>
+        </p:style>
+      </p:cxnSp>
+      <p:sp>
+        <p:nvSpPr>
+          <p:cNvPr id="139" name="Oval 138">
+            <a:extLst>
+              <a:ext uri="{FF2B5EF4-FFF2-40B4-BE49-F238E27FC236}">
+                <a16:creationId xmlns:a16="http://schemas.microsoft.com/office/drawing/2014/main" id="{D2AD2D1E-C0F7-23FB-10CF-946AFACA26AB}"/>
+              </a:ext>
+            </a:extLst>
+          </p:cNvPr>
+          <p:cNvSpPr/>
+          <p:nvPr/>
+        </p:nvSpPr>
+        <p:spPr>
+          <a:xfrm>
+            <a:off x="5846276" y="3436036"/>
+            <a:ext cx="113562" cy="90405"/>
+          </a:xfrm>
+          <a:prstGeom prst="ellipse">
+            <a:avLst/>
+          </a:prstGeom>
+          <a:noFill/>
+          <a:ln>
+            <a:noFill/>
+          </a:ln>
+        </p:spPr>
+        <p:style>
+          <a:lnRef idx="2">
+            <a:schemeClr val="accent1">
+              <a:shade val="15000"/>
+            </a:schemeClr>
+          </a:lnRef>
+          <a:fillRef idx="1">
+            <a:schemeClr val="accent1"/>
+          </a:fillRef>
+          <a:effectRef idx="0">
+            <a:schemeClr val="accent1"/>
+          </a:effectRef>
+          <a:fontRef idx="minor">
+            <a:schemeClr val="lt1"/>
+          </a:fontRef>
+        </p:style>
+        <p:txBody>
+          <a:bodyPr rtlCol="0" anchor="ctr"/>
+          <a:lstStyle/>
+          <a:p>
+            <a:pPr algn="ctr"/>
+            <a:endParaRPr lang="en-CA"/>
+          </a:p>
+        </p:txBody>
+      </p:sp>
+      <p:cxnSp>
+        <p:nvCxnSpPr>
+          <p:cNvPr id="141" name="Connector: Elbow 140">
+            <a:extLst>
+              <a:ext uri="{FF2B5EF4-FFF2-40B4-BE49-F238E27FC236}">
+                <a16:creationId xmlns:a16="http://schemas.microsoft.com/office/drawing/2014/main" id="{9F5F8C42-BC8A-9E43-80B4-06DFBD12DBA1}"/>
+              </a:ext>
+            </a:extLst>
+          </p:cNvPr>
+          <p:cNvCxnSpPr>
+            <a:cxnSpLocks/>
+            <a:stCxn id="55" idx="4"/>
+            <a:endCxn id="139" idx="0"/>
+          </p:cNvCxnSpPr>
+          <p:nvPr/>
+        </p:nvCxnSpPr>
+        <p:spPr>
+          <a:xfrm rot="16200000" flipH="1">
+            <a:off x="5495348" y="3028327"/>
+            <a:ext cx="381490" cy="433927"/>
+          </a:xfrm>
+          <a:prstGeom prst="bentConnector3">
+            <a:avLst/>
+          </a:prstGeom>
+          <a:ln>
+            <a:solidFill>
+              <a:schemeClr val="tx1"/>
+            </a:solidFill>
+            <a:tailEnd type="triangle"/>
+          </a:ln>
+        </p:spPr>
+        <p:style>
+          <a:lnRef idx="1">
+            <a:schemeClr val="accent1"/>
+          </a:lnRef>
+          <a:fillRef idx="0">
+            <a:schemeClr val="accent1"/>
+          </a:fillRef>
+          <a:effectRef idx="0">
+            <a:schemeClr val="accent1"/>
+          </a:effectRef>
+          <a:fontRef idx="minor">
+            <a:schemeClr val="tx1"/>
+          </a:fontRef>
+        </p:style>
+      </p:cxnSp>
     </p:spTree>
     <p:extLst>
       <p:ext uri="{BB962C8B-B14F-4D97-AF65-F5344CB8AC3E}">
@@ -8896,7 +9314,7 @@
         <p:spPr>
           <a:xfrm>
             <a:off x="3853481" y="1758866"/>
-            <a:ext cx="1653017" cy="246221"/>
+            <a:ext cx="1649811" cy="246221"/>
           </a:xfrm>
           <a:prstGeom prst="rect">
             <a:avLst/>
@@ -8911,7 +9329,15 @@
           <a:p>
             <a:r>
               <a:rPr lang="en-CA" sz="1000" dirty="0"/>
-              <a:t>set(temperature threshold)</a:t>
+              <a:t>set(</a:t>
+            </a:r>
+            <a:r>
+              <a:rPr lang="en-CA" sz="1000" dirty="0" err="1"/>
+              <a:t>temperature_threshold</a:t>
+            </a:r>
+            <a:r>
+              <a:rPr lang="en-CA" sz="1000" dirty="0"/>
+              <a:t>)</a:t>
             </a:r>
           </a:p>
         </p:txBody>
@@ -8931,7 +9357,7 @@
         <p:spPr>
           <a:xfrm>
             <a:off x="1694139" y="3024768"/>
-            <a:ext cx="1439818" cy="246221"/>
+            <a:ext cx="1446230" cy="246221"/>
           </a:xfrm>
           <a:prstGeom prst="rect">
             <a:avLst/>
@@ -8946,7 +9372,15 @@
           <a:p>
             <a:r>
               <a:rPr lang="en-CA" sz="1000" dirty="0"/>
-              <a:t>set(humidity threshold)</a:t>
+              <a:t>set(</a:t>
+            </a:r>
+            <a:r>
+              <a:rPr lang="en-CA" sz="1000" dirty="0" err="1"/>
+              <a:t>humidity_threshold</a:t>
+            </a:r>
+            <a:r>
+              <a:rPr lang="en-CA" sz="1000" dirty="0"/>
+              <a:t>)</a:t>
             </a:r>
           </a:p>
         </p:txBody>
@@ -9206,7 +9640,7 @@
         <p:spPr>
           <a:xfrm>
             <a:off x="5509665" y="1051568"/>
-            <a:ext cx="1653017" cy="246221"/>
+            <a:ext cx="1649811" cy="246221"/>
           </a:xfrm>
           <a:prstGeom prst="rect">
             <a:avLst/>
@@ -9221,7 +9655,15 @@
           <a:p>
             <a:r>
               <a:rPr lang="en-CA" sz="1000" dirty="0"/>
-              <a:t>set(temperature threshold)</a:t>
+              <a:t>set(</a:t>
+            </a:r>
+            <a:r>
+              <a:rPr lang="en-CA" sz="1000" dirty="0" err="1"/>
+              <a:t>temperature_threshold</a:t>
+            </a:r>
+            <a:r>
+              <a:rPr lang="en-CA" sz="1000" dirty="0"/>
+              <a:t>)</a:t>
             </a:r>
           </a:p>
         </p:txBody>
@@ -9337,7 +9779,7 @@
         <p:spPr>
           <a:xfrm>
             <a:off x="4611226" y="3045644"/>
-            <a:ext cx="1439818" cy="246221"/>
+            <a:ext cx="1446230" cy="246221"/>
           </a:xfrm>
           <a:prstGeom prst="rect">
             <a:avLst/>
@@ -9352,7 +9794,15 @@
           <a:p>
             <a:r>
               <a:rPr lang="en-CA" sz="1000" dirty="0"/>
-              <a:t>set(humidity threshold)</a:t>
+              <a:t>set(</a:t>
+            </a:r>
+            <a:r>
+              <a:rPr lang="en-CA" sz="1000" dirty="0" err="1"/>
+              <a:t>humidity_threshold</a:t>
+            </a:r>
+            <a:r>
+              <a:rPr lang="en-CA" sz="1000" dirty="0"/>
+              <a:t>)</a:t>
             </a:r>
           </a:p>
         </p:txBody>
@@ -9888,7 +10338,7 @@
         <p:spPr>
           <a:xfrm>
             <a:off x="4213525" y="5264836"/>
-            <a:ext cx="1774845" cy="246221"/>
+            <a:ext cx="1810111" cy="246221"/>
           </a:xfrm>
           <a:prstGeom prst="rect">
             <a:avLst/>
@@ -9903,7 +10353,15 @@
           <a:p>
             <a:r>
               <a:rPr lang="en-CA" sz="1000" dirty="0"/>
-              <a:t>[temperature threshold = null]</a:t>
+              <a:t>[</a:t>
+            </a:r>
+            <a:r>
+              <a:rPr lang="en-CA" sz="1000" dirty="0" err="1"/>
+              <a:t>temperature_threshold</a:t>
+            </a:r>
+            <a:r>
+              <a:rPr lang="en-CA" sz="1000" dirty="0"/>
+              <a:t> = null]</a:t>
             </a:r>
           </a:p>
         </p:txBody>
@@ -9923,7 +10381,7 @@
         <p:spPr>
           <a:xfrm>
             <a:off x="5680021" y="5951867"/>
-            <a:ext cx="1571264" cy="246221"/>
+            <a:ext cx="1606530" cy="246221"/>
           </a:xfrm>
           <a:prstGeom prst="rect">
             <a:avLst/>
@@ -9938,7 +10396,15 @@
           <a:p>
             <a:r>
               <a:rPr lang="en-CA" sz="1000" dirty="0"/>
-              <a:t>[humidity threshold = null]</a:t>
+              <a:t>[</a:t>
+            </a:r>
+            <a:r>
+              <a:rPr lang="en-CA" sz="1000" dirty="0" err="1"/>
+              <a:t>humidity_threshold</a:t>
+            </a:r>
+            <a:r>
+              <a:rPr lang="en-CA" sz="1000" dirty="0"/>
+              <a:t> = null]</a:t>
             </a:r>
           </a:p>
         </p:txBody>
@@ -10069,7 +10535,7 @@
                 </a:solidFill>
                 <a:cs typeface="Arial" panose="020B0604020202020204" pitchFamily="34" charset="0"/>
               </a:rPr>
-              <a:t>WAIT_FOR_H</a:t>
+              <a:t>WAIT_FOR_T</a:t>
             </a:r>
           </a:p>
         </p:txBody>
@@ -10133,7 +10599,7 @@
         <p:spPr>
           <a:xfrm>
             <a:off x="3897941" y="3791925"/>
-            <a:ext cx="1614545" cy="246221"/>
+            <a:ext cx="1649811" cy="246221"/>
           </a:xfrm>
           <a:prstGeom prst="rect">
             <a:avLst/>
@@ -10148,7 +10614,15 @@
           <a:p>
             <a:r>
               <a:rPr lang="en-CA" sz="1000" dirty="0"/>
-              <a:t>set(temperature threshold)</a:t>
+              <a:t>set(</a:t>
+            </a:r>
+            <a:r>
+              <a:rPr lang="en-CA" sz="1000" dirty="0" err="1"/>
+              <a:t>temperature_threshold</a:t>
+            </a:r>
+            <a:r>
+              <a:rPr lang="en-CA" sz="1000" dirty="0"/>
+              <a:t>)</a:t>
             </a:r>
           </a:p>
         </p:txBody>
@@ -10228,6 +10702,145 @@
             <a:r>
               <a:rPr lang="en-CA" sz="1000" dirty="0"/>
               <a:t>done</a:t>
+            </a:r>
+          </a:p>
+        </p:txBody>
+      </p:sp>
+      <p:sp>
+        <p:nvSpPr>
+          <p:cNvPr id="2" name="Freeform: Shape 1">
+            <a:extLst>
+              <a:ext uri="{FF2B5EF4-FFF2-40B4-BE49-F238E27FC236}">
+                <a16:creationId xmlns:a16="http://schemas.microsoft.com/office/drawing/2014/main" id="{EF818318-D930-6896-38A3-77C54BFB5430}"/>
+              </a:ext>
+            </a:extLst>
+          </p:cNvPr>
+          <p:cNvSpPr/>
+          <p:nvPr/>
+        </p:nvSpPr>
+        <p:spPr>
+          <a:xfrm rot="10800000">
+            <a:off x="2655880" y="4705083"/>
+            <a:ext cx="776378" cy="405448"/>
+          </a:xfrm>
+          <a:custGeom>
+            <a:avLst/>
+            <a:gdLst>
+              <a:gd name="connsiteX0" fmla="*/ 776378 w 776378"/>
+              <a:gd name="connsiteY0" fmla="*/ 396822 h 405448"/>
+              <a:gd name="connsiteX1" fmla="*/ 370936 w 776378"/>
+              <a:gd name="connsiteY1" fmla="*/ 7 h 405448"/>
+              <a:gd name="connsiteX2" fmla="*/ 0 w 776378"/>
+              <a:gd name="connsiteY2" fmla="*/ 405448 h 405448"/>
+            </a:gdLst>
+            <a:ahLst/>
+            <a:cxnLst>
+              <a:cxn ang="0">
+                <a:pos x="connsiteX0" y="connsiteY0"/>
+              </a:cxn>
+              <a:cxn ang="0">
+                <a:pos x="connsiteX1" y="connsiteY1"/>
+              </a:cxn>
+              <a:cxn ang="0">
+                <a:pos x="connsiteX2" y="connsiteY2"/>
+              </a:cxn>
+            </a:cxnLst>
+            <a:rect l="l" t="t" r="r" b="b"/>
+            <a:pathLst>
+              <a:path w="776378" h="405448">
+                <a:moveTo>
+                  <a:pt x="776378" y="396822"/>
+                </a:moveTo>
+                <a:cubicBezTo>
+                  <a:pt x="638355" y="197695"/>
+                  <a:pt x="500332" y="-1431"/>
+                  <a:pt x="370936" y="7"/>
+                </a:cubicBezTo>
+                <a:cubicBezTo>
+                  <a:pt x="241540" y="1445"/>
+                  <a:pt x="120770" y="203446"/>
+                  <a:pt x="0" y="405448"/>
+                </a:cubicBezTo>
+              </a:path>
+            </a:pathLst>
+          </a:custGeom>
+          <a:noFill/>
+          <a:ln>
+            <a:solidFill>
+              <a:schemeClr val="tx1"/>
+            </a:solidFill>
+            <a:headEnd type="none" w="med" len="med"/>
+            <a:tailEnd type="arrow" w="med" len="med"/>
+          </a:ln>
+        </p:spPr>
+        <p:style>
+          <a:lnRef idx="2">
+            <a:schemeClr val="accent1">
+              <a:shade val="15000"/>
+            </a:schemeClr>
+          </a:lnRef>
+          <a:fillRef idx="1">
+            <a:schemeClr val="accent1"/>
+          </a:fillRef>
+          <a:effectRef idx="0">
+            <a:schemeClr val="accent1"/>
+          </a:effectRef>
+          <a:fontRef idx="minor">
+            <a:schemeClr val="lt1"/>
+          </a:fontRef>
+        </p:style>
+        <p:txBody>
+          <a:bodyPr rtlCol="0" anchor="ctr"/>
+          <a:lstStyle/>
+          <a:p>
+            <a:pPr algn="ctr"/>
+            <a:endParaRPr lang="en-CA">
+              <a:solidFill>
+                <a:schemeClr val="tx1"/>
+              </a:solidFill>
+            </a:endParaRPr>
+          </a:p>
+        </p:txBody>
+      </p:sp>
+      <p:sp>
+        <p:nvSpPr>
+          <p:cNvPr id="5" name="TextBox 4">
+            <a:extLst>
+              <a:ext uri="{FF2B5EF4-FFF2-40B4-BE49-F238E27FC236}">
+                <a16:creationId xmlns:a16="http://schemas.microsoft.com/office/drawing/2014/main" id="{0CB3D1FE-6040-2FFB-BB96-024A0412D540}"/>
+              </a:ext>
+            </a:extLst>
+          </p:cNvPr>
+          <p:cNvSpPr txBox="1"/>
+          <p:nvPr/>
+        </p:nvSpPr>
+        <p:spPr>
+          <a:xfrm>
+            <a:off x="2345068" y="5089811"/>
+            <a:ext cx="1446230" cy="246221"/>
+          </a:xfrm>
+          <a:prstGeom prst="rect">
+            <a:avLst/>
+          </a:prstGeom>
+          <a:noFill/>
+        </p:spPr>
+        <p:txBody>
+          <a:bodyPr wrap="none" rtlCol="0">
+            <a:spAutoFit/>
+          </a:bodyPr>
+          <a:lstStyle/>
+          <a:p>
+            <a:r>
+              <a:rPr lang="en-CA" sz="1000" dirty="0"/>
+              <a:t>set(</a:t>
+            </a:r>
+            <a:r>
+              <a:rPr lang="en-CA" sz="1000" dirty="0" err="1"/>
+              <a:t>humidity_threshold</a:t>
+            </a:r>
+            <a:r>
+              <a:rPr lang="en-CA" sz="1000" dirty="0"/>
+              <a:t>)</a:t>
             </a:r>
           </a:p>
         </p:txBody>
@@ -12392,7 +13005,7 @@
         <p:spPr>
           <a:xfrm>
             <a:off x="1038022" y="3085310"/>
-            <a:ext cx="2561920" cy="400110"/>
+            <a:ext cx="2597186" cy="400110"/>
           </a:xfrm>
           <a:prstGeom prst="rect">
             <a:avLst/>
@@ -12407,13 +13020,29 @@
           <a:p>
             <a:r>
               <a:rPr lang="en-CA" sz="1000" dirty="0"/>
-              <a:t>when [temperature &gt; temperature threshold;</a:t>
-            </a:r>
-          </a:p>
-          <a:p>
+              <a:t>when [temperature &gt; </a:t>
+            </a:r>
+            <a:r>
+              <a:rPr lang="en-CA" sz="1000" dirty="0" err="1"/>
+              <a:t>temperature_threshold</a:t>
+            </a:r>
             <a:r>
               <a:rPr lang="en-CA" sz="1000" dirty="0"/>
-              <a:t>            humidity &gt; humidity threshold]</a:t>
+              <a:t>;</a:t>
+            </a:r>
+          </a:p>
+          <a:p>
+            <a:r>
+              <a:rPr lang="en-CA" sz="1000" dirty="0"/>
+              <a:t>            humidity &gt; </a:t>
+            </a:r>
+            <a:r>
+              <a:rPr lang="en-CA" sz="1000" dirty="0" err="1"/>
+              <a:t>humidity_threshold</a:t>
+            </a:r>
+            <a:r>
+              <a:rPr lang="en-CA" sz="1000" dirty="0"/>
+              <a:t>]</a:t>
             </a:r>
           </a:p>
         </p:txBody>
@@ -12659,7 +13288,7 @@
           </a:xfrm>
           <a:prstGeom prst="bentConnector3">
             <a:avLst>
-              <a:gd name="adj1" fmla="val -623673"/>
+              <a:gd name="adj1" fmla="val -702888"/>
             </a:avLst>
           </a:prstGeom>
           <a:ln>
@@ -12706,7 +13335,7 @@
           </a:xfrm>
           <a:prstGeom prst="bentConnector3">
             <a:avLst>
-              <a:gd name="adj1" fmla="val -509589"/>
+              <a:gd name="adj1" fmla="val -523182"/>
             </a:avLst>
           </a:prstGeom>
           <a:ln>
@@ -12746,7 +13375,7 @@
         <p:spPr>
           <a:xfrm>
             <a:off x="6156243" y="3504713"/>
-            <a:ext cx="1762021" cy="553998"/>
+            <a:ext cx="1832553" cy="400110"/>
           </a:xfrm>
           <a:prstGeom prst="rect">
             <a:avLst/>
@@ -12761,7 +13390,7 @@
           <a:p>
             <a:r>
               <a:rPr lang="en-CA" sz="1000" dirty="0"/>
-              <a:t>[temperature ∈ normal range;</a:t>
+              <a:t>[temperature ∈ normal range ∨</a:t>
             </a:r>
           </a:p>
           <a:p>
@@ -12769,13 +13398,6 @@
               <a:rPr lang="en-CA" sz="1000" dirty="0"/>
               <a:t> humidity ∈ normal range]</a:t>
             </a:r>
-            <a:br>
-              <a:rPr lang="en-CA" sz="1000" dirty="0"/>
-            </a:br>
-            <a:r>
-              <a:rPr lang="en-CA" sz="1000" dirty="0"/>
-              <a:t>/ LED off</a:t>
-            </a:r>
           </a:p>
         </p:txBody>
       </p:sp>
@@ -12794,7 +13416,7 @@
         <p:spPr>
           <a:xfrm>
             <a:off x="7239757" y="4464718"/>
-            <a:ext cx="1614545" cy="553998"/>
+            <a:ext cx="1685077" cy="553998"/>
           </a:xfrm>
           <a:prstGeom prst="rect">
             <a:avLst/>
@@ -12809,7 +13431,7 @@
           <a:p>
             <a:r>
               <a:rPr lang="en-CA" sz="1000" dirty="0"/>
-              <a:t>[temperature ∈ high range;</a:t>
+              <a:t>[temperature ∈ high range ∨</a:t>
             </a:r>
           </a:p>
           <a:p>
@@ -12840,8 +13462,8 @@
         </p:nvSpPr>
         <p:spPr>
           <a:xfrm>
-            <a:off x="4240716" y="3162784"/>
-            <a:ext cx="1822935" cy="553998"/>
+            <a:off x="4035372" y="3171254"/>
+            <a:ext cx="2310248" cy="707886"/>
           </a:xfrm>
           <a:prstGeom prst="rect">
             <a:avLst/>
@@ -12856,19 +13478,25 @@
           <a:p>
             <a:r>
               <a:rPr lang="en-CA" sz="1000" dirty="0"/>
-              <a:t>[temperature ∈ medium range;</a:t>
+              <a:t>[humidity ∈ medium ∧ </a:t>
             </a:r>
           </a:p>
           <a:p>
             <a:r>
               <a:rPr lang="en-CA" sz="1000" dirty="0"/>
-              <a:t> humidity ∈ medium range] </a:t>
+              <a:t> temperature ∉ high) ∨ (humidity ∉ high </a:t>
             </a:r>
           </a:p>
           <a:p>
             <a:r>
               <a:rPr lang="en-CA" sz="1000" dirty="0"/>
-              <a:t>/ ORANG_LED on</a:t>
+              <a:t> ∧ temperature ∈ medium] </a:t>
+            </a:r>
+          </a:p>
+          <a:p>
+            <a:r>
+              <a:rPr lang="en-CA" sz="1000" dirty="0"/>
+              <a:t>/ ORANGE_LED on</a:t>
             </a:r>
           </a:p>
         </p:txBody>
